--- a/AIR TICKET RESERVATION SYSTEM.pptx
+++ b/AIR TICKET RESERVATION SYSTEM.pptx
@@ -2,15 +2,18 @@
 <file path=ppt/presentation.xml><?xml version="1.0" encoding="utf-8"?>
 <p:presentation xmlns:a="http://schemas.openxmlformats.org/drawingml/2006/main" xmlns:r="http://schemas.openxmlformats.org/officeDocument/2006/relationships" xmlns:p="http://schemas.openxmlformats.org/presentationml/2006/main" autoCompressPictures="0">
   <p:sldMasterIdLst>
-    <p:sldMasterId id="2147483852" r:id="rId1"/>
+    <p:sldMasterId id="2147483912" r:id="rId1"/>
   </p:sldMasterIdLst>
   <p:sldIdLst>
     <p:sldId id="256" r:id="rId2"/>
     <p:sldId id="257" r:id="rId3"/>
     <p:sldId id="258" r:id="rId4"/>
-    <p:sldId id="259" r:id="rId5"/>
-    <p:sldId id="260" r:id="rId6"/>
-    <p:sldId id="261" r:id="rId7"/>
+    <p:sldId id="260" r:id="rId5"/>
+    <p:sldId id="261" r:id="rId6"/>
+    <p:sldId id="262" r:id="rId7"/>
+    <p:sldId id="263" r:id="rId8"/>
+    <p:sldId id="264" r:id="rId9"/>
+    <p:sldId id="265" r:id="rId10"/>
   </p:sldIdLst>
   <p:sldSz cx="12192000" cy="6858000"/>
   <p:notesSz cx="6858000" cy="9144000"/>
@@ -117,8 +120,20 @@
 </p:presentation>
 </file>
 
+<file path=ppt/commentAuthors.xml><?xml version="1.0" encoding="utf-8"?>
+<p:cmAuthorLst xmlns:a="http://schemas.openxmlformats.org/drawingml/2006/main" xmlns:r="http://schemas.openxmlformats.org/officeDocument/2006/relationships" xmlns:p="http://schemas.openxmlformats.org/presentationml/2006/main">
+  <p:cmAuthor id="1" name="Rangaswamy, Keerthana (Contractor)" initials="RK(" lastIdx="1" clrIdx="0">
+    <p:extLst>
+      <p:ext uri="{19B8F6BF-5375-455C-9EA6-DF929625EA0E}">
+        <p15:presenceInfo xmlns:p15="http://schemas.microsoft.com/office/powerpoint/2012/main" userId="S-1-5-21-1178368992-402679808-390482200-2753627" providerId="AD"/>
+      </p:ext>
+    </p:extLst>
+  </p:cmAuthor>
+</p:cmAuthorLst>
+</file>
+
 <file path=ppt/slideLayouts/slideLayout1.xml><?xml version="1.0" encoding="utf-8"?>
-<p:sldLayout xmlns:a="http://schemas.openxmlformats.org/drawingml/2006/main" xmlns:r="http://schemas.openxmlformats.org/officeDocument/2006/relationships" xmlns:p="http://schemas.openxmlformats.org/presentationml/2006/main" type="title" preserve="1">
+<p:sldLayout xmlns:a="http://schemas.openxmlformats.org/drawingml/2006/main" xmlns:r="http://schemas.openxmlformats.org/officeDocument/2006/relationships" xmlns:p="http://schemas.openxmlformats.org/presentationml/2006/main" showMasterSp="0" type="title" preserve="1">
   <p:cSld name="Title Slide">
     <p:spTree>
       <p:nvGrpSpPr>
@@ -134,50 +149,333 @@
           <a:chExt cx="0" cy="0"/>
         </a:xfrm>
       </p:grpSpPr>
-      <p:pic>
-        <p:nvPicPr>
-          <p:cNvPr id="7" name="Picture 6" descr="Droplets-HD-Title-R1d.png"/>
-          <p:cNvPicPr>
-            <a:picLocks noChangeAspect="1"/>
-          </p:cNvPicPr>
+      <p:grpSp>
+        <p:nvGrpSpPr>
+          <p:cNvPr id="19" name="Group 18"/>
+          <p:cNvGrpSpPr/>
           <p:nvPr/>
-        </p:nvPicPr>
-        <p:blipFill>
-          <a:blip r:embed="rId2">
-            <a:extLst>
-              <a:ext uri="{28A0092B-C50C-407E-A947-70E740481C1C}">
-                <a14:useLocalDpi xmlns:a14="http://schemas.microsoft.com/office/drawing/2010/main" val="0"/>
-              </a:ext>
-            </a:extLst>
-          </a:blip>
-          <a:stretch>
-            <a:fillRect/>
-          </a:stretch>
-        </p:blipFill>
+        </p:nvGrpSpPr>
+        <p:grpSpPr>
+          <a:xfrm>
+            <a:off x="546100" y="-4763"/>
+            <a:ext cx="5014912" cy="6862763"/>
+            <a:chOff x="2928938" y="-4763"/>
+            <a:chExt cx="5014912" cy="6862763"/>
+          </a:xfrm>
+        </p:grpSpPr>
+        <p:sp>
+          <p:nvSpPr>
+            <p:cNvPr id="22" name="Freeform 6"/>
+            <p:cNvSpPr/>
+            <p:nvPr/>
+          </p:nvSpPr>
+          <p:spPr bwMode="auto">
+            <a:xfrm>
+              <a:off x="3367088" y="-4763"/>
+              <a:ext cx="1063625" cy="2782888"/>
+            </a:xfrm>
+            <a:custGeom>
+              <a:avLst/>
+              <a:gdLst/>
+              <a:ahLst/>
+              <a:cxnLst/>
+              <a:rect l="0" t="0" r="r" b="b"/>
+              <a:pathLst>
+                <a:path w="670" h="1753">
+                  <a:moveTo>
+                    <a:pt x="0" y="1696"/>
+                  </a:moveTo>
+                  <a:lnTo>
+                    <a:pt x="225" y="1753"/>
+                  </a:lnTo>
+                  <a:lnTo>
+                    <a:pt x="670" y="0"/>
+                  </a:lnTo>
+                  <a:lnTo>
+                    <a:pt x="430" y="0"/>
+                  </a:lnTo>
+                  <a:lnTo>
+                    <a:pt x="0" y="1696"/>
+                  </a:lnTo>
+                  <a:close/>
+                </a:path>
+              </a:pathLst>
+            </a:custGeom>
+            <a:solidFill>
+              <a:schemeClr val="accent1"/>
+            </a:solidFill>
+            <a:ln>
+              <a:noFill/>
+            </a:ln>
+          </p:spPr>
+        </p:sp>
+        <p:sp>
+          <p:nvSpPr>
+            <p:cNvPr id="23" name="Freeform 7"/>
+            <p:cNvSpPr/>
+            <p:nvPr/>
+          </p:nvSpPr>
+          <p:spPr bwMode="auto">
+            <a:xfrm>
+              <a:off x="2928938" y="-4763"/>
+              <a:ext cx="1035050" cy="2673350"/>
+            </a:xfrm>
+            <a:custGeom>
+              <a:avLst/>
+              <a:gdLst/>
+              <a:ahLst/>
+              <a:cxnLst/>
+              <a:rect l="0" t="0" r="r" b="b"/>
+              <a:pathLst>
+                <a:path w="652" h="1684">
+                  <a:moveTo>
+                    <a:pt x="225" y="1684"/>
+                  </a:moveTo>
+                  <a:lnTo>
+                    <a:pt x="652" y="0"/>
+                  </a:lnTo>
+                  <a:lnTo>
+                    <a:pt x="411" y="0"/>
+                  </a:lnTo>
+                  <a:lnTo>
+                    <a:pt x="0" y="1627"/>
+                  </a:lnTo>
+                  <a:lnTo>
+                    <a:pt x="219" y="1681"/>
+                  </a:lnTo>
+                  <a:lnTo>
+                    <a:pt x="225" y="1684"/>
+                  </a:lnTo>
+                  <a:close/>
+                </a:path>
+              </a:pathLst>
+            </a:custGeom>
+            <a:solidFill>
+              <a:schemeClr val="tx1">
+                <a:lumMod val="65000"/>
+                <a:lumOff val="35000"/>
+              </a:schemeClr>
+            </a:solidFill>
+            <a:ln>
+              <a:noFill/>
+            </a:ln>
+          </p:spPr>
+        </p:sp>
+        <p:sp>
+          <p:nvSpPr>
+            <p:cNvPr id="24" name="Freeform 9"/>
+            <p:cNvSpPr/>
+            <p:nvPr/>
+          </p:nvSpPr>
+          <p:spPr bwMode="auto">
+            <a:xfrm>
+              <a:off x="2928938" y="2582862"/>
+              <a:ext cx="2693987" cy="4275138"/>
+            </a:xfrm>
+            <a:custGeom>
+              <a:avLst/>
+              <a:gdLst/>
+              <a:ahLst/>
+              <a:cxnLst/>
+              <a:rect l="0" t="0" r="r" b="b"/>
+              <a:pathLst>
+                <a:path w="1697" h="2693">
+                  <a:moveTo>
+                    <a:pt x="0" y="0"/>
+                  </a:moveTo>
+                  <a:lnTo>
+                    <a:pt x="1622" y="2693"/>
+                  </a:lnTo>
+                  <a:lnTo>
+                    <a:pt x="1697" y="2693"/>
+                  </a:lnTo>
+                  <a:lnTo>
+                    <a:pt x="0" y="0"/>
+                  </a:lnTo>
+                  <a:close/>
+                </a:path>
+              </a:pathLst>
+            </a:custGeom>
+            <a:solidFill>
+              <a:schemeClr val="tx1">
+                <a:lumMod val="85000"/>
+                <a:lumOff val="15000"/>
+              </a:schemeClr>
+            </a:solidFill>
+            <a:ln>
+              <a:noFill/>
+            </a:ln>
+          </p:spPr>
+        </p:sp>
+        <p:sp>
+          <p:nvSpPr>
+            <p:cNvPr id="25" name="Freeform 10"/>
+            <p:cNvSpPr/>
+            <p:nvPr/>
+          </p:nvSpPr>
+          <p:spPr bwMode="auto">
+            <a:xfrm>
+              <a:off x="3371850" y="2692400"/>
+              <a:ext cx="3332162" cy="4165600"/>
+            </a:xfrm>
+            <a:custGeom>
+              <a:avLst/>
+              <a:gdLst/>
+              <a:ahLst/>
+              <a:cxnLst/>
+              <a:rect l="0" t="0" r="r" b="b"/>
+              <a:pathLst>
+                <a:path w="2099" h="2624">
+                  <a:moveTo>
+                    <a:pt x="2099" y="2624"/>
+                  </a:moveTo>
+                  <a:lnTo>
+                    <a:pt x="0" y="0"/>
+                  </a:lnTo>
+                  <a:lnTo>
+                    <a:pt x="2021" y="2624"/>
+                  </a:lnTo>
+                  <a:lnTo>
+                    <a:pt x="2099" y="2624"/>
+                  </a:lnTo>
+                  <a:close/>
+                </a:path>
+              </a:pathLst>
+            </a:custGeom>
+            <a:solidFill>
+              <a:schemeClr val="accent1">
+                <a:lumMod val="50000"/>
+              </a:schemeClr>
+            </a:solidFill>
+            <a:ln>
+              <a:noFill/>
+            </a:ln>
+          </p:spPr>
+        </p:sp>
+        <p:sp>
+          <p:nvSpPr>
+            <p:cNvPr id="26" name="Freeform 11"/>
+            <p:cNvSpPr/>
+            <p:nvPr/>
+          </p:nvSpPr>
+          <p:spPr bwMode="auto">
+            <a:xfrm>
+              <a:off x="3367088" y="2687637"/>
+              <a:ext cx="4576762" cy="4170363"/>
+            </a:xfrm>
+            <a:custGeom>
+              <a:avLst/>
+              <a:gdLst/>
+              <a:ahLst/>
+              <a:cxnLst/>
+              <a:rect l="0" t="0" r="r" b="b"/>
+              <a:pathLst>
+                <a:path w="2883" h="2627">
+                  <a:moveTo>
+                    <a:pt x="0" y="0"/>
+                  </a:moveTo>
+                  <a:lnTo>
+                    <a:pt x="3" y="3"/>
+                  </a:lnTo>
+                  <a:lnTo>
+                    <a:pt x="2102" y="2627"/>
+                  </a:lnTo>
+                  <a:lnTo>
+                    <a:pt x="2883" y="2627"/>
+                  </a:lnTo>
+                  <a:lnTo>
+                    <a:pt x="225" y="57"/>
+                  </a:lnTo>
+                  <a:lnTo>
+                    <a:pt x="0" y="0"/>
+                  </a:lnTo>
+                  <a:close/>
+                </a:path>
+              </a:pathLst>
+            </a:custGeom>
+            <a:solidFill>
+              <a:schemeClr val="accent1">
+                <a:lumMod val="75000"/>
+              </a:schemeClr>
+            </a:solidFill>
+            <a:ln>
+              <a:noFill/>
+            </a:ln>
+          </p:spPr>
+        </p:sp>
+        <p:sp>
+          <p:nvSpPr>
+            <p:cNvPr id="27" name="Freeform 12"/>
+            <p:cNvSpPr/>
+            <p:nvPr/>
+          </p:nvSpPr>
+          <p:spPr bwMode="auto">
+            <a:xfrm>
+              <a:off x="2928938" y="2578100"/>
+              <a:ext cx="3584575" cy="4279900"/>
+            </a:xfrm>
+            <a:custGeom>
+              <a:avLst/>
+              <a:gdLst/>
+              <a:ahLst/>
+              <a:cxnLst/>
+              <a:rect l="0" t="0" r="r" b="b"/>
+              <a:pathLst>
+                <a:path w="2258" h="2696">
+                  <a:moveTo>
+                    <a:pt x="2258" y="2696"/>
+                  </a:moveTo>
+                  <a:lnTo>
+                    <a:pt x="264" y="111"/>
+                  </a:lnTo>
+                  <a:lnTo>
+                    <a:pt x="228" y="60"/>
+                  </a:lnTo>
+                  <a:lnTo>
+                    <a:pt x="225" y="57"/>
+                  </a:lnTo>
+                  <a:lnTo>
+                    <a:pt x="0" y="0"/>
+                  </a:lnTo>
+                  <a:lnTo>
+                    <a:pt x="0" y="3"/>
+                  </a:lnTo>
+                  <a:lnTo>
+                    <a:pt x="1697" y="2696"/>
+                  </a:lnTo>
+                  <a:lnTo>
+                    <a:pt x="2258" y="2696"/>
+                  </a:lnTo>
+                  <a:close/>
+                </a:path>
+              </a:pathLst>
+            </a:custGeom>
+            <a:solidFill>
+              <a:schemeClr val="tx1">
+                <a:lumMod val="75000"/>
+                <a:lumOff val="25000"/>
+              </a:schemeClr>
+            </a:solidFill>
+            <a:ln>
+              <a:noFill/>
+            </a:ln>
+          </p:spPr>
+        </p:sp>
+      </p:grpSp>
+      <p:sp>
+        <p:nvSpPr>
+          <p:cNvPr id="2" name="Title 1"/>
+          <p:cNvSpPr>
+            <a:spLocks noGrp="1"/>
+          </p:cNvSpPr>
+          <p:nvPr>
+            <p:ph type="ctrTitle"/>
+          </p:nvPr>
+        </p:nvSpPr>
         <p:spPr>
           <a:xfrm>
-            <a:off x="0" y="0"/>
-            <a:ext cx="12192000" cy="6858000"/>
-          </a:xfrm>
-          <a:prstGeom prst="rect">
-            <a:avLst/>
-          </a:prstGeom>
-        </p:spPr>
-      </p:pic>
-      <p:sp>
-        <p:nvSpPr>
-          <p:cNvPr id="2" name="Title 1"/>
-          <p:cNvSpPr>
-            <a:spLocks noGrp="1"/>
-          </p:cNvSpPr>
-          <p:nvPr>
-            <p:ph type="ctrTitle"/>
-          </p:nvPr>
-        </p:nvSpPr>
-        <p:spPr>
-          <a:xfrm>
-            <a:off x="1751012" y="1300785"/>
-            <a:ext cx="8689976" cy="2509213"/>
+            <a:off x="2928401" y="1380068"/>
+            <a:ext cx="8574622" cy="2616199"/>
           </a:xfrm>
         </p:spPr>
         <p:txBody>
@@ -185,8 +483,10 @@
             <a:normAutofit/>
           </a:bodyPr>
           <a:lstStyle>
-            <a:lvl1pPr algn="ctr">
-              <a:defRPr sz="4800"/>
+            <a:lvl1pPr algn="r">
+              <a:defRPr sz="6000">
+                <a:effectLst/>
+              </a:defRPr>
             </a:lvl1pPr>
           </a:lstStyle>
           <a:p>
@@ -210,56 +510,102 @@
         </p:nvSpPr>
         <p:spPr>
           <a:xfrm>
-            <a:off x="1751012" y="3886200"/>
-            <a:ext cx="8689976" cy="1371599"/>
+            <a:off x="4515377" y="3996267"/>
+            <a:ext cx="6987645" cy="1388534"/>
           </a:xfrm>
         </p:spPr>
         <p:txBody>
-          <a:bodyPr>
+          <a:bodyPr anchor="t">
             <a:normAutofit/>
           </a:bodyPr>
           <a:lstStyle>
-            <a:lvl1pPr marL="0" indent="0" algn="ctr">
-              <a:buNone/>
-              <a:defRPr sz="2200">
-                <a:solidFill>
-                  <a:schemeClr val="bg1">
-                    <a:lumMod val="50000"/>
-                  </a:schemeClr>
+            <a:lvl1pPr marL="0" indent="0" algn="r">
+              <a:buNone/>
+              <a:defRPr sz="2100">
+                <a:solidFill>
+                  <a:schemeClr val="tx1"/>
                 </a:solidFill>
               </a:defRPr>
             </a:lvl1pPr>
             <a:lvl2pPr marL="457200" indent="0" algn="ctr">
               <a:buNone/>
-              <a:defRPr sz="2000"/>
+              <a:defRPr>
+                <a:solidFill>
+                  <a:schemeClr val="tx1">
+                    <a:tint val="75000"/>
+                  </a:schemeClr>
+                </a:solidFill>
+              </a:defRPr>
             </a:lvl2pPr>
             <a:lvl3pPr marL="914400" indent="0" algn="ctr">
               <a:buNone/>
-              <a:defRPr sz="1800"/>
+              <a:defRPr>
+                <a:solidFill>
+                  <a:schemeClr val="tx1">
+                    <a:tint val="75000"/>
+                  </a:schemeClr>
+                </a:solidFill>
+              </a:defRPr>
             </a:lvl3pPr>
             <a:lvl4pPr marL="1371600" indent="0" algn="ctr">
               <a:buNone/>
-              <a:defRPr sz="1600"/>
+              <a:defRPr>
+                <a:solidFill>
+                  <a:schemeClr val="tx1">
+                    <a:tint val="75000"/>
+                  </a:schemeClr>
+                </a:solidFill>
+              </a:defRPr>
             </a:lvl4pPr>
             <a:lvl5pPr marL="1828800" indent="0" algn="ctr">
               <a:buNone/>
-              <a:defRPr sz="1600"/>
+              <a:defRPr>
+                <a:solidFill>
+                  <a:schemeClr val="tx1">
+                    <a:tint val="75000"/>
+                  </a:schemeClr>
+                </a:solidFill>
+              </a:defRPr>
             </a:lvl5pPr>
             <a:lvl6pPr marL="2286000" indent="0" algn="ctr">
               <a:buNone/>
-              <a:defRPr sz="1600"/>
+              <a:defRPr>
+                <a:solidFill>
+                  <a:schemeClr val="tx1">
+                    <a:tint val="75000"/>
+                  </a:schemeClr>
+                </a:solidFill>
+              </a:defRPr>
             </a:lvl6pPr>
             <a:lvl7pPr marL="2743200" indent="0" algn="ctr">
               <a:buNone/>
-              <a:defRPr sz="1600"/>
+              <a:defRPr>
+                <a:solidFill>
+                  <a:schemeClr val="tx1">
+                    <a:tint val="75000"/>
+                  </a:schemeClr>
+                </a:solidFill>
+              </a:defRPr>
             </a:lvl7pPr>
             <a:lvl8pPr marL="3200400" indent="0" algn="ctr">
               <a:buNone/>
-              <a:defRPr sz="1600"/>
+              <a:defRPr>
+                <a:solidFill>
+                  <a:schemeClr val="tx1">
+                    <a:tint val="75000"/>
+                  </a:schemeClr>
+                </a:solidFill>
+              </a:defRPr>
             </a:lvl8pPr>
             <a:lvl9pPr marL="3657600" indent="0" algn="ctr">
               <a:buNone/>
-              <a:defRPr sz="1600"/>
+              <a:defRPr>
+                <a:solidFill>
+                  <a:schemeClr val="tx1">
+                    <a:tint val="75000"/>
+                  </a:schemeClr>
+                </a:solidFill>
+              </a:defRPr>
             </a:lvl9pPr>
           </a:lstStyle>
           <a:p>
@@ -305,7 +651,12 @@
             <p:ph type="ftr" sz="quarter" idx="11"/>
           </p:nvPr>
         </p:nvSpPr>
-        <p:spPr/>
+        <p:spPr>
+          <a:xfrm>
+            <a:off x="5332412" y="5883275"/>
+            <a:ext cx="4324044" cy="365125"/>
+          </a:xfrm>
+        </p:spPr>
         <p:txBody>
           <a:bodyPr/>
           <a:lstStyle/>
@@ -341,7 +692,7 @@
     </p:spTree>
     <p:extLst>
       <p:ext uri="{BB962C8B-B14F-4D97-AF65-F5344CB8AC3E}">
-        <p14:creationId xmlns:p14="http://schemas.microsoft.com/office/powerpoint/2010/main" val="403042876"/>
+        <p14:creationId xmlns:p14="http://schemas.microsoft.com/office/powerpoint/2010/main" val="3827199906"/>
       </p:ext>
     </p:extLst>
   </p:cSld>
@@ -368,176 +719,88 @@
           <a:chExt cx="0" cy="0"/>
         </a:xfrm>
       </p:grpSpPr>
-      <p:pic>
-        <p:nvPicPr>
-          <p:cNvPr id="10" name="Picture 9" descr="Droplets-HD-Content-R1d.png"/>
-          <p:cNvPicPr>
-            <a:picLocks noChangeAspect="1"/>
-          </p:cNvPicPr>
-          <p:nvPr/>
-        </p:nvPicPr>
-        <p:blipFill>
-          <a:blip r:embed="rId2">
-            <a:extLst>
-              <a:ext uri="{28A0092B-C50C-407E-A947-70E740481C1C}">
-                <a14:useLocalDpi xmlns:a14="http://schemas.microsoft.com/office/drawing/2010/main" val="0"/>
-              </a:ext>
-            </a:extLst>
-          </a:blip>
-          <a:stretch>
-            <a:fillRect/>
-          </a:stretch>
-        </p:blipFill>
+      <p:sp>
+        <p:nvSpPr>
+          <p:cNvPr id="2" name="Title 1"/>
+          <p:cNvSpPr>
+            <a:spLocks noGrp="1"/>
+          </p:cNvSpPr>
+          <p:nvPr>
+            <p:ph type="title"/>
+          </p:nvPr>
+        </p:nvSpPr>
         <p:spPr>
           <a:xfrm>
-            <a:off x="0" y="0"/>
-            <a:ext cx="12192000" cy="6858000"/>
+            <a:off x="1484311" y="4732865"/>
+            <a:ext cx="10018711" cy="566738"/>
           </a:xfrm>
-          <a:prstGeom prst="rect">
-            <a:avLst/>
-          </a:prstGeom>
         </p:spPr>
-      </p:pic>
-      <p:sp>
-        <p:nvSpPr>
-          <p:cNvPr id="2" name="Title 1"/>
-          <p:cNvSpPr>
-            <a:spLocks noGrp="1"/>
-          </p:cNvSpPr>
-          <p:nvPr>
-            <p:ph type="title"/>
+        <p:txBody>
+          <a:bodyPr anchor="b">
+            <a:normAutofit/>
+          </a:bodyPr>
+          <a:lstStyle>
+            <a:lvl1pPr algn="ctr">
+              <a:defRPr sz="2400" b="0"/>
+            </a:lvl1pPr>
+          </a:lstStyle>
+          <a:p>
+            <a:r>
+              <a:rPr lang="en-US" smtClean="0"/>
+              <a:t>Click to edit Master title style</a:t>
+            </a:r>
+            <a:endParaRPr lang="en-US" dirty="0"/>
+          </a:p>
+        </p:txBody>
+      </p:sp>
+      <p:sp>
+        <p:nvSpPr>
+          <p:cNvPr id="3" name="Picture Placeholder 2"/>
+          <p:cNvSpPr>
+            <a:spLocks noGrp="1" noChangeAspect="1"/>
+          </p:cNvSpPr>
+          <p:nvPr>
+            <p:ph type="pic" idx="1"/>
           </p:nvPr>
         </p:nvSpPr>
         <p:spPr>
           <a:xfrm>
-            <a:off x="913794" y="4289374"/>
-            <a:ext cx="10364432" cy="811610"/>
-          </a:xfrm>
-        </p:spPr>
-        <p:txBody>
-          <a:bodyPr anchor="b"/>
-          <a:lstStyle>
-            <a:lvl1pPr>
-              <a:defRPr sz="3200"/>
-            </a:lvl1pPr>
-          </a:lstStyle>
-          <a:p>
-            <a:r>
-              <a:rPr lang="en-US" smtClean="0"/>
-              <a:t>Click to edit Master title style</a:t>
-            </a:r>
-            <a:endParaRPr lang="en-US" dirty="0"/>
-          </a:p>
-        </p:txBody>
-      </p:sp>
-      <p:sp>
-        <p:nvSpPr>
-          <p:cNvPr id="3" name="Picture Placeholder 2"/>
-          <p:cNvSpPr>
-            <a:spLocks noGrp="1" noChangeAspect="1"/>
-          </p:cNvSpPr>
-          <p:nvPr>
-            <p:ph type="pic" idx="1"/>
-          </p:nvPr>
-        </p:nvSpPr>
-        <p:spPr>
-          <a:xfrm>
-            <a:off x="1184744" y="698261"/>
-            <a:ext cx="9822532" cy="3214136"/>
+            <a:off x="2386012" y="932112"/>
+            <a:ext cx="8225944" cy="3164976"/>
           </a:xfrm>
           <a:prstGeom prst="roundRect">
             <a:avLst>
-              <a:gd name="adj" fmla="val 4944"/>
+              <a:gd name="adj" fmla="val 4380"/>
             </a:avLst>
           </a:prstGeom>
-          <a:noFill/>
-          <a:ln w="82550" cap="sq">
-            <a:solidFill>
-              <a:srgbClr val="EAEAEA"/>
-            </a:solidFill>
-            <a:miter lim="800000"/>
+          <a:ln w="38100">
+            <a:gradFill flip="none" rotWithShape="1">
+              <a:gsLst>
+                <a:gs pos="0">
+                  <a:schemeClr val="bg2"/>
+                </a:gs>
+                <a:gs pos="100000">
+                  <a:schemeClr val="bg2">
+                    <a:lumMod val="75000"/>
+                  </a:schemeClr>
+                </a:gs>
+              </a:gsLst>
+              <a:lin ang="5400000" scaled="0"/>
+              <a:tileRect/>
+            </a:gradFill>
           </a:ln>
-          <a:effectLst/>
-          <a:scene3d>
-            <a:camera prst="orthographicFront"/>
-            <a:lightRig rig="threePt" dir="t">
-              <a:rot lat="0" lon="0" rev="2700000"/>
-            </a:lightRig>
-          </a:scene3d>
-          <a:sp3d contourW="6350">
-            <a:bevelT h="38100"/>
-            <a:contourClr>
-              <a:srgbClr val="C0C0C0"/>
-            </a:contourClr>
-          </a:sp3d>
+          <a:effectLst>
+            <a:innerShdw blurRad="57150" dist="38100" dir="14460000">
+              <a:srgbClr val="000000">
+                <a:alpha val="70000"/>
+              </a:srgbClr>
+            </a:innerShdw>
+          </a:effectLst>
         </p:spPr>
         <p:txBody>
-          <a:bodyPr anchor="t"/>
-          <a:lstStyle>
-            <a:lvl1pPr marL="0" indent="0" algn="ctr">
-              <a:buNone/>
-              <a:defRPr sz="3200"/>
-            </a:lvl1pPr>
-            <a:lvl2pPr marL="457200" indent="0">
-              <a:buNone/>
-              <a:defRPr sz="2800"/>
-            </a:lvl2pPr>
-            <a:lvl3pPr marL="914400" indent="0">
-              <a:buNone/>
-              <a:defRPr sz="2400"/>
-            </a:lvl3pPr>
-            <a:lvl4pPr marL="1371600" indent="0">
-              <a:buNone/>
-              <a:defRPr sz="2000"/>
-            </a:lvl4pPr>
-            <a:lvl5pPr marL="1828800" indent="0">
-              <a:buNone/>
-              <a:defRPr sz="2000"/>
-            </a:lvl5pPr>
-            <a:lvl6pPr marL="2286000" indent="0">
-              <a:buNone/>
-              <a:defRPr sz="2000"/>
-            </a:lvl6pPr>
-            <a:lvl7pPr marL="2743200" indent="0">
-              <a:buNone/>
-              <a:defRPr sz="2000"/>
-            </a:lvl7pPr>
-            <a:lvl8pPr marL="3200400" indent="0">
-              <a:buNone/>
-              <a:defRPr sz="2000"/>
-            </a:lvl8pPr>
-            <a:lvl9pPr marL="3657600" indent="0">
-              <a:buNone/>
-              <a:defRPr sz="2000"/>
-            </a:lvl9pPr>
-          </a:lstStyle>
-          <a:p>
-            <a:r>
-              <a:rPr lang="en-US" smtClean="0"/>
-              <a:t>Click icon to add picture</a:t>
-            </a:r>
-            <a:endParaRPr lang="en-US" dirty="0"/>
-          </a:p>
-        </p:txBody>
-      </p:sp>
-      <p:sp>
-        <p:nvSpPr>
-          <p:cNvPr id="4" name="Text Placeholder 3"/>
-          <p:cNvSpPr>
-            <a:spLocks noGrp="1"/>
-          </p:cNvSpPr>
-          <p:nvPr>
-            <p:ph type="body" sz="half" idx="2"/>
-          </p:nvPr>
-        </p:nvSpPr>
-        <p:spPr>
-          <a:xfrm>
-            <a:off x="913774" y="5108728"/>
-            <a:ext cx="10364452" cy="682472"/>
-          </a:xfrm>
-        </p:spPr>
-        <p:txBody>
-          <a:bodyPr/>
+          <a:bodyPr anchor="t">
+            <a:normAutofit/>
+          </a:bodyPr>
           <a:lstStyle>
             <a:lvl1pPr marL="0" indent="0" algn="ctr">
               <a:buNone/>
@@ -545,35 +808,102 @@
             </a:lvl1pPr>
             <a:lvl2pPr marL="457200" indent="0">
               <a:buNone/>
-              <a:defRPr sz="1400"/>
+              <a:defRPr sz="1600"/>
             </a:lvl2pPr>
             <a:lvl3pPr marL="914400" indent="0">
               <a:buNone/>
-              <a:defRPr sz="1200"/>
+              <a:defRPr sz="1600"/>
             </a:lvl3pPr>
             <a:lvl4pPr marL="1371600" indent="0">
               <a:buNone/>
-              <a:defRPr sz="1000"/>
+              <a:defRPr sz="1600"/>
             </a:lvl4pPr>
             <a:lvl5pPr marL="1828800" indent="0">
               <a:buNone/>
-              <a:defRPr sz="1000"/>
+              <a:defRPr sz="1600"/>
             </a:lvl5pPr>
             <a:lvl6pPr marL="2286000" indent="0">
               <a:buNone/>
-              <a:defRPr sz="1000"/>
+              <a:defRPr sz="1600"/>
             </a:lvl6pPr>
             <a:lvl7pPr marL="2743200" indent="0">
               <a:buNone/>
-              <a:defRPr sz="1000"/>
+              <a:defRPr sz="1600"/>
             </a:lvl7pPr>
             <a:lvl8pPr marL="3200400" indent="0">
               <a:buNone/>
-              <a:defRPr sz="1000"/>
+              <a:defRPr sz="1600"/>
             </a:lvl8pPr>
             <a:lvl9pPr marL="3657600" indent="0">
               <a:buNone/>
+              <a:defRPr sz="1600"/>
+            </a:lvl9pPr>
+          </a:lstStyle>
+          <a:p>
+            <a:r>
+              <a:rPr lang="en-US" smtClean="0"/>
+              <a:t>Click icon to add picture</a:t>
+            </a:r>
+            <a:endParaRPr lang="en-US" dirty="0"/>
+          </a:p>
+        </p:txBody>
+      </p:sp>
+      <p:sp>
+        <p:nvSpPr>
+          <p:cNvPr id="4" name="Text Placeholder 3"/>
+          <p:cNvSpPr>
+            <a:spLocks noGrp="1"/>
+          </p:cNvSpPr>
+          <p:nvPr>
+            <p:ph type="body" sz="half" idx="2"/>
+          </p:nvPr>
+        </p:nvSpPr>
+        <p:spPr>
+          <a:xfrm>
+            <a:off x="1484311" y="5299603"/>
+            <a:ext cx="10018711" cy="493712"/>
+          </a:xfrm>
+        </p:spPr>
+        <p:txBody>
+          <a:bodyPr>
+            <a:normAutofit/>
+          </a:bodyPr>
+          <a:lstStyle>
+            <a:lvl1pPr marL="0" indent="0" algn="ctr">
+              <a:buNone/>
+              <a:defRPr sz="1400"/>
+            </a:lvl1pPr>
+            <a:lvl2pPr marL="457200" indent="0">
+              <a:buNone/>
+              <a:defRPr sz="1200"/>
+            </a:lvl2pPr>
+            <a:lvl3pPr marL="914400" indent="0">
+              <a:buNone/>
               <a:defRPr sz="1000"/>
+            </a:lvl3pPr>
+            <a:lvl4pPr marL="1371600" indent="0">
+              <a:buNone/>
+              <a:defRPr sz="900"/>
+            </a:lvl4pPr>
+            <a:lvl5pPr marL="1828800" indent="0">
+              <a:buNone/>
+              <a:defRPr sz="900"/>
+            </a:lvl5pPr>
+            <a:lvl6pPr marL="2286000" indent="0">
+              <a:buNone/>
+              <a:defRPr sz="900"/>
+            </a:lvl6pPr>
+            <a:lvl7pPr marL="2743200" indent="0">
+              <a:buNone/>
+              <a:defRPr sz="900"/>
+            </a:lvl7pPr>
+            <a:lvl8pPr marL="3200400" indent="0">
+              <a:buNone/>
+              <a:defRPr sz="900"/>
+            </a:lvl8pPr>
+            <a:lvl9pPr marL="3657600" indent="0">
+              <a:buNone/>
+              <a:defRPr sz="900"/>
             </a:lvl9pPr>
           </a:lstStyle>
           <a:p>
@@ -655,7 +985,7 @@
     </p:spTree>
     <p:extLst>
       <p:ext uri="{BB962C8B-B14F-4D97-AF65-F5344CB8AC3E}">
-        <p14:creationId xmlns:p14="http://schemas.microsoft.com/office/powerpoint/2010/main" val="2507818271"/>
+        <p14:creationId xmlns:p14="http://schemas.microsoft.com/office/powerpoint/2010/main" val="3926495786"/>
       </p:ext>
     </p:extLst>
   </p:cSld>
@@ -683,122 +1013,148 @@
           <a:chExt cx="0" cy="0"/>
         </a:xfrm>
       </p:grpSpPr>
-      <p:pic>
-        <p:nvPicPr>
-          <p:cNvPr id="8" name="Picture 7" descr="Droplets-HD-Content-R1d.png"/>
-          <p:cNvPicPr>
-            <a:picLocks noChangeAspect="1"/>
-          </p:cNvPicPr>
-          <p:nvPr/>
-        </p:nvPicPr>
-        <p:blipFill>
-          <a:blip r:embed="rId2">
-            <a:extLst>
-              <a:ext uri="{28A0092B-C50C-407E-A947-70E740481C1C}">
-                <a14:useLocalDpi xmlns:a14="http://schemas.microsoft.com/office/drawing/2010/main" val="0"/>
-              </a:ext>
-            </a:extLst>
-          </a:blip>
-          <a:stretch>
-            <a:fillRect/>
-          </a:stretch>
-        </p:blipFill>
+      <p:sp>
+        <p:nvSpPr>
+          <p:cNvPr id="2" name="Title 1"/>
+          <p:cNvSpPr>
+            <a:spLocks noGrp="1"/>
+          </p:cNvSpPr>
+          <p:nvPr>
+            <p:ph type="title"/>
+          </p:nvPr>
+        </p:nvSpPr>
         <p:spPr>
           <a:xfrm>
-            <a:off x="0" y="0"/>
-            <a:ext cx="12192000" cy="6858000"/>
+            <a:off x="1484312" y="685800"/>
+            <a:ext cx="10018711" cy="3048000"/>
           </a:xfrm>
-          <a:prstGeom prst="rect">
-            <a:avLst/>
-          </a:prstGeom>
         </p:spPr>
-      </p:pic>
-      <p:sp>
-        <p:nvSpPr>
-          <p:cNvPr id="2" name="Title 1"/>
-          <p:cNvSpPr>
-            <a:spLocks noGrp="1"/>
-          </p:cNvSpPr>
-          <p:nvPr>
-            <p:ph type="title"/>
+        <p:txBody>
+          <a:bodyPr anchor="ctr">
+            <a:normAutofit/>
+          </a:bodyPr>
+          <a:lstStyle>
+            <a:lvl1pPr algn="ctr">
+              <a:defRPr sz="3200" b="0" cap="none"/>
+            </a:lvl1pPr>
+          </a:lstStyle>
+          <a:p>
+            <a:r>
+              <a:rPr lang="en-US" smtClean="0"/>
+              <a:t>Click to edit Master title style</a:t>
+            </a:r>
+            <a:endParaRPr lang="en-US" dirty="0"/>
+          </a:p>
+        </p:txBody>
+      </p:sp>
+      <p:sp>
+        <p:nvSpPr>
+          <p:cNvPr id="3" name="Text Placeholder 2"/>
+          <p:cNvSpPr>
+            <a:spLocks noGrp="1"/>
+          </p:cNvSpPr>
+          <p:nvPr>
+            <p:ph type="body" idx="1"/>
           </p:nvPr>
         </p:nvSpPr>
         <p:spPr>
           <a:xfrm>
-            <a:off x="913774" y="609599"/>
-            <a:ext cx="10364452" cy="3427245"/>
+            <a:off x="1484312" y="4343400"/>
+            <a:ext cx="10018713" cy="1447800"/>
           </a:xfrm>
         </p:spPr>
         <p:txBody>
-          <a:bodyPr anchor="ctr"/>
-          <a:lstStyle>
-            <a:lvl1pPr algn="ctr">
-              <a:defRPr sz="3200"/>
-            </a:lvl1pPr>
-          </a:lstStyle>
-          <a:p>
-            <a:r>
-              <a:rPr lang="en-US" smtClean="0"/>
-              <a:t>Click to edit Master title style</a:t>
-            </a:r>
-            <a:endParaRPr lang="en-US" dirty="0"/>
-          </a:p>
-        </p:txBody>
-      </p:sp>
-      <p:sp>
-        <p:nvSpPr>
-          <p:cNvPr id="4" name="Text Placeholder 3"/>
-          <p:cNvSpPr>
-            <a:spLocks noGrp="1"/>
-          </p:cNvSpPr>
-          <p:nvPr>
-            <p:ph type="body" sz="half" idx="2"/>
-          </p:nvPr>
-        </p:nvSpPr>
-        <p:spPr>
-          <a:xfrm>
-            <a:off x="913775" y="4204821"/>
-            <a:ext cx="10364452" cy="1586380"/>
-          </a:xfrm>
-        </p:spPr>
-        <p:txBody>
-          <a:bodyPr anchor="ctr"/>
+          <a:bodyPr anchor="ctr">
+            <a:normAutofit/>
+          </a:bodyPr>
           <a:lstStyle>
             <a:lvl1pPr marL="0" indent="0" algn="ctr">
               <a:buNone/>
-              <a:defRPr sz="1600"/>
+              <a:defRPr sz="2000">
+                <a:solidFill>
+                  <a:schemeClr val="tx1"/>
+                </a:solidFill>
+              </a:defRPr>
             </a:lvl1pPr>
             <a:lvl2pPr marL="457200" indent="0">
               <a:buNone/>
-              <a:defRPr sz="1400"/>
+              <a:defRPr sz="1800">
+                <a:solidFill>
+                  <a:schemeClr val="tx1">
+                    <a:tint val="75000"/>
+                  </a:schemeClr>
+                </a:solidFill>
+              </a:defRPr>
             </a:lvl2pPr>
             <a:lvl3pPr marL="914400" indent="0">
               <a:buNone/>
-              <a:defRPr sz="1200"/>
+              <a:defRPr sz="1600">
+                <a:solidFill>
+                  <a:schemeClr val="tx1">
+                    <a:tint val="75000"/>
+                  </a:schemeClr>
+                </a:solidFill>
+              </a:defRPr>
             </a:lvl3pPr>
             <a:lvl4pPr marL="1371600" indent="0">
               <a:buNone/>
-              <a:defRPr sz="1000"/>
+              <a:defRPr sz="1400">
+                <a:solidFill>
+                  <a:schemeClr val="tx1">
+                    <a:tint val="75000"/>
+                  </a:schemeClr>
+                </a:solidFill>
+              </a:defRPr>
             </a:lvl4pPr>
             <a:lvl5pPr marL="1828800" indent="0">
               <a:buNone/>
-              <a:defRPr sz="1000"/>
+              <a:defRPr sz="1400">
+                <a:solidFill>
+                  <a:schemeClr val="tx1">
+                    <a:tint val="75000"/>
+                  </a:schemeClr>
+                </a:solidFill>
+              </a:defRPr>
             </a:lvl5pPr>
             <a:lvl6pPr marL="2286000" indent="0">
               <a:buNone/>
-              <a:defRPr sz="1000"/>
+              <a:defRPr sz="1400">
+                <a:solidFill>
+                  <a:schemeClr val="tx1">
+                    <a:tint val="75000"/>
+                  </a:schemeClr>
+                </a:solidFill>
+              </a:defRPr>
             </a:lvl6pPr>
             <a:lvl7pPr marL="2743200" indent="0">
               <a:buNone/>
-              <a:defRPr sz="1000"/>
+              <a:defRPr sz="1400">
+                <a:solidFill>
+                  <a:schemeClr val="tx1">
+                    <a:tint val="75000"/>
+                  </a:schemeClr>
+                </a:solidFill>
+              </a:defRPr>
             </a:lvl7pPr>
             <a:lvl8pPr marL="3200400" indent="0">
               <a:buNone/>
-              <a:defRPr sz="1000"/>
+              <a:defRPr sz="1400">
+                <a:solidFill>
+                  <a:schemeClr val="tx1">
+                    <a:tint val="75000"/>
+                  </a:schemeClr>
+                </a:solidFill>
+              </a:defRPr>
             </a:lvl8pPr>
             <a:lvl9pPr marL="3657600" indent="0">
               <a:buNone/>
-              <a:defRPr sz="1000"/>
+              <a:defRPr sz="1400">
+                <a:solidFill>
+                  <a:schemeClr val="tx1">
+                    <a:tint val="75000"/>
+                  </a:schemeClr>
+                </a:solidFill>
+              </a:defRPr>
             </a:lvl9pPr>
           </a:lstStyle>
           <a:p>
@@ -812,7 +1168,7 @@
       </p:sp>
       <p:sp>
         <p:nvSpPr>
-          <p:cNvPr id="5" name="Date Placeholder 4"/>
+          <p:cNvPr id="4" name="Date Placeholder 3"/>
           <p:cNvSpPr>
             <a:spLocks noGrp="1"/>
           </p:cNvSpPr>
@@ -836,7 +1192,7 @@
       </p:sp>
       <p:sp>
         <p:nvSpPr>
-          <p:cNvPr id="6" name="Footer Placeholder 5"/>
+          <p:cNvPr id="5" name="Footer Placeholder 4"/>
           <p:cNvSpPr>
             <a:spLocks noGrp="1"/>
           </p:cNvSpPr>
@@ -855,7 +1211,7 @@
       </p:sp>
       <p:sp>
         <p:nvSpPr>
-          <p:cNvPr id="7" name="Slide Number Placeholder 6"/>
+          <p:cNvPr id="6" name="Slide Number Placeholder 5"/>
           <p:cNvSpPr>
             <a:spLocks noGrp="1"/>
           </p:cNvSpPr>
@@ -880,7 +1236,7 @@
     </p:spTree>
     <p:extLst>
       <p:ext uri="{BB962C8B-B14F-4D97-AF65-F5344CB8AC3E}">
-        <p14:creationId xmlns:p14="http://schemas.microsoft.com/office/powerpoint/2010/main" val="1551778198"/>
+        <p14:creationId xmlns:p14="http://schemas.microsoft.com/office/powerpoint/2010/main" val="991523554"/>
       </p:ext>
     </p:extLst>
   </p:cSld>
@@ -908,278 +1264,15 @@
           <a:chExt cx="0" cy="0"/>
         </a:xfrm>
       </p:grpSpPr>
-      <p:pic>
-        <p:nvPicPr>
-          <p:cNvPr id="11" name="Picture 10" descr="Droplets-HD-Content-R1d.png"/>
-          <p:cNvPicPr>
-            <a:picLocks noChangeAspect="1"/>
-          </p:cNvPicPr>
+      <p:sp>
+        <p:nvSpPr>
+          <p:cNvPr id="14" name="TextBox 13"/>
+          <p:cNvSpPr txBox="1"/>
           <p:nvPr/>
-        </p:nvPicPr>
-        <p:blipFill>
-          <a:blip r:embed="rId2">
-            <a:extLst>
-              <a:ext uri="{28A0092B-C50C-407E-A947-70E740481C1C}">
-                <a14:useLocalDpi xmlns:a14="http://schemas.microsoft.com/office/drawing/2010/main" val="0"/>
-              </a:ext>
-            </a:extLst>
-          </a:blip>
-          <a:stretch>
-            <a:fillRect/>
-          </a:stretch>
-        </p:blipFill>
+        </p:nvSpPr>
         <p:spPr>
           <a:xfrm>
-            <a:off x="0" y="0"/>
-            <a:ext cx="12192000" cy="6858000"/>
-          </a:xfrm>
-          <a:prstGeom prst="rect">
-            <a:avLst/>
-          </a:prstGeom>
-        </p:spPr>
-      </p:pic>
-      <p:sp>
-        <p:nvSpPr>
-          <p:cNvPr id="2" name="Title 1"/>
-          <p:cNvSpPr>
-            <a:spLocks noGrp="1"/>
-          </p:cNvSpPr>
-          <p:nvPr>
-            <p:ph type="title"/>
-          </p:nvPr>
-        </p:nvSpPr>
-        <p:spPr>
-          <a:xfrm>
-            <a:off x="1446212" y="609600"/>
-            <a:ext cx="9302752" cy="2992904"/>
-          </a:xfrm>
-        </p:spPr>
-        <p:txBody>
-          <a:bodyPr anchor="ctr"/>
-          <a:lstStyle>
-            <a:lvl1pPr>
-              <a:defRPr sz="3200"/>
-            </a:lvl1pPr>
-          </a:lstStyle>
-          <a:p>
-            <a:r>
-              <a:rPr lang="en-US" smtClean="0"/>
-              <a:t>Click to edit Master title style</a:t>
-            </a:r>
-            <a:endParaRPr lang="en-US" dirty="0"/>
-          </a:p>
-        </p:txBody>
-      </p:sp>
-      <p:sp>
-        <p:nvSpPr>
-          <p:cNvPr id="12" name="Text Placeholder 3"/>
-          <p:cNvSpPr>
-            <a:spLocks noGrp="1"/>
-          </p:cNvSpPr>
-          <p:nvPr>
-            <p:ph type="body" sz="half" idx="13"/>
-          </p:nvPr>
-        </p:nvSpPr>
-        <p:spPr>
-          <a:xfrm>
-            <a:off x="1720644" y="3610032"/>
-            <a:ext cx="8752299" cy="594788"/>
-          </a:xfrm>
-        </p:spPr>
-        <p:txBody>
-          <a:bodyPr anchor="t">
-            <a:normAutofit/>
-          </a:bodyPr>
-          <a:lstStyle>
-            <a:lvl1pPr marL="0" indent="0">
-              <a:buNone/>
-              <a:defRPr sz="1400"/>
-            </a:lvl1pPr>
-            <a:lvl2pPr marL="457200" indent="0">
-              <a:buNone/>
-              <a:defRPr sz="1400"/>
-            </a:lvl2pPr>
-            <a:lvl3pPr marL="914400" indent="0">
-              <a:buNone/>
-              <a:defRPr sz="1200"/>
-            </a:lvl3pPr>
-            <a:lvl4pPr marL="1371600" indent="0">
-              <a:buNone/>
-              <a:defRPr sz="1000"/>
-            </a:lvl4pPr>
-            <a:lvl5pPr marL="1828800" indent="0">
-              <a:buNone/>
-              <a:defRPr sz="1000"/>
-            </a:lvl5pPr>
-            <a:lvl6pPr marL="2286000" indent="0">
-              <a:buNone/>
-              <a:defRPr sz="1000"/>
-            </a:lvl6pPr>
-            <a:lvl7pPr marL="2743200" indent="0">
-              <a:buNone/>
-              <a:defRPr sz="1000"/>
-            </a:lvl7pPr>
-            <a:lvl8pPr marL="3200400" indent="0">
-              <a:buNone/>
-              <a:defRPr sz="1000"/>
-            </a:lvl8pPr>
-            <a:lvl9pPr marL="3657600" indent="0">
-              <a:buNone/>
-              <a:defRPr sz="1000"/>
-            </a:lvl9pPr>
-          </a:lstStyle>
-          <a:p>
-            <a:pPr lvl="0"/>
-            <a:r>
-              <a:rPr lang="en-US" smtClean="0"/>
-              <a:t>Edit Master text styles</a:t>
-            </a:r>
-          </a:p>
-        </p:txBody>
-      </p:sp>
-      <p:sp>
-        <p:nvSpPr>
-          <p:cNvPr id="4" name="Text Placeholder 3"/>
-          <p:cNvSpPr>
-            <a:spLocks noGrp="1"/>
-          </p:cNvSpPr>
-          <p:nvPr>
-            <p:ph type="body" sz="half" idx="2"/>
-          </p:nvPr>
-        </p:nvSpPr>
-        <p:spPr>
-          <a:xfrm>
-            <a:off x="913774" y="4372796"/>
-            <a:ext cx="10364452" cy="1421053"/>
-          </a:xfrm>
-        </p:spPr>
-        <p:txBody>
-          <a:bodyPr anchor="ctr">
-            <a:normAutofit/>
-          </a:bodyPr>
-          <a:lstStyle>
-            <a:lvl1pPr marL="0" indent="0" algn="ctr">
-              <a:buNone/>
-              <a:defRPr sz="1600"/>
-            </a:lvl1pPr>
-            <a:lvl2pPr marL="457200" indent="0">
-              <a:buNone/>
-              <a:defRPr sz="1400"/>
-            </a:lvl2pPr>
-            <a:lvl3pPr marL="914400" indent="0">
-              <a:buNone/>
-              <a:defRPr sz="1200"/>
-            </a:lvl3pPr>
-            <a:lvl4pPr marL="1371600" indent="0">
-              <a:buNone/>
-              <a:defRPr sz="1000"/>
-            </a:lvl4pPr>
-            <a:lvl5pPr marL="1828800" indent="0">
-              <a:buNone/>
-              <a:defRPr sz="1000"/>
-            </a:lvl5pPr>
-            <a:lvl6pPr marL="2286000" indent="0">
-              <a:buNone/>
-              <a:defRPr sz="1000"/>
-            </a:lvl6pPr>
-            <a:lvl7pPr marL="2743200" indent="0">
-              <a:buNone/>
-              <a:defRPr sz="1000"/>
-            </a:lvl7pPr>
-            <a:lvl8pPr marL="3200400" indent="0">
-              <a:buNone/>
-              <a:defRPr sz="1000"/>
-            </a:lvl8pPr>
-            <a:lvl9pPr marL="3657600" indent="0">
-              <a:buNone/>
-              <a:defRPr sz="1000"/>
-            </a:lvl9pPr>
-          </a:lstStyle>
-          <a:p>
-            <a:pPr lvl="0"/>
-            <a:r>
-              <a:rPr lang="en-US" smtClean="0"/>
-              <a:t>Edit Master text styles</a:t>
-            </a:r>
-          </a:p>
-        </p:txBody>
-      </p:sp>
-      <p:sp>
-        <p:nvSpPr>
-          <p:cNvPr id="5" name="Date Placeholder 4"/>
-          <p:cNvSpPr>
-            <a:spLocks noGrp="1"/>
-          </p:cNvSpPr>
-          <p:nvPr>
-            <p:ph type="dt" sz="half" idx="10"/>
-          </p:nvPr>
-        </p:nvSpPr>
-        <p:spPr/>
-        <p:txBody>
-          <a:bodyPr/>
-          <a:lstStyle/>
-          <a:p>
-            <a:fld id="{5586B75A-687E-405C-8A0B-8D00578BA2C3}" type="datetimeFigureOut">
-              <a:rPr lang="en-US" smtClean="0"/>
-              <a:pPr/>
-              <a:t>3/14/2019</a:t>
-            </a:fld>
-            <a:endParaRPr lang="en-US" dirty="0"/>
-          </a:p>
-        </p:txBody>
-      </p:sp>
-      <p:sp>
-        <p:nvSpPr>
-          <p:cNvPr id="6" name="Footer Placeholder 5"/>
-          <p:cNvSpPr>
-            <a:spLocks noGrp="1"/>
-          </p:cNvSpPr>
-          <p:nvPr>
-            <p:ph type="ftr" sz="quarter" idx="11"/>
-          </p:nvPr>
-        </p:nvSpPr>
-        <p:spPr/>
-        <p:txBody>
-          <a:bodyPr/>
-          <a:lstStyle/>
-          <a:p>
-            <a:endParaRPr lang="en-US" dirty="0"/>
-          </a:p>
-        </p:txBody>
-      </p:sp>
-      <p:sp>
-        <p:nvSpPr>
-          <p:cNvPr id="7" name="Slide Number Placeholder 6"/>
-          <p:cNvSpPr>
-            <a:spLocks noGrp="1"/>
-          </p:cNvSpPr>
-          <p:nvPr>
-            <p:ph type="sldNum" sz="quarter" idx="12"/>
-          </p:nvPr>
-        </p:nvSpPr>
-        <p:spPr/>
-        <p:txBody>
-          <a:bodyPr/>
-          <a:lstStyle/>
-          <a:p>
-            <a:fld id="{4FAB73BC-B049-4115-A692-8D63A059BFB8}" type="slidenum">
-              <a:rPr lang="en-US" smtClean="0"/>
-              <a:pPr/>
-              <a:t>‹#›</a:t>
-            </a:fld>
-            <a:endParaRPr lang="en-US" dirty="0"/>
-          </a:p>
-        </p:txBody>
-      </p:sp>
-      <p:sp>
-        <p:nvSpPr>
-          <p:cNvPr id="13" name="TextBox 12"/>
-          <p:cNvSpPr txBox="1"/>
-          <p:nvPr/>
-        </p:nvSpPr>
-        <p:spPr>
-          <a:xfrm>
-            <a:off x="1001488" y="754166"/>
+            <a:off x="1598612" y="863023"/>
             <a:ext cx="609600" cy="584776"/>
           </a:xfrm>
           <a:prstGeom prst="rect">
@@ -1289,13 +1382,13 @@
       </p:sp>
       <p:sp>
         <p:nvSpPr>
-          <p:cNvPr id="14" name="TextBox 13"/>
+          <p:cNvPr id="15" name="TextBox 14"/>
           <p:cNvSpPr txBox="1"/>
           <p:nvPr/>
         </p:nvSpPr>
         <p:spPr>
           <a:xfrm>
-            <a:off x="10557558" y="2993578"/>
+            <a:off x="10893425" y="2819399"/>
             <a:ext cx="609600" cy="584776"/>
           </a:xfrm>
           <a:prstGeom prst="rect">
@@ -1403,10 +1496,290 @@
           </a:p>
         </p:txBody>
       </p:sp>
+      <p:sp>
+        <p:nvSpPr>
+          <p:cNvPr id="2" name="Title 1"/>
+          <p:cNvSpPr>
+            <a:spLocks noGrp="1"/>
+          </p:cNvSpPr>
+          <p:nvPr>
+            <p:ph type="title"/>
+          </p:nvPr>
+        </p:nvSpPr>
+        <p:spPr>
+          <a:xfrm>
+            <a:off x="2208212" y="685800"/>
+            <a:ext cx="8990012" cy="2743199"/>
+          </a:xfrm>
+        </p:spPr>
+        <p:txBody>
+          <a:bodyPr anchor="ctr">
+            <a:normAutofit/>
+          </a:bodyPr>
+          <a:lstStyle>
+            <a:lvl1pPr algn="ctr">
+              <a:defRPr sz="3200" b="0" cap="none">
+                <a:solidFill>
+                  <a:schemeClr val="tx1"/>
+                </a:solidFill>
+              </a:defRPr>
+            </a:lvl1pPr>
+          </a:lstStyle>
+          <a:p>
+            <a:r>
+              <a:rPr lang="en-US" smtClean="0"/>
+              <a:t>Click to edit Master title style</a:t>
+            </a:r>
+            <a:endParaRPr lang="en-US" dirty="0"/>
+          </a:p>
+        </p:txBody>
+      </p:sp>
+      <p:sp>
+        <p:nvSpPr>
+          <p:cNvPr id="10" name="Text Placeholder 9"/>
+          <p:cNvSpPr>
+            <a:spLocks noGrp="1"/>
+          </p:cNvSpPr>
+          <p:nvPr>
+            <p:ph type="body" sz="quarter" idx="13"/>
+          </p:nvPr>
+        </p:nvSpPr>
+        <p:spPr>
+          <a:xfrm>
+            <a:off x="2436811" y="3428999"/>
+            <a:ext cx="8532815" cy="381000"/>
+          </a:xfrm>
+        </p:spPr>
+        <p:txBody>
+          <a:bodyPr anchor="ctr">
+            <a:normAutofit/>
+          </a:bodyPr>
+          <a:lstStyle>
+            <a:lvl1pPr marL="0" indent="0">
+              <a:buFontTx/>
+              <a:buNone/>
+              <a:defRPr sz="1800"/>
+            </a:lvl1pPr>
+            <a:lvl2pPr marL="457200" indent="0">
+              <a:buFontTx/>
+              <a:buNone/>
+              <a:defRPr/>
+            </a:lvl2pPr>
+            <a:lvl3pPr marL="914400" indent="0">
+              <a:buFontTx/>
+              <a:buNone/>
+              <a:defRPr/>
+            </a:lvl3pPr>
+            <a:lvl4pPr marL="1371600" indent="0">
+              <a:buFontTx/>
+              <a:buNone/>
+              <a:defRPr/>
+            </a:lvl4pPr>
+            <a:lvl5pPr marL="1828800" indent="0">
+              <a:buFontTx/>
+              <a:buNone/>
+              <a:defRPr/>
+            </a:lvl5pPr>
+          </a:lstStyle>
+          <a:p>
+            <a:pPr lvl="0"/>
+            <a:r>
+              <a:rPr lang="en-US" smtClean="0"/>
+              <a:t>Edit Master text styles</a:t>
+            </a:r>
+          </a:p>
+        </p:txBody>
+      </p:sp>
+      <p:sp>
+        <p:nvSpPr>
+          <p:cNvPr id="3" name="Text Placeholder 2"/>
+          <p:cNvSpPr>
+            <a:spLocks noGrp="1"/>
+          </p:cNvSpPr>
+          <p:nvPr>
+            <p:ph type="body" idx="1"/>
+          </p:nvPr>
+        </p:nvSpPr>
+        <p:spPr>
+          <a:xfrm>
+            <a:off x="1484311" y="4343400"/>
+            <a:ext cx="10018711" cy="1447800"/>
+          </a:xfrm>
+        </p:spPr>
+        <p:txBody>
+          <a:bodyPr anchor="ctr">
+            <a:normAutofit/>
+          </a:bodyPr>
+          <a:lstStyle>
+            <a:lvl1pPr marL="0" indent="0" algn="ctr">
+              <a:buNone/>
+              <a:defRPr sz="2000">
+                <a:solidFill>
+                  <a:schemeClr val="tx1"/>
+                </a:solidFill>
+              </a:defRPr>
+            </a:lvl1pPr>
+            <a:lvl2pPr marL="457200" indent="0">
+              <a:buNone/>
+              <a:defRPr sz="1800">
+                <a:solidFill>
+                  <a:schemeClr val="tx1">
+                    <a:tint val="75000"/>
+                  </a:schemeClr>
+                </a:solidFill>
+              </a:defRPr>
+            </a:lvl2pPr>
+            <a:lvl3pPr marL="914400" indent="0">
+              <a:buNone/>
+              <a:defRPr sz="1600">
+                <a:solidFill>
+                  <a:schemeClr val="tx1">
+                    <a:tint val="75000"/>
+                  </a:schemeClr>
+                </a:solidFill>
+              </a:defRPr>
+            </a:lvl3pPr>
+            <a:lvl4pPr marL="1371600" indent="0">
+              <a:buNone/>
+              <a:defRPr sz="1400">
+                <a:solidFill>
+                  <a:schemeClr val="tx1">
+                    <a:tint val="75000"/>
+                  </a:schemeClr>
+                </a:solidFill>
+              </a:defRPr>
+            </a:lvl4pPr>
+            <a:lvl5pPr marL="1828800" indent="0">
+              <a:buNone/>
+              <a:defRPr sz="1400">
+                <a:solidFill>
+                  <a:schemeClr val="tx1">
+                    <a:tint val="75000"/>
+                  </a:schemeClr>
+                </a:solidFill>
+              </a:defRPr>
+            </a:lvl5pPr>
+            <a:lvl6pPr marL="2286000" indent="0">
+              <a:buNone/>
+              <a:defRPr sz="1400">
+                <a:solidFill>
+                  <a:schemeClr val="tx1">
+                    <a:tint val="75000"/>
+                  </a:schemeClr>
+                </a:solidFill>
+              </a:defRPr>
+            </a:lvl6pPr>
+            <a:lvl7pPr marL="2743200" indent="0">
+              <a:buNone/>
+              <a:defRPr sz="1400">
+                <a:solidFill>
+                  <a:schemeClr val="tx1">
+                    <a:tint val="75000"/>
+                  </a:schemeClr>
+                </a:solidFill>
+              </a:defRPr>
+            </a:lvl7pPr>
+            <a:lvl8pPr marL="3200400" indent="0">
+              <a:buNone/>
+              <a:defRPr sz="1400">
+                <a:solidFill>
+                  <a:schemeClr val="tx1">
+                    <a:tint val="75000"/>
+                  </a:schemeClr>
+                </a:solidFill>
+              </a:defRPr>
+            </a:lvl8pPr>
+            <a:lvl9pPr marL="3657600" indent="0">
+              <a:buNone/>
+              <a:defRPr sz="1400">
+                <a:solidFill>
+                  <a:schemeClr val="tx1">
+                    <a:tint val="75000"/>
+                  </a:schemeClr>
+                </a:solidFill>
+              </a:defRPr>
+            </a:lvl9pPr>
+          </a:lstStyle>
+          <a:p>
+            <a:pPr lvl="0"/>
+            <a:r>
+              <a:rPr lang="en-US" smtClean="0"/>
+              <a:t>Edit Master text styles</a:t>
+            </a:r>
+          </a:p>
+        </p:txBody>
+      </p:sp>
+      <p:sp>
+        <p:nvSpPr>
+          <p:cNvPr id="4" name="Date Placeholder 3"/>
+          <p:cNvSpPr>
+            <a:spLocks noGrp="1"/>
+          </p:cNvSpPr>
+          <p:nvPr>
+            <p:ph type="dt" sz="half" idx="10"/>
+          </p:nvPr>
+        </p:nvSpPr>
+        <p:spPr/>
+        <p:txBody>
+          <a:bodyPr/>
+          <a:lstStyle/>
+          <a:p>
+            <a:fld id="{5586B75A-687E-405C-8A0B-8D00578BA2C3}" type="datetimeFigureOut">
+              <a:rPr lang="en-US" smtClean="0"/>
+              <a:pPr/>
+              <a:t>3/14/2019</a:t>
+            </a:fld>
+            <a:endParaRPr lang="en-US" dirty="0"/>
+          </a:p>
+        </p:txBody>
+      </p:sp>
+      <p:sp>
+        <p:nvSpPr>
+          <p:cNvPr id="5" name="Footer Placeholder 4"/>
+          <p:cNvSpPr>
+            <a:spLocks noGrp="1"/>
+          </p:cNvSpPr>
+          <p:nvPr>
+            <p:ph type="ftr" sz="quarter" idx="11"/>
+          </p:nvPr>
+        </p:nvSpPr>
+        <p:spPr/>
+        <p:txBody>
+          <a:bodyPr/>
+          <a:lstStyle/>
+          <a:p>
+            <a:endParaRPr lang="en-US" dirty="0"/>
+          </a:p>
+        </p:txBody>
+      </p:sp>
+      <p:sp>
+        <p:nvSpPr>
+          <p:cNvPr id="6" name="Slide Number Placeholder 5"/>
+          <p:cNvSpPr>
+            <a:spLocks noGrp="1"/>
+          </p:cNvSpPr>
+          <p:nvPr>
+            <p:ph type="sldNum" sz="quarter" idx="12"/>
+          </p:nvPr>
+        </p:nvSpPr>
+        <p:spPr/>
+        <p:txBody>
+          <a:bodyPr/>
+          <a:lstStyle/>
+          <a:p>
+            <a:fld id="{4FAB73BC-B049-4115-A692-8D63A059BFB8}" type="slidenum">
+              <a:rPr lang="en-US" smtClean="0"/>
+              <a:pPr/>
+              <a:t>‹#›</a:t>
+            </a:fld>
+            <a:endParaRPr lang="en-US" dirty="0"/>
+          </a:p>
+        </p:txBody>
+      </p:sp>
     </p:spTree>
     <p:extLst>
       <p:ext uri="{BB962C8B-B14F-4D97-AF65-F5344CB8AC3E}">
-        <p14:creationId xmlns:p14="http://schemas.microsoft.com/office/powerpoint/2010/main" val="3953042400"/>
+        <p14:creationId xmlns:p14="http://schemas.microsoft.com/office/powerpoint/2010/main" val="2540770490"/>
       </p:ext>
     </p:extLst>
   </p:cSld>
@@ -1434,122 +1807,148 @@
           <a:chExt cx="0" cy="0"/>
         </a:xfrm>
       </p:grpSpPr>
-      <p:pic>
-        <p:nvPicPr>
-          <p:cNvPr id="8" name="Picture 7" descr="Droplets-HD-Content-R1d.png"/>
-          <p:cNvPicPr>
-            <a:picLocks noChangeAspect="1"/>
-          </p:cNvPicPr>
-          <p:nvPr/>
-        </p:nvPicPr>
-        <p:blipFill>
-          <a:blip r:embed="rId2">
-            <a:extLst>
-              <a:ext uri="{28A0092B-C50C-407E-A947-70E740481C1C}">
-                <a14:useLocalDpi xmlns:a14="http://schemas.microsoft.com/office/drawing/2010/main" val="0"/>
-              </a:ext>
-            </a:extLst>
-          </a:blip>
-          <a:stretch>
-            <a:fillRect/>
-          </a:stretch>
-        </p:blipFill>
+      <p:sp>
+        <p:nvSpPr>
+          <p:cNvPr id="2" name="Title 1"/>
+          <p:cNvSpPr>
+            <a:spLocks noGrp="1"/>
+          </p:cNvSpPr>
+          <p:nvPr>
+            <p:ph type="title"/>
+          </p:nvPr>
+        </p:nvSpPr>
         <p:spPr>
           <a:xfrm>
-            <a:off x="0" y="0"/>
-            <a:ext cx="12192000" cy="6858000"/>
+            <a:off x="1484313" y="3308581"/>
+            <a:ext cx="10018709" cy="1468800"/>
           </a:xfrm>
-          <a:prstGeom prst="rect">
-            <a:avLst/>
-          </a:prstGeom>
         </p:spPr>
-      </p:pic>
-      <p:sp>
-        <p:nvSpPr>
-          <p:cNvPr id="2" name="Title 1"/>
-          <p:cNvSpPr>
-            <a:spLocks noGrp="1"/>
-          </p:cNvSpPr>
-          <p:nvPr>
-            <p:ph type="title"/>
+        <p:txBody>
+          <a:bodyPr anchor="b">
+            <a:normAutofit/>
+          </a:bodyPr>
+          <a:lstStyle>
+            <a:lvl1pPr algn="r">
+              <a:defRPr sz="3200" b="0" cap="none"/>
+            </a:lvl1pPr>
+          </a:lstStyle>
+          <a:p>
+            <a:r>
+              <a:rPr lang="en-US" smtClean="0"/>
+              <a:t>Click to edit Master title style</a:t>
+            </a:r>
+            <a:endParaRPr lang="en-US" dirty="0"/>
+          </a:p>
+        </p:txBody>
+      </p:sp>
+      <p:sp>
+        <p:nvSpPr>
+          <p:cNvPr id="3" name="Text Placeholder 2"/>
+          <p:cNvSpPr>
+            <a:spLocks noGrp="1"/>
+          </p:cNvSpPr>
+          <p:nvPr>
+            <p:ph type="body" idx="1"/>
           </p:nvPr>
         </p:nvSpPr>
         <p:spPr>
           <a:xfrm>
-            <a:off x="913775" y="2138721"/>
-            <a:ext cx="10364452" cy="2511835"/>
+            <a:off x="1484312" y="4777381"/>
+            <a:ext cx="10018710" cy="860400"/>
           </a:xfrm>
         </p:spPr>
         <p:txBody>
-          <a:bodyPr anchor="b"/>
+          <a:bodyPr anchor="t">
+            <a:normAutofit/>
+          </a:bodyPr>
           <a:lstStyle>
-            <a:lvl1pPr algn="ctr">
-              <a:defRPr sz="3200"/>
-            </a:lvl1pPr>
-          </a:lstStyle>
-          <a:p>
-            <a:r>
-              <a:rPr lang="en-US" smtClean="0"/>
-              <a:t>Click to edit Master title style</a:t>
-            </a:r>
-            <a:endParaRPr lang="en-US" dirty="0"/>
-          </a:p>
-        </p:txBody>
-      </p:sp>
-      <p:sp>
-        <p:nvSpPr>
-          <p:cNvPr id="4" name="Text Placeholder 3"/>
-          <p:cNvSpPr>
-            <a:spLocks noGrp="1"/>
-          </p:cNvSpPr>
-          <p:nvPr>
-            <p:ph type="body" sz="half" idx="2"/>
-          </p:nvPr>
-        </p:nvSpPr>
-        <p:spPr>
-          <a:xfrm>
-            <a:off x="913775" y="4662335"/>
-            <a:ext cx="10364452" cy="1140644"/>
-          </a:xfrm>
-        </p:spPr>
-        <p:txBody>
-          <a:bodyPr anchor="t"/>
-          <a:lstStyle>
-            <a:lvl1pPr marL="0" indent="0" algn="ctr">
-              <a:buNone/>
-              <a:defRPr sz="1600"/>
+            <a:lvl1pPr marL="0" indent="0" algn="r">
+              <a:buNone/>
+              <a:defRPr sz="2000">
+                <a:solidFill>
+                  <a:schemeClr val="tx1"/>
+                </a:solidFill>
+              </a:defRPr>
             </a:lvl1pPr>
             <a:lvl2pPr marL="457200" indent="0">
               <a:buNone/>
-              <a:defRPr sz="1400"/>
+              <a:defRPr sz="1800">
+                <a:solidFill>
+                  <a:schemeClr val="tx1">
+                    <a:tint val="75000"/>
+                  </a:schemeClr>
+                </a:solidFill>
+              </a:defRPr>
             </a:lvl2pPr>
             <a:lvl3pPr marL="914400" indent="0">
               <a:buNone/>
-              <a:defRPr sz="1200"/>
+              <a:defRPr sz="1600">
+                <a:solidFill>
+                  <a:schemeClr val="tx1">
+                    <a:tint val="75000"/>
+                  </a:schemeClr>
+                </a:solidFill>
+              </a:defRPr>
             </a:lvl3pPr>
             <a:lvl4pPr marL="1371600" indent="0">
               <a:buNone/>
-              <a:defRPr sz="1000"/>
+              <a:defRPr sz="1400">
+                <a:solidFill>
+                  <a:schemeClr val="tx1">
+                    <a:tint val="75000"/>
+                  </a:schemeClr>
+                </a:solidFill>
+              </a:defRPr>
             </a:lvl4pPr>
             <a:lvl5pPr marL="1828800" indent="0">
               <a:buNone/>
-              <a:defRPr sz="1000"/>
+              <a:defRPr sz="1400">
+                <a:solidFill>
+                  <a:schemeClr val="tx1">
+                    <a:tint val="75000"/>
+                  </a:schemeClr>
+                </a:solidFill>
+              </a:defRPr>
             </a:lvl5pPr>
             <a:lvl6pPr marL="2286000" indent="0">
               <a:buNone/>
-              <a:defRPr sz="1000"/>
+              <a:defRPr sz="1400">
+                <a:solidFill>
+                  <a:schemeClr val="tx1">
+                    <a:tint val="75000"/>
+                  </a:schemeClr>
+                </a:solidFill>
+              </a:defRPr>
             </a:lvl6pPr>
             <a:lvl7pPr marL="2743200" indent="0">
               <a:buNone/>
-              <a:defRPr sz="1000"/>
+              <a:defRPr sz="1400">
+                <a:solidFill>
+                  <a:schemeClr val="tx1">
+                    <a:tint val="75000"/>
+                  </a:schemeClr>
+                </a:solidFill>
+              </a:defRPr>
             </a:lvl7pPr>
             <a:lvl8pPr marL="3200400" indent="0">
               <a:buNone/>
-              <a:defRPr sz="1000"/>
+              <a:defRPr sz="1400">
+                <a:solidFill>
+                  <a:schemeClr val="tx1">
+                    <a:tint val="75000"/>
+                  </a:schemeClr>
+                </a:solidFill>
+              </a:defRPr>
             </a:lvl8pPr>
             <a:lvl9pPr marL="3657600" indent="0">
               <a:buNone/>
-              <a:defRPr sz="1000"/>
+              <a:defRPr sz="1400">
+                <a:solidFill>
+                  <a:schemeClr val="tx1">
+                    <a:tint val="75000"/>
+                  </a:schemeClr>
+                </a:solidFill>
+              </a:defRPr>
             </a:lvl9pPr>
           </a:lstStyle>
           <a:p>
@@ -1563,7 +1962,7 @@
       </p:sp>
       <p:sp>
         <p:nvSpPr>
-          <p:cNvPr id="5" name="Date Placeholder 4"/>
+          <p:cNvPr id="4" name="Date Placeholder 3"/>
           <p:cNvSpPr>
             <a:spLocks noGrp="1"/>
           </p:cNvSpPr>
@@ -1587,7 +1986,7 @@
       </p:sp>
       <p:sp>
         <p:nvSpPr>
-          <p:cNvPr id="6" name="Footer Placeholder 5"/>
+          <p:cNvPr id="5" name="Footer Placeholder 4"/>
           <p:cNvSpPr>
             <a:spLocks noGrp="1"/>
           </p:cNvSpPr>
@@ -1606,7 +2005,7 @@
       </p:sp>
       <p:sp>
         <p:nvSpPr>
-          <p:cNvPr id="7" name="Slide Number Placeholder 6"/>
+          <p:cNvPr id="6" name="Slide Number Placeholder 5"/>
           <p:cNvSpPr>
             <a:spLocks noGrp="1"/>
           </p:cNvSpPr>
@@ -1631,7 +2030,7 @@
     </p:spTree>
     <p:extLst>
       <p:ext uri="{BB962C8B-B14F-4D97-AF65-F5344CB8AC3E}">
-        <p14:creationId xmlns:p14="http://schemas.microsoft.com/office/powerpoint/2010/main" val="1851078821"/>
+        <p14:creationId xmlns:p14="http://schemas.microsoft.com/office/powerpoint/2010/main" val="4043939360"/>
       </p:ext>
     </p:extLst>
   </p:cSld>
@@ -1644,7 +2043,7 @@
 
 <file path=ppt/slideLayouts/slideLayout14.xml><?xml version="1.0" encoding="utf-8"?>
 <p:sldLayout xmlns:a="http://schemas.openxmlformats.org/drawingml/2006/main" xmlns:r="http://schemas.openxmlformats.org/officeDocument/2006/relationships" xmlns:p="http://schemas.openxmlformats.org/presentationml/2006/main" preserve="1">
-  <p:cSld name="3 Column">
+  <p:cSld name="Quote Name Card">
     <p:spTree>
       <p:nvGrpSpPr>
         <p:cNvPr id="1" name=""/>
@@ -1659,152 +2058,338 @@
           <a:chExt cx="0" cy="0"/>
         </a:xfrm>
       </p:grpSpPr>
-      <p:pic>
-        <p:nvPicPr>
-          <p:cNvPr id="13" name="Picture 12" descr="Droplets-HD-Content-R1d.png"/>
-          <p:cNvPicPr>
-            <a:picLocks noChangeAspect="1"/>
-          </p:cNvPicPr>
+      <p:sp>
+        <p:nvSpPr>
+          <p:cNvPr id="14" name="TextBox 13"/>
+          <p:cNvSpPr txBox="1"/>
           <p:nvPr/>
-        </p:nvPicPr>
-        <p:blipFill>
-          <a:blip r:embed="rId2">
-            <a:extLst>
-              <a:ext uri="{28A0092B-C50C-407E-A947-70E740481C1C}">
-                <a14:useLocalDpi xmlns:a14="http://schemas.microsoft.com/office/drawing/2010/main" val="0"/>
-              </a:ext>
-            </a:extLst>
-          </a:blip>
-          <a:stretch>
-            <a:fillRect/>
-          </a:stretch>
-        </p:blipFill>
+        </p:nvSpPr>
         <p:spPr>
           <a:xfrm>
-            <a:off x="0" y="0"/>
-            <a:ext cx="12192000" cy="6858000"/>
+            <a:off x="1598612" y="863023"/>
+            <a:ext cx="609600" cy="584776"/>
           </a:xfrm>
           <a:prstGeom prst="rect">
             <a:avLst/>
           </a:prstGeom>
         </p:spPr>
-      </p:pic>
-      <p:sp>
-        <p:nvSpPr>
-          <p:cNvPr id="15" name="Title 1"/>
-          <p:cNvSpPr>
-            <a:spLocks noGrp="1"/>
-          </p:cNvSpPr>
-          <p:nvPr>
-            <p:ph type="title"/>
-          </p:nvPr>
-        </p:nvSpPr>
-        <p:spPr>
-          <a:xfrm>
-            <a:off x="913774" y="609600"/>
-            <a:ext cx="10364452" cy="1605094"/>
-          </a:xfrm>
-        </p:spPr>
-        <p:txBody>
-          <a:bodyPr/>
-          <a:lstStyle/>
-          <a:p>
-            <a:r>
-              <a:rPr lang="en-US" smtClean="0"/>
-              <a:t>Click to edit Master title style</a:t>
-            </a:r>
-            <a:endParaRPr lang="en-US" dirty="0"/>
-          </a:p>
-        </p:txBody>
-      </p:sp>
-      <p:sp>
-        <p:nvSpPr>
-          <p:cNvPr id="7" name="Text Placeholder 2"/>
-          <p:cNvSpPr>
-            <a:spLocks noGrp="1"/>
-          </p:cNvSpPr>
-          <p:nvPr>
-            <p:ph type="body" idx="1"/>
-          </p:nvPr>
-        </p:nvSpPr>
-        <p:spPr>
-          <a:xfrm>
-            <a:off x="913774" y="2367093"/>
-            <a:ext cx="3298976" cy="576262"/>
-          </a:xfrm>
-        </p:spPr>
-        <p:txBody>
-          <a:bodyPr anchor="b">
+        <p:txBody>
+          <a:bodyPr vert="horz" lIns="91440" tIns="45720" rIns="91440" bIns="45720" rtlCol="0" anchor="ctr">
             <a:noAutofit/>
           </a:bodyPr>
           <a:lstStyle>
-            <a:lvl1pPr marL="0" indent="0" algn="ctr">
-              <a:lnSpc>
-                <a:spcPct val="85000"/>
-              </a:lnSpc>
-              <a:buNone/>
-              <a:defRPr sz="2400" b="0">
-                <a:solidFill>
-                  <a:schemeClr val="tx1"/>
-                </a:solidFill>
+            <a:lvl1pPr>
+              <a:spcBef>
+                <a:spcPct val="0"/>
+              </a:spcBef>
+              <a:buNone/>
+              <a:defRPr sz="3200" b="0" cap="all">
+                <a:ln w="3175" cmpd="sng">
+                  <a:noFill/>
+                </a:ln>
+                <a:effectLst>
+                  <a:glow rad="38100">
+                    <a:schemeClr val="bg1">
+                      <a:lumMod val="65000"/>
+                      <a:lumOff val="35000"/>
+                      <a:alpha val="40000"/>
+                    </a:schemeClr>
+                  </a:glow>
+                  <a:outerShdw blurRad="28575" dist="38100" dir="14040000" algn="tl" rotWithShape="0">
+                    <a:srgbClr val="000000">
+                      <a:alpha val="25000"/>
+                    </a:srgbClr>
+                  </a:outerShdw>
+                </a:effectLst>
               </a:defRPr>
             </a:lvl1pPr>
-            <a:lvl2pPr marL="457200" indent="0">
-              <a:buNone/>
-              <a:defRPr sz="2000" b="1"/>
+            <a:lvl2pPr>
+              <a:defRPr>
+                <a:solidFill>
+                  <a:schemeClr val="tx2"/>
+                </a:solidFill>
+              </a:defRPr>
             </a:lvl2pPr>
-            <a:lvl3pPr marL="914400" indent="0">
-              <a:buNone/>
-              <a:defRPr sz="1800" b="1"/>
+            <a:lvl3pPr>
+              <a:defRPr>
+                <a:solidFill>
+                  <a:schemeClr val="tx2"/>
+                </a:solidFill>
+              </a:defRPr>
             </a:lvl3pPr>
-            <a:lvl4pPr marL="1371600" indent="0">
-              <a:buNone/>
-              <a:defRPr sz="1600" b="1"/>
+            <a:lvl4pPr>
+              <a:defRPr>
+                <a:solidFill>
+                  <a:schemeClr val="tx2"/>
+                </a:solidFill>
+              </a:defRPr>
             </a:lvl4pPr>
-            <a:lvl5pPr marL="1828800" indent="0">
-              <a:buNone/>
-              <a:defRPr sz="1600" b="1"/>
+            <a:lvl5pPr>
+              <a:defRPr>
+                <a:solidFill>
+                  <a:schemeClr val="tx2"/>
+                </a:solidFill>
+              </a:defRPr>
             </a:lvl5pPr>
-            <a:lvl6pPr marL="2286000" indent="0">
-              <a:buNone/>
-              <a:defRPr sz="1600" b="1"/>
+            <a:lvl6pPr>
+              <a:defRPr>
+                <a:solidFill>
+                  <a:schemeClr val="tx2"/>
+                </a:solidFill>
+              </a:defRPr>
             </a:lvl6pPr>
-            <a:lvl7pPr marL="2743200" indent="0">
-              <a:buNone/>
-              <a:defRPr sz="1600" b="1"/>
+            <a:lvl7pPr>
+              <a:defRPr>
+                <a:solidFill>
+                  <a:schemeClr val="tx2"/>
+                </a:solidFill>
+              </a:defRPr>
             </a:lvl7pPr>
-            <a:lvl8pPr marL="3200400" indent="0">
-              <a:buNone/>
-              <a:defRPr sz="1600" b="1"/>
+            <a:lvl8pPr>
+              <a:defRPr>
+                <a:solidFill>
+                  <a:schemeClr val="tx2"/>
+                </a:solidFill>
+              </a:defRPr>
             </a:lvl8pPr>
-            <a:lvl9pPr marL="3657600" indent="0">
-              <a:buNone/>
-              <a:defRPr sz="1600" b="1"/>
+            <a:lvl9pPr>
+              <a:defRPr>
+                <a:solidFill>
+                  <a:schemeClr val="tx2"/>
+                </a:solidFill>
+              </a:defRPr>
             </a:lvl9pPr>
           </a:lstStyle>
           <a:p>
             <a:pPr lvl="0"/>
             <a:r>
-              <a:rPr lang="en-US" smtClean="0"/>
-              <a:t>Edit Master text styles</a:t>
-            </a:r>
-          </a:p>
-        </p:txBody>
-      </p:sp>
-      <p:sp>
-        <p:nvSpPr>
-          <p:cNvPr id="8" name="Text Placeholder 3"/>
-          <p:cNvSpPr>
-            <a:spLocks noGrp="1"/>
-          </p:cNvSpPr>
-          <p:nvPr>
-            <p:ph type="body" sz="half" idx="15"/>
-          </p:nvPr>
+              <a:rPr lang="en-US" sz="8000" dirty="0">
+                <a:solidFill>
+                  <a:schemeClr val="tx1"/>
+                </a:solidFill>
+                <a:effectLst/>
+              </a:rPr>
+              <a:t>“</a:t>
+            </a:r>
+          </a:p>
+        </p:txBody>
+      </p:sp>
+      <p:sp>
+        <p:nvSpPr>
+          <p:cNvPr id="15" name="TextBox 14"/>
+          <p:cNvSpPr txBox="1"/>
+          <p:nvPr/>
         </p:nvSpPr>
         <p:spPr>
           <a:xfrm>
-            <a:off x="913774" y="2943355"/>
-            <a:ext cx="3298976" cy="2847845"/>
+            <a:off x="10893425" y="2819399"/>
+            <a:ext cx="609600" cy="584776"/>
+          </a:xfrm>
+          <a:prstGeom prst="rect">
+            <a:avLst/>
+          </a:prstGeom>
+        </p:spPr>
+        <p:txBody>
+          <a:bodyPr vert="horz" lIns="91440" tIns="45720" rIns="91440" bIns="45720" rtlCol="0" anchor="ctr">
+            <a:noAutofit/>
+          </a:bodyPr>
+          <a:lstStyle>
+            <a:lvl1pPr>
+              <a:spcBef>
+                <a:spcPct val="0"/>
+              </a:spcBef>
+              <a:buNone/>
+              <a:defRPr sz="3200" b="0" cap="all">
+                <a:ln w="3175" cmpd="sng">
+                  <a:noFill/>
+                </a:ln>
+                <a:effectLst>
+                  <a:glow rad="38100">
+                    <a:schemeClr val="bg1">
+                      <a:lumMod val="65000"/>
+                      <a:lumOff val="35000"/>
+                      <a:alpha val="40000"/>
+                    </a:schemeClr>
+                  </a:glow>
+                  <a:outerShdw blurRad="28575" dist="38100" dir="14040000" algn="tl" rotWithShape="0">
+                    <a:srgbClr val="000000">
+                      <a:alpha val="25000"/>
+                    </a:srgbClr>
+                  </a:outerShdw>
+                </a:effectLst>
+              </a:defRPr>
+            </a:lvl1pPr>
+            <a:lvl2pPr>
+              <a:defRPr>
+                <a:solidFill>
+                  <a:schemeClr val="tx2"/>
+                </a:solidFill>
+              </a:defRPr>
+            </a:lvl2pPr>
+            <a:lvl3pPr>
+              <a:defRPr>
+                <a:solidFill>
+                  <a:schemeClr val="tx2"/>
+                </a:solidFill>
+              </a:defRPr>
+            </a:lvl3pPr>
+            <a:lvl4pPr>
+              <a:defRPr>
+                <a:solidFill>
+                  <a:schemeClr val="tx2"/>
+                </a:solidFill>
+              </a:defRPr>
+            </a:lvl4pPr>
+            <a:lvl5pPr>
+              <a:defRPr>
+                <a:solidFill>
+                  <a:schemeClr val="tx2"/>
+                </a:solidFill>
+              </a:defRPr>
+            </a:lvl5pPr>
+            <a:lvl6pPr>
+              <a:defRPr>
+                <a:solidFill>
+                  <a:schemeClr val="tx2"/>
+                </a:solidFill>
+              </a:defRPr>
+            </a:lvl6pPr>
+            <a:lvl7pPr>
+              <a:defRPr>
+                <a:solidFill>
+                  <a:schemeClr val="tx2"/>
+                </a:solidFill>
+              </a:defRPr>
+            </a:lvl7pPr>
+            <a:lvl8pPr>
+              <a:defRPr>
+                <a:solidFill>
+                  <a:schemeClr val="tx2"/>
+                </a:solidFill>
+              </a:defRPr>
+            </a:lvl8pPr>
+            <a:lvl9pPr>
+              <a:defRPr>
+                <a:solidFill>
+                  <a:schemeClr val="tx2"/>
+                </a:solidFill>
+              </a:defRPr>
+            </a:lvl9pPr>
+          </a:lstStyle>
+          <a:p>
+            <a:pPr lvl="0" algn="r"/>
+            <a:r>
+              <a:rPr lang="en-US" sz="8000" dirty="0">
+                <a:solidFill>
+                  <a:schemeClr val="tx1"/>
+                </a:solidFill>
+                <a:effectLst/>
+              </a:rPr>
+              <a:t>”</a:t>
+            </a:r>
+          </a:p>
+        </p:txBody>
+      </p:sp>
+      <p:sp>
+        <p:nvSpPr>
+          <p:cNvPr id="2" name="Title 1"/>
+          <p:cNvSpPr>
+            <a:spLocks noGrp="1"/>
+          </p:cNvSpPr>
+          <p:nvPr>
+            <p:ph type="title"/>
+          </p:nvPr>
+        </p:nvSpPr>
+        <p:spPr>
+          <a:xfrm>
+            <a:off x="2208212" y="685800"/>
+            <a:ext cx="8990012" cy="2743199"/>
+          </a:xfrm>
+        </p:spPr>
+        <p:txBody>
+          <a:bodyPr anchor="ctr">
+            <a:normAutofit/>
+          </a:bodyPr>
+          <a:lstStyle>
+            <a:lvl1pPr algn="ctr">
+              <a:defRPr sz="3200" b="0" cap="none">
+                <a:solidFill>
+                  <a:schemeClr val="tx1"/>
+                </a:solidFill>
+              </a:defRPr>
+            </a:lvl1pPr>
+          </a:lstStyle>
+          <a:p>
+            <a:r>
+              <a:rPr lang="en-US" smtClean="0"/>
+              <a:t>Click to edit Master title style</a:t>
+            </a:r>
+            <a:endParaRPr lang="en-US" dirty="0"/>
+          </a:p>
+        </p:txBody>
+      </p:sp>
+      <p:sp>
+        <p:nvSpPr>
+          <p:cNvPr id="10" name="Text Placeholder 9"/>
+          <p:cNvSpPr>
+            <a:spLocks noGrp="1"/>
+          </p:cNvSpPr>
+          <p:nvPr>
+            <p:ph type="body" sz="quarter" idx="13"/>
+          </p:nvPr>
+        </p:nvSpPr>
+        <p:spPr>
+          <a:xfrm>
+            <a:off x="1484313" y="3886200"/>
+            <a:ext cx="10018710" cy="889000"/>
+          </a:xfrm>
+        </p:spPr>
+        <p:txBody>
+          <a:bodyPr vert="horz" lIns="91440" tIns="45720" rIns="91440" bIns="45720" rtlCol="0" anchor="b">
+            <a:normAutofit/>
+          </a:bodyPr>
+          <a:lstStyle>
+            <a:lvl1pPr algn="r">
+              <a:buNone/>
+              <a:defRPr lang="en-US" sz="2400" b="0" cap="none" dirty="0">
+                <a:ln w="3175" cmpd="sng">
+                  <a:noFill/>
+                </a:ln>
+                <a:solidFill>
+                  <a:schemeClr val="tx1"/>
+                </a:solidFill>
+                <a:effectLst/>
+              </a:defRPr>
+            </a:lvl1pPr>
+          </a:lstStyle>
+          <a:p>
+            <a:pPr marL="0" lvl="0">
+              <a:spcBef>
+                <a:spcPct val="0"/>
+              </a:spcBef>
+              <a:buNone/>
+            </a:pPr>
+            <a:r>
+              <a:rPr lang="en-US" smtClean="0"/>
+              <a:t>Edit Master text styles</a:t>
+            </a:r>
+          </a:p>
+        </p:txBody>
+      </p:sp>
+      <p:sp>
+        <p:nvSpPr>
+          <p:cNvPr id="3" name="Text Placeholder 2"/>
+          <p:cNvSpPr>
+            <a:spLocks noGrp="1"/>
+          </p:cNvSpPr>
+          <p:nvPr>
+            <p:ph type="body" idx="1"/>
+          </p:nvPr>
+        </p:nvSpPr>
+        <p:spPr>
+          <a:xfrm>
+            <a:off x="1484312" y="4775200"/>
+            <a:ext cx="10018710" cy="1016000"/>
           </a:xfrm>
         </p:spPr>
         <p:txBody>
@@ -1812,41 +2397,93 @@
             <a:normAutofit/>
           </a:bodyPr>
           <a:lstStyle>
-            <a:lvl1pPr marL="0" indent="0" algn="ctr">
-              <a:buNone/>
-              <a:defRPr sz="1400"/>
+            <a:lvl1pPr marL="0" indent="0" algn="r">
+              <a:buNone/>
+              <a:defRPr sz="1800">
+                <a:solidFill>
+                  <a:schemeClr val="tx1"/>
+                </a:solidFill>
+              </a:defRPr>
             </a:lvl1pPr>
             <a:lvl2pPr marL="457200" indent="0">
               <a:buNone/>
-              <a:defRPr sz="1200"/>
+              <a:defRPr sz="1800">
+                <a:solidFill>
+                  <a:schemeClr val="tx1">
+                    <a:tint val="75000"/>
+                  </a:schemeClr>
+                </a:solidFill>
+              </a:defRPr>
             </a:lvl2pPr>
             <a:lvl3pPr marL="914400" indent="0">
               <a:buNone/>
-              <a:defRPr sz="1000"/>
+              <a:defRPr sz="1600">
+                <a:solidFill>
+                  <a:schemeClr val="tx1">
+                    <a:tint val="75000"/>
+                  </a:schemeClr>
+                </a:solidFill>
+              </a:defRPr>
             </a:lvl3pPr>
             <a:lvl4pPr marL="1371600" indent="0">
               <a:buNone/>
-              <a:defRPr sz="900"/>
+              <a:defRPr sz="1400">
+                <a:solidFill>
+                  <a:schemeClr val="tx1">
+                    <a:tint val="75000"/>
+                  </a:schemeClr>
+                </a:solidFill>
+              </a:defRPr>
             </a:lvl4pPr>
             <a:lvl5pPr marL="1828800" indent="0">
               <a:buNone/>
-              <a:defRPr sz="900"/>
+              <a:defRPr sz="1400">
+                <a:solidFill>
+                  <a:schemeClr val="tx1">
+                    <a:tint val="75000"/>
+                  </a:schemeClr>
+                </a:solidFill>
+              </a:defRPr>
             </a:lvl5pPr>
             <a:lvl6pPr marL="2286000" indent="0">
               <a:buNone/>
-              <a:defRPr sz="900"/>
+              <a:defRPr sz="1400">
+                <a:solidFill>
+                  <a:schemeClr val="tx1">
+                    <a:tint val="75000"/>
+                  </a:schemeClr>
+                </a:solidFill>
+              </a:defRPr>
             </a:lvl6pPr>
             <a:lvl7pPr marL="2743200" indent="0">
               <a:buNone/>
-              <a:defRPr sz="900"/>
+              <a:defRPr sz="1400">
+                <a:solidFill>
+                  <a:schemeClr val="tx1">
+                    <a:tint val="75000"/>
+                  </a:schemeClr>
+                </a:solidFill>
+              </a:defRPr>
             </a:lvl7pPr>
             <a:lvl8pPr marL="3200400" indent="0">
               <a:buNone/>
-              <a:defRPr sz="900"/>
+              <a:defRPr sz="1400">
+                <a:solidFill>
+                  <a:schemeClr val="tx1">
+                    <a:tint val="75000"/>
+                  </a:schemeClr>
+                </a:solidFill>
+              </a:defRPr>
             </a:lvl8pPr>
             <a:lvl9pPr marL="3657600" indent="0">
               <a:buNone/>
-              <a:defRPr sz="900"/>
+              <a:defRPr sz="1400">
+                <a:solidFill>
+                  <a:schemeClr val="tx1">
+                    <a:tint val="75000"/>
+                  </a:schemeClr>
+                </a:solidFill>
+              </a:defRPr>
             </a:lvl9pPr>
           </a:lstStyle>
           <a:p>
@@ -1860,289 +2497,7 @@
       </p:sp>
       <p:sp>
         <p:nvSpPr>
-          <p:cNvPr id="9" name="Text Placeholder 4"/>
-          <p:cNvSpPr>
-            <a:spLocks noGrp="1"/>
-          </p:cNvSpPr>
-          <p:nvPr>
-            <p:ph type="body" sz="quarter" idx="3"/>
-          </p:nvPr>
-        </p:nvSpPr>
-        <p:spPr>
-          <a:xfrm>
-            <a:off x="4452389" y="2367093"/>
-            <a:ext cx="3291521" cy="576262"/>
-          </a:xfrm>
-        </p:spPr>
-        <p:txBody>
-          <a:bodyPr anchor="b">
-            <a:noAutofit/>
-          </a:bodyPr>
-          <a:lstStyle>
-            <a:lvl1pPr marL="0" indent="0" algn="ctr">
-              <a:lnSpc>
-                <a:spcPct val="85000"/>
-              </a:lnSpc>
-              <a:buNone/>
-              <a:defRPr sz="2400" b="0">
-                <a:solidFill>
-                  <a:schemeClr val="tx1"/>
-                </a:solidFill>
-              </a:defRPr>
-            </a:lvl1pPr>
-            <a:lvl2pPr marL="457200" indent="0">
-              <a:buNone/>
-              <a:defRPr sz="2000" b="1"/>
-            </a:lvl2pPr>
-            <a:lvl3pPr marL="914400" indent="0">
-              <a:buNone/>
-              <a:defRPr sz="1800" b="1"/>
-            </a:lvl3pPr>
-            <a:lvl4pPr marL="1371600" indent="0">
-              <a:buNone/>
-              <a:defRPr sz="1600" b="1"/>
-            </a:lvl4pPr>
-            <a:lvl5pPr marL="1828800" indent="0">
-              <a:buNone/>
-              <a:defRPr sz="1600" b="1"/>
-            </a:lvl5pPr>
-            <a:lvl6pPr marL="2286000" indent="0">
-              <a:buNone/>
-              <a:defRPr sz="1600" b="1"/>
-            </a:lvl6pPr>
-            <a:lvl7pPr marL="2743200" indent="0">
-              <a:buNone/>
-              <a:defRPr sz="1600" b="1"/>
-            </a:lvl7pPr>
-            <a:lvl8pPr marL="3200400" indent="0">
-              <a:buNone/>
-              <a:defRPr sz="1600" b="1"/>
-            </a:lvl8pPr>
-            <a:lvl9pPr marL="3657600" indent="0">
-              <a:buNone/>
-              <a:defRPr sz="1600" b="1"/>
-            </a:lvl9pPr>
-          </a:lstStyle>
-          <a:p>
-            <a:pPr lvl="0"/>
-            <a:r>
-              <a:rPr lang="en-US" smtClean="0"/>
-              <a:t>Edit Master text styles</a:t>
-            </a:r>
-          </a:p>
-        </p:txBody>
-      </p:sp>
-      <p:sp>
-        <p:nvSpPr>
-          <p:cNvPr id="10" name="Text Placeholder 3"/>
-          <p:cNvSpPr>
-            <a:spLocks noGrp="1"/>
-          </p:cNvSpPr>
-          <p:nvPr>
-            <p:ph type="body" sz="half" idx="16"/>
-          </p:nvPr>
-        </p:nvSpPr>
-        <p:spPr>
-          <a:xfrm>
-            <a:off x="4441348" y="2943355"/>
-            <a:ext cx="3303351" cy="2847845"/>
-          </a:xfrm>
-        </p:spPr>
-        <p:txBody>
-          <a:bodyPr anchor="t">
-            <a:normAutofit/>
-          </a:bodyPr>
-          <a:lstStyle>
-            <a:lvl1pPr marL="0" indent="0" algn="ctr">
-              <a:buNone/>
-              <a:defRPr sz="1400"/>
-            </a:lvl1pPr>
-            <a:lvl2pPr marL="457200" indent="0">
-              <a:buNone/>
-              <a:defRPr sz="1200"/>
-            </a:lvl2pPr>
-            <a:lvl3pPr marL="914400" indent="0">
-              <a:buNone/>
-              <a:defRPr sz="1000"/>
-            </a:lvl3pPr>
-            <a:lvl4pPr marL="1371600" indent="0">
-              <a:buNone/>
-              <a:defRPr sz="900"/>
-            </a:lvl4pPr>
-            <a:lvl5pPr marL="1828800" indent="0">
-              <a:buNone/>
-              <a:defRPr sz="900"/>
-            </a:lvl5pPr>
-            <a:lvl6pPr marL="2286000" indent="0">
-              <a:buNone/>
-              <a:defRPr sz="900"/>
-            </a:lvl6pPr>
-            <a:lvl7pPr marL="2743200" indent="0">
-              <a:buNone/>
-              <a:defRPr sz="900"/>
-            </a:lvl7pPr>
-            <a:lvl8pPr marL="3200400" indent="0">
-              <a:buNone/>
-              <a:defRPr sz="900"/>
-            </a:lvl8pPr>
-            <a:lvl9pPr marL="3657600" indent="0">
-              <a:buNone/>
-              <a:defRPr sz="900"/>
-            </a:lvl9pPr>
-          </a:lstStyle>
-          <a:p>
-            <a:pPr lvl="0"/>
-            <a:r>
-              <a:rPr lang="en-US" smtClean="0"/>
-              <a:t>Edit Master text styles</a:t>
-            </a:r>
-          </a:p>
-        </p:txBody>
-      </p:sp>
-      <p:sp>
-        <p:nvSpPr>
-          <p:cNvPr id="11" name="Text Placeholder 4"/>
-          <p:cNvSpPr>
-            <a:spLocks noGrp="1"/>
-          </p:cNvSpPr>
-          <p:nvPr>
-            <p:ph type="body" sz="quarter" idx="13"/>
-          </p:nvPr>
-        </p:nvSpPr>
-        <p:spPr>
-          <a:xfrm>
-            <a:off x="7973298" y="2367093"/>
-            <a:ext cx="3304928" cy="576262"/>
-          </a:xfrm>
-        </p:spPr>
-        <p:txBody>
-          <a:bodyPr anchor="b">
-            <a:noAutofit/>
-          </a:bodyPr>
-          <a:lstStyle>
-            <a:lvl1pPr marL="0" indent="0" algn="ctr">
-              <a:lnSpc>
-                <a:spcPct val="85000"/>
-              </a:lnSpc>
-              <a:buNone/>
-              <a:defRPr sz="2400" b="0">
-                <a:solidFill>
-                  <a:schemeClr val="tx1"/>
-                </a:solidFill>
-              </a:defRPr>
-            </a:lvl1pPr>
-            <a:lvl2pPr marL="457200" indent="0">
-              <a:buNone/>
-              <a:defRPr sz="2000" b="1"/>
-            </a:lvl2pPr>
-            <a:lvl3pPr marL="914400" indent="0">
-              <a:buNone/>
-              <a:defRPr sz="1800" b="1"/>
-            </a:lvl3pPr>
-            <a:lvl4pPr marL="1371600" indent="0">
-              <a:buNone/>
-              <a:defRPr sz="1600" b="1"/>
-            </a:lvl4pPr>
-            <a:lvl5pPr marL="1828800" indent="0">
-              <a:buNone/>
-              <a:defRPr sz="1600" b="1"/>
-            </a:lvl5pPr>
-            <a:lvl6pPr marL="2286000" indent="0">
-              <a:buNone/>
-              <a:defRPr sz="1600" b="1"/>
-            </a:lvl6pPr>
-            <a:lvl7pPr marL="2743200" indent="0">
-              <a:buNone/>
-              <a:defRPr sz="1600" b="1"/>
-            </a:lvl7pPr>
-            <a:lvl8pPr marL="3200400" indent="0">
-              <a:buNone/>
-              <a:defRPr sz="1600" b="1"/>
-            </a:lvl8pPr>
-            <a:lvl9pPr marL="3657600" indent="0">
-              <a:buNone/>
-              <a:defRPr sz="1600" b="1"/>
-            </a:lvl9pPr>
-          </a:lstStyle>
-          <a:p>
-            <a:pPr lvl="0"/>
-            <a:r>
-              <a:rPr lang="en-US" smtClean="0"/>
-              <a:t>Edit Master text styles</a:t>
-            </a:r>
-          </a:p>
-        </p:txBody>
-      </p:sp>
-      <p:sp>
-        <p:nvSpPr>
-          <p:cNvPr id="12" name="Text Placeholder 3"/>
-          <p:cNvSpPr>
-            <a:spLocks noGrp="1"/>
-          </p:cNvSpPr>
-          <p:nvPr>
-            <p:ph type="body" sz="half" idx="17"/>
-          </p:nvPr>
-        </p:nvSpPr>
-        <p:spPr>
-          <a:xfrm>
-            <a:off x="7973298" y="2943355"/>
-            <a:ext cx="3304928" cy="2847845"/>
-          </a:xfrm>
-        </p:spPr>
-        <p:txBody>
-          <a:bodyPr anchor="t">
-            <a:normAutofit/>
-          </a:bodyPr>
-          <a:lstStyle>
-            <a:lvl1pPr marL="0" indent="0" algn="ctr">
-              <a:buNone/>
-              <a:defRPr sz="1400"/>
-            </a:lvl1pPr>
-            <a:lvl2pPr marL="457200" indent="0">
-              <a:buNone/>
-              <a:defRPr sz="1200"/>
-            </a:lvl2pPr>
-            <a:lvl3pPr marL="914400" indent="0">
-              <a:buNone/>
-              <a:defRPr sz="1000"/>
-            </a:lvl3pPr>
-            <a:lvl4pPr marL="1371600" indent="0">
-              <a:buNone/>
-              <a:defRPr sz="900"/>
-            </a:lvl4pPr>
-            <a:lvl5pPr marL="1828800" indent="0">
-              <a:buNone/>
-              <a:defRPr sz="900"/>
-            </a:lvl5pPr>
-            <a:lvl6pPr marL="2286000" indent="0">
-              <a:buNone/>
-              <a:defRPr sz="900"/>
-            </a:lvl6pPr>
-            <a:lvl7pPr marL="2743200" indent="0">
-              <a:buNone/>
-              <a:defRPr sz="900"/>
-            </a:lvl7pPr>
-            <a:lvl8pPr marL="3200400" indent="0">
-              <a:buNone/>
-              <a:defRPr sz="900"/>
-            </a:lvl8pPr>
-            <a:lvl9pPr marL="3657600" indent="0">
-              <a:buNone/>
-              <a:defRPr sz="900"/>
-            </a:lvl9pPr>
-          </a:lstStyle>
-          <a:p>
-            <a:pPr lvl="0"/>
-            <a:r>
-              <a:rPr lang="en-US" smtClean="0"/>
-              <a:t>Edit Master text styles</a:t>
-            </a:r>
-          </a:p>
-        </p:txBody>
-      </p:sp>
-      <p:sp>
-        <p:nvSpPr>
-          <p:cNvPr id="3" name="Date Placeholder 2"/>
+          <p:cNvPr id="4" name="Date Placeholder 3"/>
           <p:cNvSpPr>
             <a:spLocks noGrp="1"/>
           </p:cNvSpPr>
@@ -2166,7 +2521,7 @@
       </p:sp>
       <p:sp>
         <p:nvSpPr>
-          <p:cNvPr id="4" name="Footer Placeholder 3"/>
+          <p:cNvPr id="5" name="Footer Placeholder 4"/>
           <p:cNvSpPr>
             <a:spLocks noGrp="1"/>
           </p:cNvSpPr>
@@ -2185,7 +2540,7 @@
       </p:sp>
       <p:sp>
         <p:nvSpPr>
-          <p:cNvPr id="5" name="Slide Number Placeholder 4"/>
+          <p:cNvPr id="6" name="Slide Number Placeholder 5"/>
           <p:cNvSpPr>
             <a:spLocks noGrp="1"/>
           </p:cNvSpPr>
@@ -2210,7 +2565,7 @@
     </p:spTree>
     <p:extLst>
       <p:ext uri="{BB962C8B-B14F-4D97-AF65-F5344CB8AC3E}">
-        <p14:creationId xmlns:p14="http://schemas.microsoft.com/office/powerpoint/2010/main" val="512988686"/>
+        <p14:creationId xmlns:p14="http://schemas.microsoft.com/office/powerpoint/2010/main" val="29828643"/>
       </p:ext>
     </p:extLst>
   </p:cSld>
@@ -2223,7 +2578,7 @@
 
 <file path=ppt/slideLayouts/slideLayout15.xml><?xml version="1.0" encoding="utf-8"?>
 <p:sldLayout xmlns:a="http://schemas.openxmlformats.org/drawingml/2006/main" xmlns:r="http://schemas.openxmlformats.org/officeDocument/2006/relationships" xmlns:p="http://schemas.openxmlformats.org/presentationml/2006/main" preserve="1">
-  <p:cSld name="3 Picture Column">
+  <p:cSld name="True or False">
     <p:spTree>
       <p:nvGrpSpPr>
         <p:cNvPr id="1" name=""/>
@@ -2238,67 +2593,92 @@
           <a:chExt cx="0" cy="0"/>
         </a:xfrm>
       </p:grpSpPr>
-      <p:pic>
-        <p:nvPicPr>
-          <p:cNvPr id="16" name="Picture 15" descr="Droplets-HD-Content-R1d.png"/>
-          <p:cNvPicPr>
-            <a:picLocks noChangeAspect="1"/>
-          </p:cNvPicPr>
-          <p:nvPr/>
-        </p:nvPicPr>
-        <p:blipFill>
-          <a:blip r:embed="rId2">
-            <a:extLst>
-              <a:ext uri="{28A0092B-C50C-407E-A947-70E740481C1C}">
-                <a14:useLocalDpi xmlns:a14="http://schemas.microsoft.com/office/drawing/2010/main" val="0"/>
-              </a:ext>
-            </a:extLst>
-          </a:blip>
-          <a:stretch>
-            <a:fillRect/>
-          </a:stretch>
-        </p:blipFill>
+      <p:sp>
+        <p:nvSpPr>
+          <p:cNvPr id="2" name="Title 1"/>
+          <p:cNvSpPr>
+            <a:spLocks noGrp="1"/>
+          </p:cNvSpPr>
+          <p:nvPr>
+            <p:ph type="title"/>
+          </p:nvPr>
+        </p:nvSpPr>
         <p:spPr>
           <a:xfrm>
-            <a:off x="0" y="0"/>
-            <a:ext cx="12192000" cy="6858000"/>
+            <a:off x="1484313" y="685800"/>
+            <a:ext cx="10018712" cy="2727325"/>
           </a:xfrm>
-          <a:prstGeom prst="rect">
-            <a:avLst/>
-          </a:prstGeom>
         </p:spPr>
-      </p:pic>
-      <p:sp>
-        <p:nvSpPr>
-          <p:cNvPr id="30" name="Title 1"/>
-          <p:cNvSpPr>
-            <a:spLocks noGrp="1"/>
-          </p:cNvSpPr>
-          <p:nvPr>
-            <p:ph type="title"/>
+        <p:txBody>
+          <a:bodyPr vert="horz" lIns="91440" tIns="45720" rIns="91440" bIns="45720" rtlCol="0" anchor="ctr">
+            <a:normAutofit/>
+          </a:bodyPr>
+          <a:lstStyle>
+            <a:lvl1pPr>
+              <a:defRPr lang="en-US" b="0" dirty="0"/>
+            </a:lvl1pPr>
+          </a:lstStyle>
+          <a:p>
+            <a:pPr marL="0" lvl="0"/>
+            <a:r>
+              <a:rPr lang="en-US" smtClean="0"/>
+              <a:t>Click to edit Master title style</a:t>
+            </a:r>
+            <a:endParaRPr lang="en-US" dirty="0"/>
+          </a:p>
+        </p:txBody>
+      </p:sp>
+      <p:sp>
+        <p:nvSpPr>
+          <p:cNvPr id="10" name="Text Placeholder 9"/>
+          <p:cNvSpPr>
+            <a:spLocks noGrp="1"/>
+          </p:cNvSpPr>
+          <p:nvPr>
+            <p:ph type="body" sz="quarter" idx="13"/>
           </p:nvPr>
         </p:nvSpPr>
         <p:spPr>
           <a:xfrm>
-            <a:off x="913774" y="610772"/>
-            <a:ext cx="10364452" cy="1603922"/>
+            <a:off x="1484312" y="3505200"/>
+            <a:ext cx="10018713" cy="838200"/>
           </a:xfrm>
         </p:spPr>
         <p:txBody>
-          <a:bodyPr/>
-          <a:lstStyle/>
-          <a:p>
-            <a:r>
-              <a:rPr lang="en-US" smtClean="0"/>
-              <a:t>Click to edit Master title style</a:t>
-            </a:r>
-            <a:endParaRPr lang="en-US" dirty="0"/>
-          </a:p>
-        </p:txBody>
-      </p:sp>
-      <p:sp>
-        <p:nvSpPr>
-          <p:cNvPr id="19" name="Text Placeholder 2"/>
+          <a:bodyPr vert="horz" lIns="91440" tIns="45720" rIns="91440" bIns="45720" rtlCol="0" anchor="b">
+            <a:normAutofit/>
+          </a:bodyPr>
+          <a:lstStyle>
+            <a:lvl1pPr>
+              <a:buNone/>
+              <a:defRPr lang="en-US" sz="2800" b="0" cap="none" dirty="0">
+                <a:ln w="3175" cmpd="sng">
+                  <a:noFill/>
+                </a:ln>
+                <a:solidFill>
+                  <a:schemeClr val="tx1"/>
+                </a:solidFill>
+                <a:effectLst/>
+              </a:defRPr>
+            </a:lvl1pPr>
+          </a:lstStyle>
+          <a:p>
+            <a:pPr marL="0" lvl="0">
+              <a:spcBef>
+                <a:spcPct val="0"/>
+              </a:spcBef>
+              <a:buNone/>
+            </a:pPr>
+            <a:r>
+              <a:rPr lang="en-US" smtClean="0"/>
+              <a:t>Edit Master text styles</a:t>
+            </a:r>
+          </a:p>
+        </p:txBody>
+      </p:sp>
+      <p:sp>
+        <p:nvSpPr>
+          <p:cNvPr id="3" name="Text Placeholder 2"/>
           <p:cNvSpPr>
             <a:spLocks noGrp="1"/>
           </p:cNvSpPr>
@@ -2308,219 +2688,105 @@
         </p:nvSpPr>
         <p:spPr>
           <a:xfrm>
-            <a:off x="913774" y="4204820"/>
-            <a:ext cx="3296409" cy="576262"/>
+            <a:off x="1484311" y="4343400"/>
+            <a:ext cx="10018713" cy="1447800"/>
           </a:xfrm>
-        </p:spPr>
-        <p:txBody>
-          <a:bodyPr anchor="b">
-            <a:noAutofit/>
-          </a:bodyPr>
-          <a:lstStyle>
-            <a:lvl1pPr marL="0" indent="0" algn="ctr">
-              <a:lnSpc>
-                <a:spcPct val="85000"/>
-              </a:lnSpc>
-              <a:buNone/>
-              <a:defRPr sz="2200" b="0">
-                <a:solidFill>
-                  <a:schemeClr val="tx1"/>
-                </a:solidFill>
-              </a:defRPr>
-            </a:lvl1pPr>
-            <a:lvl2pPr marL="457200" indent="0">
-              <a:buNone/>
-              <a:defRPr sz="2000" b="1"/>
-            </a:lvl2pPr>
-            <a:lvl3pPr marL="914400" indent="0">
-              <a:buNone/>
-              <a:defRPr sz="1800" b="1"/>
-            </a:lvl3pPr>
-            <a:lvl4pPr marL="1371600" indent="0">
-              <a:buNone/>
-              <a:defRPr sz="1600" b="1"/>
-            </a:lvl4pPr>
-            <a:lvl5pPr marL="1828800" indent="0">
-              <a:buNone/>
-              <a:defRPr sz="1600" b="1"/>
-            </a:lvl5pPr>
-            <a:lvl6pPr marL="2286000" indent="0">
-              <a:buNone/>
-              <a:defRPr sz="1600" b="1"/>
-            </a:lvl6pPr>
-            <a:lvl7pPr marL="2743200" indent="0">
-              <a:buNone/>
-              <a:defRPr sz="1600" b="1"/>
-            </a:lvl7pPr>
-            <a:lvl8pPr marL="3200400" indent="0">
-              <a:buNone/>
-              <a:defRPr sz="1600" b="1"/>
-            </a:lvl8pPr>
-            <a:lvl9pPr marL="3657600" indent="0">
-              <a:buNone/>
-              <a:defRPr sz="1600" b="1"/>
-            </a:lvl9pPr>
-          </a:lstStyle>
-          <a:p>
-            <a:pPr lvl="0"/>
-            <a:r>
-              <a:rPr lang="en-US" smtClean="0"/>
-              <a:t>Edit Master text styles</a:t>
-            </a:r>
-          </a:p>
-        </p:txBody>
-      </p:sp>
-      <p:sp>
-        <p:nvSpPr>
-          <p:cNvPr id="20" name="Picture Placeholder 2"/>
-          <p:cNvSpPr>
-            <a:spLocks noGrp="1" noChangeAspect="1"/>
-          </p:cNvSpPr>
-          <p:nvPr>
-            <p:ph type="pic" idx="15"/>
-          </p:nvPr>
-        </p:nvSpPr>
-        <p:spPr>
-          <a:xfrm>
-            <a:off x="913774" y="2367093"/>
-            <a:ext cx="3296409" cy="1524000"/>
-          </a:xfrm>
-          <a:prstGeom prst="roundRect">
-            <a:avLst>
-              <a:gd name="adj" fmla="val 9363"/>
-            </a:avLst>
-          </a:prstGeom>
-          <a:noFill/>
-          <a:ln w="82550" cap="sq">
-            <a:solidFill>
-              <a:srgbClr val="EAEAEA"/>
-            </a:solidFill>
-            <a:miter lim="800000"/>
-          </a:ln>
-          <a:effectLst/>
-          <a:scene3d>
-            <a:camera prst="orthographicFront"/>
-            <a:lightRig rig="threePt" dir="t">
-              <a:rot lat="0" lon="0" rev="2700000"/>
-            </a:lightRig>
-          </a:scene3d>
-          <a:sp3d contourW="6350">
-            <a:bevelT h="38100"/>
-            <a:contourClr>
-              <a:srgbClr val="C0C0C0"/>
-            </a:contourClr>
-          </a:sp3d>
         </p:spPr>
         <p:txBody>
           <a:bodyPr anchor="t">
             <a:normAutofit/>
           </a:bodyPr>
           <a:lstStyle>
-            <a:lvl1pPr marL="0" indent="0" algn="ctr">
-              <a:buNone/>
-              <a:defRPr sz="1600"/>
+            <a:lvl1pPr marL="0" indent="0" algn="l">
+              <a:buNone/>
+              <a:defRPr sz="1800">
+                <a:solidFill>
+                  <a:schemeClr val="tx1"/>
+                </a:solidFill>
+              </a:defRPr>
             </a:lvl1pPr>
             <a:lvl2pPr marL="457200" indent="0">
               <a:buNone/>
-              <a:defRPr sz="1600"/>
+              <a:defRPr sz="1800">
+                <a:solidFill>
+                  <a:schemeClr val="tx1">
+                    <a:tint val="75000"/>
+                  </a:schemeClr>
+                </a:solidFill>
+              </a:defRPr>
             </a:lvl2pPr>
             <a:lvl3pPr marL="914400" indent="0">
               <a:buNone/>
-              <a:defRPr sz="1600"/>
+              <a:defRPr sz="1600">
+                <a:solidFill>
+                  <a:schemeClr val="tx1">
+                    <a:tint val="75000"/>
+                  </a:schemeClr>
+                </a:solidFill>
+              </a:defRPr>
             </a:lvl3pPr>
             <a:lvl4pPr marL="1371600" indent="0">
               <a:buNone/>
-              <a:defRPr sz="1600"/>
+              <a:defRPr sz="1400">
+                <a:solidFill>
+                  <a:schemeClr val="tx1">
+                    <a:tint val="75000"/>
+                  </a:schemeClr>
+                </a:solidFill>
+              </a:defRPr>
             </a:lvl4pPr>
             <a:lvl5pPr marL="1828800" indent="0">
               <a:buNone/>
-              <a:defRPr sz="1600"/>
+              <a:defRPr sz="1400">
+                <a:solidFill>
+                  <a:schemeClr val="tx1">
+                    <a:tint val="75000"/>
+                  </a:schemeClr>
+                </a:solidFill>
+              </a:defRPr>
             </a:lvl5pPr>
             <a:lvl6pPr marL="2286000" indent="0">
               <a:buNone/>
-              <a:defRPr sz="1600"/>
+              <a:defRPr sz="1400">
+                <a:solidFill>
+                  <a:schemeClr val="tx1">
+                    <a:tint val="75000"/>
+                  </a:schemeClr>
+                </a:solidFill>
+              </a:defRPr>
             </a:lvl6pPr>
             <a:lvl7pPr marL="2743200" indent="0">
               <a:buNone/>
-              <a:defRPr sz="1600"/>
+              <a:defRPr sz="1400">
+                <a:solidFill>
+                  <a:schemeClr val="tx1">
+                    <a:tint val="75000"/>
+                  </a:schemeClr>
+                </a:solidFill>
+              </a:defRPr>
             </a:lvl7pPr>
             <a:lvl8pPr marL="3200400" indent="0">
               <a:buNone/>
-              <a:defRPr sz="1600"/>
+              <a:defRPr sz="1400">
+                <a:solidFill>
+                  <a:schemeClr val="tx1">
+                    <a:tint val="75000"/>
+                  </a:schemeClr>
+                </a:solidFill>
+              </a:defRPr>
             </a:lvl8pPr>
             <a:lvl9pPr marL="3657600" indent="0">
               <a:buNone/>
-              <a:defRPr sz="1600"/>
+              <a:defRPr sz="1400">
+                <a:solidFill>
+                  <a:schemeClr val="tx1">
+                    <a:tint val="75000"/>
+                  </a:schemeClr>
+                </a:solidFill>
+              </a:defRPr>
             </a:lvl9pPr>
           </a:lstStyle>
           <a:p>
-            <a:r>
-              <a:rPr lang="en-US" smtClean="0"/>
-              <a:t>Click icon to add picture</a:t>
-            </a:r>
-            <a:endParaRPr lang="en-US" dirty="0"/>
-          </a:p>
-        </p:txBody>
-      </p:sp>
-      <p:sp>
-        <p:nvSpPr>
-          <p:cNvPr id="21" name="Text Placeholder 3"/>
-          <p:cNvSpPr>
-            <a:spLocks noGrp="1"/>
-          </p:cNvSpPr>
-          <p:nvPr>
-            <p:ph type="body" sz="half" idx="18"/>
-          </p:nvPr>
-        </p:nvSpPr>
-        <p:spPr>
-          <a:xfrm>
-            <a:off x="913774" y="4781082"/>
-            <a:ext cx="3296409" cy="1010118"/>
-          </a:xfrm>
-        </p:spPr>
-        <p:txBody>
-          <a:bodyPr anchor="t">
-            <a:normAutofit/>
-          </a:bodyPr>
-          <a:lstStyle>
-            <a:lvl1pPr marL="0" indent="0" algn="ctr">
-              <a:buNone/>
-              <a:defRPr sz="1400"/>
-            </a:lvl1pPr>
-            <a:lvl2pPr marL="457200" indent="0">
-              <a:buNone/>
-              <a:defRPr sz="1200"/>
-            </a:lvl2pPr>
-            <a:lvl3pPr marL="914400" indent="0">
-              <a:buNone/>
-              <a:defRPr sz="1000"/>
-            </a:lvl3pPr>
-            <a:lvl4pPr marL="1371600" indent="0">
-              <a:buNone/>
-              <a:defRPr sz="900"/>
-            </a:lvl4pPr>
-            <a:lvl5pPr marL="1828800" indent="0">
-              <a:buNone/>
-              <a:defRPr sz="900"/>
-            </a:lvl5pPr>
-            <a:lvl6pPr marL="2286000" indent="0">
-              <a:buNone/>
-              <a:defRPr sz="900"/>
-            </a:lvl6pPr>
-            <a:lvl7pPr marL="2743200" indent="0">
-              <a:buNone/>
-              <a:defRPr sz="900"/>
-            </a:lvl7pPr>
-            <a:lvl8pPr marL="3200400" indent="0">
-              <a:buNone/>
-              <a:defRPr sz="900"/>
-            </a:lvl8pPr>
-            <a:lvl9pPr marL="3657600" indent="0">
-              <a:buNone/>
-              <a:defRPr sz="900"/>
-            </a:lvl9pPr>
-          </a:lstStyle>
-          <a:p>
             <a:pPr lvl="0"/>
             <a:r>
               <a:rPr lang="en-US" smtClean="0"/>
@@ -2531,473 +2797,7 @@
       </p:sp>
       <p:sp>
         <p:nvSpPr>
-          <p:cNvPr id="22" name="Text Placeholder 4"/>
-          <p:cNvSpPr>
-            <a:spLocks noGrp="1"/>
-          </p:cNvSpPr>
-          <p:nvPr>
-            <p:ph type="body" sz="quarter" idx="3"/>
-          </p:nvPr>
-        </p:nvSpPr>
-        <p:spPr>
-          <a:xfrm>
-            <a:off x="4442759" y="4204820"/>
-            <a:ext cx="3301828" cy="576262"/>
-          </a:xfrm>
-        </p:spPr>
-        <p:txBody>
-          <a:bodyPr anchor="b">
-            <a:noAutofit/>
-          </a:bodyPr>
-          <a:lstStyle>
-            <a:lvl1pPr marL="0" indent="0" algn="ctr">
-              <a:lnSpc>
-                <a:spcPct val="85000"/>
-              </a:lnSpc>
-              <a:buNone/>
-              <a:defRPr sz="2200" b="0">
-                <a:solidFill>
-                  <a:schemeClr val="tx1"/>
-                </a:solidFill>
-              </a:defRPr>
-            </a:lvl1pPr>
-            <a:lvl2pPr marL="457200" indent="0">
-              <a:buNone/>
-              <a:defRPr sz="2000" b="1"/>
-            </a:lvl2pPr>
-            <a:lvl3pPr marL="914400" indent="0">
-              <a:buNone/>
-              <a:defRPr sz="1800" b="1"/>
-            </a:lvl3pPr>
-            <a:lvl4pPr marL="1371600" indent="0">
-              <a:buNone/>
-              <a:defRPr sz="1600" b="1"/>
-            </a:lvl4pPr>
-            <a:lvl5pPr marL="1828800" indent="0">
-              <a:buNone/>
-              <a:defRPr sz="1600" b="1"/>
-            </a:lvl5pPr>
-            <a:lvl6pPr marL="2286000" indent="0">
-              <a:buNone/>
-              <a:defRPr sz="1600" b="1"/>
-            </a:lvl6pPr>
-            <a:lvl7pPr marL="2743200" indent="0">
-              <a:buNone/>
-              <a:defRPr sz="1600" b="1"/>
-            </a:lvl7pPr>
-            <a:lvl8pPr marL="3200400" indent="0">
-              <a:buNone/>
-              <a:defRPr sz="1600" b="1"/>
-            </a:lvl8pPr>
-            <a:lvl9pPr marL="3657600" indent="0">
-              <a:buNone/>
-              <a:defRPr sz="1600" b="1"/>
-            </a:lvl9pPr>
-          </a:lstStyle>
-          <a:p>
-            <a:pPr lvl="0"/>
-            <a:r>
-              <a:rPr lang="en-US" smtClean="0"/>
-              <a:t>Edit Master text styles</a:t>
-            </a:r>
-          </a:p>
-        </p:txBody>
-      </p:sp>
-      <p:sp>
-        <p:nvSpPr>
-          <p:cNvPr id="23" name="Picture Placeholder 2"/>
-          <p:cNvSpPr>
-            <a:spLocks noGrp="1" noChangeAspect="1"/>
-          </p:cNvSpPr>
-          <p:nvPr>
-            <p:ph type="pic" idx="21"/>
-          </p:nvPr>
-        </p:nvSpPr>
-        <p:spPr>
-          <a:xfrm>
-            <a:off x="4441348" y="2367093"/>
-            <a:ext cx="3303352" cy="1524000"/>
-          </a:xfrm>
-          <a:prstGeom prst="roundRect">
-            <a:avLst>
-              <a:gd name="adj" fmla="val 8841"/>
-            </a:avLst>
-          </a:prstGeom>
-          <a:noFill/>
-          <a:ln w="82550" cap="sq">
-            <a:solidFill>
-              <a:srgbClr val="EAEAEA"/>
-            </a:solidFill>
-            <a:miter lim="800000"/>
-          </a:ln>
-          <a:effectLst/>
-          <a:scene3d>
-            <a:camera prst="orthographicFront"/>
-            <a:lightRig rig="threePt" dir="t">
-              <a:rot lat="0" lon="0" rev="2700000"/>
-            </a:lightRig>
-          </a:scene3d>
-          <a:sp3d contourW="6350">
-            <a:bevelT h="38100"/>
-            <a:contourClr>
-              <a:srgbClr val="C0C0C0"/>
-            </a:contourClr>
-          </a:sp3d>
-        </p:spPr>
-        <p:txBody>
-          <a:bodyPr anchor="t">
-            <a:normAutofit/>
-          </a:bodyPr>
-          <a:lstStyle>
-            <a:lvl1pPr marL="0" indent="0" algn="ctr">
-              <a:buNone/>
-              <a:defRPr sz="1600"/>
-            </a:lvl1pPr>
-            <a:lvl2pPr marL="457200" indent="0">
-              <a:buNone/>
-              <a:defRPr sz="1600"/>
-            </a:lvl2pPr>
-            <a:lvl3pPr marL="914400" indent="0">
-              <a:buNone/>
-              <a:defRPr sz="1600"/>
-            </a:lvl3pPr>
-            <a:lvl4pPr marL="1371600" indent="0">
-              <a:buNone/>
-              <a:defRPr sz="1600"/>
-            </a:lvl4pPr>
-            <a:lvl5pPr marL="1828800" indent="0">
-              <a:buNone/>
-              <a:defRPr sz="1600"/>
-            </a:lvl5pPr>
-            <a:lvl6pPr marL="2286000" indent="0">
-              <a:buNone/>
-              <a:defRPr sz="1600"/>
-            </a:lvl6pPr>
-            <a:lvl7pPr marL="2743200" indent="0">
-              <a:buNone/>
-              <a:defRPr sz="1600"/>
-            </a:lvl7pPr>
-            <a:lvl8pPr marL="3200400" indent="0">
-              <a:buNone/>
-              <a:defRPr sz="1600"/>
-            </a:lvl8pPr>
-            <a:lvl9pPr marL="3657600" indent="0">
-              <a:buNone/>
-              <a:defRPr sz="1600"/>
-            </a:lvl9pPr>
-          </a:lstStyle>
-          <a:p>
-            <a:r>
-              <a:rPr lang="en-US" smtClean="0"/>
-              <a:t>Click icon to add picture</a:t>
-            </a:r>
-            <a:endParaRPr lang="en-US" dirty="0"/>
-          </a:p>
-        </p:txBody>
-      </p:sp>
-      <p:sp>
-        <p:nvSpPr>
-          <p:cNvPr id="24" name="Text Placeholder 3"/>
-          <p:cNvSpPr>
-            <a:spLocks noGrp="1"/>
-          </p:cNvSpPr>
-          <p:nvPr>
-            <p:ph type="body" sz="half" idx="19"/>
-          </p:nvPr>
-        </p:nvSpPr>
-        <p:spPr>
-          <a:xfrm>
-            <a:off x="4441348" y="4781080"/>
-            <a:ext cx="3303352" cy="1010119"/>
-          </a:xfrm>
-        </p:spPr>
-        <p:txBody>
-          <a:bodyPr anchor="t">
-            <a:normAutofit/>
-          </a:bodyPr>
-          <a:lstStyle>
-            <a:lvl1pPr marL="0" indent="0" algn="ctr">
-              <a:buNone/>
-              <a:defRPr sz="1400"/>
-            </a:lvl1pPr>
-            <a:lvl2pPr marL="457200" indent="0">
-              <a:buNone/>
-              <a:defRPr sz="1200"/>
-            </a:lvl2pPr>
-            <a:lvl3pPr marL="914400" indent="0">
-              <a:buNone/>
-              <a:defRPr sz="1000"/>
-            </a:lvl3pPr>
-            <a:lvl4pPr marL="1371600" indent="0">
-              <a:buNone/>
-              <a:defRPr sz="900"/>
-            </a:lvl4pPr>
-            <a:lvl5pPr marL="1828800" indent="0">
-              <a:buNone/>
-              <a:defRPr sz="900"/>
-            </a:lvl5pPr>
-            <a:lvl6pPr marL="2286000" indent="0">
-              <a:buNone/>
-              <a:defRPr sz="900"/>
-            </a:lvl6pPr>
-            <a:lvl7pPr marL="2743200" indent="0">
-              <a:buNone/>
-              <a:defRPr sz="900"/>
-            </a:lvl7pPr>
-            <a:lvl8pPr marL="3200400" indent="0">
-              <a:buNone/>
-              <a:defRPr sz="900"/>
-            </a:lvl8pPr>
-            <a:lvl9pPr marL="3657600" indent="0">
-              <a:buNone/>
-              <a:defRPr sz="900"/>
-            </a:lvl9pPr>
-          </a:lstStyle>
-          <a:p>
-            <a:pPr lvl="0"/>
-            <a:r>
-              <a:rPr lang="en-US" smtClean="0"/>
-              <a:t>Edit Master text styles</a:t>
-            </a:r>
-          </a:p>
-        </p:txBody>
-      </p:sp>
-      <p:sp>
-        <p:nvSpPr>
-          <p:cNvPr id="25" name="Text Placeholder 4"/>
-          <p:cNvSpPr>
-            <a:spLocks noGrp="1"/>
-          </p:cNvSpPr>
-          <p:nvPr>
-            <p:ph type="body" sz="quarter" idx="13"/>
-          </p:nvPr>
-        </p:nvSpPr>
-        <p:spPr>
-          <a:xfrm>
-            <a:off x="7973298" y="4204820"/>
-            <a:ext cx="3300681" cy="576262"/>
-          </a:xfrm>
-        </p:spPr>
-        <p:txBody>
-          <a:bodyPr anchor="b">
-            <a:noAutofit/>
-          </a:bodyPr>
-          <a:lstStyle>
-            <a:lvl1pPr marL="0" indent="0" algn="ctr">
-              <a:lnSpc>
-                <a:spcPct val="85000"/>
-              </a:lnSpc>
-              <a:buNone/>
-              <a:defRPr sz="2200" b="0">
-                <a:solidFill>
-                  <a:schemeClr val="tx1"/>
-                </a:solidFill>
-              </a:defRPr>
-            </a:lvl1pPr>
-            <a:lvl2pPr marL="457200" indent="0">
-              <a:buNone/>
-              <a:defRPr sz="2000" b="1"/>
-            </a:lvl2pPr>
-            <a:lvl3pPr marL="914400" indent="0">
-              <a:buNone/>
-              <a:defRPr sz="1800" b="1"/>
-            </a:lvl3pPr>
-            <a:lvl4pPr marL="1371600" indent="0">
-              <a:buNone/>
-              <a:defRPr sz="1600" b="1"/>
-            </a:lvl4pPr>
-            <a:lvl5pPr marL="1828800" indent="0">
-              <a:buNone/>
-              <a:defRPr sz="1600" b="1"/>
-            </a:lvl5pPr>
-            <a:lvl6pPr marL="2286000" indent="0">
-              <a:buNone/>
-              <a:defRPr sz="1600" b="1"/>
-            </a:lvl6pPr>
-            <a:lvl7pPr marL="2743200" indent="0">
-              <a:buNone/>
-              <a:defRPr sz="1600" b="1"/>
-            </a:lvl7pPr>
-            <a:lvl8pPr marL="3200400" indent="0">
-              <a:buNone/>
-              <a:defRPr sz="1600" b="1"/>
-            </a:lvl8pPr>
-            <a:lvl9pPr marL="3657600" indent="0">
-              <a:buNone/>
-              <a:defRPr sz="1600" b="1"/>
-            </a:lvl9pPr>
-          </a:lstStyle>
-          <a:p>
-            <a:pPr lvl="0"/>
-            <a:r>
-              <a:rPr lang="en-US" smtClean="0"/>
-              <a:t>Edit Master text styles</a:t>
-            </a:r>
-          </a:p>
-        </p:txBody>
-      </p:sp>
-      <p:sp>
-        <p:nvSpPr>
-          <p:cNvPr id="26" name="Picture Placeholder 2"/>
-          <p:cNvSpPr>
-            <a:spLocks noGrp="1" noChangeAspect="1"/>
-          </p:cNvSpPr>
-          <p:nvPr>
-            <p:ph type="pic" idx="22"/>
-          </p:nvPr>
-        </p:nvSpPr>
-        <p:spPr>
-          <a:xfrm>
-            <a:off x="7973298" y="2367093"/>
-            <a:ext cx="3304928" cy="1524000"/>
-          </a:xfrm>
-          <a:prstGeom prst="roundRect">
-            <a:avLst>
-              <a:gd name="adj" fmla="val 8841"/>
-            </a:avLst>
-          </a:prstGeom>
-          <a:noFill/>
-          <a:ln w="82550" cap="sq">
-            <a:solidFill>
-              <a:srgbClr val="EAEAEA"/>
-            </a:solidFill>
-            <a:miter lim="800000"/>
-          </a:ln>
-          <a:effectLst/>
-          <a:scene3d>
-            <a:camera prst="orthographicFront"/>
-            <a:lightRig rig="threePt" dir="t">
-              <a:rot lat="0" lon="0" rev="2700000"/>
-            </a:lightRig>
-          </a:scene3d>
-          <a:sp3d contourW="6350">
-            <a:bevelT h="38100"/>
-            <a:contourClr>
-              <a:srgbClr val="C0C0C0"/>
-            </a:contourClr>
-          </a:sp3d>
-        </p:spPr>
-        <p:txBody>
-          <a:bodyPr anchor="t">
-            <a:normAutofit/>
-          </a:bodyPr>
-          <a:lstStyle>
-            <a:lvl1pPr marL="0" indent="0" algn="ctr">
-              <a:buNone/>
-              <a:defRPr sz="1600"/>
-            </a:lvl1pPr>
-            <a:lvl2pPr marL="457200" indent="0">
-              <a:buNone/>
-              <a:defRPr sz="1600"/>
-            </a:lvl2pPr>
-            <a:lvl3pPr marL="914400" indent="0">
-              <a:buNone/>
-              <a:defRPr sz="1600"/>
-            </a:lvl3pPr>
-            <a:lvl4pPr marL="1371600" indent="0">
-              <a:buNone/>
-              <a:defRPr sz="1600"/>
-            </a:lvl4pPr>
-            <a:lvl5pPr marL="1828800" indent="0">
-              <a:buNone/>
-              <a:defRPr sz="1600"/>
-            </a:lvl5pPr>
-            <a:lvl6pPr marL="2286000" indent="0">
-              <a:buNone/>
-              <a:defRPr sz="1600"/>
-            </a:lvl6pPr>
-            <a:lvl7pPr marL="2743200" indent="0">
-              <a:buNone/>
-              <a:defRPr sz="1600"/>
-            </a:lvl7pPr>
-            <a:lvl8pPr marL="3200400" indent="0">
-              <a:buNone/>
-              <a:defRPr sz="1600"/>
-            </a:lvl8pPr>
-            <a:lvl9pPr marL="3657600" indent="0">
-              <a:buNone/>
-              <a:defRPr sz="1600"/>
-            </a:lvl9pPr>
-          </a:lstStyle>
-          <a:p>
-            <a:r>
-              <a:rPr lang="en-US" smtClean="0"/>
-              <a:t>Click icon to add picture</a:t>
-            </a:r>
-            <a:endParaRPr lang="en-US" dirty="0"/>
-          </a:p>
-        </p:txBody>
-      </p:sp>
-      <p:sp>
-        <p:nvSpPr>
-          <p:cNvPr id="27" name="Text Placeholder 3"/>
-          <p:cNvSpPr>
-            <a:spLocks noGrp="1"/>
-          </p:cNvSpPr>
-          <p:nvPr>
-            <p:ph type="body" sz="half" idx="20"/>
-          </p:nvPr>
-        </p:nvSpPr>
-        <p:spPr>
-          <a:xfrm>
-            <a:off x="7973173" y="4781078"/>
-            <a:ext cx="3305053" cy="1010121"/>
-          </a:xfrm>
-        </p:spPr>
-        <p:txBody>
-          <a:bodyPr anchor="t">
-            <a:normAutofit/>
-          </a:bodyPr>
-          <a:lstStyle>
-            <a:lvl1pPr marL="0" indent="0" algn="ctr">
-              <a:buNone/>
-              <a:defRPr sz="1400"/>
-            </a:lvl1pPr>
-            <a:lvl2pPr marL="457200" indent="0">
-              <a:buNone/>
-              <a:defRPr sz="1200"/>
-            </a:lvl2pPr>
-            <a:lvl3pPr marL="914400" indent="0">
-              <a:buNone/>
-              <a:defRPr sz="1000"/>
-            </a:lvl3pPr>
-            <a:lvl4pPr marL="1371600" indent="0">
-              <a:buNone/>
-              <a:defRPr sz="900"/>
-            </a:lvl4pPr>
-            <a:lvl5pPr marL="1828800" indent="0">
-              <a:buNone/>
-              <a:defRPr sz="900"/>
-            </a:lvl5pPr>
-            <a:lvl6pPr marL="2286000" indent="0">
-              <a:buNone/>
-              <a:defRPr sz="900"/>
-            </a:lvl6pPr>
-            <a:lvl7pPr marL="2743200" indent="0">
-              <a:buNone/>
-              <a:defRPr sz="900"/>
-            </a:lvl7pPr>
-            <a:lvl8pPr marL="3200400" indent="0">
-              <a:buNone/>
-              <a:defRPr sz="900"/>
-            </a:lvl8pPr>
-            <a:lvl9pPr marL="3657600" indent="0">
-              <a:buNone/>
-              <a:defRPr sz="900"/>
-            </a:lvl9pPr>
-          </a:lstStyle>
-          <a:p>
-            <a:pPr lvl="0"/>
-            <a:r>
-              <a:rPr lang="en-US" smtClean="0"/>
-              <a:t>Edit Master text styles</a:t>
-            </a:r>
-          </a:p>
-        </p:txBody>
-      </p:sp>
-      <p:sp>
-        <p:nvSpPr>
-          <p:cNvPr id="3" name="Date Placeholder 2"/>
+          <p:cNvPr id="4" name="Date Placeholder 3"/>
           <p:cNvSpPr>
             <a:spLocks noGrp="1"/>
           </p:cNvSpPr>
@@ -3021,7 +2821,7 @@
       </p:sp>
       <p:sp>
         <p:nvSpPr>
-          <p:cNvPr id="4" name="Footer Placeholder 3"/>
+          <p:cNvPr id="5" name="Footer Placeholder 4"/>
           <p:cNvSpPr>
             <a:spLocks noGrp="1"/>
           </p:cNvSpPr>
@@ -3040,7 +2840,7 @@
       </p:sp>
       <p:sp>
         <p:nvSpPr>
-          <p:cNvPr id="5" name="Slide Number Placeholder 4"/>
+          <p:cNvPr id="6" name="Slide Number Placeholder 5"/>
           <p:cNvSpPr>
             <a:spLocks noGrp="1"/>
           </p:cNvSpPr>
@@ -3065,7 +2865,7 @@
     </p:spTree>
     <p:extLst>
       <p:ext uri="{BB962C8B-B14F-4D97-AF65-F5344CB8AC3E}">
-        <p14:creationId xmlns:p14="http://schemas.microsoft.com/office/powerpoint/2010/main" val="3330907793"/>
+        <p14:creationId xmlns:p14="http://schemas.microsoft.com/office/powerpoint/2010/main" val="3778237583"/>
       </p:ext>
     </p:extLst>
   </p:cSld>
@@ -3093,36 +2893,6 @@
           <a:chExt cx="0" cy="0"/>
         </a:xfrm>
       </p:grpSpPr>
-      <p:pic>
-        <p:nvPicPr>
-          <p:cNvPr id="8" name="Picture 7" descr="Droplets-HD-Content-R1d.png"/>
-          <p:cNvPicPr>
-            <a:picLocks noChangeAspect="1"/>
-          </p:cNvPicPr>
-          <p:nvPr/>
-        </p:nvPicPr>
-        <p:blipFill>
-          <a:blip r:embed="rId2">
-            <a:extLst>
-              <a:ext uri="{28A0092B-C50C-407E-A947-70E740481C1C}">
-                <a14:useLocalDpi xmlns:a14="http://schemas.microsoft.com/office/drawing/2010/main" val="0"/>
-              </a:ext>
-            </a:extLst>
-          </a:blip>
-          <a:stretch>
-            <a:fillRect/>
-          </a:stretch>
-        </p:blipFill>
-        <p:spPr>
-          <a:xfrm>
-            <a:off x="0" y="0"/>
-            <a:ext cx="12192000" cy="6858000"/>
-          </a:xfrm>
-          <a:prstGeom prst="rect">
-            <a:avLst/>
-          </a:prstGeom>
-        </p:spPr>
-      </p:pic>
       <p:sp>
         <p:nvSpPr>
           <p:cNvPr id="2" name="Title 1"/>
@@ -3136,7 +2906,11 @@
         <p:spPr/>
         <p:txBody>
           <a:bodyPr/>
-          <a:lstStyle/>
+          <a:lstStyle>
+            <a:lvl1pPr algn="ctr">
+              <a:defRPr/>
+            </a:lvl1pPr>
+          </a:lstStyle>
           <a:p>
             <a:r>
               <a:rPr lang="en-US" smtClean="0"/>
@@ -3148,22 +2922,17 @@
       </p:sp>
       <p:sp>
         <p:nvSpPr>
-          <p:cNvPr id="11" name="Vertical Text Placeholder 2"/>
-          <p:cNvSpPr>
-            <a:spLocks noGrp="1"/>
-          </p:cNvSpPr>
-          <p:nvPr>
-            <p:ph type="body" orient="vert" sz="quarter" idx="13"/>
-          </p:nvPr>
-        </p:nvSpPr>
-        <p:spPr>
-          <a:xfrm>
-            <a:off x="913775" y="2367093"/>
-            <a:ext cx="10364452" cy="3424107"/>
-          </a:xfrm>
-        </p:spPr>
-        <p:txBody>
-          <a:bodyPr vert="eaVert"/>
+          <p:cNvPr id="3" name="Vertical Text Placeholder 2"/>
+          <p:cNvSpPr>
+            <a:spLocks noGrp="1"/>
+          </p:cNvSpPr>
+          <p:nvPr>
+            <p:ph type="body" orient="vert" idx="1"/>
+          </p:nvPr>
+        </p:nvSpPr>
+        <p:spPr/>
+        <p:txBody>
+          <a:bodyPr vert="eaVert" anchor="t"/>
           <a:lstStyle/>
           <a:p>
             <a:pPr lvl="0"/>
@@ -3273,7 +3042,7 @@
     </p:spTree>
     <p:extLst>
       <p:ext uri="{BB962C8B-B14F-4D97-AF65-F5344CB8AC3E}">
-        <p14:creationId xmlns:p14="http://schemas.microsoft.com/office/powerpoint/2010/main" val="544732955"/>
+        <p14:creationId xmlns:p14="http://schemas.microsoft.com/office/powerpoint/2010/main" val="2600235596"/>
       </p:ext>
     </p:extLst>
   </p:cSld>
@@ -3301,86 +3070,52 @@
           <a:chExt cx="0" cy="0"/>
         </a:xfrm>
       </p:grpSpPr>
-      <p:pic>
-        <p:nvPicPr>
-          <p:cNvPr id="9" name="Picture 8" descr="Droplets-HD-Content-R1d.png"/>
-          <p:cNvPicPr>
-            <a:picLocks noChangeAspect="1"/>
-          </p:cNvPicPr>
-          <p:nvPr/>
-        </p:nvPicPr>
-        <p:blipFill>
-          <a:blip r:embed="rId2">
-            <a:extLst>
-              <a:ext uri="{28A0092B-C50C-407E-A947-70E740481C1C}">
-                <a14:useLocalDpi xmlns:a14="http://schemas.microsoft.com/office/drawing/2010/main" val="0"/>
-              </a:ext>
-            </a:extLst>
-          </a:blip>
-          <a:stretch>
-            <a:fillRect/>
-          </a:stretch>
-        </p:blipFill>
+      <p:sp>
+        <p:nvSpPr>
+          <p:cNvPr id="2" name="Vertical Title 1"/>
+          <p:cNvSpPr>
+            <a:spLocks noGrp="1"/>
+          </p:cNvSpPr>
+          <p:nvPr>
+            <p:ph type="title" orient="vert"/>
+          </p:nvPr>
+        </p:nvSpPr>
         <p:spPr>
           <a:xfrm>
-            <a:off x="0" y="0"/>
-            <a:ext cx="12192000" cy="6858000"/>
+            <a:off x="9732655" y="685800"/>
+            <a:ext cx="1770369" cy="5105400"/>
           </a:xfrm>
-          <a:prstGeom prst="rect">
-            <a:avLst/>
-          </a:prstGeom>
         </p:spPr>
-      </p:pic>
-      <p:sp>
-        <p:nvSpPr>
-          <p:cNvPr id="2" name="Vertical Title 1"/>
-          <p:cNvSpPr>
-            <a:spLocks noGrp="1"/>
-          </p:cNvSpPr>
-          <p:nvPr>
-            <p:ph type="title" orient="vert"/>
+        <p:txBody>
+          <a:bodyPr vert="eaVert"/>
+          <a:lstStyle/>
+          <a:p>
+            <a:r>
+              <a:rPr lang="en-US" smtClean="0"/>
+              <a:t>Click to edit Master title style</a:t>
+            </a:r>
+            <a:endParaRPr lang="en-US" dirty="0"/>
+          </a:p>
+        </p:txBody>
+      </p:sp>
+      <p:sp>
+        <p:nvSpPr>
+          <p:cNvPr id="3" name="Vertical Text Placeholder 2"/>
+          <p:cNvSpPr>
+            <a:spLocks noGrp="1"/>
+          </p:cNvSpPr>
+          <p:nvPr>
+            <p:ph type="body" orient="vert" idx="1"/>
           </p:nvPr>
         </p:nvSpPr>
         <p:spPr>
           <a:xfrm>
-            <a:off x="8724900" y="609601"/>
-            <a:ext cx="2553326" cy="5181599"/>
+            <a:off x="1484312" y="685800"/>
+            <a:ext cx="8019742" cy="5105400"/>
           </a:xfrm>
         </p:spPr>
         <p:txBody>
-          <a:bodyPr vert="eaVert"/>
-          <a:lstStyle>
-            <a:lvl1pPr algn="l">
-              <a:defRPr/>
-            </a:lvl1pPr>
-          </a:lstStyle>
-          <a:p>
-            <a:r>
-              <a:rPr lang="en-US" smtClean="0"/>
-              <a:t>Click to edit Master title style</a:t>
-            </a:r>
-            <a:endParaRPr lang="en-US" dirty="0"/>
-          </a:p>
-        </p:txBody>
-      </p:sp>
-      <p:sp>
-        <p:nvSpPr>
-          <p:cNvPr id="8" name="Vertical Text Placeholder 2"/>
-          <p:cNvSpPr>
-            <a:spLocks noGrp="1"/>
-          </p:cNvSpPr>
-          <p:nvPr>
-            <p:ph type="body" orient="vert" sz="quarter" idx="13"/>
-          </p:nvPr>
-        </p:nvSpPr>
-        <p:spPr>
-          <a:xfrm>
-            <a:off x="913775" y="609601"/>
-            <a:ext cx="7658724" cy="5181599"/>
-          </a:xfrm>
-        </p:spPr>
-        <p:txBody>
-          <a:bodyPr vert="eaVert"/>
+          <a:bodyPr vert="eaVert" anchor="t"/>
           <a:lstStyle/>
           <a:p>
             <a:pPr lvl="0"/>
@@ -3490,7 +3225,573 @@
     </p:spTree>
     <p:extLst>
       <p:ext uri="{BB962C8B-B14F-4D97-AF65-F5344CB8AC3E}">
-        <p14:creationId xmlns:p14="http://schemas.microsoft.com/office/powerpoint/2010/main" val="394625032"/>
+        <p14:creationId xmlns:p14="http://schemas.microsoft.com/office/powerpoint/2010/main" val="1923546441"/>
+      </p:ext>
+    </p:extLst>
+  </p:cSld>
+  <p:clrMapOvr>
+    <a:masterClrMapping/>
+  </p:clrMapOvr>
+  <p:hf sldNum="0" hdr="0" ftr="0" dt="0"/>
+</p:sldLayout>
+</file>
+
+<file path=ppt/slideLayouts/slideLayout18.xml><?xml version="1.0" encoding="utf-8"?>
+<p:sldLayout xmlns:a="http://schemas.openxmlformats.org/drawingml/2006/main" xmlns:r="http://schemas.openxmlformats.org/officeDocument/2006/relationships" xmlns:p="http://schemas.openxmlformats.org/presentationml/2006/main" type="obj">
+  <p:cSld name="1_Title and Content">
+    <p:spTree>
+      <p:nvGrpSpPr>
+        <p:cNvPr id="1" name=""/>
+        <p:cNvGrpSpPr/>
+        <p:nvPr/>
+      </p:nvGrpSpPr>
+      <p:grpSpPr>
+        <a:xfrm>
+          <a:off x="0" y="0"/>
+          <a:ext cx="0" cy="0"/>
+          <a:chOff x="0" y="0"/>
+          <a:chExt cx="0" cy="0"/>
+        </a:xfrm>
+      </p:grpSpPr>
+      <p:sp>
+        <p:nvSpPr>
+          <p:cNvPr id="2" name="Title 1"/>
+          <p:cNvSpPr>
+            <a:spLocks noGrp="1"/>
+          </p:cNvSpPr>
+          <p:nvPr>
+            <p:ph type="title"/>
+          </p:nvPr>
+        </p:nvSpPr>
+        <p:spPr/>
+        <p:txBody>
+          <a:bodyPr/>
+          <a:lstStyle/>
+          <a:p>
+            <a:r>
+              <a:rPr lang="en-US" smtClean="0"/>
+              <a:t>Click to edit Master title style</a:t>
+            </a:r>
+            <a:endParaRPr lang="en-US" dirty="0"/>
+          </a:p>
+        </p:txBody>
+      </p:sp>
+      <p:sp>
+        <p:nvSpPr>
+          <p:cNvPr id="12" name="Content Placeholder 2"/>
+          <p:cNvSpPr>
+            <a:spLocks noGrp="1"/>
+          </p:cNvSpPr>
+          <p:nvPr>
+            <p:ph sz="quarter" idx="13"/>
+          </p:nvPr>
+        </p:nvSpPr>
+        <p:spPr>
+          <a:xfrm>
+            <a:off x="913774" y="2367092"/>
+            <a:ext cx="10363826" cy="3424107"/>
+          </a:xfrm>
+        </p:spPr>
+        <p:txBody>
+          <a:bodyPr/>
+          <a:lstStyle/>
+          <a:p>
+            <a:pPr lvl="0"/>
+            <a:r>
+              <a:rPr lang="en-US" smtClean="0"/>
+              <a:t>Edit Master text styles</a:t>
+            </a:r>
+          </a:p>
+          <a:p>
+            <a:pPr lvl="1"/>
+            <a:r>
+              <a:rPr lang="en-US" smtClean="0"/>
+              <a:t>Second level</a:t>
+            </a:r>
+          </a:p>
+          <a:p>
+            <a:pPr lvl="2"/>
+            <a:r>
+              <a:rPr lang="en-US" smtClean="0"/>
+              <a:t>Third level</a:t>
+            </a:r>
+          </a:p>
+          <a:p>
+            <a:pPr lvl="3"/>
+            <a:r>
+              <a:rPr lang="en-US" smtClean="0"/>
+              <a:t>Fourth level</a:t>
+            </a:r>
+          </a:p>
+          <a:p>
+            <a:pPr lvl="4"/>
+            <a:r>
+              <a:rPr lang="en-US" smtClean="0"/>
+              <a:t>Fifth level</a:t>
+            </a:r>
+            <a:endParaRPr lang="en-US" dirty="0"/>
+          </a:p>
+        </p:txBody>
+      </p:sp>
+      <p:sp>
+        <p:nvSpPr>
+          <p:cNvPr id="4" name="Date Placeholder 3"/>
+          <p:cNvSpPr>
+            <a:spLocks noGrp="1"/>
+          </p:cNvSpPr>
+          <p:nvPr>
+            <p:ph type="dt" sz="half" idx="10"/>
+          </p:nvPr>
+        </p:nvSpPr>
+        <p:spPr/>
+        <p:txBody>
+          <a:bodyPr/>
+          <a:lstStyle/>
+          <a:p>
+            <a:fld id="{5586B75A-687E-405C-8A0B-8D00578BA2C3}" type="datetimeFigureOut">
+              <a:rPr lang="en-US" smtClean="0"/>
+              <a:pPr/>
+              <a:t>3/15/2019</a:t>
+            </a:fld>
+            <a:endParaRPr lang="en-US" dirty="0"/>
+          </a:p>
+        </p:txBody>
+      </p:sp>
+      <p:sp>
+        <p:nvSpPr>
+          <p:cNvPr id="5" name="Footer Placeholder 4"/>
+          <p:cNvSpPr>
+            <a:spLocks noGrp="1"/>
+          </p:cNvSpPr>
+          <p:nvPr>
+            <p:ph type="ftr" sz="quarter" idx="11"/>
+          </p:nvPr>
+        </p:nvSpPr>
+        <p:spPr/>
+        <p:txBody>
+          <a:bodyPr/>
+          <a:lstStyle/>
+          <a:p>
+            <a:endParaRPr lang="en-US" dirty="0"/>
+          </a:p>
+        </p:txBody>
+      </p:sp>
+      <p:sp>
+        <p:nvSpPr>
+          <p:cNvPr id="6" name="Slide Number Placeholder 5"/>
+          <p:cNvSpPr>
+            <a:spLocks noGrp="1"/>
+          </p:cNvSpPr>
+          <p:nvPr>
+            <p:ph type="sldNum" sz="quarter" idx="12"/>
+          </p:nvPr>
+        </p:nvSpPr>
+        <p:spPr/>
+        <p:txBody>
+          <a:bodyPr/>
+          <a:lstStyle/>
+          <a:p>
+            <a:fld id="{4FAB73BC-B049-4115-A692-8D63A059BFB8}" type="slidenum">
+              <a:rPr lang="en-US" smtClean="0"/>
+              <a:pPr/>
+              <a:t>‹#›</a:t>
+            </a:fld>
+            <a:endParaRPr lang="en-US" dirty="0"/>
+          </a:p>
+        </p:txBody>
+      </p:sp>
+    </p:spTree>
+    <p:extLst>
+      <p:ext uri="{BB962C8B-B14F-4D97-AF65-F5344CB8AC3E}">
+        <p14:creationId xmlns:p14="http://schemas.microsoft.com/office/powerpoint/2010/main" val="3186603293"/>
+      </p:ext>
+    </p:extLst>
+  </p:cSld>
+  <p:clrMapOvr>
+    <a:masterClrMapping/>
+  </p:clrMapOvr>
+  <p:hf sldNum="0" hdr="0" ftr="0" dt="0"/>
+</p:sldLayout>
+</file>
+
+<file path=ppt/slideLayouts/slideLayout19.xml><?xml version="1.0" encoding="utf-8"?>
+<p:sldLayout xmlns:a="http://schemas.openxmlformats.org/drawingml/2006/main" xmlns:r="http://schemas.openxmlformats.org/officeDocument/2006/relationships" xmlns:p="http://schemas.openxmlformats.org/presentationml/2006/main" type="twoTxTwoObj">
+  <p:cSld name="1_Comparison">
+    <p:spTree>
+      <p:nvGrpSpPr>
+        <p:cNvPr id="1" name=""/>
+        <p:cNvGrpSpPr/>
+        <p:nvPr/>
+      </p:nvGrpSpPr>
+      <p:grpSpPr>
+        <a:xfrm>
+          <a:off x="0" y="0"/>
+          <a:ext cx="0" cy="0"/>
+          <a:chOff x="0" y="0"/>
+          <a:chExt cx="0" cy="0"/>
+        </a:xfrm>
+      </p:grpSpPr>
+      <p:sp>
+        <p:nvSpPr>
+          <p:cNvPr id="14" name="Title 1"/>
+          <p:cNvSpPr>
+            <a:spLocks noGrp="1"/>
+          </p:cNvSpPr>
+          <p:nvPr>
+            <p:ph type="title"/>
+          </p:nvPr>
+        </p:nvSpPr>
+        <p:spPr>
+          <a:xfrm>
+            <a:off x="913775" y="618517"/>
+            <a:ext cx="10364451" cy="1596177"/>
+          </a:xfrm>
+        </p:spPr>
+        <p:txBody>
+          <a:bodyPr/>
+          <a:lstStyle/>
+          <a:p>
+            <a:r>
+              <a:rPr lang="en-US" smtClean="0"/>
+              <a:t>Click to edit Master title style</a:t>
+            </a:r>
+            <a:endParaRPr lang="en-US" dirty="0"/>
+          </a:p>
+        </p:txBody>
+      </p:sp>
+      <p:sp>
+        <p:nvSpPr>
+          <p:cNvPr id="3" name="Text Placeholder 2"/>
+          <p:cNvSpPr>
+            <a:spLocks noGrp="1"/>
+          </p:cNvSpPr>
+          <p:nvPr>
+            <p:ph type="body" idx="1"/>
+          </p:nvPr>
+        </p:nvSpPr>
+        <p:spPr>
+          <a:xfrm>
+            <a:off x="1146328" y="2371018"/>
+            <a:ext cx="4873474" cy="679994"/>
+          </a:xfrm>
+        </p:spPr>
+        <p:txBody>
+          <a:bodyPr anchor="b">
+            <a:noAutofit/>
+          </a:bodyPr>
+          <a:lstStyle>
+            <a:lvl1pPr marL="0" indent="0">
+              <a:lnSpc>
+                <a:spcPct val="85000"/>
+              </a:lnSpc>
+              <a:buNone/>
+              <a:defRPr sz="2600" b="0">
+                <a:solidFill>
+                  <a:schemeClr val="tx1"/>
+                </a:solidFill>
+              </a:defRPr>
+            </a:lvl1pPr>
+            <a:lvl2pPr marL="457200" indent="0">
+              <a:buNone/>
+              <a:defRPr sz="2000" b="1"/>
+            </a:lvl2pPr>
+            <a:lvl3pPr marL="914400" indent="0">
+              <a:buNone/>
+              <a:defRPr sz="1800" b="1"/>
+            </a:lvl3pPr>
+            <a:lvl4pPr marL="1371600" indent="0">
+              <a:buNone/>
+              <a:defRPr sz="1600" b="1"/>
+            </a:lvl4pPr>
+            <a:lvl5pPr marL="1828800" indent="0">
+              <a:buNone/>
+              <a:defRPr sz="1600" b="1"/>
+            </a:lvl5pPr>
+            <a:lvl6pPr marL="2286000" indent="0">
+              <a:buNone/>
+              <a:defRPr sz="1600" b="1"/>
+            </a:lvl6pPr>
+            <a:lvl7pPr marL="2743200" indent="0">
+              <a:buNone/>
+              <a:defRPr sz="1600" b="1"/>
+            </a:lvl7pPr>
+            <a:lvl8pPr marL="3200400" indent="0">
+              <a:buNone/>
+              <a:defRPr sz="1600" b="1"/>
+            </a:lvl8pPr>
+            <a:lvl9pPr marL="3657600" indent="0">
+              <a:buNone/>
+              <a:defRPr sz="1600" b="1"/>
+            </a:lvl9pPr>
+          </a:lstStyle>
+          <a:p>
+            <a:pPr lvl="0"/>
+            <a:r>
+              <a:rPr lang="en-US" smtClean="0"/>
+              <a:t>Edit Master text styles</a:t>
+            </a:r>
+          </a:p>
+        </p:txBody>
+      </p:sp>
+      <p:sp>
+        <p:nvSpPr>
+          <p:cNvPr id="12" name="Content Placeholder 3"/>
+          <p:cNvSpPr>
+            <a:spLocks noGrp="1"/>
+          </p:cNvSpPr>
+          <p:nvPr>
+            <p:ph sz="quarter" idx="13"/>
+          </p:nvPr>
+        </p:nvSpPr>
+        <p:spPr>
+          <a:xfrm>
+            <a:off x="913774" y="3051012"/>
+            <a:ext cx="5106027" cy="2740187"/>
+          </a:xfrm>
+        </p:spPr>
+        <p:txBody>
+          <a:bodyPr/>
+          <a:lstStyle/>
+          <a:p>
+            <a:pPr lvl="0"/>
+            <a:r>
+              <a:rPr lang="en-US" smtClean="0"/>
+              <a:t>Edit Master text styles</a:t>
+            </a:r>
+          </a:p>
+          <a:p>
+            <a:pPr lvl="1"/>
+            <a:r>
+              <a:rPr lang="en-US" smtClean="0"/>
+              <a:t>Second level</a:t>
+            </a:r>
+          </a:p>
+          <a:p>
+            <a:pPr lvl="2"/>
+            <a:r>
+              <a:rPr lang="en-US" smtClean="0"/>
+              <a:t>Third level</a:t>
+            </a:r>
+          </a:p>
+          <a:p>
+            <a:pPr lvl="3"/>
+            <a:r>
+              <a:rPr lang="en-US" smtClean="0"/>
+              <a:t>Fourth level</a:t>
+            </a:r>
+          </a:p>
+          <a:p>
+            <a:pPr lvl="4"/>
+            <a:r>
+              <a:rPr lang="en-US" smtClean="0"/>
+              <a:t>Fifth level</a:t>
+            </a:r>
+            <a:endParaRPr lang="en-US" dirty="0"/>
+          </a:p>
+        </p:txBody>
+      </p:sp>
+      <p:sp>
+        <p:nvSpPr>
+          <p:cNvPr id="5" name="Text Placeholder 4"/>
+          <p:cNvSpPr>
+            <a:spLocks noGrp="1"/>
+          </p:cNvSpPr>
+          <p:nvPr>
+            <p:ph type="body" sz="quarter" idx="3"/>
+          </p:nvPr>
+        </p:nvSpPr>
+        <p:spPr>
+          <a:xfrm>
+            <a:off x="6396423" y="2371018"/>
+            <a:ext cx="4881804" cy="679994"/>
+          </a:xfrm>
+        </p:spPr>
+        <p:txBody>
+          <a:bodyPr anchor="b">
+            <a:noAutofit/>
+          </a:bodyPr>
+          <a:lstStyle>
+            <a:lvl1pPr marL="0" indent="0">
+              <a:lnSpc>
+                <a:spcPct val="85000"/>
+              </a:lnSpc>
+              <a:buNone/>
+              <a:defRPr sz="2600" b="0">
+                <a:solidFill>
+                  <a:schemeClr val="tx1"/>
+                </a:solidFill>
+              </a:defRPr>
+            </a:lvl1pPr>
+            <a:lvl2pPr marL="457200" indent="0">
+              <a:buNone/>
+              <a:defRPr sz="2000" b="1"/>
+            </a:lvl2pPr>
+            <a:lvl3pPr marL="914400" indent="0">
+              <a:buNone/>
+              <a:defRPr sz="1800" b="1"/>
+            </a:lvl3pPr>
+            <a:lvl4pPr marL="1371600" indent="0">
+              <a:buNone/>
+              <a:defRPr sz="1600" b="1"/>
+            </a:lvl4pPr>
+            <a:lvl5pPr marL="1828800" indent="0">
+              <a:buNone/>
+              <a:defRPr sz="1600" b="1"/>
+            </a:lvl5pPr>
+            <a:lvl6pPr marL="2286000" indent="0">
+              <a:buNone/>
+              <a:defRPr sz="1600" b="1"/>
+            </a:lvl6pPr>
+            <a:lvl7pPr marL="2743200" indent="0">
+              <a:buNone/>
+              <a:defRPr sz="1600" b="1"/>
+            </a:lvl7pPr>
+            <a:lvl8pPr marL="3200400" indent="0">
+              <a:buNone/>
+              <a:defRPr sz="1600" b="1"/>
+            </a:lvl8pPr>
+            <a:lvl9pPr marL="3657600" indent="0">
+              <a:buNone/>
+              <a:defRPr sz="1600" b="1"/>
+            </a:lvl9pPr>
+          </a:lstStyle>
+          <a:p>
+            <a:pPr lvl="0"/>
+            <a:r>
+              <a:rPr lang="en-US" smtClean="0"/>
+              <a:t>Edit Master text styles</a:t>
+            </a:r>
+          </a:p>
+        </p:txBody>
+      </p:sp>
+      <p:sp>
+        <p:nvSpPr>
+          <p:cNvPr id="13" name="Content Placeholder 5"/>
+          <p:cNvSpPr>
+            <a:spLocks noGrp="1"/>
+          </p:cNvSpPr>
+          <p:nvPr>
+            <p:ph sz="quarter" idx="14"/>
+          </p:nvPr>
+        </p:nvSpPr>
+        <p:spPr>
+          <a:xfrm>
+            <a:off x="6172200" y="3051012"/>
+            <a:ext cx="5105401" cy="2740187"/>
+          </a:xfrm>
+        </p:spPr>
+        <p:txBody>
+          <a:bodyPr/>
+          <a:lstStyle/>
+          <a:p>
+            <a:pPr lvl="0"/>
+            <a:r>
+              <a:rPr lang="en-US" smtClean="0"/>
+              <a:t>Edit Master text styles</a:t>
+            </a:r>
+          </a:p>
+          <a:p>
+            <a:pPr lvl="1"/>
+            <a:r>
+              <a:rPr lang="en-US" smtClean="0"/>
+              <a:t>Second level</a:t>
+            </a:r>
+          </a:p>
+          <a:p>
+            <a:pPr lvl="2"/>
+            <a:r>
+              <a:rPr lang="en-US" smtClean="0"/>
+              <a:t>Third level</a:t>
+            </a:r>
+          </a:p>
+          <a:p>
+            <a:pPr lvl="3"/>
+            <a:r>
+              <a:rPr lang="en-US" smtClean="0"/>
+              <a:t>Fourth level</a:t>
+            </a:r>
+          </a:p>
+          <a:p>
+            <a:pPr lvl="4"/>
+            <a:r>
+              <a:rPr lang="en-US" smtClean="0"/>
+              <a:t>Fifth level</a:t>
+            </a:r>
+            <a:endParaRPr lang="en-US" dirty="0"/>
+          </a:p>
+        </p:txBody>
+      </p:sp>
+      <p:sp>
+        <p:nvSpPr>
+          <p:cNvPr id="7" name="Date Placeholder 6"/>
+          <p:cNvSpPr>
+            <a:spLocks noGrp="1"/>
+          </p:cNvSpPr>
+          <p:nvPr>
+            <p:ph type="dt" sz="half" idx="10"/>
+          </p:nvPr>
+        </p:nvSpPr>
+        <p:spPr/>
+        <p:txBody>
+          <a:bodyPr/>
+          <a:lstStyle/>
+          <a:p>
+            <a:fld id="{5586B75A-687E-405C-8A0B-8D00578BA2C3}" type="datetimeFigureOut">
+              <a:rPr lang="en-US" smtClean="0"/>
+              <a:pPr/>
+              <a:t>3/15/2019</a:t>
+            </a:fld>
+            <a:endParaRPr lang="en-US" dirty="0"/>
+          </a:p>
+        </p:txBody>
+      </p:sp>
+      <p:sp>
+        <p:nvSpPr>
+          <p:cNvPr id="8" name="Footer Placeholder 7"/>
+          <p:cNvSpPr>
+            <a:spLocks noGrp="1"/>
+          </p:cNvSpPr>
+          <p:nvPr>
+            <p:ph type="ftr" sz="quarter" idx="11"/>
+          </p:nvPr>
+        </p:nvSpPr>
+        <p:spPr/>
+        <p:txBody>
+          <a:bodyPr/>
+          <a:lstStyle/>
+          <a:p>
+            <a:endParaRPr lang="en-US" dirty="0"/>
+          </a:p>
+        </p:txBody>
+      </p:sp>
+      <p:sp>
+        <p:nvSpPr>
+          <p:cNvPr id="9" name="Slide Number Placeholder 8"/>
+          <p:cNvSpPr>
+            <a:spLocks noGrp="1"/>
+          </p:cNvSpPr>
+          <p:nvPr>
+            <p:ph type="sldNum" sz="quarter" idx="12"/>
+          </p:nvPr>
+        </p:nvSpPr>
+        <p:spPr/>
+        <p:txBody>
+          <a:bodyPr/>
+          <a:lstStyle/>
+          <a:p>
+            <a:fld id="{4FAB73BC-B049-4115-A692-8D63A059BFB8}" type="slidenum">
+              <a:rPr lang="en-US" smtClean="0"/>
+              <a:pPr/>
+              <a:t>‹#›</a:t>
+            </a:fld>
+            <a:endParaRPr lang="en-US" dirty="0"/>
+          </a:p>
+        </p:txBody>
+      </p:sp>
+    </p:spTree>
+    <p:extLst>
+      <p:ext uri="{BB962C8B-B14F-4D97-AF65-F5344CB8AC3E}">
+        <p14:creationId xmlns:p14="http://schemas.microsoft.com/office/powerpoint/2010/main" val="1647690120"/>
       </p:ext>
     </p:extLst>
   </p:cSld>
@@ -3518,36 +3819,6 @@
           <a:chExt cx="0" cy="0"/>
         </a:xfrm>
       </p:grpSpPr>
-      <p:pic>
-        <p:nvPicPr>
-          <p:cNvPr id="3" name="Picture 2" descr="Droplets-HD-Content-R1d.png"/>
-          <p:cNvPicPr>
-            <a:picLocks noChangeAspect="1"/>
-          </p:cNvPicPr>
-          <p:nvPr/>
-        </p:nvPicPr>
-        <p:blipFill>
-          <a:blip r:embed="rId2">
-            <a:extLst>
-              <a:ext uri="{28A0092B-C50C-407E-A947-70E740481C1C}">
-                <a14:useLocalDpi xmlns:a14="http://schemas.microsoft.com/office/drawing/2010/main" val="0"/>
-              </a:ext>
-            </a:extLst>
-          </a:blip>
-          <a:stretch>
-            <a:fillRect/>
-          </a:stretch>
-        </p:blipFill>
-        <p:spPr>
-          <a:xfrm>
-            <a:off x="0" y="0"/>
-            <a:ext cx="12192000" cy="6858000"/>
-          </a:xfrm>
-          <a:prstGeom prst="rect">
-            <a:avLst/>
-          </a:prstGeom>
-        </p:spPr>
-      </p:pic>
       <p:sp>
         <p:nvSpPr>
           <p:cNvPr id="2" name="Title 1"/>
@@ -3573,22 +3844,17 @@
       </p:sp>
       <p:sp>
         <p:nvSpPr>
-          <p:cNvPr id="12" name="Content Placeholder 2"/>
-          <p:cNvSpPr>
-            <a:spLocks noGrp="1"/>
-          </p:cNvSpPr>
-          <p:nvPr>
-            <p:ph sz="quarter" idx="13"/>
-          </p:nvPr>
-        </p:nvSpPr>
-        <p:spPr>
-          <a:xfrm>
-            <a:off x="913774" y="2367092"/>
-            <a:ext cx="10363826" cy="3424107"/>
-          </a:xfrm>
-        </p:spPr>
-        <p:txBody>
-          <a:bodyPr/>
+          <p:cNvPr id="3" name="Content Placeholder 2"/>
+          <p:cNvSpPr>
+            <a:spLocks noGrp="1"/>
+          </p:cNvSpPr>
+          <p:nvPr>
+            <p:ph idx="1"/>
+          </p:nvPr>
+        </p:nvSpPr>
+        <p:spPr/>
+        <p:txBody>
+          <a:bodyPr anchor="ctr"/>
           <a:lstStyle/>
           <a:p>
             <a:pPr lvl="0"/>
@@ -3681,7 +3947,12 @@
             <p:ph type="sldNum" sz="quarter" idx="12"/>
           </p:nvPr>
         </p:nvSpPr>
-        <p:spPr/>
+        <p:spPr>
+          <a:xfrm>
+            <a:off x="10951856" y="5867131"/>
+            <a:ext cx="551167" cy="365125"/>
+          </a:xfrm>
+        </p:spPr>
         <p:txBody>
           <a:bodyPr/>
           <a:lstStyle/>
@@ -3698,7 +3969,7 @@
     </p:spTree>
     <p:extLst>
       <p:ext uri="{BB962C8B-B14F-4D97-AF65-F5344CB8AC3E}">
-        <p14:creationId xmlns:p14="http://schemas.microsoft.com/office/powerpoint/2010/main" val="735416214"/>
+        <p14:creationId xmlns:p14="http://schemas.microsoft.com/office/powerpoint/2010/main" val="1592804504"/>
       </p:ext>
     </p:extLst>
   </p:cSld>
@@ -3726,104 +3997,70 @@
           <a:chExt cx="0" cy="0"/>
         </a:xfrm>
       </p:grpSpPr>
-      <p:pic>
-        <p:nvPicPr>
-          <p:cNvPr id="9" name="Picture 8" descr="Droplets-HD-Content-R1d.png"/>
-          <p:cNvPicPr>
-            <a:picLocks noChangeAspect="1"/>
-          </p:cNvPicPr>
-          <p:nvPr/>
-        </p:nvPicPr>
-        <p:blipFill>
-          <a:blip r:embed="rId2">
-            <a:extLst>
-              <a:ext uri="{28A0092B-C50C-407E-A947-70E740481C1C}">
-                <a14:useLocalDpi xmlns:a14="http://schemas.microsoft.com/office/drawing/2010/main" val="0"/>
-              </a:ext>
-            </a:extLst>
-          </a:blip>
-          <a:stretch>
-            <a:fillRect/>
-          </a:stretch>
-        </p:blipFill>
+      <p:sp>
+        <p:nvSpPr>
+          <p:cNvPr id="2" name="Title 1"/>
+          <p:cNvSpPr>
+            <a:spLocks noGrp="1"/>
+          </p:cNvSpPr>
+          <p:nvPr>
+            <p:ph type="title"/>
+          </p:nvPr>
+        </p:nvSpPr>
         <p:spPr>
           <a:xfrm>
-            <a:off x="0" y="0"/>
-            <a:ext cx="12192000" cy="6858000"/>
+            <a:off x="2572279" y="2666999"/>
+            <a:ext cx="8930747" cy="2110382"/>
           </a:xfrm>
-          <a:prstGeom prst="rect">
-            <a:avLst/>
-          </a:prstGeom>
         </p:spPr>
-      </p:pic>
-      <p:sp>
-        <p:nvSpPr>
-          <p:cNvPr id="2" name="Title 1"/>
-          <p:cNvSpPr>
-            <a:spLocks noGrp="1"/>
-          </p:cNvSpPr>
-          <p:nvPr>
-            <p:ph type="title"/>
+        <p:txBody>
+          <a:bodyPr anchor="b"/>
+          <a:lstStyle>
+            <a:lvl1pPr algn="r">
+              <a:defRPr sz="4000" b="0" cap="none"/>
+            </a:lvl1pPr>
+          </a:lstStyle>
+          <a:p>
+            <a:r>
+              <a:rPr lang="en-US" smtClean="0"/>
+              <a:t>Click to edit Master title style</a:t>
+            </a:r>
+            <a:endParaRPr lang="en-US" dirty="0"/>
+          </a:p>
+        </p:txBody>
+      </p:sp>
+      <p:sp>
+        <p:nvSpPr>
+          <p:cNvPr id="3" name="Text Placeholder 2"/>
+          <p:cNvSpPr>
+            <a:spLocks noGrp="1"/>
+          </p:cNvSpPr>
+          <p:nvPr>
+            <p:ph type="body" idx="1"/>
           </p:nvPr>
         </p:nvSpPr>
         <p:spPr>
           <a:xfrm>
-            <a:off x="913774" y="828563"/>
-            <a:ext cx="10351752" cy="2736819"/>
+            <a:off x="2572278" y="4777381"/>
+            <a:ext cx="8930748" cy="860400"/>
           </a:xfrm>
         </p:spPr>
         <p:txBody>
-          <a:bodyPr anchor="b">
+          <a:bodyPr anchor="t">
             <a:normAutofit/>
           </a:bodyPr>
           <a:lstStyle>
-            <a:lvl1pPr>
-              <a:defRPr sz="4000"/>
-            </a:lvl1pPr>
-          </a:lstStyle>
-          <a:p>
-            <a:r>
-              <a:rPr lang="en-US" smtClean="0"/>
-              <a:t>Click to edit Master title style</a:t>
-            </a:r>
-            <a:endParaRPr lang="en-US" dirty="0"/>
-          </a:p>
-        </p:txBody>
-      </p:sp>
-      <p:sp>
-        <p:nvSpPr>
-          <p:cNvPr id="3" name="Text Placeholder 2"/>
-          <p:cNvSpPr>
-            <a:spLocks noGrp="1"/>
-          </p:cNvSpPr>
-          <p:nvPr>
-            <p:ph type="body" idx="1"/>
-          </p:nvPr>
-        </p:nvSpPr>
-        <p:spPr>
-          <a:xfrm>
-            <a:off x="913774" y="3657457"/>
-            <a:ext cx="10351752" cy="1368183"/>
-          </a:xfrm>
-        </p:spPr>
-        <p:txBody>
-          <a:bodyPr>
-            <a:normAutofit/>
-          </a:bodyPr>
-          <a:lstStyle>
-            <a:lvl1pPr marL="0" indent="0" algn="ctr">
+            <a:lvl1pPr marL="0" indent="0" algn="r">
               <a:buNone/>
               <a:defRPr sz="2000">
                 <a:solidFill>
-                  <a:schemeClr val="bg1">
-                    <a:lumMod val="50000"/>
-                  </a:schemeClr>
+                  <a:schemeClr val="tx1"/>
                 </a:solidFill>
               </a:defRPr>
             </a:lvl1pPr>
             <a:lvl2pPr marL="457200" indent="0">
               <a:buNone/>
-              <a:defRPr sz="2000">
+              <a:defRPr sz="1800">
                 <a:solidFill>
                   <a:schemeClr val="tx1">
                     <a:tint val="75000"/>
@@ -3833,7 +4070,7 @@
             </a:lvl2pPr>
             <a:lvl3pPr marL="914400" indent="0">
               <a:buNone/>
-              <a:defRPr sz="1800">
+              <a:defRPr sz="1600">
                 <a:solidFill>
                   <a:schemeClr val="tx1">
                     <a:tint val="75000"/>
@@ -3843,7 +4080,7 @@
             </a:lvl3pPr>
             <a:lvl4pPr marL="1371600" indent="0">
               <a:buNone/>
-              <a:defRPr sz="1600">
+              <a:defRPr sz="1400">
                 <a:solidFill>
                   <a:schemeClr val="tx1">
                     <a:tint val="75000"/>
@@ -3853,7 +4090,7 @@
             </a:lvl4pPr>
             <a:lvl5pPr marL="1828800" indent="0">
               <a:buNone/>
-              <a:defRPr sz="1600">
+              <a:defRPr sz="1400">
                 <a:solidFill>
                   <a:schemeClr val="tx1">
                     <a:tint val="75000"/>
@@ -3863,7 +4100,7 @@
             </a:lvl5pPr>
             <a:lvl6pPr marL="2286000" indent="0">
               <a:buNone/>
-              <a:defRPr sz="1600">
+              <a:defRPr sz="1400">
                 <a:solidFill>
                   <a:schemeClr val="tx1">
                     <a:tint val="75000"/>
@@ -3873,7 +4110,7 @@
             </a:lvl6pPr>
             <a:lvl7pPr marL="2743200" indent="0">
               <a:buNone/>
-              <a:defRPr sz="1600">
+              <a:defRPr sz="1400">
                 <a:solidFill>
                   <a:schemeClr val="tx1">
                     <a:tint val="75000"/>
@@ -3883,7 +4120,7 @@
             </a:lvl7pPr>
             <a:lvl8pPr marL="3200400" indent="0">
               <a:buNone/>
-              <a:defRPr sz="1600">
+              <a:defRPr sz="1400">
                 <a:solidFill>
                   <a:schemeClr val="tx1">
                     <a:tint val="75000"/>
@@ -3893,7 +4130,7 @@
             </a:lvl8pPr>
             <a:lvl9pPr marL="3657600" indent="0">
               <a:buNone/>
-              <a:defRPr sz="1600">
+              <a:defRPr sz="1400">
                 <a:solidFill>
                   <a:schemeClr val="tx1">
                     <a:tint val="75000"/>
@@ -3981,7 +4218,7 @@
     </p:spTree>
     <p:extLst>
       <p:ext uri="{BB962C8B-B14F-4D97-AF65-F5344CB8AC3E}">
-        <p14:creationId xmlns:p14="http://schemas.microsoft.com/office/powerpoint/2010/main" val="1637635419"/>
+        <p14:creationId xmlns:p14="http://schemas.microsoft.com/office/powerpoint/2010/main" val="2537510898"/>
       </p:ext>
     </p:extLst>
   </p:cSld>
@@ -4008,140 +4245,170 @@
           <a:chExt cx="0" cy="0"/>
         </a:xfrm>
       </p:grpSpPr>
-      <p:pic>
-        <p:nvPicPr>
-          <p:cNvPr id="10" name="Picture 9" descr="Droplets-HD-Content-R1d.png"/>
-          <p:cNvPicPr>
-            <a:picLocks noChangeAspect="1"/>
-          </p:cNvPicPr>
-          <p:nvPr/>
-        </p:nvPicPr>
-        <p:blipFill>
-          <a:blip r:embed="rId2">
-            <a:extLst>
-              <a:ext uri="{28A0092B-C50C-407E-A947-70E740481C1C}">
-                <a14:useLocalDpi xmlns:a14="http://schemas.microsoft.com/office/drawing/2010/main" val="0"/>
-              </a:ext>
-            </a:extLst>
-          </a:blip>
-          <a:stretch>
-            <a:fillRect/>
-          </a:stretch>
-        </p:blipFill>
+      <p:sp>
+        <p:nvSpPr>
+          <p:cNvPr id="2" name="Title 1"/>
+          <p:cNvSpPr>
+            <a:spLocks noGrp="1"/>
+          </p:cNvSpPr>
+          <p:nvPr>
+            <p:ph type="title"/>
+          </p:nvPr>
+        </p:nvSpPr>
         <p:spPr>
           <a:xfrm>
-            <a:off x="0" y="0"/>
-            <a:ext cx="12192000" cy="6858000"/>
+            <a:off x="1484311" y="685800"/>
+            <a:ext cx="10018713" cy="1752599"/>
           </a:xfrm>
-          <a:prstGeom prst="rect">
-            <a:avLst/>
-          </a:prstGeom>
         </p:spPr>
-      </p:pic>
-      <p:sp>
-        <p:nvSpPr>
-          <p:cNvPr id="14" name="Title 1"/>
-          <p:cNvSpPr>
-            <a:spLocks noGrp="1"/>
-          </p:cNvSpPr>
-          <p:nvPr>
-            <p:ph type="title"/>
+        <p:txBody>
+          <a:bodyPr/>
+          <a:lstStyle/>
+          <a:p>
+            <a:r>
+              <a:rPr lang="en-US" smtClean="0"/>
+              <a:t>Click to edit Master title style</a:t>
+            </a:r>
+            <a:endParaRPr lang="en-US" dirty="0"/>
+          </a:p>
+        </p:txBody>
+      </p:sp>
+      <p:sp>
+        <p:nvSpPr>
+          <p:cNvPr id="3" name="Content Placeholder 2"/>
+          <p:cNvSpPr>
+            <a:spLocks noGrp="1"/>
+          </p:cNvSpPr>
+          <p:nvPr>
+            <p:ph sz="half" idx="1"/>
           </p:nvPr>
         </p:nvSpPr>
         <p:spPr>
           <a:xfrm>
-            <a:off x="913775" y="618517"/>
-            <a:ext cx="10364451" cy="1596177"/>
+            <a:off x="1484312" y="2666999"/>
+            <a:ext cx="4895055" cy="3124201"/>
           </a:xfrm>
         </p:spPr>
         <p:txBody>
-          <a:bodyPr/>
-          <a:lstStyle/>
-          <a:p>
-            <a:r>
-              <a:rPr lang="en-US" smtClean="0"/>
-              <a:t>Click to edit Master title style</a:t>
-            </a:r>
-            <a:endParaRPr lang="en-US" dirty="0"/>
-          </a:p>
-        </p:txBody>
-      </p:sp>
-      <p:sp>
-        <p:nvSpPr>
-          <p:cNvPr id="12" name="Content Placeholder 2"/>
-          <p:cNvSpPr>
-            <a:spLocks noGrp="1"/>
-          </p:cNvSpPr>
-          <p:nvPr>
-            <p:ph sz="quarter" idx="13"/>
+          <a:bodyPr>
+            <a:normAutofit/>
+          </a:bodyPr>
+          <a:lstStyle>
+            <a:lvl1pPr>
+              <a:defRPr sz="1800"/>
+            </a:lvl1pPr>
+            <a:lvl2pPr>
+              <a:defRPr sz="1600"/>
+            </a:lvl2pPr>
+            <a:lvl3pPr>
+              <a:defRPr sz="1400"/>
+            </a:lvl3pPr>
+            <a:lvl4pPr>
+              <a:defRPr sz="1200"/>
+            </a:lvl4pPr>
+            <a:lvl5pPr>
+              <a:defRPr sz="1200"/>
+            </a:lvl5pPr>
+            <a:lvl6pPr>
+              <a:defRPr sz="1200"/>
+            </a:lvl6pPr>
+            <a:lvl7pPr>
+              <a:defRPr sz="1200"/>
+            </a:lvl7pPr>
+            <a:lvl8pPr>
+              <a:defRPr sz="1200"/>
+            </a:lvl8pPr>
+            <a:lvl9pPr>
+              <a:defRPr sz="1200"/>
+            </a:lvl9pPr>
+          </a:lstStyle>
+          <a:p>
+            <a:pPr lvl="0"/>
+            <a:r>
+              <a:rPr lang="en-US" smtClean="0"/>
+              <a:t>Edit Master text styles</a:t>
+            </a:r>
+          </a:p>
+          <a:p>
+            <a:pPr lvl="1"/>
+            <a:r>
+              <a:rPr lang="en-US" smtClean="0"/>
+              <a:t>Second level</a:t>
+            </a:r>
+          </a:p>
+          <a:p>
+            <a:pPr lvl="2"/>
+            <a:r>
+              <a:rPr lang="en-US" smtClean="0"/>
+              <a:t>Third level</a:t>
+            </a:r>
+          </a:p>
+          <a:p>
+            <a:pPr lvl="3"/>
+            <a:r>
+              <a:rPr lang="en-US" smtClean="0"/>
+              <a:t>Fourth level</a:t>
+            </a:r>
+          </a:p>
+          <a:p>
+            <a:pPr lvl="4"/>
+            <a:r>
+              <a:rPr lang="en-US" smtClean="0"/>
+              <a:t>Fifth level</a:t>
+            </a:r>
+            <a:endParaRPr lang="en-US" dirty="0"/>
+          </a:p>
+        </p:txBody>
+      </p:sp>
+      <p:sp>
+        <p:nvSpPr>
+          <p:cNvPr id="4" name="Content Placeholder 3"/>
+          <p:cNvSpPr>
+            <a:spLocks noGrp="1"/>
+          </p:cNvSpPr>
+          <p:nvPr>
+            <p:ph sz="half" idx="2"/>
           </p:nvPr>
         </p:nvSpPr>
         <p:spPr>
           <a:xfrm>
-            <a:off x="913774" y="2367092"/>
-            <a:ext cx="5106026" cy="3424107"/>
+            <a:off x="6607967" y="2667000"/>
+            <a:ext cx="4895056" cy="3124200"/>
           </a:xfrm>
         </p:spPr>
         <p:txBody>
-          <a:bodyPr/>
-          <a:lstStyle/>
-          <a:p>
-            <a:pPr lvl="0"/>
-            <a:r>
-              <a:rPr lang="en-US" smtClean="0"/>
-              <a:t>Edit Master text styles</a:t>
-            </a:r>
-          </a:p>
-          <a:p>
-            <a:pPr lvl="1"/>
-            <a:r>
-              <a:rPr lang="en-US" smtClean="0"/>
-              <a:t>Second level</a:t>
-            </a:r>
-          </a:p>
-          <a:p>
-            <a:pPr lvl="2"/>
-            <a:r>
-              <a:rPr lang="en-US" smtClean="0"/>
-              <a:t>Third level</a:t>
-            </a:r>
-          </a:p>
-          <a:p>
-            <a:pPr lvl="3"/>
-            <a:r>
-              <a:rPr lang="en-US" smtClean="0"/>
-              <a:t>Fourth level</a:t>
-            </a:r>
-          </a:p>
-          <a:p>
-            <a:pPr lvl="4"/>
-            <a:r>
-              <a:rPr lang="en-US" smtClean="0"/>
-              <a:t>Fifth level</a:t>
-            </a:r>
-            <a:endParaRPr lang="en-US" dirty="0"/>
-          </a:p>
-        </p:txBody>
-      </p:sp>
-      <p:sp>
-        <p:nvSpPr>
-          <p:cNvPr id="13" name="Content Placeholder 3"/>
-          <p:cNvSpPr>
-            <a:spLocks noGrp="1"/>
-          </p:cNvSpPr>
-          <p:nvPr>
-            <p:ph sz="quarter" idx="14"/>
-          </p:nvPr>
-        </p:nvSpPr>
-        <p:spPr>
-          <a:xfrm>
-            <a:off x="6172200" y="2367092"/>
-            <a:ext cx="5105400" cy="3424107"/>
-          </a:xfrm>
-        </p:spPr>
-        <p:txBody>
-          <a:bodyPr/>
-          <a:lstStyle/>
+          <a:bodyPr>
+            <a:normAutofit/>
+          </a:bodyPr>
+          <a:lstStyle>
+            <a:lvl1pPr>
+              <a:defRPr sz="1800"/>
+            </a:lvl1pPr>
+            <a:lvl2pPr>
+              <a:defRPr sz="1600"/>
+            </a:lvl2pPr>
+            <a:lvl3pPr>
+              <a:defRPr sz="1400"/>
+            </a:lvl3pPr>
+            <a:lvl4pPr>
+              <a:defRPr sz="1200"/>
+            </a:lvl4pPr>
+            <a:lvl5pPr>
+              <a:defRPr sz="1200"/>
+            </a:lvl5pPr>
+            <a:lvl6pPr>
+              <a:defRPr sz="1200"/>
+            </a:lvl6pPr>
+            <a:lvl7pPr>
+              <a:defRPr sz="1200"/>
+            </a:lvl7pPr>
+            <a:lvl8pPr>
+              <a:defRPr sz="1200"/>
+            </a:lvl8pPr>
+            <a:lvl9pPr>
+              <a:defRPr sz="1200"/>
+            </a:lvl9pPr>
+          </a:lstStyle>
           <a:p>
             <a:pPr lvl="0"/>
             <a:r>
@@ -4250,7 +4517,7 @@
     </p:spTree>
     <p:extLst>
       <p:ext uri="{BB962C8B-B14F-4D97-AF65-F5344CB8AC3E}">
-        <p14:creationId xmlns:p14="http://schemas.microsoft.com/office/powerpoint/2010/main" val="1910432289"/>
+        <p14:creationId xmlns:p14="http://schemas.microsoft.com/office/powerpoint/2010/main" val="1641355131"/>
       </p:ext>
     </p:extLst>
   </p:cSld>
@@ -4278,78 +4545,47 @@
           <a:chExt cx="0" cy="0"/>
         </a:xfrm>
       </p:grpSpPr>
-      <p:pic>
-        <p:nvPicPr>
-          <p:cNvPr id="15" name="Picture 14" descr="Droplets-HD-Content-R1d.png"/>
-          <p:cNvPicPr>
-            <a:picLocks noChangeAspect="1"/>
-          </p:cNvPicPr>
-          <p:nvPr/>
-        </p:nvPicPr>
-        <p:blipFill>
-          <a:blip r:embed="rId2">
-            <a:extLst>
-              <a:ext uri="{28A0092B-C50C-407E-A947-70E740481C1C}">
-                <a14:useLocalDpi xmlns:a14="http://schemas.microsoft.com/office/drawing/2010/main" val="0"/>
-              </a:ext>
-            </a:extLst>
-          </a:blip>
-          <a:stretch>
-            <a:fillRect/>
-          </a:stretch>
-        </p:blipFill>
+      <p:sp>
+        <p:nvSpPr>
+          <p:cNvPr id="2" name="Title 1"/>
+          <p:cNvSpPr>
+            <a:spLocks noGrp="1"/>
+          </p:cNvSpPr>
+          <p:nvPr>
+            <p:ph type="title"/>
+          </p:nvPr>
+        </p:nvSpPr>
+        <p:spPr/>
+        <p:txBody>
+          <a:bodyPr/>
+          <a:lstStyle>
+            <a:lvl1pPr>
+              <a:defRPr/>
+            </a:lvl1pPr>
+          </a:lstStyle>
+          <a:p>
+            <a:r>
+              <a:rPr lang="en-US" smtClean="0"/>
+              <a:t>Click to edit Master title style</a:t>
+            </a:r>
+            <a:endParaRPr lang="en-US" dirty="0"/>
+          </a:p>
+        </p:txBody>
+      </p:sp>
+      <p:sp>
+        <p:nvSpPr>
+          <p:cNvPr id="3" name="Text Placeholder 2"/>
+          <p:cNvSpPr>
+            <a:spLocks noGrp="1"/>
+          </p:cNvSpPr>
+          <p:nvPr>
+            <p:ph type="body" idx="1"/>
+          </p:nvPr>
+        </p:nvSpPr>
         <p:spPr>
           <a:xfrm>
-            <a:off x="0" y="0"/>
-            <a:ext cx="12192000" cy="6858000"/>
-          </a:xfrm>
-          <a:prstGeom prst="rect">
-            <a:avLst/>
-          </a:prstGeom>
-        </p:spPr>
-      </p:pic>
-      <p:sp>
-        <p:nvSpPr>
-          <p:cNvPr id="14" name="Title 1"/>
-          <p:cNvSpPr>
-            <a:spLocks noGrp="1"/>
-          </p:cNvSpPr>
-          <p:nvPr>
-            <p:ph type="title"/>
-          </p:nvPr>
-        </p:nvSpPr>
-        <p:spPr>
-          <a:xfrm>
-            <a:off x="913775" y="618517"/>
-            <a:ext cx="10364451" cy="1596177"/>
-          </a:xfrm>
-        </p:spPr>
-        <p:txBody>
-          <a:bodyPr/>
-          <a:lstStyle/>
-          <a:p>
-            <a:r>
-              <a:rPr lang="en-US" smtClean="0"/>
-              <a:t>Click to edit Master title style</a:t>
-            </a:r>
-            <a:endParaRPr lang="en-US" dirty="0"/>
-          </a:p>
-        </p:txBody>
-      </p:sp>
-      <p:sp>
-        <p:nvSpPr>
-          <p:cNvPr id="3" name="Text Placeholder 2"/>
-          <p:cNvSpPr>
-            <a:spLocks noGrp="1"/>
-          </p:cNvSpPr>
-          <p:nvPr>
-            <p:ph type="body" idx="1"/>
-          </p:nvPr>
-        </p:nvSpPr>
-        <p:spPr>
-          <a:xfrm>
-            <a:off x="1146328" y="2371018"/>
-            <a:ext cx="4873474" cy="679994"/>
+            <a:off x="1772179" y="2658533"/>
+            <a:ext cx="4607188" cy="576262"/>
           </a:xfrm>
         </p:spPr>
         <p:txBody>
@@ -4358,13 +4594,12 @@
           </a:bodyPr>
           <a:lstStyle>
             <a:lvl1pPr marL="0" indent="0">
-              <a:lnSpc>
-                <a:spcPct val="85000"/>
-              </a:lnSpc>
-              <a:buNone/>
-              <a:defRPr sz="2600" b="0">
-                <a:solidFill>
-                  <a:schemeClr val="tx1"/>
+              <a:buNone/>
+              <a:defRPr sz="2800" b="0">
+                <a:solidFill>
+                  <a:schemeClr val="accent1">
+                    <a:lumMod val="75000"/>
+                  </a:schemeClr>
                 </a:solidFill>
               </a:defRPr>
             </a:lvl1pPr>
@@ -4412,23 +4647,53 @@
       </p:sp>
       <p:sp>
         <p:nvSpPr>
-          <p:cNvPr id="12" name="Content Placeholder 3"/>
-          <p:cNvSpPr>
-            <a:spLocks noGrp="1"/>
-          </p:cNvSpPr>
-          <p:nvPr>
-            <p:ph sz="quarter" idx="13"/>
+          <p:cNvPr id="4" name="Content Placeholder 3"/>
+          <p:cNvSpPr>
+            <a:spLocks noGrp="1"/>
+          </p:cNvSpPr>
+          <p:nvPr>
+            <p:ph sz="half" idx="2"/>
           </p:nvPr>
         </p:nvSpPr>
         <p:spPr>
           <a:xfrm>
-            <a:off x="913774" y="3051012"/>
-            <a:ext cx="5106027" cy="2740187"/>
+            <a:off x="1484311" y="3335337"/>
+            <a:ext cx="4895056" cy="2455862"/>
           </a:xfrm>
         </p:spPr>
         <p:txBody>
-          <a:bodyPr/>
-          <a:lstStyle/>
+          <a:bodyPr anchor="t">
+            <a:normAutofit/>
+          </a:bodyPr>
+          <a:lstStyle>
+            <a:lvl1pPr>
+              <a:defRPr sz="1800"/>
+            </a:lvl1pPr>
+            <a:lvl2pPr>
+              <a:defRPr sz="1600"/>
+            </a:lvl2pPr>
+            <a:lvl3pPr>
+              <a:defRPr sz="1400"/>
+            </a:lvl3pPr>
+            <a:lvl4pPr>
+              <a:defRPr sz="1200"/>
+            </a:lvl4pPr>
+            <a:lvl5pPr>
+              <a:defRPr sz="1200"/>
+            </a:lvl5pPr>
+            <a:lvl6pPr>
+              <a:defRPr sz="1200"/>
+            </a:lvl6pPr>
+            <a:lvl7pPr>
+              <a:defRPr sz="1200"/>
+            </a:lvl7pPr>
+            <a:lvl8pPr>
+              <a:defRPr sz="1200"/>
+            </a:lvl8pPr>
+            <a:lvl9pPr>
+              <a:defRPr sz="1200"/>
+            </a:lvl9pPr>
+          </a:lstStyle>
           <a:p>
             <a:pPr lvl="0"/>
             <a:r>
@@ -4479,8 +4744,8 @@
         </p:nvSpPr>
         <p:spPr>
           <a:xfrm>
-            <a:off x="6396423" y="2371018"/>
-            <a:ext cx="4881804" cy="679994"/>
+            <a:off x="6880487" y="2667000"/>
+            <a:ext cx="4622537" cy="576262"/>
           </a:xfrm>
         </p:spPr>
         <p:txBody>
@@ -4489,13 +4754,12 @@
           </a:bodyPr>
           <a:lstStyle>
             <a:lvl1pPr marL="0" indent="0">
-              <a:lnSpc>
-                <a:spcPct val="85000"/>
-              </a:lnSpc>
-              <a:buNone/>
-              <a:defRPr sz="2600" b="0">
-                <a:solidFill>
-                  <a:schemeClr val="tx1"/>
+              <a:buNone/>
+              <a:defRPr sz="2800" b="0">
+                <a:solidFill>
+                  <a:schemeClr val="accent1">
+                    <a:lumMod val="75000"/>
+                  </a:schemeClr>
                 </a:solidFill>
               </a:defRPr>
             </a:lvl1pPr>
@@ -4543,23 +4807,53 @@
       </p:sp>
       <p:sp>
         <p:nvSpPr>
-          <p:cNvPr id="13" name="Content Placeholder 5"/>
-          <p:cNvSpPr>
-            <a:spLocks noGrp="1"/>
-          </p:cNvSpPr>
-          <p:nvPr>
-            <p:ph sz="quarter" idx="14"/>
+          <p:cNvPr id="6" name="Content Placeholder 5"/>
+          <p:cNvSpPr>
+            <a:spLocks noGrp="1"/>
+          </p:cNvSpPr>
+          <p:nvPr>
+            <p:ph sz="quarter" idx="4"/>
           </p:nvPr>
         </p:nvSpPr>
         <p:spPr>
           <a:xfrm>
-            <a:off x="6172200" y="3051012"/>
-            <a:ext cx="5105401" cy="2740187"/>
+            <a:off x="6607967" y="3335337"/>
+            <a:ext cx="4895056" cy="2455862"/>
           </a:xfrm>
         </p:spPr>
         <p:txBody>
-          <a:bodyPr/>
-          <a:lstStyle/>
+          <a:bodyPr anchor="t">
+            <a:normAutofit/>
+          </a:bodyPr>
+          <a:lstStyle>
+            <a:lvl1pPr>
+              <a:defRPr sz="1800"/>
+            </a:lvl1pPr>
+            <a:lvl2pPr>
+              <a:defRPr sz="1600"/>
+            </a:lvl2pPr>
+            <a:lvl3pPr>
+              <a:defRPr sz="1400"/>
+            </a:lvl3pPr>
+            <a:lvl4pPr>
+              <a:defRPr sz="1200"/>
+            </a:lvl4pPr>
+            <a:lvl5pPr>
+              <a:defRPr sz="1200"/>
+            </a:lvl5pPr>
+            <a:lvl6pPr>
+              <a:defRPr sz="1200"/>
+            </a:lvl6pPr>
+            <a:lvl7pPr>
+              <a:defRPr sz="1200"/>
+            </a:lvl7pPr>
+            <a:lvl8pPr>
+              <a:defRPr sz="1200"/>
+            </a:lvl8pPr>
+            <a:lvl9pPr>
+              <a:defRPr sz="1200"/>
+            </a:lvl9pPr>
+          </a:lstStyle>
           <a:p>
             <a:pPr lvl="0"/>
             <a:r>
@@ -4668,7 +4962,7 @@
     </p:spTree>
     <p:extLst>
       <p:ext uri="{BB962C8B-B14F-4D97-AF65-F5344CB8AC3E}">
-        <p14:creationId xmlns:p14="http://schemas.microsoft.com/office/powerpoint/2010/main" val="1918105168"/>
+        <p14:creationId xmlns:p14="http://schemas.microsoft.com/office/powerpoint/2010/main" val="894892382"/>
       </p:ext>
     </p:extLst>
   </p:cSld>
@@ -4696,36 +4990,6 @@
           <a:chExt cx="0" cy="0"/>
         </a:xfrm>
       </p:grpSpPr>
-      <p:pic>
-        <p:nvPicPr>
-          <p:cNvPr id="8" name="Picture 7" descr="Droplets-HD-Content-R1d.png"/>
-          <p:cNvPicPr>
-            <a:picLocks noChangeAspect="1"/>
-          </p:cNvPicPr>
-          <p:nvPr/>
-        </p:nvPicPr>
-        <p:blipFill>
-          <a:blip r:embed="rId2">
-            <a:extLst>
-              <a:ext uri="{28A0092B-C50C-407E-A947-70E740481C1C}">
-                <a14:useLocalDpi xmlns:a14="http://schemas.microsoft.com/office/drawing/2010/main" val="0"/>
-              </a:ext>
-            </a:extLst>
-          </a:blip>
-          <a:stretch>
-            <a:fillRect/>
-          </a:stretch>
-        </p:blipFill>
-        <p:spPr>
-          <a:xfrm>
-            <a:off x="0" y="0"/>
-            <a:ext cx="12192000" cy="6858000"/>
-          </a:xfrm>
-          <a:prstGeom prst="rect">
-            <a:avLst/>
-          </a:prstGeom>
-        </p:spPr>
-      </p:pic>
       <p:sp>
         <p:nvSpPr>
           <p:cNvPr id="2" name="Title 1"/>
@@ -4819,7 +5083,7 @@
     </p:spTree>
     <p:extLst>
       <p:ext uri="{BB962C8B-B14F-4D97-AF65-F5344CB8AC3E}">
-        <p14:creationId xmlns:p14="http://schemas.microsoft.com/office/powerpoint/2010/main" val="2645839218"/>
+        <p14:creationId xmlns:p14="http://schemas.microsoft.com/office/powerpoint/2010/main" val="2661758308"/>
       </p:ext>
     </p:extLst>
   </p:cSld>
@@ -4846,36 +5110,6 @@
           <a:chExt cx="0" cy="0"/>
         </a:xfrm>
       </p:grpSpPr>
-      <p:pic>
-        <p:nvPicPr>
-          <p:cNvPr id="7" name="Picture 6" descr="Droplets-HD-Content-R1d.png"/>
-          <p:cNvPicPr>
-            <a:picLocks noChangeAspect="1"/>
-          </p:cNvPicPr>
-          <p:nvPr/>
-        </p:nvPicPr>
-        <p:blipFill>
-          <a:blip r:embed="rId2">
-            <a:extLst>
-              <a:ext uri="{28A0092B-C50C-407E-A947-70E740481C1C}">
-                <a14:useLocalDpi xmlns:a14="http://schemas.microsoft.com/office/drawing/2010/main" val="0"/>
-              </a:ext>
-            </a:extLst>
-          </a:blip>
-          <a:stretch>
-            <a:fillRect/>
-          </a:stretch>
-        </p:blipFill>
-        <p:spPr>
-          <a:xfrm>
-            <a:off x="0" y="0"/>
-            <a:ext cx="12192000" cy="6858000"/>
-          </a:xfrm>
-          <a:prstGeom prst="rect">
-            <a:avLst/>
-          </a:prstGeom>
-        </p:spPr>
-      </p:pic>
       <p:sp>
         <p:nvSpPr>
           <p:cNvPr id="2" name="Date Placeholder 1"/>
@@ -4946,7 +5180,7 @@
     </p:spTree>
     <p:extLst>
       <p:ext uri="{BB962C8B-B14F-4D97-AF65-F5344CB8AC3E}">
-        <p14:creationId xmlns:p14="http://schemas.microsoft.com/office/powerpoint/2010/main" val="2248564126"/>
+        <p14:creationId xmlns:p14="http://schemas.microsoft.com/office/powerpoint/2010/main" val="3955247496"/>
       </p:ext>
     </p:extLst>
   </p:cSld>
@@ -4973,143 +5207,147 @@
           <a:chExt cx="0" cy="0"/>
         </a:xfrm>
       </p:grpSpPr>
-      <p:pic>
-        <p:nvPicPr>
-          <p:cNvPr id="11" name="Picture 10" descr="Droplets-HD-Content-R1d.png"/>
-          <p:cNvPicPr>
-            <a:picLocks noChangeAspect="1"/>
-          </p:cNvPicPr>
-          <p:nvPr/>
-        </p:nvPicPr>
-        <p:blipFill>
-          <a:blip r:embed="rId2">
-            <a:extLst>
-              <a:ext uri="{28A0092B-C50C-407E-A947-70E740481C1C}">
-                <a14:useLocalDpi xmlns:a14="http://schemas.microsoft.com/office/drawing/2010/main" val="0"/>
-              </a:ext>
-            </a:extLst>
-          </a:blip>
-          <a:stretch>
-            <a:fillRect/>
-          </a:stretch>
-        </p:blipFill>
+      <p:sp>
+        <p:nvSpPr>
+          <p:cNvPr id="2" name="Title 1"/>
+          <p:cNvSpPr>
+            <a:spLocks noGrp="1"/>
+          </p:cNvSpPr>
+          <p:nvPr>
+            <p:ph type="title"/>
+          </p:nvPr>
+        </p:nvSpPr>
         <p:spPr>
           <a:xfrm>
-            <a:off x="0" y="0"/>
-            <a:ext cx="12192000" cy="6858000"/>
+            <a:off x="1484312" y="1600200"/>
+            <a:ext cx="3549121" cy="1371600"/>
           </a:xfrm>
-          <a:prstGeom prst="rect">
-            <a:avLst/>
-          </a:prstGeom>
         </p:spPr>
-      </p:pic>
-      <p:sp>
-        <p:nvSpPr>
-          <p:cNvPr id="2" name="Title 1"/>
-          <p:cNvSpPr>
-            <a:spLocks noGrp="1"/>
-          </p:cNvSpPr>
-          <p:nvPr>
-            <p:ph type="title"/>
+        <p:txBody>
+          <a:bodyPr anchor="b">
+            <a:normAutofit/>
+          </a:bodyPr>
+          <a:lstStyle>
+            <a:lvl1pPr algn="ctr">
+              <a:defRPr sz="2400" b="0"/>
+            </a:lvl1pPr>
+          </a:lstStyle>
+          <a:p>
+            <a:r>
+              <a:rPr lang="en-US" smtClean="0"/>
+              <a:t>Click to edit Master title style</a:t>
+            </a:r>
+            <a:endParaRPr lang="en-US" dirty="0"/>
+          </a:p>
+        </p:txBody>
+      </p:sp>
+      <p:sp>
+        <p:nvSpPr>
+          <p:cNvPr id="3" name="Content Placeholder 2"/>
+          <p:cNvSpPr>
+            <a:spLocks noGrp="1"/>
+          </p:cNvSpPr>
+          <p:nvPr>
+            <p:ph idx="1"/>
           </p:nvPr>
         </p:nvSpPr>
         <p:spPr>
           <a:xfrm>
-            <a:off x="913775" y="609600"/>
-            <a:ext cx="3935688" cy="2023252"/>
+            <a:off x="5262033" y="685799"/>
+            <a:ext cx="6240990" cy="5105401"/>
           </a:xfrm>
         </p:spPr>
         <p:txBody>
-          <a:bodyPr anchor="b"/>
+          <a:bodyPr anchor="ctr">
+            <a:normAutofit/>
+          </a:bodyPr>
           <a:lstStyle>
-            <a:lvl1pPr algn="ctr">
-              <a:defRPr sz="3200"/>
+            <a:lvl1pPr>
+              <a:defRPr sz="2000"/>
             </a:lvl1pPr>
+            <a:lvl2pPr>
+              <a:defRPr sz="1800"/>
+            </a:lvl2pPr>
+            <a:lvl3pPr>
+              <a:defRPr sz="1600"/>
+            </a:lvl3pPr>
+            <a:lvl4pPr>
+              <a:defRPr sz="1400"/>
+            </a:lvl4pPr>
+            <a:lvl5pPr>
+              <a:defRPr sz="1400"/>
+            </a:lvl5pPr>
+            <a:lvl6pPr>
+              <a:defRPr sz="1400"/>
+            </a:lvl6pPr>
+            <a:lvl7pPr>
+              <a:defRPr sz="1400"/>
+            </a:lvl7pPr>
+            <a:lvl8pPr>
+              <a:defRPr sz="1400"/>
+            </a:lvl8pPr>
+            <a:lvl9pPr>
+              <a:defRPr sz="1400"/>
+            </a:lvl9pPr>
           </a:lstStyle>
           <a:p>
-            <a:r>
-              <a:rPr lang="en-US" smtClean="0"/>
-              <a:t>Click to edit Master title style</a:t>
-            </a:r>
-            <a:endParaRPr lang="en-US" dirty="0"/>
-          </a:p>
-        </p:txBody>
-      </p:sp>
-      <p:sp>
-        <p:nvSpPr>
-          <p:cNvPr id="10" name="Content Placeholder 2"/>
-          <p:cNvSpPr>
-            <a:spLocks noGrp="1"/>
-          </p:cNvSpPr>
-          <p:nvPr>
-            <p:ph sz="quarter" idx="13"/>
+            <a:pPr lvl="0"/>
+            <a:r>
+              <a:rPr lang="en-US" smtClean="0"/>
+              <a:t>Edit Master text styles</a:t>
+            </a:r>
+          </a:p>
+          <a:p>
+            <a:pPr lvl="1"/>
+            <a:r>
+              <a:rPr lang="en-US" smtClean="0"/>
+              <a:t>Second level</a:t>
+            </a:r>
+          </a:p>
+          <a:p>
+            <a:pPr lvl="2"/>
+            <a:r>
+              <a:rPr lang="en-US" smtClean="0"/>
+              <a:t>Third level</a:t>
+            </a:r>
+          </a:p>
+          <a:p>
+            <a:pPr lvl="3"/>
+            <a:r>
+              <a:rPr lang="en-US" smtClean="0"/>
+              <a:t>Fourth level</a:t>
+            </a:r>
+          </a:p>
+          <a:p>
+            <a:pPr lvl="4"/>
+            <a:r>
+              <a:rPr lang="en-US" smtClean="0"/>
+              <a:t>Fifth level</a:t>
+            </a:r>
+            <a:endParaRPr lang="en-US" dirty="0"/>
+          </a:p>
+        </p:txBody>
+      </p:sp>
+      <p:sp>
+        <p:nvSpPr>
+          <p:cNvPr id="4" name="Text Placeholder 3"/>
+          <p:cNvSpPr>
+            <a:spLocks noGrp="1"/>
+          </p:cNvSpPr>
+          <p:nvPr>
+            <p:ph type="body" sz="half" idx="2"/>
           </p:nvPr>
         </p:nvSpPr>
         <p:spPr>
           <a:xfrm>
-            <a:off x="5078062" y="609600"/>
-            <a:ext cx="6200163" cy="5181599"/>
+            <a:off x="1484312" y="2971800"/>
+            <a:ext cx="3549121" cy="1828800"/>
           </a:xfrm>
         </p:spPr>
         <p:txBody>
-          <a:bodyPr/>
-          <a:lstStyle/>
-          <a:p>
-            <a:pPr lvl="0"/>
-            <a:r>
-              <a:rPr lang="en-US" smtClean="0"/>
-              <a:t>Edit Master text styles</a:t>
-            </a:r>
-          </a:p>
-          <a:p>
-            <a:pPr lvl="1"/>
-            <a:r>
-              <a:rPr lang="en-US" smtClean="0"/>
-              <a:t>Second level</a:t>
-            </a:r>
-          </a:p>
-          <a:p>
-            <a:pPr lvl="2"/>
-            <a:r>
-              <a:rPr lang="en-US" smtClean="0"/>
-              <a:t>Third level</a:t>
-            </a:r>
-          </a:p>
-          <a:p>
-            <a:pPr lvl="3"/>
-            <a:r>
-              <a:rPr lang="en-US" smtClean="0"/>
-              <a:t>Fourth level</a:t>
-            </a:r>
-          </a:p>
-          <a:p>
-            <a:pPr lvl="4"/>
-            <a:r>
-              <a:rPr lang="en-US" smtClean="0"/>
-              <a:t>Fifth level</a:t>
-            </a:r>
-            <a:endParaRPr lang="en-US" dirty="0"/>
-          </a:p>
-        </p:txBody>
-      </p:sp>
-      <p:sp>
-        <p:nvSpPr>
-          <p:cNvPr id="4" name="Text Placeholder 3"/>
-          <p:cNvSpPr>
-            <a:spLocks noGrp="1"/>
-          </p:cNvSpPr>
-          <p:nvPr>
-            <p:ph type="body" sz="half" idx="2"/>
-          </p:nvPr>
-        </p:nvSpPr>
-        <p:spPr>
-          <a:xfrm>
-            <a:off x="913774" y="2632852"/>
-            <a:ext cx="3935689" cy="3158348"/>
-          </a:xfrm>
-        </p:spPr>
-        <p:txBody>
-          <a:bodyPr/>
+          <a:bodyPr>
+            <a:normAutofit/>
+          </a:bodyPr>
           <a:lstStyle>
             <a:lvl1pPr marL="0" indent="0" algn="ctr">
               <a:buNone/>
@@ -5117,35 +5355,35 @@
             </a:lvl1pPr>
             <a:lvl2pPr marL="457200" indent="0">
               <a:buNone/>
-              <a:defRPr sz="1400"/>
+              <a:defRPr sz="1200"/>
             </a:lvl2pPr>
             <a:lvl3pPr marL="914400" indent="0">
               <a:buNone/>
-              <a:defRPr sz="1200"/>
+              <a:defRPr sz="1000"/>
             </a:lvl3pPr>
             <a:lvl4pPr marL="1371600" indent="0">
               <a:buNone/>
-              <a:defRPr sz="1000"/>
+              <a:defRPr sz="900"/>
             </a:lvl4pPr>
             <a:lvl5pPr marL="1828800" indent="0">
               <a:buNone/>
-              <a:defRPr sz="1000"/>
+              <a:defRPr sz="900"/>
             </a:lvl5pPr>
             <a:lvl6pPr marL="2286000" indent="0">
               <a:buNone/>
-              <a:defRPr sz="1000"/>
+              <a:defRPr sz="900"/>
             </a:lvl6pPr>
             <a:lvl7pPr marL="2743200" indent="0">
               <a:buNone/>
-              <a:defRPr sz="1000"/>
+              <a:defRPr sz="900"/>
             </a:lvl7pPr>
             <a:lvl8pPr marL="3200400" indent="0">
               <a:buNone/>
-              <a:defRPr sz="1000"/>
+              <a:defRPr sz="900"/>
             </a:lvl8pPr>
             <a:lvl9pPr marL="3657600" indent="0">
               <a:buNone/>
-              <a:defRPr sz="1000"/>
+              <a:defRPr sz="900"/>
             </a:lvl9pPr>
           </a:lstStyle>
           <a:p>
@@ -5227,7 +5465,7 @@
     </p:spTree>
     <p:extLst>
       <p:ext uri="{BB962C8B-B14F-4D97-AF65-F5344CB8AC3E}">
-        <p14:creationId xmlns:p14="http://schemas.microsoft.com/office/powerpoint/2010/main" val="899793423"/>
+        <p14:creationId xmlns:p14="http://schemas.microsoft.com/office/powerpoint/2010/main" val="605994772"/>
       </p:ext>
     </p:extLst>
   </p:cSld>
@@ -5255,176 +5493,88 @@
           <a:chExt cx="0" cy="0"/>
         </a:xfrm>
       </p:grpSpPr>
-      <p:pic>
-        <p:nvPicPr>
-          <p:cNvPr id="10" name="Picture 9" descr="Droplets-HD-Content-R1d.png"/>
-          <p:cNvPicPr>
-            <a:picLocks noChangeAspect="1"/>
-          </p:cNvPicPr>
-          <p:nvPr/>
-        </p:nvPicPr>
-        <p:blipFill>
-          <a:blip r:embed="rId2">
-            <a:extLst>
-              <a:ext uri="{28A0092B-C50C-407E-A947-70E740481C1C}">
-                <a14:useLocalDpi xmlns:a14="http://schemas.microsoft.com/office/drawing/2010/main" val="0"/>
-              </a:ext>
-            </a:extLst>
-          </a:blip>
-          <a:stretch>
-            <a:fillRect/>
-          </a:stretch>
-        </p:blipFill>
+      <p:sp>
+        <p:nvSpPr>
+          <p:cNvPr id="2" name="Title 1"/>
+          <p:cNvSpPr>
+            <a:spLocks noGrp="1"/>
+          </p:cNvSpPr>
+          <p:nvPr>
+            <p:ph type="title"/>
+          </p:nvPr>
+        </p:nvSpPr>
         <p:spPr>
           <a:xfrm>
-            <a:off x="0" y="0"/>
-            <a:ext cx="12192000" cy="6858000"/>
+            <a:off x="1482724" y="1752599"/>
+            <a:ext cx="5426158" cy="1371600"/>
           </a:xfrm>
-          <a:prstGeom prst="rect">
-            <a:avLst/>
-          </a:prstGeom>
         </p:spPr>
-      </p:pic>
-      <p:sp>
-        <p:nvSpPr>
-          <p:cNvPr id="2" name="Title 1"/>
-          <p:cNvSpPr>
-            <a:spLocks noGrp="1"/>
-          </p:cNvSpPr>
-          <p:nvPr>
-            <p:ph type="title"/>
+        <p:txBody>
+          <a:bodyPr anchor="b">
+            <a:normAutofit/>
+          </a:bodyPr>
+          <a:lstStyle>
+            <a:lvl1pPr algn="ctr">
+              <a:defRPr sz="2800" b="0"/>
+            </a:lvl1pPr>
+          </a:lstStyle>
+          <a:p>
+            <a:r>
+              <a:rPr lang="en-US" smtClean="0"/>
+              <a:t>Click to edit Master title style</a:t>
+            </a:r>
+            <a:endParaRPr lang="en-US" dirty="0"/>
+          </a:p>
+        </p:txBody>
+      </p:sp>
+      <p:sp>
+        <p:nvSpPr>
+          <p:cNvPr id="14" name="Picture Placeholder 2"/>
+          <p:cNvSpPr>
+            <a:spLocks noGrp="1" noChangeAspect="1"/>
+          </p:cNvSpPr>
+          <p:nvPr>
+            <p:ph type="pic" idx="1"/>
           </p:nvPr>
         </p:nvSpPr>
         <p:spPr>
           <a:xfrm>
-            <a:off x="913774" y="609600"/>
-            <a:ext cx="5934969" cy="2023254"/>
-          </a:xfrm>
-        </p:spPr>
-        <p:txBody>
-          <a:bodyPr anchor="b"/>
-          <a:lstStyle>
-            <a:lvl1pPr algn="ctr">
-              <a:defRPr sz="3200"/>
-            </a:lvl1pPr>
-          </a:lstStyle>
-          <a:p>
-            <a:r>
-              <a:rPr lang="en-US" smtClean="0"/>
-              <a:t>Click to edit Master title style</a:t>
-            </a:r>
-            <a:endParaRPr lang="en-US" dirty="0"/>
-          </a:p>
-        </p:txBody>
-      </p:sp>
-      <p:sp>
-        <p:nvSpPr>
-          <p:cNvPr id="3" name="Picture Placeholder 2"/>
-          <p:cNvSpPr>
-            <a:spLocks noGrp="1" noChangeAspect="1"/>
-          </p:cNvSpPr>
-          <p:nvPr>
-            <p:ph type="pic" idx="1"/>
-          </p:nvPr>
-        </p:nvSpPr>
-        <p:spPr>
-          <a:xfrm>
-            <a:off x="7424803" y="609601"/>
-            <a:ext cx="3255358" cy="5181600"/>
+            <a:off x="7594682" y="914400"/>
+            <a:ext cx="3280974" cy="4572000"/>
           </a:xfrm>
           <a:prstGeom prst="roundRect">
             <a:avLst>
-              <a:gd name="adj" fmla="val 4943"/>
+              <a:gd name="adj" fmla="val 4280"/>
             </a:avLst>
           </a:prstGeom>
-          <a:noFill/>
-          <a:ln w="82550" cap="sq">
-            <a:solidFill>
-              <a:srgbClr val="EAEAEA"/>
-            </a:solidFill>
-            <a:miter lim="800000"/>
+          <a:ln w="38100">
+            <a:gradFill flip="none" rotWithShape="1">
+              <a:gsLst>
+                <a:gs pos="0">
+                  <a:schemeClr val="bg2"/>
+                </a:gs>
+                <a:gs pos="100000">
+                  <a:schemeClr val="bg2">
+                    <a:lumMod val="75000"/>
+                  </a:schemeClr>
+                </a:gs>
+              </a:gsLst>
+              <a:lin ang="5400000" scaled="0"/>
+              <a:tileRect/>
+            </a:gradFill>
           </a:ln>
-          <a:effectLst/>
-          <a:scene3d>
-            <a:camera prst="orthographicFront"/>
-            <a:lightRig rig="threePt" dir="t">
-              <a:rot lat="0" lon="0" rev="2700000"/>
-            </a:lightRig>
-          </a:scene3d>
-          <a:sp3d contourW="6350">
-            <a:bevelT h="38100"/>
-            <a:contourClr>
-              <a:srgbClr val="C0C0C0"/>
-            </a:contourClr>
-          </a:sp3d>
+          <a:effectLst>
+            <a:innerShdw blurRad="57150" dist="38100" dir="14460000">
+              <a:srgbClr val="000000">
+                <a:alpha val="70000"/>
+              </a:srgbClr>
+            </a:innerShdw>
+          </a:effectLst>
         </p:spPr>
         <p:txBody>
-          <a:bodyPr anchor="t"/>
-          <a:lstStyle>
-            <a:lvl1pPr marL="0" indent="0">
-              <a:buNone/>
-              <a:defRPr sz="3200"/>
-            </a:lvl1pPr>
-            <a:lvl2pPr marL="457200" indent="0">
-              <a:buNone/>
-              <a:defRPr sz="2800"/>
-            </a:lvl2pPr>
-            <a:lvl3pPr marL="914400" indent="0">
-              <a:buNone/>
-              <a:defRPr sz="2400"/>
-            </a:lvl3pPr>
-            <a:lvl4pPr marL="1371600" indent="0">
-              <a:buNone/>
-              <a:defRPr sz="2000"/>
-            </a:lvl4pPr>
-            <a:lvl5pPr marL="1828800" indent="0">
-              <a:buNone/>
-              <a:defRPr sz="2000"/>
-            </a:lvl5pPr>
-            <a:lvl6pPr marL="2286000" indent="0">
-              <a:buNone/>
-              <a:defRPr sz="2000"/>
-            </a:lvl6pPr>
-            <a:lvl7pPr marL="2743200" indent="0">
-              <a:buNone/>
-              <a:defRPr sz="2000"/>
-            </a:lvl7pPr>
-            <a:lvl8pPr marL="3200400" indent="0">
-              <a:buNone/>
-              <a:defRPr sz="2000"/>
-            </a:lvl8pPr>
-            <a:lvl9pPr marL="3657600" indent="0">
-              <a:buNone/>
-              <a:defRPr sz="2000"/>
-            </a:lvl9pPr>
-          </a:lstStyle>
-          <a:p>
-            <a:r>
-              <a:rPr lang="en-US" smtClean="0"/>
-              <a:t>Click icon to add picture</a:t>
-            </a:r>
-            <a:endParaRPr lang="en-US" dirty="0"/>
-          </a:p>
-        </p:txBody>
-      </p:sp>
-      <p:sp>
-        <p:nvSpPr>
-          <p:cNvPr id="4" name="Text Placeholder 3"/>
-          <p:cNvSpPr>
-            <a:spLocks noGrp="1"/>
-          </p:cNvSpPr>
-          <p:nvPr>
-            <p:ph type="body" sz="half" idx="2"/>
-          </p:nvPr>
-        </p:nvSpPr>
-        <p:spPr>
-          <a:xfrm>
-            <a:off x="913794" y="2632852"/>
-            <a:ext cx="5934949" cy="3158347"/>
-          </a:xfrm>
-        </p:spPr>
-        <p:txBody>
-          <a:bodyPr/>
+          <a:bodyPr anchor="t">
+            <a:normAutofit/>
+          </a:bodyPr>
           <a:lstStyle>
             <a:lvl1pPr marL="0" indent="0" algn="ctr">
               <a:buNone/>
@@ -5432,35 +5582,102 @@
             </a:lvl1pPr>
             <a:lvl2pPr marL="457200" indent="0">
               <a:buNone/>
-              <a:defRPr sz="1400"/>
+              <a:defRPr sz="1600"/>
             </a:lvl2pPr>
             <a:lvl3pPr marL="914400" indent="0">
               <a:buNone/>
-              <a:defRPr sz="1200"/>
+              <a:defRPr sz="1600"/>
             </a:lvl3pPr>
             <a:lvl4pPr marL="1371600" indent="0">
               <a:buNone/>
-              <a:defRPr sz="1000"/>
+              <a:defRPr sz="1600"/>
             </a:lvl4pPr>
             <a:lvl5pPr marL="1828800" indent="0">
               <a:buNone/>
-              <a:defRPr sz="1000"/>
+              <a:defRPr sz="1600"/>
             </a:lvl5pPr>
             <a:lvl6pPr marL="2286000" indent="0">
               <a:buNone/>
-              <a:defRPr sz="1000"/>
+              <a:defRPr sz="1600"/>
             </a:lvl6pPr>
             <a:lvl7pPr marL="2743200" indent="0">
               <a:buNone/>
-              <a:defRPr sz="1000"/>
+              <a:defRPr sz="1600"/>
             </a:lvl7pPr>
             <a:lvl8pPr marL="3200400" indent="0">
               <a:buNone/>
-              <a:defRPr sz="1000"/>
+              <a:defRPr sz="1600"/>
             </a:lvl8pPr>
             <a:lvl9pPr marL="3657600" indent="0">
               <a:buNone/>
+              <a:defRPr sz="1600"/>
+            </a:lvl9pPr>
+          </a:lstStyle>
+          <a:p>
+            <a:r>
+              <a:rPr lang="en-US" smtClean="0"/>
+              <a:t>Click icon to add picture</a:t>
+            </a:r>
+            <a:endParaRPr lang="en-US" dirty="0"/>
+          </a:p>
+        </p:txBody>
+      </p:sp>
+      <p:sp>
+        <p:nvSpPr>
+          <p:cNvPr id="4" name="Text Placeholder 3"/>
+          <p:cNvSpPr>
+            <a:spLocks noGrp="1"/>
+          </p:cNvSpPr>
+          <p:nvPr>
+            <p:ph type="body" sz="half" idx="2"/>
+          </p:nvPr>
+        </p:nvSpPr>
+        <p:spPr>
+          <a:xfrm>
+            <a:off x="1482724" y="3124199"/>
+            <a:ext cx="5426158" cy="1828800"/>
+          </a:xfrm>
+        </p:spPr>
+        <p:txBody>
+          <a:bodyPr>
+            <a:normAutofit/>
+          </a:bodyPr>
+          <a:lstStyle>
+            <a:lvl1pPr marL="0" indent="0" algn="ctr">
+              <a:buNone/>
+              <a:defRPr sz="1800"/>
+            </a:lvl1pPr>
+            <a:lvl2pPr marL="457200" indent="0">
+              <a:buNone/>
+              <a:defRPr sz="1200"/>
+            </a:lvl2pPr>
+            <a:lvl3pPr marL="914400" indent="0">
+              <a:buNone/>
               <a:defRPr sz="1000"/>
+            </a:lvl3pPr>
+            <a:lvl4pPr marL="1371600" indent="0">
+              <a:buNone/>
+              <a:defRPr sz="900"/>
+            </a:lvl4pPr>
+            <a:lvl5pPr marL="1828800" indent="0">
+              <a:buNone/>
+              <a:defRPr sz="900"/>
+            </a:lvl5pPr>
+            <a:lvl6pPr marL="2286000" indent="0">
+              <a:buNone/>
+              <a:defRPr sz="900"/>
+            </a:lvl6pPr>
+            <a:lvl7pPr marL="2743200" indent="0">
+              <a:buNone/>
+              <a:defRPr sz="900"/>
+            </a:lvl7pPr>
+            <a:lvl8pPr marL="3200400" indent="0">
+              <a:buNone/>
+              <a:defRPr sz="900"/>
+            </a:lvl8pPr>
+            <a:lvl9pPr marL="3657600" indent="0">
+              <a:buNone/>
+              <a:defRPr sz="900"/>
             </a:lvl9pPr>
           </a:lstStyle>
           <a:p>
@@ -5542,7 +5759,7 @@
     </p:spTree>
     <p:extLst>
       <p:ext uri="{BB962C8B-B14F-4D97-AF65-F5344CB8AC3E}">
-        <p14:creationId xmlns:p14="http://schemas.microsoft.com/office/powerpoint/2010/main" val="1673023379"/>
+        <p14:creationId xmlns:p14="http://schemas.microsoft.com/office/powerpoint/2010/main" val="834875659"/>
       </p:ext>
     </p:extLst>
   </p:cSld>
@@ -5556,8 +5773,8 @@
 <p:sldMaster xmlns:a="http://schemas.openxmlformats.org/drawingml/2006/main" xmlns:r="http://schemas.openxmlformats.org/officeDocument/2006/relationships" xmlns:p="http://schemas.openxmlformats.org/presentationml/2006/main">
   <p:cSld>
     <p:bg>
-      <p:bgRef idx="1002">
-        <a:schemeClr val="bg1"/>
+      <p:bgRef idx="1003">
+        <a:schemeClr val="bg2"/>
       </p:bgRef>
     </p:bg>
     <p:spTree>
@@ -5574,62 +5791,370 @@
           <a:chExt cx="0" cy="0"/>
         </a:xfrm>
       </p:grpSpPr>
-      <p:pic>
-        <p:nvPicPr>
-          <p:cNvPr id="1026" name="Picture 2" descr="\\DROBO-FS\QuickDrops\JB\PPTX NG\Droplets\LightingOverlay.png"/>
-          <p:cNvPicPr>
-            <a:picLocks noChangeAspect="1" noChangeArrowheads="1"/>
-          </p:cNvPicPr>
+      <p:grpSp>
+        <p:nvGrpSpPr>
+          <p:cNvPr id="7" name="Group 6"/>
+          <p:cNvGrpSpPr/>
           <p:nvPr/>
-        </p:nvPicPr>
-        <p:blipFill>
-          <a:blip r:embed="rId19">
-            <a:alphaModFix/>
-            <a:extLst>
-              <a:ext uri="{28A0092B-C50C-407E-A947-70E740481C1C}">
-                <a14:useLocalDpi xmlns:a14="http://schemas.microsoft.com/office/drawing/2010/main" val="0"/>
-              </a:ext>
-            </a:extLst>
-          </a:blip>
-          <a:srcRect/>
-          <a:stretch>
-            <a:fillRect/>
-          </a:stretch>
-        </p:blipFill>
-        <p:spPr bwMode="auto">
+        </p:nvGrpSpPr>
+        <p:grpSpPr>
           <a:xfrm>
-            <a:off x="0" y="-1"/>
-            <a:ext cx="12192003" cy="6858001"/>
+            <a:off x="150812" y="0"/>
+            <a:ext cx="2436813" cy="6858001"/>
+            <a:chOff x="1320800" y="0"/>
+            <a:chExt cx="2436813" cy="6858001"/>
+          </a:xfrm>
+        </p:grpSpPr>
+        <p:sp>
+          <p:nvSpPr>
+            <p:cNvPr id="8" name="Freeform 6"/>
+            <p:cNvSpPr/>
+            <p:nvPr/>
+          </p:nvSpPr>
+          <p:spPr bwMode="auto">
+            <a:xfrm>
+              <a:off x="1627188" y="0"/>
+              <a:ext cx="1122363" cy="5329238"/>
+            </a:xfrm>
+            <a:custGeom>
+              <a:avLst/>
+              <a:gdLst/>
+              <a:ahLst/>
+              <a:cxnLst/>
+              <a:rect l="0" t="0" r="r" b="b"/>
+              <a:pathLst>
+                <a:path w="707" h="3357">
+                  <a:moveTo>
+                    <a:pt x="0" y="3330"/>
+                  </a:moveTo>
+                  <a:lnTo>
+                    <a:pt x="156" y="3357"/>
+                  </a:lnTo>
+                  <a:lnTo>
+                    <a:pt x="707" y="0"/>
+                  </a:lnTo>
+                  <a:lnTo>
+                    <a:pt x="547" y="0"/>
+                  </a:lnTo>
+                  <a:lnTo>
+                    <a:pt x="0" y="3330"/>
+                  </a:lnTo>
+                  <a:close/>
+                </a:path>
+              </a:pathLst>
+            </a:custGeom>
+            <a:solidFill>
+              <a:schemeClr val="accent1"/>
+            </a:solidFill>
+            <a:ln>
+              <a:noFill/>
+            </a:ln>
+          </p:spPr>
+        </p:sp>
+        <p:sp>
+          <p:nvSpPr>
+            <p:cNvPr id="9" name="Freeform 7"/>
+            <p:cNvSpPr/>
+            <p:nvPr/>
+          </p:nvSpPr>
+          <p:spPr bwMode="auto">
+            <a:xfrm>
+              <a:off x="1320800" y="0"/>
+              <a:ext cx="1117600" cy="5276850"/>
+            </a:xfrm>
+            <a:custGeom>
+              <a:avLst/>
+              <a:gdLst/>
+              <a:ahLst/>
+              <a:cxnLst/>
+              <a:rect l="0" t="0" r="r" b="b"/>
+              <a:pathLst>
+                <a:path w="704" h="3324">
+                  <a:moveTo>
+                    <a:pt x="704" y="0"/>
+                  </a:moveTo>
+                  <a:lnTo>
+                    <a:pt x="545" y="0"/>
+                  </a:lnTo>
+                  <a:lnTo>
+                    <a:pt x="0" y="3300"/>
+                  </a:lnTo>
+                  <a:lnTo>
+                    <a:pt x="157" y="3324"/>
+                  </a:lnTo>
+                  <a:lnTo>
+                    <a:pt x="704" y="0"/>
+                  </a:lnTo>
+                  <a:close/>
+                </a:path>
+              </a:pathLst>
+            </a:custGeom>
+            <a:solidFill>
+              <a:schemeClr val="tx1">
+                <a:lumMod val="65000"/>
+                <a:lumOff val="35000"/>
+              </a:schemeClr>
+            </a:solidFill>
+            <a:ln>
+              <a:noFill/>
+            </a:ln>
+          </p:spPr>
+        </p:sp>
+        <p:sp>
+          <p:nvSpPr>
+            <p:cNvPr id="10" name="Freeform 8"/>
+            <p:cNvSpPr/>
+            <p:nvPr/>
+          </p:nvSpPr>
+          <p:spPr bwMode="auto">
+            <a:xfrm>
+              <a:off x="1320800" y="5238750"/>
+              <a:ext cx="1228725" cy="1619250"/>
+            </a:xfrm>
+            <a:custGeom>
+              <a:avLst/>
+              <a:gdLst/>
+              <a:ahLst/>
+              <a:cxnLst/>
+              <a:rect l="0" t="0" r="r" b="b"/>
+              <a:pathLst>
+                <a:path w="774" h="1020">
+                  <a:moveTo>
+                    <a:pt x="0" y="0"/>
+                  </a:moveTo>
+                  <a:lnTo>
+                    <a:pt x="740" y="1020"/>
+                  </a:lnTo>
+                  <a:lnTo>
+                    <a:pt x="774" y="1020"/>
+                  </a:lnTo>
+                  <a:lnTo>
+                    <a:pt x="0" y="0"/>
+                  </a:lnTo>
+                  <a:close/>
+                </a:path>
+              </a:pathLst>
+            </a:custGeom>
+            <a:solidFill>
+              <a:schemeClr val="tx1">
+                <a:lumMod val="85000"/>
+                <a:lumOff val="15000"/>
+              </a:schemeClr>
+            </a:solidFill>
+            <a:ln>
+              <a:noFill/>
+            </a:ln>
+          </p:spPr>
+        </p:sp>
+        <p:sp>
+          <p:nvSpPr>
+            <p:cNvPr id="11" name="Freeform 9"/>
+            <p:cNvSpPr/>
+            <p:nvPr/>
+          </p:nvSpPr>
+          <p:spPr bwMode="auto">
+            <a:xfrm>
+              <a:off x="1627188" y="5291138"/>
+              <a:ext cx="1495425" cy="1566863"/>
+            </a:xfrm>
+            <a:custGeom>
+              <a:avLst/>
+              <a:gdLst/>
+              <a:ahLst/>
+              <a:cxnLst/>
+              <a:rect l="0" t="0" r="r" b="b"/>
+              <a:pathLst>
+                <a:path w="942" h="987">
+                  <a:moveTo>
+                    <a:pt x="0" y="0"/>
+                  </a:moveTo>
+                  <a:lnTo>
+                    <a:pt x="909" y="987"/>
+                  </a:lnTo>
+                  <a:lnTo>
+                    <a:pt x="942" y="987"/>
+                  </a:lnTo>
+                  <a:lnTo>
+                    <a:pt x="0" y="0"/>
+                  </a:lnTo>
+                  <a:close/>
+                </a:path>
+              </a:pathLst>
+            </a:custGeom>
+            <a:solidFill>
+              <a:schemeClr val="accent1">
+                <a:lumMod val="50000"/>
+              </a:schemeClr>
+            </a:solidFill>
+            <a:ln>
+              <a:noFill/>
+            </a:ln>
+          </p:spPr>
+        </p:sp>
+        <p:sp>
+          <p:nvSpPr>
+            <p:cNvPr id="12" name="Freeform 10"/>
+            <p:cNvSpPr/>
+            <p:nvPr/>
+          </p:nvSpPr>
+          <p:spPr bwMode="auto">
+            <a:xfrm>
+              <a:off x="1627188" y="5286375"/>
+              <a:ext cx="2130425" cy="1571625"/>
+            </a:xfrm>
+            <a:custGeom>
+              <a:avLst/>
+              <a:gdLst/>
+              <a:ahLst/>
+              <a:cxnLst/>
+              <a:rect l="0" t="0" r="r" b="b"/>
+              <a:pathLst>
+                <a:path w="1342" h="990">
+                  <a:moveTo>
+                    <a:pt x="0" y="3"/>
+                  </a:moveTo>
+                  <a:lnTo>
+                    <a:pt x="942" y="990"/>
+                  </a:lnTo>
+                  <a:lnTo>
+                    <a:pt x="1342" y="990"/>
+                  </a:lnTo>
+                  <a:lnTo>
+                    <a:pt x="156" y="27"/>
+                  </a:lnTo>
+                  <a:lnTo>
+                    <a:pt x="0" y="0"/>
+                  </a:lnTo>
+                  <a:lnTo>
+                    <a:pt x="0" y="3"/>
+                  </a:lnTo>
+                  <a:close/>
+                </a:path>
+              </a:pathLst>
+            </a:custGeom>
+            <a:solidFill>
+              <a:schemeClr val="accent1">
+                <a:lumMod val="75000"/>
+              </a:schemeClr>
+            </a:solidFill>
+            <a:ln>
+              <a:noFill/>
+            </a:ln>
+          </p:spPr>
+        </p:sp>
+        <p:sp>
+          <p:nvSpPr>
+            <p:cNvPr id="13" name="Freeform 11"/>
+            <p:cNvSpPr/>
+            <p:nvPr/>
+          </p:nvSpPr>
+          <p:spPr bwMode="auto">
+            <a:xfrm>
+              <a:off x="1320800" y="5238750"/>
+              <a:ext cx="1695450" cy="1619250"/>
+            </a:xfrm>
+            <a:custGeom>
+              <a:avLst/>
+              <a:gdLst/>
+              <a:ahLst/>
+              <a:cxnLst/>
+              <a:rect l="0" t="0" r="r" b="b"/>
+              <a:pathLst>
+                <a:path w="1068" h="1020">
+                  <a:moveTo>
+                    <a:pt x="1068" y="1020"/>
+                  </a:moveTo>
+                  <a:lnTo>
+                    <a:pt x="184" y="60"/>
+                  </a:lnTo>
+                  <a:lnTo>
+                    <a:pt x="154" y="27"/>
+                  </a:lnTo>
+                  <a:lnTo>
+                    <a:pt x="157" y="27"/>
+                  </a:lnTo>
+                  <a:lnTo>
+                    <a:pt x="157" y="24"/>
+                  </a:lnTo>
+                  <a:lnTo>
+                    <a:pt x="154" y="24"/>
+                  </a:lnTo>
+                  <a:lnTo>
+                    <a:pt x="0" y="0"/>
+                  </a:lnTo>
+                  <a:lnTo>
+                    <a:pt x="0" y="0"/>
+                  </a:lnTo>
+                  <a:lnTo>
+                    <a:pt x="774" y="1020"/>
+                  </a:lnTo>
+                  <a:lnTo>
+                    <a:pt x="1068" y="1020"/>
+                  </a:lnTo>
+                  <a:close/>
+                </a:path>
+              </a:pathLst>
+            </a:custGeom>
+            <a:solidFill>
+              <a:schemeClr val="tx1">
+                <a:lumMod val="75000"/>
+                <a:lumOff val="25000"/>
+              </a:schemeClr>
+            </a:solidFill>
+            <a:ln>
+              <a:noFill/>
+            </a:ln>
+          </p:spPr>
+        </p:sp>
+      </p:grpSp>
+      <p:sp>
+        <p:nvSpPr>
+          <p:cNvPr id="2" name="Title Placeholder 1"/>
+          <p:cNvSpPr>
+            <a:spLocks noGrp="1"/>
+          </p:cNvSpPr>
+          <p:nvPr>
+            <p:ph type="title"/>
+          </p:nvPr>
+        </p:nvSpPr>
+        <p:spPr>
+          <a:xfrm>
+            <a:off x="1484311" y="685800"/>
+            <a:ext cx="10018713" cy="1752599"/>
           </a:xfrm>
           <a:prstGeom prst="rect">
             <a:avLst/>
           </a:prstGeom>
-          <a:noFill/>
-          <a:extLst>
-            <a:ext uri="{909E8E84-426E-40DD-AFC4-6F175D3DCCD1}">
-              <a14:hiddenFill xmlns:a14="http://schemas.microsoft.com/office/drawing/2010/main">
-                <a:solidFill>
-                  <a:srgbClr val="FFFFFF"/>
-                </a:solidFill>
-              </a14:hiddenFill>
-            </a:ext>
-          </a:extLst>
+          <a:effectLst/>
         </p:spPr>
-      </p:pic>
-      <p:sp>
-        <p:nvSpPr>
-          <p:cNvPr id="2" name="Title Placeholder 1"/>
-          <p:cNvSpPr>
-            <a:spLocks noGrp="1"/>
-          </p:cNvSpPr>
-          <p:nvPr>
-            <p:ph type="title"/>
+        <p:txBody>
+          <a:bodyPr vert="horz" lIns="91440" tIns="45720" rIns="91440" bIns="45720" rtlCol="0" anchor="ctr">
+            <a:normAutofit/>
+          </a:bodyPr>
+          <a:lstStyle/>
+          <a:p>
+            <a:r>
+              <a:rPr lang="en-US" smtClean="0"/>
+              <a:t>Click to edit Master title style</a:t>
+            </a:r>
+            <a:endParaRPr lang="en-US" dirty="0"/>
+          </a:p>
+        </p:txBody>
+      </p:sp>
+      <p:sp>
+        <p:nvSpPr>
+          <p:cNvPr id="3" name="Text Placeholder 2"/>
+          <p:cNvSpPr>
+            <a:spLocks noGrp="1"/>
+          </p:cNvSpPr>
+          <p:nvPr>
+            <p:ph type="body" idx="1"/>
           </p:nvPr>
         </p:nvSpPr>
         <p:spPr>
           <a:xfrm>
-            <a:off x="913775" y="618517"/>
-            <a:ext cx="10364451" cy="1596177"/>
+            <a:off x="1484310" y="2666999"/>
+            <a:ext cx="10018713" cy="3124201"/>
           </a:xfrm>
           <a:prstGeom prst="rect">
             <a:avLst/>
@@ -5641,90 +6166,99 @@
           </a:bodyPr>
           <a:lstStyle/>
           <a:p>
-            <a:r>
-              <a:rPr lang="en-US" smtClean="0"/>
-              <a:t>Click to edit Master title style</a:t>
-            </a:r>
-            <a:endParaRPr lang="en-US" dirty="0"/>
-          </a:p>
-        </p:txBody>
-      </p:sp>
-      <p:sp>
-        <p:nvSpPr>
-          <p:cNvPr id="3" name="Text Placeholder 2"/>
-          <p:cNvSpPr>
-            <a:spLocks noGrp="1"/>
-          </p:cNvSpPr>
-          <p:nvPr>
-            <p:ph type="body" idx="1"/>
+            <a:pPr lvl="0"/>
+            <a:r>
+              <a:rPr lang="en-US" smtClean="0"/>
+              <a:t>Edit Master text styles</a:t>
+            </a:r>
+          </a:p>
+          <a:p>
+            <a:pPr lvl="1"/>
+            <a:r>
+              <a:rPr lang="en-US" smtClean="0"/>
+              <a:t>Second level</a:t>
+            </a:r>
+          </a:p>
+          <a:p>
+            <a:pPr lvl="2"/>
+            <a:r>
+              <a:rPr lang="en-US" smtClean="0"/>
+              <a:t>Third level</a:t>
+            </a:r>
+          </a:p>
+          <a:p>
+            <a:pPr lvl="3"/>
+            <a:r>
+              <a:rPr lang="en-US" smtClean="0"/>
+              <a:t>Fourth level</a:t>
+            </a:r>
+          </a:p>
+          <a:p>
+            <a:pPr lvl="4"/>
+            <a:r>
+              <a:rPr lang="en-US" smtClean="0"/>
+              <a:t>Fifth level</a:t>
+            </a:r>
+            <a:endParaRPr lang="en-US" dirty="0"/>
+          </a:p>
+        </p:txBody>
+      </p:sp>
+      <p:sp>
+        <p:nvSpPr>
+          <p:cNvPr id="4" name="Date Placeholder 3"/>
+          <p:cNvSpPr>
+            <a:spLocks noGrp="1"/>
+          </p:cNvSpPr>
+          <p:nvPr>
+            <p:ph type="dt" sz="half" idx="2"/>
           </p:nvPr>
         </p:nvSpPr>
         <p:spPr>
           <a:xfrm>
-            <a:off x="913775" y="2367093"/>
-            <a:ext cx="10364452" cy="3424107"/>
+            <a:off x="9732656" y="5883275"/>
+            <a:ext cx="1143000" cy="365125"/>
           </a:xfrm>
           <a:prstGeom prst="rect">
             <a:avLst/>
           </a:prstGeom>
         </p:spPr>
         <p:txBody>
-          <a:bodyPr vert="horz" lIns="91440" tIns="45720" rIns="91440" bIns="45720" rtlCol="0">
-            <a:normAutofit/>
-          </a:bodyPr>
-          <a:lstStyle/>
-          <a:p>
-            <a:pPr lvl="0"/>
-            <a:r>
-              <a:rPr lang="en-US" smtClean="0"/>
-              <a:t>Edit Master text styles</a:t>
-            </a:r>
-          </a:p>
-          <a:p>
-            <a:pPr lvl="1"/>
-            <a:r>
-              <a:rPr lang="en-US" smtClean="0"/>
-              <a:t>Second level</a:t>
-            </a:r>
-          </a:p>
-          <a:p>
-            <a:pPr lvl="2"/>
-            <a:r>
-              <a:rPr lang="en-US" smtClean="0"/>
-              <a:t>Third level</a:t>
-            </a:r>
-          </a:p>
-          <a:p>
-            <a:pPr lvl="3"/>
-            <a:r>
-              <a:rPr lang="en-US" smtClean="0"/>
-              <a:t>Fourth level</a:t>
-            </a:r>
-          </a:p>
-          <a:p>
-            <a:pPr lvl="4"/>
-            <a:r>
-              <a:rPr lang="en-US" smtClean="0"/>
-              <a:t>Fifth level</a:t>
-            </a:r>
-            <a:endParaRPr lang="en-US" dirty="0"/>
-          </a:p>
-        </p:txBody>
-      </p:sp>
-      <p:sp>
-        <p:nvSpPr>
-          <p:cNvPr id="4" name="Date Placeholder 3"/>
-          <p:cNvSpPr>
-            <a:spLocks noGrp="1"/>
-          </p:cNvSpPr>
-          <p:nvPr>
-            <p:ph type="dt" sz="half" idx="2"/>
+          <a:bodyPr vert="horz" lIns="91440" tIns="45720" rIns="91440" bIns="45720" rtlCol="0" anchor="ctr"/>
+          <a:lstStyle>
+            <a:lvl1pPr algn="r">
+              <a:defRPr sz="1000" b="0" i="0">
+                <a:solidFill>
+                  <a:schemeClr val="tx1"/>
+                </a:solidFill>
+                <a:effectLst/>
+                <a:latin typeface="+mn-lt"/>
+              </a:defRPr>
+            </a:lvl1pPr>
+          </a:lstStyle>
+          <a:p>
+            <a:fld id="{5586B75A-687E-405C-8A0B-8D00578BA2C3}" type="datetimeFigureOut">
+              <a:rPr lang="en-US" smtClean="0"/>
+              <a:pPr/>
+              <a:t>3/14/2019</a:t>
+            </a:fld>
+            <a:endParaRPr lang="en-US" dirty="0"/>
+          </a:p>
+        </p:txBody>
+      </p:sp>
+      <p:sp>
+        <p:nvSpPr>
+          <p:cNvPr id="5" name="Footer Placeholder 4"/>
+          <p:cNvSpPr>
+            <a:spLocks noGrp="1"/>
+          </p:cNvSpPr>
+          <p:nvPr>
+            <p:ph type="ftr" sz="quarter" idx="3"/>
           </p:nvPr>
         </p:nvSpPr>
         <p:spPr>
           <a:xfrm>
-            <a:off x="7678737" y="5883275"/>
-            <a:ext cx="2743200" cy="365125"/>
+            <a:off x="2572279" y="5883275"/>
+            <a:ext cx="7084177" cy="365125"/>
           </a:xfrm>
           <a:prstGeom prst="rect">
             <a:avLst/>
@@ -5733,38 +6267,35 @@
         <p:txBody>
           <a:bodyPr vert="horz" lIns="91440" tIns="45720" rIns="91440" bIns="45720" rtlCol="0" anchor="ctr"/>
           <a:lstStyle>
-            <a:lvl1pPr algn="r">
-              <a:defRPr sz="1000">
+            <a:lvl1pPr algn="l">
+              <a:defRPr sz="1000" b="0" i="0">
                 <a:solidFill>
                   <a:schemeClr val="tx1"/>
                 </a:solidFill>
+                <a:effectLst/>
+                <a:latin typeface="+mn-lt"/>
               </a:defRPr>
             </a:lvl1pPr>
           </a:lstStyle>
           <a:p>
-            <a:fld id="{5586B75A-687E-405C-8A0B-8D00578BA2C3}" type="datetimeFigureOut">
-              <a:rPr lang="en-US" smtClean="0"/>
-              <a:pPr/>
-              <a:t>3/14/2019</a:t>
-            </a:fld>
-            <a:endParaRPr lang="en-US" dirty="0"/>
-          </a:p>
-        </p:txBody>
-      </p:sp>
-      <p:sp>
-        <p:nvSpPr>
-          <p:cNvPr id="5" name="Footer Placeholder 4"/>
-          <p:cNvSpPr>
-            <a:spLocks noGrp="1"/>
-          </p:cNvSpPr>
-          <p:nvPr>
-            <p:ph type="ftr" sz="quarter" idx="3"/>
+            <a:endParaRPr lang="en-US" dirty="0"/>
+          </a:p>
+        </p:txBody>
+      </p:sp>
+      <p:sp>
+        <p:nvSpPr>
+          <p:cNvPr id="6" name="Slide Number Placeholder 5"/>
+          <p:cNvSpPr>
+            <a:spLocks noGrp="1"/>
+          </p:cNvSpPr>
+          <p:nvPr>
+            <p:ph type="sldNum" sz="quarter" idx="4"/>
           </p:nvPr>
         </p:nvSpPr>
         <p:spPr>
           <a:xfrm>
-            <a:off x="913774" y="5883275"/>
-            <a:ext cx="6672887" cy="365125"/>
+            <a:off x="10951856" y="5883275"/>
+            <a:ext cx="551167" cy="365125"/>
           </a:xfrm>
           <a:prstGeom prst="rect">
             <a:avLst/>
@@ -5773,46 +6304,13 @@
         <p:txBody>
           <a:bodyPr vert="horz" lIns="91440" tIns="45720" rIns="91440" bIns="45720" rtlCol="0" anchor="ctr"/>
           <a:lstStyle>
-            <a:lvl1pPr algn="l">
-              <a:defRPr sz="1000">
+            <a:lvl1pPr algn="r">
+              <a:defRPr sz="1000" b="0" i="0">
                 <a:solidFill>
                   <a:schemeClr val="tx1"/>
                 </a:solidFill>
-              </a:defRPr>
-            </a:lvl1pPr>
-          </a:lstStyle>
-          <a:p>
-            <a:endParaRPr lang="en-US" dirty="0"/>
-          </a:p>
-        </p:txBody>
-      </p:sp>
-      <p:sp>
-        <p:nvSpPr>
-          <p:cNvPr id="6" name="Slide Number Placeholder 5"/>
-          <p:cNvSpPr>
-            <a:spLocks noGrp="1"/>
-          </p:cNvSpPr>
-          <p:nvPr>
-            <p:ph type="sldNum" sz="quarter" idx="4"/>
-          </p:nvPr>
-        </p:nvSpPr>
-        <p:spPr>
-          <a:xfrm>
-            <a:off x="10514011" y="5883275"/>
-            <a:ext cx="764215" cy="365125"/>
-          </a:xfrm>
-          <a:prstGeom prst="rect">
-            <a:avLst/>
-          </a:prstGeom>
-        </p:spPr>
-        <p:txBody>
-          <a:bodyPr vert="horz" lIns="91440" tIns="45720" rIns="91440" bIns="45720" rtlCol="0" anchor="ctr"/>
-          <a:lstStyle>
-            <a:lvl1pPr algn="r">
-              <a:defRPr sz="1000">
-                <a:solidFill>
-                  <a:schemeClr val="tx1"/>
-                </a:solidFill>
+                <a:effectLst/>
+                <a:latin typeface="+mn-lt"/>
               </a:defRPr>
             </a:lvl1pPr>
           </a:lstStyle>
@@ -5829,42 +6327,44 @@
     </p:spTree>
     <p:extLst>
       <p:ext uri="{BB962C8B-B14F-4D97-AF65-F5344CB8AC3E}">
-        <p14:creationId xmlns:p14="http://schemas.microsoft.com/office/powerpoint/2010/main" val="1989991425"/>
+        <p14:creationId xmlns:p14="http://schemas.microsoft.com/office/powerpoint/2010/main" val="836699240"/>
       </p:ext>
     </p:extLst>
   </p:cSld>
   <p:clrMap bg1="lt1" tx1="dk1" bg2="lt2" tx2="dk2" accent1="accent1" accent2="accent2" accent3="accent3" accent4="accent4" accent5="accent5" accent6="accent6" hlink="hlink" folHlink="folHlink"/>
   <p:sldLayoutIdLst>
-    <p:sldLayoutId id="2147483853" r:id="rId1"/>
-    <p:sldLayoutId id="2147483854" r:id="rId2"/>
-    <p:sldLayoutId id="2147483855" r:id="rId3"/>
-    <p:sldLayoutId id="2147483856" r:id="rId4"/>
-    <p:sldLayoutId id="2147483857" r:id="rId5"/>
-    <p:sldLayoutId id="2147483858" r:id="rId6"/>
-    <p:sldLayoutId id="2147483859" r:id="rId7"/>
-    <p:sldLayoutId id="2147483860" r:id="rId8"/>
-    <p:sldLayoutId id="2147483861" r:id="rId9"/>
-    <p:sldLayoutId id="2147483862" r:id="rId10"/>
-    <p:sldLayoutId id="2147483863" r:id="rId11"/>
-    <p:sldLayoutId id="2147483864" r:id="rId12"/>
-    <p:sldLayoutId id="2147483865" r:id="rId13"/>
-    <p:sldLayoutId id="2147483866" r:id="rId14"/>
-    <p:sldLayoutId id="2147483867" r:id="rId15"/>
-    <p:sldLayoutId id="2147483868" r:id="rId16"/>
-    <p:sldLayoutId id="2147483869" r:id="rId17"/>
+    <p:sldLayoutId id="2147483913" r:id="rId1"/>
+    <p:sldLayoutId id="2147483914" r:id="rId2"/>
+    <p:sldLayoutId id="2147483915" r:id="rId3"/>
+    <p:sldLayoutId id="2147483916" r:id="rId4"/>
+    <p:sldLayoutId id="2147483917" r:id="rId5"/>
+    <p:sldLayoutId id="2147483918" r:id="rId6"/>
+    <p:sldLayoutId id="2147483919" r:id="rId7"/>
+    <p:sldLayoutId id="2147483920" r:id="rId8"/>
+    <p:sldLayoutId id="2147483921" r:id="rId9"/>
+    <p:sldLayoutId id="2147483922" r:id="rId10"/>
+    <p:sldLayoutId id="2147483923" r:id="rId11"/>
+    <p:sldLayoutId id="2147483924" r:id="rId12"/>
+    <p:sldLayoutId id="2147483925" r:id="rId13"/>
+    <p:sldLayoutId id="2147483926" r:id="rId14"/>
+    <p:sldLayoutId id="2147483927" r:id="rId15"/>
+    <p:sldLayoutId id="2147483928" r:id="rId16"/>
+    <p:sldLayoutId id="2147483929" r:id="rId17"/>
+    <p:sldLayoutId id="2147483930" r:id="rId18"/>
+    <p:sldLayoutId id="2147483931" r:id="rId19"/>
   </p:sldLayoutIdLst>
   <p:hf sldNum="0" hdr="0" ftr="0" dt="0"/>
   <p:txStyles>
     <p:titleStyle>
-      <a:lvl1pPr algn="ctr" defTabSz="914400" rtl="0" eaLnBrk="1" latinLnBrk="0" hangingPunct="1">
-        <a:lnSpc>
-          <a:spcPct val="90000"/>
-        </a:lnSpc>
+      <a:lvl1pPr algn="ctr" defTabSz="457200" rtl="0" eaLnBrk="1" latinLnBrk="0" hangingPunct="1">
         <a:spcBef>
           <a:spcPct val="0"/>
         </a:spcBef>
         <a:buNone/>
-        <a:defRPr sz="3600" kern="1200" cap="all" baseline="0">
+        <a:defRPr sz="4000" kern="1200" cap="none">
+          <a:ln w="3175" cmpd="sng">
+            <a:noFill/>
+          </a:ln>
           <a:solidFill>
             <a:schemeClr val="tx1"/>
           </a:solidFill>
@@ -5874,21 +6374,80 @@
           <a:cs typeface="+mj-cs"/>
         </a:defRPr>
       </a:lvl1pPr>
+      <a:lvl2pPr eaLnBrk="1" hangingPunct="1">
+        <a:defRPr>
+          <a:solidFill>
+            <a:schemeClr val="tx2"/>
+          </a:solidFill>
+        </a:defRPr>
+      </a:lvl2pPr>
+      <a:lvl3pPr eaLnBrk="1" hangingPunct="1">
+        <a:defRPr>
+          <a:solidFill>
+            <a:schemeClr val="tx2"/>
+          </a:solidFill>
+        </a:defRPr>
+      </a:lvl3pPr>
+      <a:lvl4pPr eaLnBrk="1" hangingPunct="1">
+        <a:defRPr>
+          <a:solidFill>
+            <a:schemeClr val="tx2"/>
+          </a:solidFill>
+        </a:defRPr>
+      </a:lvl4pPr>
+      <a:lvl5pPr eaLnBrk="1" hangingPunct="1">
+        <a:defRPr>
+          <a:solidFill>
+            <a:schemeClr val="tx2"/>
+          </a:solidFill>
+        </a:defRPr>
+      </a:lvl5pPr>
+      <a:lvl6pPr eaLnBrk="1" hangingPunct="1">
+        <a:defRPr>
+          <a:solidFill>
+            <a:schemeClr val="tx2"/>
+          </a:solidFill>
+        </a:defRPr>
+      </a:lvl6pPr>
+      <a:lvl7pPr eaLnBrk="1" hangingPunct="1">
+        <a:defRPr>
+          <a:solidFill>
+            <a:schemeClr val="tx2"/>
+          </a:solidFill>
+        </a:defRPr>
+      </a:lvl7pPr>
+      <a:lvl8pPr eaLnBrk="1" hangingPunct="1">
+        <a:defRPr>
+          <a:solidFill>
+            <a:schemeClr val="tx2"/>
+          </a:solidFill>
+        </a:defRPr>
+      </a:lvl8pPr>
+      <a:lvl9pPr eaLnBrk="1" hangingPunct="1">
+        <a:defRPr>
+          <a:solidFill>
+            <a:schemeClr val="tx2"/>
+          </a:solidFill>
+        </a:defRPr>
+      </a:lvl9pPr>
     </p:titleStyle>
     <p:bodyStyle>
-      <a:lvl1pPr marL="228600" indent="-228600" algn="l" defTabSz="914400" rtl="0" eaLnBrk="1" latinLnBrk="0" hangingPunct="1">
-        <a:lnSpc>
-          <a:spcPct val="120000"/>
-        </a:lnSpc>
+      <a:lvl1pPr marL="285750" indent="-285750" algn="l" defTabSz="457200" rtl="0" eaLnBrk="1" latinLnBrk="0" hangingPunct="1">
         <a:spcBef>
-          <a:spcPts val="1000"/>
+          <a:spcPct val="20000"/>
         </a:spcBef>
+        <a:spcAft>
+          <a:spcPts val="600"/>
+        </a:spcAft>
         <a:buClr>
-          <a:schemeClr val="tx1"/>
+          <a:schemeClr val="accent1">
+            <a:lumMod val="75000"/>
+          </a:schemeClr>
         </a:buClr>
-        <a:buFont typeface="Arial" panose="020B0604020202020204" pitchFamily="34" charset="0"/>
+        <a:buSzPct val="145000"/>
+        <a:buFont typeface="Arial"/>
         <a:buChar char="•"/>
-        <a:defRPr sz="2000" kern="1200" cap="all" baseline="0">
+        <a:defRPr sz="2400" kern="1200" cap="none">
           <a:solidFill>
             <a:schemeClr val="tx1"/>
           </a:solidFill>
@@ -5898,19 +6457,22 @@
           <a:cs typeface="+mn-cs"/>
         </a:defRPr>
       </a:lvl1pPr>
-      <a:lvl2pPr marL="685800" indent="-228600" algn="l" defTabSz="914400" rtl="0" eaLnBrk="1" latinLnBrk="0" hangingPunct="1">
-        <a:lnSpc>
-          <a:spcPct val="120000"/>
-        </a:lnSpc>
+      <a:lvl2pPr marL="742950" indent="-285750" algn="l" defTabSz="457200" rtl="0" eaLnBrk="1" latinLnBrk="0" hangingPunct="1">
         <a:spcBef>
-          <a:spcPts val="500"/>
+          <a:spcPct val="20000"/>
         </a:spcBef>
+        <a:spcAft>
+          <a:spcPts val="600"/>
+        </a:spcAft>
         <a:buClr>
-          <a:schemeClr val="tx1"/>
+          <a:schemeClr val="accent1">
+            <a:lumMod val="75000"/>
+          </a:schemeClr>
         </a:buClr>
-        <a:buFont typeface="Arial" panose="020B0604020202020204" pitchFamily="34" charset="0"/>
+        <a:buSzPct val="145000"/>
+        <a:buFont typeface="Arial"/>
         <a:buChar char="•"/>
-        <a:defRPr sz="1800" kern="1200" cap="all" baseline="0">
+        <a:defRPr sz="2000" kern="1200" cap="none">
           <a:solidFill>
             <a:schemeClr val="tx1"/>
           </a:solidFill>
@@ -5920,19 +6482,22 @@
           <a:cs typeface="+mn-cs"/>
         </a:defRPr>
       </a:lvl2pPr>
-      <a:lvl3pPr marL="1143000" indent="-228600" algn="l" defTabSz="914400" rtl="0" eaLnBrk="1" latinLnBrk="0" hangingPunct="1">
-        <a:lnSpc>
-          <a:spcPct val="120000"/>
-        </a:lnSpc>
+      <a:lvl3pPr marL="1200150" indent="-285750" algn="l" defTabSz="457200" rtl="0" eaLnBrk="1" latinLnBrk="0" hangingPunct="1">
         <a:spcBef>
-          <a:spcPts val="500"/>
+          <a:spcPct val="20000"/>
         </a:spcBef>
+        <a:spcAft>
+          <a:spcPts val="600"/>
+        </a:spcAft>
         <a:buClr>
-          <a:schemeClr val="tx1"/>
+          <a:schemeClr val="accent1">
+            <a:lumMod val="75000"/>
+          </a:schemeClr>
         </a:buClr>
-        <a:buFont typeface="Arial" panose="020B0604020202020204" pitchFamily="34" charset="0"/>
+        <a:buSzPct val="145000"/>
+        <a:buFont typeface="Arial"/>
         <a:buChar char="•"/>
-        <a:defRPr sz="1600" kern="1200" cap="all" baseline="0">
+        <a:defRPr sz="1800" kern="1200" cap="none">
           <a:solidFill>
             <a:schemeClr val="tx1"/>
           </a:solidFill>
@@ -5942,19 +6507,22 @@
           <a:cs typeface="+mn-cs"/>
         </a:defRPr>
       </a:lvl3pPr>
-      <a:lvl4pPr marL="1600200" indent="-228600" algn="l" defTabSz="914400" rtl="0" eaLnBrk="1" latinLnBrk="0" hangingPunct="1">
-        <a:lnSpc>
-          <a:spcPct val="120000"/>
-        </a:lnSpc>
+      <a:lvl4pPr marL="1543050" indent="-171450" algn="l" defTabSz="457200" rtl="0" eaLnBrk="1" latinLnBrk="0" hangingPunct="1">
         <a:spcBef>
-          <a:spcPts val="500"/>
+          <a:spcPct val="20000"/>
         </a:spcBef>
+        <a:spcAft>
+          <a:spcPts val="600"/>
+        </a:spcAft>
         <a:buClr>
-          <a:schemeClr val="tx1"/>
+          <a:schemeClr val="accent1">
+            <a:lumMod val="75000"/>
+          </a:schemeClr>
         </a:buClr>
-        <a:buFont typeface="Arial" panose="020B0604020202020204" pitchFamily="34" charset="0"/>
+        <a:buSzPct val="145000"/>
+        <a:buFont typeface="Arial"/>
         <a:buChar char="•"/>
-        <a:defRPr sz="1400" kern="1200" cap="all" baseline="0">
+        <a:defRPr sz="1600" kern="1200" cap="none">
           <a:solidFill>
             <a:schemeClr val="tx1"/>
           </a:solidFill>
@@ -5964,19 +6532,22 @@
           <a:cs typeface="+mn-cs"/>
         </a:defRPr>
       </a:lvl4pPr>
-      <a:lvl5pPr marL="2057400" indent="-228600" algn="l" defTabSz="914400" rtl="0" eaLnBrk="1" latinLnBrk="0" hangingPunct="1">
-        <a:lnSpc>
-          <a:spcPct val="120000"/>
-        </a:lnSpc>
+      <a:lvl5pPr marL="2000250" indent="-171450" algn="l" defTabSz="457200" rtl="0" eaLnBrk="1" latinLnBrk="0" hangingPunct="1">
         <a:spcBef>
-          <a:spcPts val="500"/>
+          <a:spcPct val="20000"/>
         </a:spcBef>
+        <a:spcAft>
+          <a:spcPts val="600"/>
+        </a:spcAft>
         <a:buClr>
-          <a:schemeClr val="tx1"/>
+          <a:schemeClr val="accent1">
+            <a:lumMod val="75000"/>
+          </a:schemeClr>
         </a:buClr>
-        <a:buFont typeface="Arial" panose="020B0604020202020204" pitchFamily="34" charset="0"/>
+        <a:buSzPct val="145000"/>
+        <a:buFont typeface="Arial"/>
         <a:buChar char="•"/>
-        <a:defRPr sz="1400" kern="1200" cap="all" baseline="0">
+        <a:defRPr sz="1400" kern="1200" cap="none">
           <a:solidFill>
             <a:schemeClr val="tx1"/>
           </a:solidFill>
@@ -5986,19 +6557,22 @@
           <a:cs typeface="+mn-cs"/>
         </a:defRPr>
       </a:lvl5pPr>
-      <a:lvl6pPr marL="2514600" indent="-228600" algn="l" defTabSz="914400" rtl="0" eaLnBrk="1" latinLnBrk="0" hangingPunct="1">
-        <a:lnSpc>
-          <a:spcPct val="120000"/>
-        </a:lnSpc>
+      <a:lvl6pPr marL="2514600" indent="-228600" algn="l" defTabSz="457200" rtl="0" eaLnBrk="1" latinLnBrk="0" hangingPunct="1">
         <a:spcBef>
-          <a:spcPts val="500"/>
+          <a:spcPct val="20000"/>
         </a:spcBef>
+        <a:spcAft>
+          <a:spcPts val="600"/>
+        </a:spcAft>
         <a:buClr>
-          <a:schemeClr val="tx1"/>
+          <a:schemeClr val="accent1">
+            <a:lumMod val="75000"/>
+          </a:schemeClr>
         </a:buClr>
-        <a:buFont typeface="Arial" panose="020B0604020202020204" pitchFamily="34" charset="0"/>
+        <a:buSzPct val="145000"/>
+        <a:buFont typeface="Arial"/>
         <a:buChar char="•"/>
-        <a:defRPr sz="1400" kern="1200" cap="all" baseline="0">
+        <a:defRPr sz="1400" kern="1200" cap="none">
           <a:solidFill>
             <a:schemeClr val="tx1"/>
           </a:solidFill>
@@ -6008,19 +6582,22 @@
           <a:cs typeface="+mn-cs"/>
         </a:defRPr>
       </a:lvl6pPr>
-      <a:lvl7pPr marL="2971800" indent="-228600" algn="l" defTabSz="914400" rtl="0" eaLnBrk="1" latinLnBrk="0" hangingPunct="1">
-        <a:lnSpc>
-          <a:spcPct val="120000"/>
-        </a:lnSpc>
+      <a:lvl7pPr marL="2971800" indent="-228600" algn="l" defTabSz="457200" rtl="0" eaLnBrk="1" latinLnBrk="0" hangingPunct="1">
         <a:spcBef>
-          <a:spcPts val="500"/>
+          <a:spcPct val="20000"/>
         </a:spcBef>
+        <a:spcAft>
+          <a:spcPts val="600"/>
+        </a:spcAft>
         <a:buClr>
-          <a:schemeClr val="tx1"/>
+          <a:schemeClr val="accent1">
+            <a:lumMod val="75000"/>
+          </a:schemeClr>
         </a:buClr>
-        <a:buFont typeface="Arial" panose="020B0604020202020204" pitchFamily="34" charset="0"/>
+        <a:buSzPct val="145000"/>
+        <a:buFont typeface="Arial"/>
         <a:buChar char="•"/>
-        <a:defRPr sz="1400" kern="1200" cap="all" baseline="0">
+        <a:defRPr sz="1400" kern="1200" cap="none">
           <a:solidFill>
             <a:schemeClr val="tx1"/>
           </a:solidFill>
@@ -6030,19 +6607,22 @@
           <a:cs typeface="+mn-cs"/>
         </a:defRPr>
       </a:lvl7pPr>
-      <a:lvl8pPr marL="3429000" indent="-228600" algn="l" defTabSz="914400" rtl="0" eaLnBrk="1" latinLnBrk="0" hangingPunct="1">
-        <a:lnSpc>
-          <a:spcPct val="120000"/>
-        </a:lnSpc>
+      <a:lvl8pPr marL="3429000" indent="-228600" algn="l" defTabSz="457200" rtl="0" eaLnBrk="1" latinLnBrk="0" hangingPunct="1">
         <a:spcBef>
-          <a:spcPts val="500"/>
+          <a:spcPct val="20000"/>
         </a:spcBef>
+        <a:spcAft>
+          <a:spcPts val="600"/>
+        </a:spcAft>
         <a:buClr>
-          <a:schemeClr val="tx1"/>
+          <a:schemeClr val="accent1">
+            <a:lumMod val="75000"/>
+          </a:schemeClr>
         </a:buClr>
-        <a:buFont typeface="Arial" panose="020B0604020202020204" pitchFamily="34" charset="0"/>
+        <a:buSzPct val="145000"/>
+        <a:buFont typeface="Arial"/>
         <a:buChar char="•"/>
-        <a:defRPr sz="1400" kern="1200" cap="all" baseline="0">
+        <a:defRPr sz="1400" kern="1200" cap="none">
           <a:solidFill>
             <a:schemeClr val="tx1"/>
           </a:solidFill>
@@ -6052,19 +6632,22 @@
           <a:cs typeface="+mn-cs"/>
         </a:defRPr>
       </a:lvl8pPr>
-      <a:lvl9pPr marL="3886200" indent="-228600" algn="l" defTabSz="914400" rtl="0" eaLnBrk="1" latinLnBrk="0" hangingPunct="1">
-        <a:lnSpc>
-          <a:spcPct val="120000"/>
-        </a:lnSpc>
+      <a:lvl9pPr marL="3886200" indent="-228600" algn="l" defTabSz="457200" rtl="0" eaLnBrk="1" latinLnBrk="0" hangingPunct="1">
         <a:spcBef>
-          <a:spcPts val="500"/>
+          <a:spcPct val="20000"/>
         </a:spcBef>
+        <a:spcAft>
+          <a:spcPts val="600"/>
+        </a:spcAft>
         <a:buClr>
-          <a:schemeClr val="tx1"/>
+          <a:schemeClr val="accent1">
+            <a:lumMod val="75000"/>
+          </a:schemeClr>
         </a:buClr>
-        <a:buFont typeface="Arial" panose="020B0604020202020204" pitchFamily="34" charset="0"/>
+        <a:buSzPct val="145000"/>
+        <a:buFont typeface="Arial"/>
         <a:buChar char="•"/>
-        <a:defRPr sz="1400" kern="1200" cap="all" baseline="0">
+        <a:defRPr sz="1400" kern="1200" cap="none">
           <a:solidFill>
             <a:schemeClr val="tx1"/>
           </a:solidFill>
@@ -6079,7 +6662,7 @@
       <a:defPPr>
         <a:defRPr lang="en-US"/>
       </a:defPPr>
-      <a:lvl1pPr marL="0" algn="l" defTabSz="914400" rtl="0" eaLnBrk="1" latinLnBrk="0" hangingPunct="1">
+      <a:lvl1pPr marL="0" algn="l" defTabSz="457200" rtl="0" eaLnBrk="1" latinLnBrk="0" hangingPunct="1">
         <a:defRPr sz="1800" kern="1200">
           <a:solidFill>
             <a:schemeClr val="tx1"/>
@@ -6089,7 +6672,7 @@
           <a:cs typeface="+mn-cs"/>
         </a:defRPr>
       </a:lvl1pPr>
-      <a:lvl2pPr marL="457200" algn="l" defTabSz="914400" rtl="0" eaLnBrk="1" latinLnBrk="0" hangingPunct="1">
+      <a:lvl2pPr marL="457200" algn="l" defTabSz="457200" rtl="0" eaLnBrk="1" latinLnBrk="0" hangingPunct="1">
         <a:defRPr sz="1800" kern="1200">
           <a:solidFill>
             <a:schemeClr val="tx1"/>
@@ -6099,7 +6682,7 @@
           <a:cs typeface="+mn-cs"/>
         </a:defRPr>
       </a:lvl2pPr>
-      <a:lvl3pPr marL="914400" algn="l" defTabSz="914400" rtl="0" eaLnBrk="1" latinLnBrk="0" hangingPunct="1">
+      <a:lvl3pPr marL="914400" algn="l" defTabSz="457200" rtl="0" eaLnBrk="1" latinLnBrk="0" hangingPunct="1">
         <a:defRPr sz="1800" kern="1200">
           <a:solidFill>
             <a:schemeClr val="tx1"/>
@@ -6109,7 +6692,7 @@
           <a:cs typeface="+mn-cs"/>
         </a:defRPr>
       </a:lvl3pPr>
-      <a:lvl4pPr marL="1371600" algn="l" defTabSz="914400" rtl="0" eaLnBrk="1" latinLnBrk="0" hangingPunct="1">
+      <a:lvl4pPr marL="1371600" algn="l" defTabSz="457200" rtl="0" eaLnBrk="1" latinLnBrk="0" hangingPunct="1">
         <a:defRPr sz="1800" kern="1200">
           <a:solidFill>
             <a:schemeClr val="tx1"/>
@@ -6119,7 +6702,7 @@
           <a:cs typeface="+mn-cs"/>
         </a:defRPr>
       </a:lvl4pPr>
-      <a:lvl5pPr marL="1828800" algn="l" defTabSz="914400" rtl="0" eaLnBrk="1" latinLnBrk="0" hangingPunct="1">
+      <a:lvl5pPr marL="1828800" algn="l" defTabSz="457200" rtl="0" eaLnBrk="1" latinLnBrk="0" hangingPunct="1">
         <a:defRPr sz="1800" kern="1200">
           <a:solidFill>
             <a:schemeClr val="tx1"/>
@@ -6129,7 +6712,7 @@
           <a:cs typeface="+mn-cs"/>
         </a:defRPr>
       </a:lvl5pPr>
-      <a:lvl6pPr marL="2286000" algn="l" defTabSz="914400" rtl="0" eaLnBrk="1" latinLnBrk="0" hangingPunct="1">
+      <a:lvl6pPr marL="2286000" algn="l" defTabSz="457200" rtl="0" eaLnBrk="1" latinLnBrk="0" hangingPunct="1">
         <a:defRPr sz="1800" kern="1200">
           <a:solidFill>
             <a:schemeClr val="tx1"/>
@@ -6139,7 +6722,7 @@
           <a:cs typeface="+mn-cs"/>
         </a:defRPr>
       </a:lvl6pPr>
-      <a:lvl7pPr marL="2743200" algn="l" defTabSz="914400" rtl="0" eaLnBrk="1" latinLnBrk="0" hangingPunct="1">
+      <a:lvl7pPr marL="2743200" algn="l" defTabSz="457200" rtl="0" eaLnBrk="1" latinLnBrk="0" hangingPunct="1">
         <a:defRPr sz="1800" kern="1200">
           <a:solidFill>
             <a:schemeClr val="tx1"/>
@@ -6149,7 +6732,7 @@
           <a:cs typeface="+mn-cs"/>
         </a:defRPr>
       </a:lvl7pPr>
-      <a:lvl8pPr marL="3200400" algn="l" defTabSz="914400" rtl="0" eaLnBrk="1" latinLnBrk="0" hangingPunct="1">
+      <a:lvl8pPr marL="3200400" algn="l" defTabSz="457200" rtl="0" eaLnBrk="1" latinLnBrk="0" hangingPunct="1">
         <a:defRPr sz="1800" kern="1200">
           <a:solidFill>
             <a:schemeClr val="tx1"/>
@@ -6159,7 +6742,7 @@
           <a:cs typeface="+mn-cs"/>
         </a:defRPr>
       </a:lvl8pPr>
-      <a:lvl9pPr marL="3657600" algn="l" defTabSz="914400" rtl="0" eaLnBrk="1" latinLnBrk="0" hangingPunct="1">
+      <a:lvl9pPr marL="3657600" algn="l" defTabSz="457200" rtl="0" eaLnBrk="1" latinLnBrk="0" hangingPunct="1">
         <a:defRPr sz="1800" kern="1200">
           <a:solidFill>
             <a:schemeClr val="tx1"/>
@@ -6171,6 +6754,11 @@
       </a:lvl9pPr>
     </p:otherStyle>
   </p:txStyles>
+  <p:extLst>
+    <p:ext uri="{27BBF7A9-308A-43DC-89C8-2F10F3537804}">
+      <p15:sldGuideLst xmlns:p15="http://schemas.microsoft.com/office/powerpoint/2012/main"/>
+    </p:ext>
+  </p:extLst>
 </p:sldMaster>
 </file>
 
@@ -6203,12 +6791,14 @@
         </p:nvSpPr>
         <p:spPr>
           <a:xfrm>
-            <a:off x="416705" y="757646"/>
+            <a:off x="2402259" y="215258"/>
             <a:ext cx="7315200" cy="2194560"/>
           </a:xfrm>
         </p:spPr>
         <p:txBody>
-          <a:bodyPr/>
+          <a:bodyPr>
+            <a:normAutofit fontScale="90000"/>
+          </a:bodyPr>
           <a:lstStyle/>
           <a:p>
             <a:r>
@@ -6231,8 +6821,8 @@
         </p:nvSpPr>
         <p:spPr>
           <a:xfrm>
-            <a:off x="1100015" y="3304903"/>
-            <a:ext cx="9180454" cy="2690947"/>
+            <a:off x="666206" y="3487783"/>
+            <a:ext cx="11064240" cy="2508067"/>
           </a:xfrm>
         </p:spPr>
         <p:txBody>
@@ -6243,7 +6833,15 @@
           <a:p>
             <a:r>
               <a:rPr lang="en-US" dirty="0" smtClean="0"/>
-              <a:t>				PRESENTED BY</a:t>
+              <a:t>			</a:t>
+            </a:r>
+            <a:r>
+              <a:rPr lang="en-US" dirty="0" smtClean="0"/>
+              <a:t>PRESENTED </a:t>
+            </a:r>
+            <a:r>
+              <a:rPr lang="en-US" dirty="0" smtClean="0"/>
+              <a:t>BY</a:t>
             </a:r>
           </a:p>
           <a:p>
@@ -6253,13 +6851,21 @@
             </a:r>
             <a:r>
               <a:rPr lang="en-US" dirty="0" smtClean="0"/>
-              <a:t>		   KEERTHANA R (15CSR083)</a:t>
-            </a:r>
-          </a:p>
-          <a:p>
+              <a:t>		   KEERTHANA R (</a:t>
+            </a:r>
             <a:r>
               <a:rPr lang="en-US" dirty="0" smtClean="0"/>
-              <a:t>                                    SUNMATHI P (15CSR215) </a:t>
+              <a:t>15CSR083)</a:t>
+            </a:r>
+          </a:p>
+          <a:p>
+            <a:r>
+              <a:rPr lang="en-US" dirty="0" smtClean="0"/>
+              <a:t>			SUNMATHI </a:t>
+            </a:r>
+            <a:r>
+              <a:rPr lang="en-US" dirty="0" smtClean="0"/>
+              <a:t>P (15CSR215) </a:t>
             </a:r>
           </a:p>
           <a:p>
@@ -6269,7 +6875,15 @@
             </a:r>
             <a:r>
               <a:rPr lang="en-US" dirty="0" smtClean="0"/>
-              <a:t>                        VISHALINI .V (15CSR238)</a:t>
+              <a:t>                        VISHALINI </a:t>
+            </a:r>
+            <a:r>
+              <a:rPr lang="en-US" dirty="0" smtClean="0"/>
+              <a:t>V </a:t>
+            </a:r>
+            <a:r>
+              <a:rPr lang="en-US" dirty="0" smtClean="0"/>
+              <a:t>(15CSR238)</a:t>
             </a:r>
             <a:endParaRPr lang="en-US" dirty="0"/>
           </a:p>
@@ -6277,6 +6891,46 @@
             <a:r>
               <a:rPr lang="en-US" dirty="0" smtClean="0"/>
               <a:t>	</a:t>
+            </a:r>
+            <a:endParaRPr lang="en-US" dirty="0"/>
+          </a:p>
+        </p:txBody>
+      </p:sp>
+      <p:sp>
+        <p:nvSpPr>
+          <p:cNvPr id="4" name="TextBox 3"/>
+          <p:cNvSpPr txBox="1"/>
+          <p:nvPr/>
+        </p:nvSpPr>
+        <p:spPr>
+          <a:xfrm>
+            <a:off x="3460350" y="3879668"/>
+            <a:ext cx="2599509" cy="646331"/>
+          </a:xfrm>
+          <a:prstGeom prst="rect">
+            <a:avLst/>
+          </a:prstGeom>
+          <a:noFill/>
+        </p:spPr>
+        <p:txBody>
+          <a:bodyPr wrap="square" rtlCol="0">
+            <a:spAutoFit/>
+          </a:bodyPr>
+          <a:lstStyle/>
+          <a:p>
+            <a:r>
+              <a:rPr lang="en-US" dirty="0" smtClean="0"/>
+              <a:t>GUIDED BY </a:t>
+            </a:r>
+          </a:p>
+          <a:p>
+            <a:r>
+              <a:rPr lang="en-US" dirty="0"/>
+              <a:t>	</a:t>
+            </a:r>
+            <a:r>
+              <a:rPr lang="en-US" dirty="0" smtClean="0"/>
+              <a:t>K.DINESH </a:t>
             </a:r>
             <a:endParaRPr lang="en-US" dirty="0"/>
           </a:p>
@@ -6292,6 +6946,13 @@
   <p:clrMapOvr>
     <a:masterClrMapping/>
   </p:clrMapOvr>
+  <p:timing>
+    <p:tnLst>
+      <p:par>
+        <p:cTn id="1" dur="indefinite" restart="never" nodeType="tmRoot"/>
+      </p:par>
+    </p:tnLst>
+  </p:timing>
 </p:sld>
 </file>
 
@@ -6328,7 +6989,7 @@
           <a:lstStyle/>
           <a:p>
             <a:r>
-              <a:rPr lang="en-US" smtClean="0"/>
+              <a:rPr lang="en-US" dirty="0" smtClean="0"/>
               <a:t>OBJECTIVES</a:t>
             </a:r>
             <a:endParaRPr lang="en-US" dirty="0"/>
@@ -6345,7 +7006,12 @@
             <p:ph sz="quarter" idx="13"/>
           </p:nvPr>
         </p:nvSpPr>
-        <p:spPr/>
+        <p:spPr>
+          <a:xfrm>
+            <a:off x="2089431" y="2319196"/>
+            <a:ext cx="10363826" cy="3576505"/>
+          </a:xfrm>
+        </p:spPr>
         <p:txBody>
           <a:bodyPr/>
           <a:lstStyle/>
@@ -6372,44 +7038,44 @@
               <a:rPr lang="en-US" dirty="0" smtClean="0"/>
               <a:t>–</a:t>
             </a:r>
-          </a:p>
-          <a:p>
-            <a:pPr marL="0" indent="0">
-              <a:buNone/>
+            <a:endParaRPr lang="en-US" dirty="0" smtClean="0"/>
+          </a:p>
+          <a:p>
+            <a:pPr lvl="1">
+              <a:buFont typeface="Wingdings" panose="05000000000000000000" pitchFamily="2" charset="2"/>
+              <a:buChar char="ü"/>
             </a:pPr>
             <a:r>
-              <a:rPr lang="en-US" dirty="0"/>
-              <a:t>	</a:t>
-            </a:r>
-            <a:r>
               <a:rPr lang="en-US" dirty="0" smtClean="0"/>
-              <a:t>Customer Registration</a:t>
-            </a:r>
-          </a:p>
-          <a:p>
-            <a:pPr marL="0" indent="0">
-              <a:buNone/>
+              <a:t> Customer </a:t>
+            </a:r>
+            <a:r>
+              <a:rPr lang="en-US" dirty="0" smtClean="0"/>
+              <a:t>Registration</a:t>
+            </a:r>
+          </a:p>
+          <a:p>
+            <a:pPr lvl="1">
+              <a:buFont typeface="Wingdings" panose="05000000000000000000" pitchFamily="2" charset="2"/>
+              <a:buChar char="ü"/>
             </a:pPr>
             <a:r>
-              <a:rPr lang="en-US" dirty="0"/>
-              <a:t>	</a:t>
-            </a:r>
-            <a:r>
               <a:rPr lang="en-US" dirty="0" smtClean="0"/>
-              <a:t>Customer update</a:t>
-            </a:r>
-          </a:p>
-          <a:p>
-            <a:pPr marL="0" indent="0">
-              <a:buNone/>
+              <a:t> Customer </a:t>
+            </a:r>
+            <a:r>
+              <a:rPr lang="en-US" dirty="0" smtClean="0"/>
+              <a:t>update</a:t>
+            </a:r>
+          </a:p>
+          <a:p>
+            <a:pPr lvl="1">
+              <a:buFont typeface="Wingdings" panose="05000000000000000000" pitchFamily="2" charset="2"/>
+              <a:buChar char="ü"/>
             </a:pPr>
             <a:r>
-              <a:rPr lang="en-US" dirty="0"/>
-              <a:t>	</a:t>
-            </a:r>
-            <a:r>
               <a:rPr lang="en-US" dirty="0" smtClean="0"/>
-              <a:t>Flight </a:t>
+              <a:t> Flight </a:t>
             </a:r>
             <a:r>
               <a:rPr lang="en-US" dirty="0"/>
@@ -6421,12 +7087,13 @@
             </a:r>
           </a:p>
           <a:p>
-            <a:pPr marL="0" indent="0">
-              <a:buNone/>
+            <a:pPr lvl="1">
+              <a:buFont typeface="Wingdings" panose="05000000000000000000" pitchFamily="2" charset="2"/>
+              <a:buChar char="ü"/>
             </a:pPr>
             <a:r>
               <a:rPr lang="en-US" dirty="0"/>
-              <a:t>	</a:t>
+              <a:t> </a:t>
             </a:r>
             <a:r>
               <a:rPr lang="en-US" dirty="0" smtClean="0"/>
@@ -6452,6 +7119,13 @@
   <p:clrMapOvr>
     <a:masterClrMapping/>
   </p:clrMapOvr>
+  <p:timing>
+    <p:tnLst>
+      <p:par>
+        <p:cTn id="1" dur="indefinite" restart="never" nodeType="tmRoot"/>
+      </p:par>
+    </p:tnLst>
+  </p:timing>
 </p:sld>
 </file>
 
@@ -6510,7 +7184,7 @@
         </p:nvSpPr>
         <p:spPr>
           <a:xfrm>
-            <a:off x="913774" y="2076994"/>
+            <a:off x="1997991" y="2168434"/>
             <a:ext cx="10363826" cy="4062549"/>
           </a:xfrm>
         </p:spPr>
@@ -6608,6 +7282,13 @@
   <p:clrMapOvr>
     <a:masterClrMapping/>
   </p:clrMapOvr>
+  <p:timing>
+    <p:tnLst>
+      <p:par>
+        <p:cTn id="1" dur="indefinite" restart="never" nodeType="tmRoot"/>
+      </p:par>
+    </p:tnLst>
+  </p:timing>
 </p:sld>
 </file>
 
@@ -6644,9 +7325,13 @@
           <a:lstStyle/>
           <a:p>
             <a:r>
-              <a:rPr lang="en-US" dirty="0"/>
-              <a:t>Software System</a:t>
-            </a:r>
+              <a:rPr lang="en-US" b="1" dirty="0"/>
+              <a:t>Functional Requirements</a:t>
+            </a:r>
+            <a:br>
+              <a:rPr lang="en-US" b="1" dirty="0"/>
+            </a:br>
+            <a:endParaRPr lang="en-US" dirty="0"/>
           </a:p>
         </p:txBody>
       </p:sp>
@@ -6660,50 +7345,41 @@
             <p:ph sz="quarter" idx="13"/>
           </p:nvPr>
         </p:nvSpPr>
-        <p:spPr/>
+        <p:spPr>
+          <a:xfrm>
+            <a:off x="2938516" y="2420981"/>
+            <a:ext cx="10363826" cy="3424107"/>
+          </a:xfrm>
+        </p:spPr>
         <p:txBody>
           <a:bodyPr/>
           <a:lstStyle/>
           <a:p>
             <a:r>
-              <a:rPr lang="en-US" dirty="0"/>
-              <a:t>This is an independent system and should be implemented using J2EE technologies.</a:t>
-            </a:r>
-          </a:p>
-          <a:p>
-            <a:r>
-              <a:rPr lang="en-US" dirty="0"/>
-              <a:t>When a user  connects to </a:t>
-            </a:r>
-            <a:r>
-              <a:rPr lang="en-US" dirty="0" smtClean="0"/>
-              <a:t>the Web </a:t>
-            </a:r>
-            <a:r>
-              <a:rPr lang="en-US" dirty="0"/>
-              <a:t>Server, </a:t>
-            </a:r>
-            <a:r>
-              <a:rPr lang="en-US" dirty="0" smtClean="0"/>
-              <a:t>the Web </a:t>
-            </a:r>
-            <a:r>
-              <a:rPr lang="en-US" dirty="0"/>
-              <a:t>Server will interact with the Database after processing the business logic to transfer data to and from a database.</a:t>
-            </a:r>
-          </a:p>
-          <a:p>
-            <a:pPr lvl="1"/>
-            <a:r>
-              <a:rPr lang="en-US" dirty="0"/>
-              <a:t>Apache Tomcat 7.0 Web Server.</a:t>
-            </a:r>
-          </a:p>
-          <a:p>
-            <a:pPr lvl="1"/>
-            <a:r>
-              <a:rPr lang="en-US" dirty="0"/>
-              <a:t>MySQL database for data storage </a:t>
+              <a:rPr lang="en-US" b="1" dirty="0"/>
+              <a:t>Login Module</a:t>
+            </a:r>
+          </a:p>
+          <a:p>
+            <a:r>
+              <a:rPr lang="en-US" b="1" dirty="0"/>
+              <a:t>Customer Module</a:t>
+            </a:r>
+          </a:p>
+          <a:p>
+            <a:r>
+              <a:rPr lang="en-US" b="1" dirty="0" smtClean="0"/>
+              <a:t>Booking </a:t>
+            </a:r>
+            <a:r>
+              <a:rPr lang="en-US" b="1" dirty="0" smtClean="0"/>
+              <a:t>Module</a:t>
+            </a:r>
+          </a:p>
+          <a:p>
+            <a:r>
+              <a:rPr lang="en-US" b="1" dirty="0"/>
+              <a:t>Logout</a:t>
             </a:r>
           </a:p>
           <a:p>
@@ -6714,13 +7390,20 @@
     </p:spTree>
     <p:extLst>
       <p:ext uri="{BB962C8B-B14F-4D97-AF65-F5344CB8AC3E}">
-        <p14:creationId xmlns:p14="http://schemas.microsoft.com/office/powerpoint/2010/main" val="920438673"/>
+        <p14:creationId xmlns:p14="http://schemas.microsoft.com/office/powerpoint/2010/main" val="3343134290"/>
       </p:ext>
     </p:extLst>
   </p:cSld>
   <p:clrMapOvr>
     <a:masterClrMapping/>
   </p:clrMapOvr>
+  <p:timing>
+    <p:tnLst>
+      <p:par>
+        <p:cTn id="1" dur="indefinite" restart="never" nodeType="tmRoot"/>
+      </p:par>
+    </p:tnLst>
+  </p:timing>
 </p:sld>
 </file>
 
@@ -6758,7 +7441,7 @@
           <a:p>
             <a:r>
               <a:rPr lang="en-US" b="1" dirty="0"/>
-              <a:t>Functional Requirements</a:t>
+              <a:t>Non functional Requirements</a:t>
             </a:r>
             <a:br>
               <a:rPr lang="en-US" b="1" dirty="0"/>
@@ -6777,53 +7460,106 @@
             <p:ph sz="quarter" idx="13"/>
           </p:nvPr>
         </p:nvSpPr>
-        <p:spPr/>
+        <p:spPr>
+          <a:xfrm>
+            <a:off x="1997991" y="2184212"/>
+            <a:ext cx="10363826" cy="3424107"/>
+          </a:xfrm>
+        </p:spPr>
         <p:txBody>
           <a:bodyPr/>
           <a:lstStyle/>
           <a:p>
             <a:r>
               <a:rPr lang="en-US" b="1" dirty="0"/>
-              <a:t>Login Module</a:t>
+              <a:t>UI </a:t>
+            </a:r>
+            <a:r>
+              <a:rPr lang="en-US" b="1" dirty="0" smtClean="0"/>
+              <a:t>Requirements</a:t>
+            </a:r>
+            <a:endParaRPr lang="en-US" b="1" dirty="0"/>
+          </a:p>
+          <a:p>
+            <a:pPr lvl="1"/>
+            <a:r>
+              <a:rPr lang="en-US" dirty="0"/>
+              <a:t>The front end should be user-friendly and pleasant</a:t>
+            </a:r>
+            <a:endParaRPr lang="en-US" sz="1400" dirty="0"/>
+          </a:p>
+          <a:p>
+            <a:pPr lvl="1"/>
+            <a:r>
+              <a:rPr lang="en-US" dirty="0"/>
+              <a:t>All entered values should be </a:t>
+            </a:r>
+            <a:r>
+              <a:rPr lang="en-US" dirty="0" smtClean="0"/>
+              <a:t>validated</a:t>
             </a:r>
           </a:p>
           <a:p>
             <a:r>
               <a:rPr lang="en-US" b="1" dirty="0"/>
-              <a:t>Customer Module</a:t>
-            </a:r>
-          </a:p>
-          <a:p>
+              <a:t>Installation, Deployment &amp; Operational </a:t>
+            </a:r>
             <a:r>
               <a:rPr lang="en-US" b="1" dirty="0" smtClean="0"/>
-              <a:t>Booking </a:t>
-            </a:r>
-            <a:r>
-              <a:rPr lang="en-US" b="1" dirty="0" smtClean="0"/>
-              <a:t>Module</a:t>
-            </a:r>
-          </a:p>
-          <a:p>
-            <a:r>
-              <a:rPr lang="en-US" b="1" dirty="0"/>
-              <a:t>Logout</a:t>
-            </a:r>
-          </a:p>
-          <a:p>
-            <a:endParaRPr lang="en-US" dirty="0"/>
+              <a:t>Requirements</a:t>
+            </a:r>
+            <a:endParaRPr lang="en-US" b="1" dirty="0"/>
+          </a:p>
+          <a:p>
+            <a:pPr lvl="1"/>
+            <a:r>
+              <a:rPr lang="en-US" dirty="0" smtClean="0"/>
+              <a:t>Needs Apache </a:t>
+            </a:r>
+            <a:r>
+              <a:rPr lang="en-US" dirty="0"/>
+              <a:t>Tomcat server for deployment with MySQL 5.5 database for </a:t>
+            </a:r>
+            <a:r>
+              <a:rPr lang="en-US" dirty="0" smtClean="0"/>
+              <a:t>persistence</a:t>
+            </a:r>
+            <a:endParaRPr lang="en-US" dirty="0"/>
+          </a:p>
+          <a:p>
+            <a:pPr lvl="1"/>
+            <a:r>
+              <a:rPr lang="en-US" dirty="0" smtClean="0"/>
+              <a:t>Should run </a:t>
+            </a:r>
+            <a:r>
+              <a:rPr lang="en-US" dirty="0"/>
+              <a:t>on Windows or Linux </a:t>
+            </a:r>
+            <a:r>
+              <a:rPr lang="en-US" dirty="0" smtClean="0"/>
+              <a:t>platform.</a:t>
+            </a:r>
           </a:p>
         </p:txBody>
       </p:sp>
     </p:spTree>
     <p:extLst>
       <p:ext uri="{BB962C8B-B14F-4D97-AF65-F5344CB8AC3E}">
-        <p14:creationId xmlns:p14="http://schemas.microsoft.com/office/powerpoint/2010/main" val="3343134290"/>
+        <p14:creationId xmlns:p14="http://schemas.microsoft.com/office/powerpoint/2010/main" val="4079320871"/>
       </p:ext>
     </p:extLst>
   </p:cSld>
   <p:clrMapOvr>
     <a:masterClrMapping/>
   </p:clrMapOvr>
+  <p:timing>
+    <p:tnLst>
+      <p:par>
+        <p:cTn id="1" dur="indefinite" restart="never" nodeType="tmRoot"/>
+      </p:par>
+    </p:tnLst>
+  </p:timing>
 </p:sld>
 </file>
 
@@ -6856,112 +7592,528 @@
         </p:nvSpPr>
         <p:spPr/>
         <p:txBody>
+          <a:bodyPr>
+            <a:normAutofit/>
+          </a:bodyPr>
+          <a:lstStyle/>
+          <a:p>
+            <a:r>
+              <a:rPr lang="en-US" sz="4400" dirty="0" smtClean="0"/>
+              <a:t>Software System Requirements</a:t>
+            </a:r>
+            <a:endParaRPr lang="en-US" sz="4400" dirty="0"/>
+          </a:p>
+        </p:txBody>
+      </p:sp>
+      <p:sp>
+        <p:nvSpPr>
+          <p:cNvPr id="3" name="Content Placeholder 2"/>
+          <p:cNvSpPr>
+            <a:spLocks noGrp="1"/>
+          </p:cNvSpPr>
+          <p:nvPr>
+            <p:ph sz="quarter" idx="13"/>
+          </p:nvPr>
+        </p:nvSpPr>
+        <p:spPr>
+          <a:xfrm>
+            <a:off x="1828174" y="2438399"/>
+            <a:ext cx="10363826" cy="3424107"/>
+          </a:xfrm>
+        </p:spPr>
+        <p:txBody>
           <a:bodyPr/>
           <a:lstStyle/>
           <a:p>
             <a:r>
+              <a:rPr lang="en-US" dirty="0" smtClean="0"/>
+              <a:t>an </a:t>
+            </a:r>
+            <a:r>
+              <a:rPr lang="en-US" dirty="0"/>
+              <a:t>independent system </a:t>
+            </a:r>
+            <a:r>
+              <a:rPr lang="en-US" dirty="0" smtClean="0"/>
+              <a:t>,implemented </a:t>
+            </a:r>
+            <a:r>
+              <a:rPr lang="en-US" dirty="0"/>
+              <a:t>using </a:t>
+            </a:r>
+            <a:r>
               <a:rPr lang="en-US" b="1" dirty="0"/>
-              <a:t>Non functional Requirements</a:t>
-            </a:r>
-            <a:br>
+              <a:t>J2EE technologies</a:t>
+            </a:r>
+            <a:r>
+              <a:rPr lang="en-US" dirty="0"/>
+              <a:t>.</a:t>
+            </a:r>
+          </a:p>
+          <a:p>
+            <a:r>
+              <a:rPr lang="en-US" dirty="0"/>
+              <a:t>When a user  connects to </a:t>
+            </a:r>
+            <a:r>
+              <a:rPr lang="en-US" dirty="0" smtClean="0"/>
+              <a:t>the Web </a:t>
+            </a:r>
+            <a:r>
+              <a:rPr lang="en-US" dirty="0"/>
+              <a:t>Server, </a:t>
+            </a:r>
+            <a:r>
+              <a:rPr lang="en-US" dirty="0" smtClean="0"/>
+              <a:t>the Web </a:t>
+            </a:r>
+            <a:r>
+              <a:rPr lang="en-US" dirty="0"/>
+              <a:t>Server will interact with the Database after processing the business logic to transfer data to and from a database.</a:t>
+            </a:r>
+          </a:p>
+          <a:p>
+            <a:pPr lvl="1"/>
+            <a:r>
               <a:rPr lang="en-US" b="1" dirty="0"/>
-            </a:br>
-            <a:endParaRPr lang="en-US" dirty="0"/>
-          </a:p>
-        </p:txBody>
-      </p:sp>
-      <p:sp>
-        <p:nvSpPr>
-          <p:cNvPr id="3" name="Content Placeholder 2"/>
-          <p:cNvSpPr>
-            <a:spLocks noGrp="1"/>
-          </p:cNvSpPr>
-          <p:nvPr>
-            <p:ph sz="quarter" idx="13"/>
-          </p:nvPr>
-        </p:nvSpPr>
-        <p:spPr/>
-        <p:txBody>
-          <a:bodyPr/>
-          <a:lstStyle/>
-          <a:p>
+              <a:t>Apache Tomcat 7.0 Web Server.</a:t>
+            </a:r>
+          </a:p>
+          <a:p>
+            <a:pPr lvl="1"/>
             <a:r>
               <a:rPr lang="en-US" b="1" dirty="0"/>
-              <a:t>UI </a:t>
-            </a:r>
-            <a:r>
-              <a:rPr lang="en-US" b="1" dirty="0" smtClean="0"/>
-              <a:t>Requirements</a:t>
-            </a:r>
-            <a:endParaRPr lang="en-US" b="1" dirty="0"/>
-          </a:p>
-          <a:p>
-            <a:pPr lvl="1"/>
-            <a:r>
-              <a:rPr lang="en-US" dirty="0"/>
-              <a:t>The front end should be user-friendly and pleasant</a:t>
-            </a:r>
-            <a:endParaRPr lang="en-US" sz="1400" dirty="0"/>
-          </a:p>
-          <a:p>
-            <a:pPr lvl="1"/>
-            <a:r>
-              <a:rPr lang="en-US" dirty="0"/>
-              <a:t>All entered values should be </a:t>
-            </a:r>
-            <a:r>
-              <a:rPr lang="en-US" dirty="0" smtClean="0"/>
-              <a:t>validated</a:t>
-            </a:r>
-          </a:p>
-          <a:p>
-            <a:r>
-              <a:rPr lang="en-US" b="1" dirty="0"/>
-              <a:t>Installation, Deployment &amp; Operational </a:t>
-            </a:r>
-            <a:r>
-              <a:rPr lang="en-US" b="1" dirty="0" smtClean="0"/>
-              <a:t>Requirements</a:t>
-            </a:r>
-            <a:endParaRPr lang="en-US" b="1" dirty="0"/>
-          </a:p>
-          <a:p>
-            <a:pPr lvl="1"/>
-            <a:r>
-              <a:rPr lang="en-US" dirty="0" smtClean="0"/>
-              <a:t>Needs Apache </a:t>
-            </a:r>
-            <a:r>
-              <a:rPr lang="en-US" dirty="0"/>
-              <a:t>Tomcat server for deployment with MySQL 5.5 database for </a:t>
-            </a:r>
-            <a:r>
-              <a:rPr lang="en-US" dirty="0" smtClean="0"/>
-              <a:t>persistence</a:t>
-            </a:r>
-            <a:endParaRPr lang="en-US" dirty="0"/>
-          </a:p>
-          <a:p>
-            <a:pPr lvl="1"/>
-            <a:r>
-              <a:rPr lang="en-US" dirty="0" smtClean="0"/>
-              <a:t>Should run </a:t>
-            </a:r>
-            <a:r>
-              <a:rPr lang="en-US" dirty="0"/>
-              <a:t>on Windows or Linux </a:t>
-            </a:r>
-            <a:r>
-              <a:rPr lang="en-US" dirty="0" smtClean="0"/>
-              <a:t>platform.</a:t>
-            </a:r>
+              <a:t>MySQL database for data storage </a:t>
+            </a:r>
+          </a:p>
+          <a:p>
+            <a:endParaRPr lang="en-US" dirty="0"/>
           </a:p>
         </p:txBody>
       </p:sp>
     </p:spTree>
     <p:extLst>
       <p:ext uri="{BB962C8B-B14F-4D97-AF65-F5344CB8AC3E}">
-        <p14:creationId xmlns:p14="http://schemas.microsoft.com/office/powerpoint/2010/main" val="4079320871"/>
+        <p14:creationId xmlns:p14="http://schemas.microsoft.com/office/powerpoint/2010/main" val="2700076377"/>
+      </p:ext>
+    </p:extLst>
+  </p:cSld>
+  <p:clrMapOvr>
+    <a:masterClrMapping/>
+  </p:clrMapOvr>
+  <p:timing>
+    <p:tnLst>
+      <p:par>
+        <p:cTn id="1" dur="indefinite" restart="never" nodeType="tmRoot"/>
+      </p:par>
+    </p:tnLst>
+  </p:timing>
+</p:sld>
+</file>
+
+<file path=ppt/slides/slide7.xml><?xml version="1.0" encoding="utf-8"?>
+<p:sld xmlns:a="http://schemas.openxmlformats.org/drawingml/2006/main" xmlns:r="http://schemas.openxmlformats.org/officeDocument/2006/relationships" xmlns:p="http://schemas.openxmlformats.org/presentationml/2006/main">
+  <p:cSld>
+    <p:spTree>
+      <p:nvGrpSpPr>
+        <p:cNvPr id="1" name=""/>
+        <p:cNvGrpSpPr/>
+        <p:nvPr/>
+      </p:nvGrpSpPr>
+      <p:grpSpPr>
+        <a:xfrm>
+          <a:off x="0" y="0"/>
+          <a:ext cx="0" cy="0"/>
+          <a:chOff x="0" y="0"/>
+          <a:chExt cx="0" cy="0"/>
+        </a:xfrm>
+      </p:grpSpPr>
+      <p:sp>
+        <p:nvSpPr>
+          <p:cNvPr id="2" name="Title 1"/>
+          <p:cNvSpPr>
+            <a:spLocks noGrp="1"/>
+          </p:cNvSpPr>
+          <p:nvPr>
+            <p:ph type="title"/>
+          </p:nvPr>
+        </p:nvSpPr>
+        <p:spPr>
+          <a:xfrm>
+            <a:off x="837575" y="281193"/>
+            <a:ext cx="10364451" cy="1596177"/>
+          </a:xfrm>
+        </p:spPr>
+        <p:txBody>
+          <a:bodyPr/>
+          <a:lstStyle/>
+          <a:p>
+            <a:r>
+              <a:rPr lang="en-US" dirty="0" smtClean="0"/>
+              <a:t>SCREENSHOTS</a:t>
+            </a:r>
+            <a:endParaRPr lang="en-US" dirty="0"/>
+          </a:p>
+        </p:txBody>
+      </p:sp>
+      <p:sp>
+        <p:nvSpPr>
+          <p:cNvPr id="3" name="Text Placeholder 2"/>
+          <p:cNvSpPr>
+            <a:spLocks noGrp="1"/>
+          </p:cNvSpPr>
+          <p:nvPr>
+            <p:ph type="body" idx="1"/>
+          </p:nvPr>
+        </p:nvSpPr>
+        <p:spPr>
+          <a:xfrm>
+            <a:off x="1761638" y="1899814"/>
+            <a:ext cx="4873474" cy="457200"/>
+          </a:xfrm>
+        </p:spPr>
+        <p:txBody>
+          <a:bodyPr/>
+          <a:lstStyle/>
+          <a:p>
+            <a:r>
+              <a:rPr lang="en-US" dirty="0" smtClean="0"/>
+              <a:t>LOGIN</a:t>
+            </a:r>
+            <a:endParaRPr lang="en-US" dirty="0"/>
+          </a:p>
+        </p:txBody>
+      </p:sp>
+      <p:pic>
+        <p:nvPicPr>
+          <p:cNvPr id="9" name="Content Placeholder 8"/>
+          <p:cNvPicPr>
+            <a:picLocks noGrp="1" noChangeAspect="1"/>
+          </p:cNvPicPr>
+          <p:nvPr>
+            <p:ph sz="quarter" idx="13"/>
+          </p:nvPr>
+        </p:nvPicPr>
+        <p:blipFill>
+          <a:blip r:embed="rId2">
+            <a:extLst>
+              <a:ext uri="{28A0092B-C50C-407E-A947-70E740481C1C}">
+                <a14:useLocalDpi xmlns:a14="http://schemas.microsoft.com/office/drawing/2010/main" val="0"/>
+              </a:ext>
+            </a:extLst>
+          </a:blip>
+          <a:stretch>
+            <a:fillRect/>
+          </a:stretch>
+        </p:blipFill>
+        <p:spPr>
+          <a:xfrm>
+            <a:off x="1761638" y="3051175"/>
+            <a:ext cx="3410923" cy="2740025"/>
+          </a:xfrm>
+        </p:spPr>
+      </p:pic>
+      <p:sp>
+        <p:nvSpPr>
+          <p:cNvPr id="5" name="Text Placeholder 4"/>
+          <p:cNvSpPr>
+            <a:spLocks noGrp="1"/>
+          </p:cNvSpPr>
+          <p:nvPr>
+            <p:ph type="body" sz="quarter" idx="3"/>
+          </p:nvPr>
+        </p:nvSpPr>
+        <p:spPr>
+          <a:xfrm>
+            <a:off x="7034668" y="1790621"/>
+            <a:ext cx="4881804" cy="658843"/>
+          </a:xfrm>
+        </p:spPr>
+        <p:txBody>
+          <a:bodyPr/>
+          <a:lstStyle/>
+          <a:p>
+            <a:r>
+              <a:rPr lang="en-US" dirty="0" smtClean="0"/>
+              <a:t>REGISTRATION</a:t>
+            </a:r>
+            <a:endParaRPr lang="en-US" dirty="0"/>
+          </a:p>
+        </p:txBody>
+      </p:sp>
+      <p:pic>
+        <p:nvPicPr>
+          <p:cNvPr id="10" name="Content Placeholder 9"/>
+          <p:cNvPicPr>
+            <a:picLocks noGrp="1" noChangeAspect="1"/>
+          </p:cNvPicPr>
+          <p:nvPr>
+            <p:ph sz="quarter" idx="14"/>
+          </p:nvPr>
+        </p:nvPicPr>
+        <p:blipFill>
+          <a:blip r:embed="rId3">
+            <a:extLst>
+              <a:ext uri="{28A0092B-C50C-407E-A947-70E740481C1C}">
+                <a14:useLocalDpi xmlns:a14="http://schemas.microsoft.com/office/drawing/2010/main" val="0"/>
+              </a:ext>
+            </a:extLst>
+          </a:blip>
+          <a:stretch>
+            <a:fillRect/>
+          </a:stretch>
+        </p:blipFill>
+        <p:spPr>
+          <a:xfrm>
+            <a:off x="7034668" y="3051175"/>
+            <a:ext cx="3380464" cy="2740025"/>
+          </a:xfrm>
+        </p:spPr>
+      </p:pic>
+    </p:spTree>
+    <p:extLst>
+      <p:ext uri="{BB962C8B-B14F-4D97-AF65-F5344CB8AC3E}">
+        <p14:creationId xmlns:p14="http://schemas.microsoft.com/office/powerpoint/2010/main" val="318973331"/>
+      </p:ext>
+    </p:extLst>
+  </p:cSld>
+  <p:clrMapOvr>
+    <a:masterClrMapping/>
+  </p:clrMapOvr>
+  <p:timing>
+    <p:tnLst>
+      <p:par>
+        <p:cTn id="1" dur="indefinite" restart="never" nodeType="tmRoot"/>
+      </p:par>
+    </p:tnLst>
+  </p:timing>
+</p:sld>
+</file>
+
+<file path=ppt/slides/slide8.xml><?xml version="1.0" encoding="utf-8"?>
+<p:sld xmlns:a="http://schemas.openxmlformats.org/drawingml/2006/main" xmlns:r="http://schemas.openxmlformats.org/officeDocument/2006/relationships" xmlns:p="http://schemas.openxmlformats.org/presentationml/2006/main">
+  <p:cSld>
+    <p:spTree>
+      <p:nvGrpSpPr>
+        <p:cNvPr id="1" name=""/>
+        <p:cNvGrpSpPr/>
+        <p:nvPr/>
+      </p:nvGrpSpPr>
+      <p:grpSpPr>
+        <a:xfrm>
+          <a:off x="0" y="0"/>
+          <a:ext cx="0" cy="0"/>
+          <a:chOff x="0" y="0"/>
+          <a:chExt cx="0" cy="0"/>
+        </a:xfrm>
+      </p:grpSpPr>
+      <p:sp>
+        <p:nvSpPr>
+          <p:cNvPr id="2" name="Title 1"/>
+          <p:cNvSpPr>
+            <a:spLocks noGrp="1"/>
+          </p:cNvSpPr>
+          <p:nvPr>
+            <p:ph type="title"/>
+          </p:nvPr>
+        </p:nvSpPr>
+        <p:spPr/>
+        <p:txBody>
+          <a:bodyPr/>
+          <a:lstStyle/>
+          <a:p>
+            <a:endParaRPr lang="en-US" dirty="0"/>
+          </a:p>
+        </p:txBody>
+      </p:sp>
+      <p:sp>
+        <p:nvSpPr>
+          <p:cNvPr id="3" name="Text Placeholder 2"/>
+          <p:cNvSpPr>
+            <a:spLocks noGrp="1"/>
+          </p:cNvSpPr>
+          <p:nvPr>
+            <p:ph type="body" idx="1"/>
+          </p:nvPr>
+        </p:nvSpPr>
+        <p:spPr>
+          <a:xfrm>
+            <a:off x="1835375" y="1334860"/>
+            <a:ext cx="4873474" cy="679994"/>
+          </a:xfrm>
+        </p:spPr>
+        <p:txBody>
+          <a:bodyPr/>
+          <a:lstStyle/>
+          <a:p>
+            <a:r>
+              <a:rPr lang="en-US" dirty="0" smtClean="0"/>
+              <a:t>BOOKING PAGE</a:t>
+            </a:r>
+            <a:endParaRPr lang="en-US" dirty="0"/>
+          </a:p>
+        </p:txBody>
+      </p:sp>
+      <p:pic>
+        <p:nvPicPr>
+          <p:cNvPr id="7" name="Content Placeholder 6"/>
+          <p:cNvPicPr>
+            <a:picLocks noGrp="1" noChangeAspect="1"/>
+          </p:cNvPicPr>
+          <p:nvPr>
+            <p:ph sz="quarter" idx="13"/>
+          </p:nvPr>
+        </p:nvPicPr>
+        <p:blipFill>
+          <a:blip r:embed="rId2">
+            <a:extLst>
+              <a:ext uri="{28A0092B-C50C-407E-A947-70E740481C1C}">
+                <a14:useLocalDpi xmlns:a14="http://schemas.microsoft.com/office/drawing/2010/main" val="0"/>
+              </a:ext>
+            </a:extLst>
+          </a:blip>
+          <a:stretch>
+            <a:fillRect/>
+          </a:stretch>
+        </p:blipFill>
+        <p:spPr>
+          <a:xfrm>
+            <a:off x="1835375" y="2495008"/>
+            <a:ext cx="4260625" cy="3296194"/>
+          </a:xfrm>
+        </p:spPr>
+      </p:pic>
+      <p:sp>
+        <p:nvSpPr>
+          <p:cNvPr id="5" name="Text Placeholder 4"/>
+          <p:cNvSpPr>
+            <a:spLocks noGrp="1"/>
+          </p:cNvSpPr>
+          <p:nvPr>
+            <p:ph type="body" sz="quarter" idx="3"/>
+          </p:nvPr>
+        </p:nvSpPr>
+        <p:spPr>
+          <a:xfrm>
+            <a:off x="6787150" y="1334860"/>
+            <a:ext cx="4881804" cy="679994"/>
+          </a:xfrm>
+        </p:spPr>
+        <p:txBody>
+          <a:bodyPr/>
+          <a:lstStyle/>
+          <a:p>
+            <a:r>
+              <a:rPr lang="en-US" dirty="0" smtClean="0"/>
+              <a:t>BOOKING INVOICE</a:t>
+            </a:r>
+            <a:endParaRPr lang="en-US" dirty="0"/>
+          </a:p>
+        </p:txBody>
+      </p:sp>
+      <p:pic>
+        <p:nvPicPr>
+          <p:cNvPr id="8" name="Content Placeholder 7"/>
+          <p:cNvPicPr>
+            <a:picLocks noGrp="1" noChangeAspect="1"/>
+          </p:cNvPicPr>
+          <p:nvPr>
+            <p:ph sz="quarter" idx="14"/>
+          </p:nvPr>
+        </p:nvPicPr>
+        <p:blipFill>
+          <a:blip r:embed="rId3">
+            <a:extLst>
+              <a:ext uri="{28A0092B-C50C-407E-A947-70E740481C1C}">
+                <a14:useLocalDpi xmlns:a14="http://schemas.microsoft.com/office/drawing/2010/main" val="0"/>
+              </a:ext>
+            </a:extLst>
+          </a:blip>
+          <a:stretch>
+            <a:fillRect/>
+          </a:stretch>
+        </p:blipFill>
+        <p:spPr>
+          <a:xfrm>
+            <a:off x="6787150" y="2495008"/>
+            <a:ext cx="4266854" cy="3296194"/>
+          </a:xfrm>
+        </p:spPr>
+      </p:pic>
+    </p:spTree>
+    <p:extLst>
+      <p:ext uri="{BB962C8B-B14F-4D97-AF65-F5344CB8AC3E}">
+        <p14:creationId xmlns:p14="http://schemas.microsoft.com/office/powerpoint/2010/main" val="2062329023"/>
+      </p:ext>
+    </p:extLst>
+  </p:cSld>
+  <p:clrMapOvr>
+    <a:masterClrMapping/>
+  </p:clrMapOvr>
+  <p:timing>
+    <p:tnLst>
+      <p:par>
+        <p:cTn id="1" dur="indefinite" restart="never" nodeType="tmRoot"/>
+      </p:par>
+    </p:tnLst>
+  </p:timing>
+</p:sld>
+</file>
+
+<file path=ppt/slides/slide9.xml><?xml version="1.0" encoding="utf-8"?>
+<p:sld xmlns:a="http://schemas.openxmlformats.org/drawingml/2006/main" xmlns:r="http://schemas.openxmlformats.org/officeDocument/2006/relationships" xmlns:p="http://schemas.openxmlformats.org/presentationml/2006/main">
+  <p:cSld>
+    <p:spTree>
+      <p:nvGrpSpPr>
+        <p:cNvPr id="1" name=""/>
+        <p:cNvGrpSpPr/>
+        <p:nvPr/>
+      </p:nvGrpSpPr>
+      <p:grpSpPr>
+        <a:xfrm>
+          <a:off x="0" y="0"/>
+          <a:ext cx="0" cy="0"/>
+          <a:chOff x="0" y="0"/>
+          <a:chExt cx="0" cy="0"/>
+        </a:xfrm>
+      </p:grpSpPr>
+      <p:sp>
+        <p:nvSpPr>
+          <p:cNvPr id="2" name="TextBox 1"/>
+          <p:cNvSpPr txBox="1"/>
+          <p:nvPr/>
+        </p:nvSpPr>
+        <p:spPr>
+          <a:xfrm>
+            <a:off x="4402183" y="2312125"/>
+            <a:ext cx="4467497" cy="1200329"/>
+          </a:xfrm>
+          <a:prstGeom prst="rect">
+            <a:avLst/>
+          </a:prstGeom>
+          <a:noFill/>
+        </p:spPr>
+        <p:txBody>
+          <a:bodyPr wrap="square" rtlCol="0">
+            <a:spAutoFit/>
+          </a:bodyPr>
+          <a:lstStyle/>
+          <a:p>
+            <a:endParaRPr lang="en-US" sz="3600" dirty="0" smtClean="0"/>
+          </a:p>
+          <a:p>
+            <a:r>
+              <a:rPr lang="en-US" sz="3600" dirty="0" smtClean="0"/>
+              <a:t>THANK YOU</a:t>
+            </a:r>
+            <a:endParaRPr lang="en-US" sz="3600" dirty="0"/>
+          </a:p>
+        </p:txBody>
+      </p:sp>
+    </p:spTree>
+    <p:extLst>
+      <p:ext uri="{BB962C8B-B14F-4D97-AF65-F5344CB8AC3E}">
+        <p14:creationId xmlns:p14="http://schemas.microsoft.com/office/powerpoint/2010/main" val="255129878"/>
       </p:ext>
     </p:extLst>
   </p:cSld>
@@ -6972,9 +8124,9 @@
 </file>
 
 <file path=ppt/theme/theme1.xml><?xml version="1.0" encoding="utf-8"?>
-<a:theme xmlns:a="http://schemas.openxmlformats.org/drawingml/2006/main" name="Droplet">
+<a:theme xmlns:a="http://schemas.openxmlformats.org/drawingml/2006/main" name="Parallax">
   <a:themeElements>
-    <a:clrScheme name="Droplet">
+    <a:clrScheme name="Parallax">
       <a:dk1>
         <a:sysClr val="windowText" lastClr="000000"/>
       </a:dk1>
@@ -6982,52 +8134,52 @@
         <a:sysClr val="window" lastClr="FFFFFF"/>
       </a:lt1>
       <a:dk2>
-        <a:srgbClr val="355071"/>
+        <a:srgbClr val="212121"/>
       </a:dk2>
       <a:lt2>
-        <a:srgbClr val="AABED7"/>
+        <a:srgbClr val="CDD0D1"/>
       </a:lt2>
       <a:accent1>
-        <a:srgbClr val="2FA3EE"/>
+        <a:srgbClr val="30ACEC"/>
       </a:accent1>
       <a:accent2>
-        <a:srgbClr val="4BCAAD"/>
+        <a:srgbClr val="80C34F"/>
       </a:accent2>
       <a:accent3>
-        <a:srgbClr val="86C157"/>
+        <a:srgbClr val="E29D3E"/>
       </a:accent3>
       <a:accent4>
-        <a:srgbClr val="D99C3F"/>
+        <a:srgbClr val="D64A3B"/>
       </a:accent4>
       <a:accent5>
-        <a:srgbClr val="CE6633"/>
+        <a:srgbClr val="D64787"/>
       </a:accent5>
       <a:accent6>
-        <a:srgbClr val="A35DD1"/>
+        <a:srgbClr val="A666E1"/>
       </a:accent6>
       <a:hlink>
-        <a:srgbClr val="56BCFE"/>
+        <a:srgbClr val="3085ED"/>
       </a:hlink>
       <a:folHlink>
-        <a:srgbClr val="97C5E3"/>
+        <a:srgbClr val="82B6F4"/>
       </a:folHlink>
     </a:clrScheme>
-    <a:fontScheme name="Droplet">
+    <a:fontScheme name="Parallax">
       <a:majorFont>
-        <a:latin typeface="Tw Cen MT" panose="020B0602020104020603"/>
+        <a:latin typeface="Corbel" panose="020B0503020204020204"/>
         <a:ea typeface=""/>
         <a:cs typeface=""/>
-        <a:font script="Jpan" typeface="ＭＳ Ｐゴシック"/>
-        <a:font script="Hang" typeface="맑은 고딕"/>
-        <a:font script="Hans" typeface="宋体"/>
+        <a:font script="Jpan" typeface="HGｺﾞｼｯｸM"/>
+        <a:font script="Hang" typeface="HY엽서L"/>
+        <a:font script="Hans" typeface="华文楷体"/>
         <a:font script="Hant" typeface="新細明體"/>
-        <a:font script="Arab" typeface="Times New Roman"/>
-        <a:font script="Hebr" typeface="Times New Roman"/>
-        <a:font script="Thai" typeface="Angsana New"/>
+        <a:font script="Arab" typeface="Tahoma"/>
+        <a:font script="Hebr" typeface="Miriam"/>
+        <a:font script="Thai" typeface="DilleniaUPC"/>
         <a:font script="Ethi" typeface="Nyala"/>
         <a:font script="Beng" typeface="Vrinda"/>
         <a:font script="Gujr" typeface="Shruti"/>
-        <a:font script="Khmr" typeface="MoolBoran"/>
+        <a:font script="Khmr" typeface="DaunPenh"/>
         <a:font script="Knda" typeface="Tunga"/>
         <a:font script="Guru" typeface="Raavi"/>
         <a:font script="Cans" typeface="Euphemia"/>
@@ -7044,21 +8196,21 @@
         <a:font script="Laoo" typeface="DokChampa"/>
         <a:font script="Sinh" typeface="Iskoola Pota"/>
         <a:font script="Mong" typeface="Mongolian Baiti"/>
-        <a:font script="Viet" typeface="Times New Roman"/>
+        <a:font script="Viet" typeface="Arial"/>
         <a:font script="Uigh" typeface="Microsoft Uighur"/>
         <a:font script="Geor" typeface="Sylfaen"/>
       </a:majorFont>
       <a:minorFont>
-        <a:latin typeface="Tw Cen MT" panose="020B0602020104020603"/>
+        <a:latin typeface="Corbel" panose="020B0503020204020204"/>
         <a:ea typeface=""/>
         <a:cs typeface=""/>
-        <a:font script="Jpan" typeface="ＭＳ Ｐゴシック"/>
-        <a:font script="Hang" typeface="맑은 고딕"/>
-        <a:font script="Hans" typeface="宋体"/>
+        <a:font script="Jpan" typeface="HGｺﾞｼｯｸM"/>
+        <a:font script="Hang" typeface="HY엽서L"/>
+        <a:font script="Hans" typeface="华文楷体"/>
         <a:font script="Hant" typeface="新細明體"/>
-        <a:font script="Arab" typeface="Arial"/>
-        <a:font script="Hebr" typeface="Arial"/>
-        <a:font script="Thai" typeface="Cordia New"/>
+        <a:font script="Arab" typeface="Tahoma"/>
+        <a:font script="Hebr" typeface="Miriam"/>
+        <a:font script="Thai" typeface="DilleniaUPC"/>
         <a:font script="Ethi" typeface="Nyala"/>
         <a:font script="Beng" typeface="Vrinda"/>
         <a:font script="Gujr" typeface="Shruti"/>
@@ -7084,62 +8236,63 @@
         <a:font script="Geor" typeface="Sylfaen"/>
       </a:minorFont>
     </a:fontScheme>
-    <a:fmtScheme name="Droplet">
+    <a:fmtScheme name="Parallax">
       <a:fillStyleLst>
         <a:solidFill>
           <a:schemeClr val="phClr"/>
-        </a:solidFill>
-        <a:solidFill>
-          <a:schemeClr val="phClr">
-            <a:tint val="69000"/>
-            <a:satMod val="105000"/>
-            <a:lumMod val="110000"/>
-          </a:schemeClr>
         </a:solidFill>
         <a:gradFill rotWithShape="1">
           <a:gsLst>
             <a:gs pos="0">
               <a:schemeClr val="phClr">
-                <a:tint val="94000"/>
-                <a:satMod val="100000"/>
-                <a:lumMod val="108000"/>
-              </a:schemeClr>
-            </a:gs>
-            <a:gs pos="50000">
-              <a:schemeClr val="phClr">
-                <a:tint val="98000"/>
-                <a:shade val="100000"/>
-                <a:satMod val="100000"/>
-                <a:lumMod val="100000"/>
+                <a:tint val="60000"/>
+                <a:lumMod val="104000"/>
               </a:schemeClr>
             </a:gs>
             <a:gs pos="100000">
               <a:schemeClr val="phClr">
-                <a:shade val="72000"/>
-                <a:satMod val="120000"/>
-                <a:lumMod val="100000"/>
+                <a:tint val="84000"/>
               </a:schemeClr>
             </a:gs>
           </a:gsLst>
           <a:lin ang="5400000" scaled="0"/>
         </a:gradFill>
+        <a:gradFill rotWithShape="1">
+          <a:gsLst>
+            <a:gs pos="0">
+              <a:schemeClr val="phClr">
+                <a:tint val="96000"/>
+                <a:lumMod val="102000"/>
+              </a:schemeClr>
+            </a:gs>
+            <a:gs pos="100000">
+              <a:schemeClr val="phClr">
+                <a:shade val="88000"/>
+                <a:lumMod val="94000"/>
+              </a:schemeClr>
+            </a:gs>
+          </a:gsLst>
+          <a:path path="circle">
+            <a:fillToRect l="50000" t="100000" r="100000" b="50000"/>
+          </a:path>
+        </a:gradFill>
       </a:fillStyleLst>
       <a:lnStyleLst>
-        <a:ln w="9525" cap="flat" cmpd="sng" algn="ctr">
+        <a:ln w="9525" cap="rnd" cmpd="sng" algn="ctr">
           <a:solidFill>
             <a:schemeClr val="phClr">
-              <a:shade val="60000"/>
+              <a:tint val="60000"/>
             </a:schemeClr>
           </a:solidFill>
           <a:prstDash val="solid"/>
         </a:ln>
-        <a:ln w="15875" cap="flat" cmpd="sng" algn="ctr">
+        <a:ln w="15875" cap="rnd" cmpd="sng" algn="ctr">
           <a:solidFill>
             <a:schemeClr val="phClr"/>
           </a:solidFill>
           <a:prstDash val="solid"/>
         </a:ln>
-        <a:ln w="22225" cap="flat" cmpd="sng" algn="ctr">
+        <a:ln w="22225" cap="rnd" cmpd="sng" algn="ctr">
           <a:solidFill>
             <a:schemeClr val="phClr"/>
           </a:solidFill>
@@ -7152,18 +8305,14 @@
         </a:effectStyle>
         <a:effectStyle>
           <a:effectLst>
-            <a:outerShdw blurRad="50800" dist="25400" dir="5400000" rotWithShape="0">
-              <a:srgbClr val="000000">
-                <a:alpha val="28000"/>
-              </a:srgbClr>
-            </a:outerShdw>
+            <a:reflection blurRad="12700" stA="26000" endPos="32000" dist="12700" dir="5400000" sy="-100000" rotWithShape="0"/>
           </a:effectLst>
         </a:effectStyle>
         <a:effectStyle>
           <a:effectLst>
-            <a:outerShdw blurRad="63500" dist="25400" dir="5400000" algn="ctr" rotWithShape="0">
+            <a:outerShdw blurRad="38100" dist="25400" dir="5400000" rotWithShape="0">
               <a:srgbClr val="000000">
-                <a:alpha val="69000"/>
+                <a:alpha val="64000"/>
               </a:srgbClr>
             </a:outerShdw>
           </a:effectLst>
@@ -7171,12 +8320,12 @@
             <a:camera prst="orthographicFront">
               <a:rot lat="0" lon="0" rev="0"/>
             </a:camera>
-            <a:lightRig rig="balanced" dir="t">
+            <a:lightRig rig="threePt" dir="tl">
               <a:rot lat="0" lon="0" rev="1200000"/>
             </a:lightRig>
           </a:scene3d>
-          <a:sp3d prstMaterial="plastic">
-            <a:bevelT w="25400" h="25400"/>
+          <a:sp3d>
+            <a:bevelT w="25400" h="12700"/>
           </a:sp3d>
         </a:effectStyle>
       </a:effectStyleLst>
@@ -7195,33 +8344,28 @@
             <a:gs pos="100000">
               <a:schemeClr val="phClr">
                 <a:shade val="64000"/>
-                <a:lumMod val="88000"/>
+                <a:lumMod val="98000"/>
               </a:schemeClr>
             </a:gs>
           </a:gsLst>
           <a:lin ang="5400000" scaled="0"/>
         </a:gradFill>
-        <a:gradFill rotWithShape="1">
-          <a:gsLst>
-            <a:gs pos="0">
+        <a:blipFill rotWithShape="1">
+          <a:blip xmlns:r="http://schemas.openxmlformats.org/officeDocument/2006/relationships" r:embed="rId1">
+            <a:duotone>
               <a:schemeClr val="phClr">
-                <a:tint val="84000"/>
-                <a:shade val="100000"/>
-                <a:hueMod val="130000"/>
-                <a:satMod val="150000"/>
-                <a:lumMod val="112000"/>
+                <a:shade val="76000"/>
+                <a:satMod val="180000"/>
               </a:schemeClr>
-            </a:gs>
-            <a:gs pos="100000">
               <a:schemeClr val="phClr">
-                <a:shade val="92000"/>
-                <a:satMod val="140000"/>
-                <a:lumMod val="110000"/>
+                <a:tint val="80000"/>
+                <a:satMod val="120000"/>
+                <a:lumMod val="180000"/>
               </a:schemeClr>
-            </a:gs>
-          </a:gsLst>
-          <a:lin ang="5400000" scaled="0"/>
-        </a:gradFill>
+            </a:duotone>
+          </a:blip>
+          <a:stretch/>
+        </a:blipFill>
       </a:bgFillStyleLst>
     </a:fmtScheme>
   </a:themeElements>
@@ -7229,7 +8373,7 @@
   <a:extraClrSchemeLst/>
   <a:extLst>
     <a:ext uri="{05A4C25C-085E-4340-85A3-A5531E510DB2}">
-      <thm15:themeFamily xmlns:thm15="http://schemas.microsoft.com/office/thememl/2012/main" name="Droplet" id="{8984A317-299A-4E50-B45D-BFC9EDE2337A}" vid="{A633B6A3-9E7F-4C10-9C98-2517A3134361}"/>
+      <thm15:themeFamily xmlns:thm15="http://schemas.microsoft.com/office/thememl/2012/main" name="Parallax" id="{3388167B-A2EB-4685-9635-1831D9AEF8C4}" vid="{4F7A876A-7598-49CA-AFC8-8EDA2551E4A7}"/>
     </a:ext>
   </a:extLst>
 </a:theme>

--- a/AIR TICKET RESERVATION SYSTEM.pptx
+++ b/AIR TICKET RESERVATION SYSTEM.pptx
@@ -6,14 +6,18 @@
   </p:sldMasterIdLst>
   <p:sldIdLst>
     <p:sldId id="256" r:id="rId2"/>
-    <p:sldId id="257" r:id="rId3"/>
-    <p:sldId id="258" r:id="rId4"/>
-    <p:sldId id="260" r:id="rId5"/>
-    <p:sldId id="261" r:id="rId6"/>
-    <p:sldId id="262" r:id="rId7"/>
-    <p:sldId id="263" r:id="rId8"/>
-    <p:sldId id="264" r:id="rId9"/>
-    <p:sldId id="265" r:id="rId10"/>
+    <p:sldId id="267" r:id="rId3"/>
+    <p:sldId id="257" r:id="rId4"/>
+    <p:sldId id="258" r:id="rId5"/>
+    <p:sldId id="268" r:id="rId6"/>
+    <p:sldId id="260" r:id="rId7"/>
+    <p:sldId id="269" r:id="rId8"/>
+    <p:sldId id="261" r:id="rId9"/>
+    <p:sldId id="262" r:id="rId10"/>
+    <p:sldId id="263" r:id="rId11"/>
+    <p:sldId id="270" r:id="rId12"/>
+    <p:sldId id="264" r:id="rId13"/>
+    <p:sldId id="265" r:id="rId14"/>
   </p:sldIdLst>
   <p:sldSz cx="12192000" cy="6858000"/>
   <p:notesSz cx="6858000" cy="9144000"/>
@@ -635,7 +639,7 @@
             <a:fld id="{5586B75A-687E-405C-8A0B-8D00578BA2C3}" type="datetimeFigureOut">
               <a:rPr lang="en-US" smtClean="0"/>
               <a:pPr/>
-              <a:t>3/14/2019</a:t>
+              <a:t>4/1/2019</a:t>
             </a:fld>
             <a:endParaRPr lang="en-US" dirty="0"/>
           </a:p>
@@ -933,7 +937,7 @@
             <a:fld id="{5586B75A-687E-405C-8A0B-8D00578BA2C3}" type="datetimeFigureOut">
               <a:rPr lang="en-US" smtClean="0"/>
               <a:pPr/>
-              <a:t>3/14/2019</a:t>
+              <a:t>4/1/2019</a:t>
             </a:fld>
             <a:endParaRPr lang="en-US" dirty="0"/>
           </a:p>
@@ -1184,7 +1188,7 @@
             <a:fld id="{5586B75A-687E-405C-8A0B-8D00578BA2C3}" type="datetimeFigureOut">
               <a:rPr lang="en-US" smtClean="0"/>
               <a:pPr/>
-              <a:t>3/14/2019</a:t>
+              <a:t>4/1/2019</a:t>
             </a:fld>
             <a:endParaRPr lang="en-US" dirty="0"/>
           </a:p>
@@ -1727,7 +1731,7 @@
             <a:fld id="{5586B75A-687E-405C-8A0B-8D00578BA2C3}" type="datetimeFigureOut">
               <a:rPr lang="en-US" smtClean="0"/>
               <a:pPr/>
-              <a:t>3/14/2019</a:t>
+              <a:t>4/1/2019</a:t>
             </a:fld>
             <a:endParaRPr lang="en-US" dirty="0"/>
           </a:p>
@@ -1978,7 +1982,7 @@
             <a:fld id="{5586B75A-687E-405C-8A0B-8D00578BA2C3}" type="datetimeFigureOut">
               <a:rPr lang="en-US" smtClean="0"/>
               <a:pPr/>
-              <a:t>3/14/2019</a:t>
+              <a:t>4/1/2019</a:t>
             </a:fld>
             <a:endParaRPr lang="en-US" dirty="0"/>
           </a:p>
@@ -2513,7 +2517,7 @@
             <a:fld id="{5586B75A-687E-405C-8A0B-8D00578BA2C3}" type="datetimeFigureOut">
               <a:rPr lang="en-US" smtClean="0"/>
               <a:pPr/>
-              <a:t>3/14/2019</a:t>
+              <a:t>4/1/2019</a:t>
             </a:fld>
             <a:endParaRPr lang="en-US" dirty="0"/>
           </a:p>
@@ -2813,7 +2817,7 @@
             <a:fld id="{5586B75A-687E-405C-8A0B-8D00578BA2C3}" type="datetimeFigureOut">
               <a:rPr lang="en-US" smtClean="0"/>
               <a:pPr/>
-              <a:t>3/14/2019</a:t>
+              <a:t>4/1/2019</a:t>
             </a:fld>
             <a:endParaRPr lang="en-US" dirty="0"/>
           </a:p>
@@ -2990,7 +2994,7 @@
             <a:fld id="{5586B75A-687E-405C-8A0B-8D00578BA2C3}" type="datetimeFigureOut">
               <a:rPr lang="en-US" smtClean="0"/>
               <a:pPr/>
-              <a:t>3/14/2019</a:t>
+              <a:t>4/1/2019</a:t>
             </a:fld>
             <a:endParaRPr lang="en-US" dirty="0"/>
           </a:p>
@@ -3173,7 +3177,7 @@
             <a:fld id="{5586B75A-687E-405C-8A0B-8D00578BA2C3}" type="datetimeFigureOut">
               <a:rPr lang="en-US" smtClean="0"/>
               <a:pPr/>
-              <a:t>3/14/2019</a:t>
+              <a:t>4/1/2019</a:t>
             </a:fld>
             <a:endParaRPr lang="en-US" dirty="0"/>
           </a:p>
@@ -3351,7 +3355,7 @@
             <a:fld id="{5586B75A-687E-405C-8A0B-8D00578BA2C3}" type="datetimeFigureOut">
               <a:rPr lang="en-US" smtClean="0"/>
               <a:pPr/>
-              <a:t>3/15/2019</a:t>
+              <a:t>4/1/2019</a:t>
             </a:fld>
             <a:endParaRPr lang="en-US" dirty="0"/>
           </a:p>
@@ -3739,7 +3743,7 @@
             <a:fld id="{5586B75A-687E-405C-8A0B-8D00578BA2C3}" type="datetimeFigureOut">
               <a:rPr lang="en-US" smtClean="0"/>
               <a:pPr/>
-              <a:t>3/15/2019</a:t>
+              <a:t>4/1/2019</a:t>
             </a:fld>
             <a:endParaRPr lang="en-US" dirty="0"/>
           </a:p>
@@ -3912,7 +3916,7 @@
             <a:fld id="{5586B75A-687E-405C-8A0B-8D00578BA2C3}" type="datetimeFigureOut">
               <a:rPr lang="en-US" smtClean="0"/>
               <a:pPr/>
-              <a:t>3/14/2019</a:t>
+              <a:t>4/1/2019</a:t>
             </a:fld>
             <a:endParaRPr lang="en-US" dirty="0"/>
           </a:p>
@@ -4166,7 +4170,7 @@
             <a:fld id="{5586B75A-687E-405C-8A0B-8D00578BA2C3}" type="datetimeFigureOut">
               <a:rPr lang="en-US" smtClean="0"/>
               <a:pPr/>
-              <a:t>3/14/2019</a:t>
+              <a:t>4/1/2019</a:t>
             </a:fld>
             <a:endParaRPr lang="en-US" dirty="0"/>
           </a:p>
@@ -4465,7 +4469,7 @@
             <a:fld id="{5586B75A-687E-405C-8A0B-8D00578BA2C3}" type="datetimeFigureOut">
               <a:rPr lang="en-US" smtClean="0"/>
               <a:pPr/>
-              <a:t>3/14/2019</a:t>
+              <a:t>4/1/2019</a:t>
             </a:fld>
             <a:endParaRPr lang="en-US" dirty="0"/>
           </a:p>
@@ -4910,7 +4914,7 @@
             <a:fld id="{5586B75A-687E-405C-8A0B-8D00578BA2C3}" type="datetimeFigureOut">
               <a:rPr lang="en-US" smtClean="0"/>
               <a:pPr/>
-              <a:t>3/14/2019</a:t>
+              <a:t>4/1/2019</a:t>
             </a:fld>
             <a:endParaRPr lang="en-US" dirty="0"/>
           </a:p>
@@ -5031,7 +5035,7 @@
             <a:fld id="{5586B75A-687E-405C-8A0B-8D00578BA2C3}" type="datetimeFigureOut">
               <a:rPr lang="en-US" smtClean="0"/>
               <a:pPr/>
-              <a:t>3/14/2019</a:t>
+              <a:t>4/1/2019</a:t>
             </a:fld>
             <a:endParaRPr lang="en-US" dirty="0"/>
           </a:p>
@@ -5128,7 +5132,7 @@
             <a:fld id="{5586B75A-687E-405C-8A0B-8D00578BA2C3}" type="datetimeFigureOut">
               <a:rPr lang="en-US" smtClean="0"/>
               <a:pPr/>
-              <a:t>3/14/2019</a:t>
+              <a:t>4/1/2019</a:t>
             </a:fld>
             <a:endParaRPr lang="en-US" dirty="0"/>
           </a:p>
@@ -5413,7 +5417,7 @@
             <a:fld id="{5586B75A-687E-405C-8A0B-8D00578BA2C3}" type="datetimeFigureOut">
               <a:rPr lang="en-US" smtClean="0"/>
               <a:pPr/>
-              <a:t>3/14/2019</a:t>
+              <a:t>4/1/2019</a:t>
             </a:fld>
             <a:endParaRPr lang="en-US" dirty="0"/>
           </a:p>
@@ -5707,7 +5711,7 @@
             <a:fld id="{5586B75A-687E-405C-8A0B-8D00578BA2C3}" type="datetimeFigureOut">
               <a:rPr lang="en-US" smtClean="0"/>
               <a:pPr/>
-              <a:t>3/14/2019</a:t>
+              <a:t>4/1/2019</a:t>
             </a:fld>
             <a:endParaRPr lang="en-US" dirty="0"/>
           </a:p>
@@ -6239,7 +6243,7 @@
             <a:fld id="{5586B75A-687E-405C-8A0B-8D00578BA2C3}" type="datetimeFigureOut">
               <a:rPr lang="en-US" smtClean="0"/>
               <a:pPr/>
-              <a:t>3/14/2019</a:t>
+              <a:t>4/1/2019</a:t>
             </a:fld>
             <a:endParaRPr lang="en-US" dirty="0"/>
           </a:p>
@@ -6833,15 +6837,7 @@
           <a:p>
             <a:r>
               <a:rPr lang="en-US" dirty="0" smtClean="0"/>
-              <a:t>			</a:t>
-            </a:r>
-            <a:r>
-              <a:rPr lang="en-US" dirty="0" smtClean="0"/>
-              <a:t>PRESENTED </a:t>
-            </a:r>
-            <a:r>
-              <a:rPr lang="en-US" dirty="0" smtClean="0"/>
-              <a:t>BY</a:t>
+              <a:t>			PRESENTED BY</a:t>
             </a:r>
           </a:p>
           <a:p>
@@ -6851,21 +6847,13 @@
             </a:r>
             <a:r>
               <a:rPr lang="en-US" dirty="0" smtClean="0"/>
-              <a:t>		   KEERTHANA R (</a:t>
-            </a:r>
+              <a:t>		   KEERTHANA R (15CSR083)</a:t>
+            </a:r>
+          </a:p>
+          <a:p>
             <a:r>
               <a:rPr lang="en-US" dirty="0" smtClean="0"/>
-              <a:t>15CSR083)</a:t>
-            </a:r>
-          </a:p>
-          <a:p>
-            <a:r>
-              <a:rPr lang="en-US" dirty="0" smtClean="0"/>
-              <a:t>			SUNMATHI </a:t>
-            </a:r>
-            <a:r>
-              <a:rPr lang="en-US" dirty="0" smtClean="0"/>
-              <a:t>P (15CSR215) </a:t>
+              <a:t>			SUNMATHI P (15CSR215) </a:t>
             </a:r>
           </a:p>
           <a:p>
@@ -6875,15 +6863,7 @@
             </a:r>
             <a:r>
               <a:rPr lang="en-US" dirty="0" smtClean="0"/>
-              <a:t>                        VISHALINI </a:t>
-            </a:r>
-            <a:r>
-              <a:rPr lang="en-US" dirty="0" smtClean="0"/>
-              <a:t>V </a:t>
-            </a:r>
-            <a:r>
-              <a:rPr lang="en-US" dirty="0" smtClean="0"/>
-              <a:t>(15CSR238)</a:t>
+              <a:t>                        VISHALINI V (15CSR238)</a:t>
             </a:r>
             <a:endParaRPr lang="en-US" dirty="0"/>
           </a:p>
@@ -6956,7 +6936,7 @@
 </p:sld>
 </file>
 
-<file path=ppt/slides/slide2.xml><?xml version="1.0" encoding="utf-8"?>
+<file path=ppt/slides/slide10.xml><?xml version="1.0" encoding="utf-8"?>
 <p:sld xmlns:a="http://schemas.openxmlformats.org/drawingml/2006/main" xmlns:r="http://schemas.openxmlformats.org/officeDocument/2006/relationships" xmlns:p="http://schemas.openxmlformats.org/presentationml/2006/main">
   <p:cSld>
     <p:spTree>
@@ -6983,761 +6963,6 @@
             <p:ph type="title"/>
           </p:nvPr>
         </p:nvSpPr>
-        <p:spPr/>
-        <p:txBody>
-          <a:bodyPr/>
-          <a:lstStyle/>
-          <a:p>
-            <a:r>
-              <a:rPr lang="en-US" dirty="0" smtClean="0"/>
-              <a:t>OBJECTIVES</a:t>
-            </a:r>
-            <a:endParaRPr lang="en-US" dirty="0"/>
-          </a:p>
-        </p:txBody>
-      </p:sp>
-      <p:sp>
-        <p:nvSpPr>
-          <p:cNvPr id="3" name="Content Placeholder 2"/>
-          <p:cNvSpPr>
-            <a:spLocks noGrp="1"/>
-          </p:cNvSpPr>
-          <p:nvPr>
-            <p:ph sz="quarter" idx="13"/>
-          </p:nvPr>
-        </p:nvSpPr>
-        <p:spPr>
-          <a:xfrm>
-            <a:off x="2089431" y="2319196"/>
-            <a:ext cx="10363826" cy="3576505"/>
-          </a:xfrm>
-        </p:spPr>
-        <p:txBody>
-          <a:bodyPr/>
-          <a:lstStyle/>
-          <a:p>
-            <a:r>
-              <a:rPr lang="en-US" dirty="0"/>
-              <a:t>The Main purpose of </a:t>
-            </a:r>
-            <a:r>
-              <a:rPr lang="en-US" b="1" dirty="0" smtClean="0"/>
-              <a:t>E-Air Ticket Reservation </a:t>
-            </a:r>
-            <a:r>
-              <a:rPr lang="en-US" dirty="0"/>
-              <a:t>is to maintain customer and flight data. </a:t>
-            </a:r>
-          </a:p>
-          <a:p>
-            <a:r>
-              <a:rPr lang="en-US" dirty="0"/>
-              <a:t>This application allow Admin and User to do different operation like </a:t>
-            </a:r>
-            <a:r>
-              <a:rPr lang="en-US" dirty="0" smtClean="0"/>
-              <a:t>–</a:t>
-            </a:r>
-            <a:endParaRPr lang="en-US" dirty="0" smtClean="0"/>
-          </a:p>
-          <a:p>
-            <a:pPr lvl="1">
-              <a:buFont typeface="Wingdings" panose="05000000000000000000" pitchFamily="2" charset="2"/>
-              <a:buChar char="ü"/>
-            </a:pPr>
-            <a:r>
-              <a:rPr lang="en-US" dirty="0" smtClean="0"/>
-              <a:t> Customer </a:t>
-            </a:r>
-            <a:r>
-              <a:rPr lang="en-US" dirty="0" smtClean="0"/>
-              <a:t>Registration</a:t>
-            </a:r>
-          </a:p>
-          <a:p>
-            <a:pPr lvl="1">
-              <a:buFont typeface="Wingdings" panose="05000000000000000000" pitchFamily="2" charset="2"/>
-              <a:buChar char="ü"/>
-            </a:pPr>
-            <a:r>
-              <a:rPr lang="en-US" dirty="0" smtClean="0"/>
-              <a:t> Customer </a:t>
-            </a:r>
-            <a:r>
-              <a:rPr lang="en-US" dirty="0" smtClean="0"/>
-              <a:t>update</a:t>
-            </a:r>
-          </a:p>
-          <a:p>
-            <a:pPr lvl="1">
-              <a:buFont typeface="Wingdings" panose="05000000000000000000" pitchFamily="2" charset="2"/>
-              <a:buChar char="ü"/>
-            </a:pPr>
-            <a:r>
-              <a:rPr lang="en-US" dirty="0" smtClean="0"/>
-              <a:t> Flight </a:t>
-            </a:r>
-            <a:r>
-              <a:rPr lang="en-US" dirty="0"/>
-              <a:t>search and </a:t>
-            </a:r>
-            <a:r>
-              <a:rPr lang="en-US" dirty="0" smtClean="0"/>
-              <a:t>booking</a:t>
-            </a:r>
-          </a:p>
-          <a:p>
-            <a:pPr lvl="1">
-              <a:buFont typeface="Wingdings" panose="05000000000000000000" pitchFamily="2" charset="2"/>
-              <a:buChar char="ü"/>
-            </a:pPr>
-            <a:r>
-              <a:rPr lang="en-US" dirty="0"/>
-              <a:t> </a:t>
-            </a:r>
-            <a:r>
-              <a:rPr lang="en-US" dirty="0" smtClean="0"/>
-              <a:t>Cancel </a:t>
-            </a:r>
-            <a:r>
-              <a:rPr lang="en-US" dirty="0"/>
-              <a:t>flight ticket</a:t>
-            </a:r>
-          </a:p>
-          <a:p>
-            <a:endParaRPr lang="en-US" dirty="0"/>
-          </a:p>
-        </p:txBody>
-      </p:sp>
-    </p:spTree>
-    <p:extLst>
-      <p:ext uri="{BB962C8B-B14F-4D97-AF65-F5344CB8AC3E}">
-        <p14:creationId xmlns:p14="http://schemas.microsoft.com/office/powerpoint/2010/main" val="123762398"/>
-      </p:ext>
-    </p:extLst>
-  </p:cSld>
-  <p:clrMapOvr>
-    <a:masterClrMapping/>
-  </p:clrMapOvr>
-  <p:timing>
-    <p:tnLst>
-      <p:par>
-        <p:cTn id="1" dur="indefinite" restart="never" nodeType="tmRoot"/>
-      </p:par>
-    </p:tnLst>
-  </p:timing>
-</p:sld>
-</file>
-
-<file path=ppt/slides/slide3.xml><?xml version="1.0" encoding="utf-8"?>
-<p:sld xmlns:a="http://schemas.openxmlformats.org/drawingml/2006/main" xmlns:r="http://schemas.openxmlformats.org/officeDocument/2006/relationships" xmlns:p="http://schemas.openxmlformats.org/presentationml/2006/main">
-  <p:cSld>
-    <p:spTree>
-      <p:nvGrpSpPr>
-        <p:cNvPr id="1" name=""/>
-        <p:cNvGrpSpPr/>
-        <p:nvPr/>
-      </p:nvGrpSpPr>
-      <p:grpSpPr>
-        <a:xfrm>
-          <a:off x="0" y="0"/>
-          <a:ext cx="0" cy="0"/>
-          <a:chOff x="0" y="0"/>
-          <a:chExt cx="0" cy="0"/>
-        </a:xfrm>
-      </p:grpSpPr>
-      <p:sp>
-        <p:nvSpPr>
-          <p:cNvPr id="2" name="Title 1"/>
-          <p:cNvSpPr>
-            <a:spLocks noGrp="1"/>
-          </p:cNvSpPr>
-          <p:nvPr>
-            <p:ph type="title"/>
-          </p:nvPr>
-        </p:nvSpPr>
-        <p:spPr/>
-        <p:txBody>
-          <a:bodyPr/>
-          <a:lstStyle/>
-          <a:p>
-            <a:r>
-              <a:rPr lang="en-US" b="1" dirty="0"/>
-              <a:t>Scope of the system</a:t>
-            </a:r>
-            <a:br>
-              <a:rPr lang="en-US" b="1" dirty="0"/>
-            </a:br>
-            <a:endParaRPr lang="en-US" dirty="0"/>
-          </a:p>
-        </p:txBody>
-      </p:sp>
-      <p:sp>
-        <p:nvSpPr>
-          <p:cNvPr id="3" name="Content Placeholder 2"/>
-          <p:cNvSpPr>
-            <a:spLocks noGrp="1"/>
-          </p:cNvSpPr>
-          <p:nvPr>
-            <p:ph sz="quarter" idx="13"/>
-          </p:nvPr>
-        </p:nvSpPr>
-        <p:spPr>
-          <a:xfrm>
-            <a:off x="1997991" y="2168434"/>
-            <a:ext cx="10363826" cy="4062549"/>
-          </a:xfrm>
-        </p:spPr>
-        <p:txBody>
-          <a:bodyPr/>
-          <a:lstStyle/>
-          <a:p>
-            <a:r>
-              <a:rPr lang="en-US" dirty="0"/>
-              <a:t>The </a:t>
-            </a:r>
-            <a:r>
-              <a:rPr lang="en-US" dirty="0" smtClean="0"/>
-              <a:t>E-Air Ticket </a:t>
-            </a:r>
-            <a:r>
-              <a:rPr lang="en-US" dirty="0" smtClean="0"/>
-              <a:t>Reservation </a:t>
-            </a:r>
-            <a:r>
-              <a:rPr lang="en-US" dirty="0"/>
-              <a:t>application is used by the Admin and User to perform the following functions</a:t>
-            </a:r>
-            <a:r>
-              <a:rPr lang="en-US" dirty="0" smtClean="0"/>
-              <a:t>:</a:t>
-            </a:r>
-          </a:p>
-          <a:p>
-            <a:pPr lvl="1"/>
-            <a:r>
-              <a:rPr lang="en-US" b="1" dirty="0"/>
-              <a:t>LEVEL 0 USER- </a:t>
-            </a:r>
-            <a:r>
-              <a:rPr lang="en-US" b="1" dirty="0" smtClean="0"/>
-              <a:t>Administrator</a:t>
-            </a:r>
-          </a:p>
-          <a:p>
-            <a:pPr lvl="2"/>
-            <a:r>
-              <a:rPr lang="en-US" dirty="0"/>
-              <a:t>Can create customer </a:t>
-            </a:r>
-            <a:r>
-              <a:rPr lang="en-US" dirty="0" smtClean="0"/>
-              <a:t>registration</a:t>
-            </a:r>
-            <a:r>
-              <a:rPr lang="en-US" dirty="0"/>
-              <a:t>, Searching and booking of flight ticket</a:t>
-            </a:r>
-            <a:r>
-              <a:rPr lang="en-US" dirty="0" smtClean="0"/>
-              <a:t>.</a:t>
-            </a:r>
-            <a:endParaRPr lang="en-US" dirty="0"/>
-          </a:p>
-          <a:p>
-            <a:pPr lvl="2"/>
-            <a:endParaRPr lang="en-US" dirty="0"/>
-          </a:p>
-          <a:p>
-            <a:pPr lvl="1"/>
-            <a:r>
-              <a:rPr lang="en-US" b="1" dirty="0"/>
-              <a:t>LEVEL 1 USER – User</a:t>
-            </a:r>
-            <a:endParaRPr lang="en-US" dirty="0"/>
-          </a:p>
-          <a:p>
-            <a:pPr lvl="2"/>
-            <a:r>
-              <a:rPr lang="en-US" dirty="0"/>
-              <a:t>Can edit the customer profile and cancel the flight ticket. User can see the booking invoice.</a:t>
-            </a:r>
-          </a:p>
-          <a:p>
-            <a:pPr lvl="2"/>
-            <a:endParaRPr lang="en-US" dirty="0"/>
-          </a:p>
-          <a:p>
-            <a:endParaRPr lang="en-US" dirty="0"/>
-          </a:p>
-        </p:txBody>
-      </p:sp>
-    </p:spTree>
-    <p:extLst>
-      <p:ext uri="{BB962C8B-B14F-4D97-AF65-F5344CB8AC3E}">
-        <p14:creationId xmlns:p14="http://schemas.microsoft.com/office/powerpoint/2010/main" val="3689168137"/>
-      </p:ext>
-    </p:extLst>
-  </p:cSld>
-  <p:clrMapOvr>
-    <a:masterClrMapping/>
-  </p:clrMapOvr>
-  <p:timing>
-    <p:tnLst>
-      <p:par>
-        <p:cTn id="1" dur="indefinite" restart="never" nodeType="tmRoot"/>
-      </p:par>
-    </p:tnLst>
-  </p:timing>
-</p:sld>
-</file>
-
-<file path=ppt/slides/slide4.xml><?xml version="1.0" encoding="utf-8"?>
-<p:sld xmlns:a="http://schemas.openxmlformats.org/drawingml/2006/main" xmlns:r="http://schemas.openxmlformats.org/officeDocument/2006/relationships" xmlns:p="http://schemas.openxmlformats.org/presentationml/2006/main">
-  <p:cSld>
-    <p:spTree>
-      <p:nvGrpSpPr>
-        <p:cNvPr id="1" name=""/>
-        <p:cNvGrpSpPr/>
-        <p:nvPr/>
-      </p:nvGrpSpPr>
-      <p:grpSpPr>
-        <a:xfrm>
-          <a:off x="0" y="0"/>
-          <a:ext cx="0" cy="0"/>
-          <a:chOff x="0" y="0"/>
-          <a:chExt cx="0" cy="0"/>
-        </a:xfrm>
-      </p:grpSpPr>
-      <p:sp>
-        <p:nvSpPr>
-          <p:cNvPr id="2" name="Title 1"/>
-          <p:cNvSpPr>
-            <a:spLocks noGrp="1"/>
-          </p:cNvSpPr>
-          <p:nvPr>
-            <p:ph type="title"/>
-          </p:nvPr>
-        </p:nvSpPr>
-        <p:spPr/>
-        <p:txBody>
-          <a:bodyPr/>
-          <a:lstStyle/>
-          <a:p>
-            <a:r>
-              <a:rPr lang="en-US" b="1" dirty="0"/>
-              <a:t>Functional Requirements</a:t>
-            </a:r>
-            <a:br>
-              <a:rPr lang="en-US" b="1" dirty="0"/>
-            </a:br>
-            <a:endParaRPr lang="en-US" dirty="0"/>
-          </a:p>
-        </p:txBody>
-      </p:sp>
-      <p:sp>
-        <p:nvSpPr>
-          <p:cNvPr id="3" name="Content Placeholder 2"/>
-          <p:cNvSpPr>
-            <a:spLocks noGrp="1"/>
-          </p:cNvSpPr>
-          <p:nvPr>
-            <p:ph sz="quarter" idx="13"/>
-          </p:nvPr>
-        </p:nvSpPr>
-        <p:spPr>
-          <a:xfrm>
-            <a:off x="2938516" y="2420981"/>
-            <a:ext cx="10363826" cy="3424107"/>
-          </a:xfrm>
-        </p:spPr>
-        <p:txBody>
-          <a:bodyPr/>
-          <a:lstStyle/>
-          <a:p>
-            <a:r>
-              <a:rPr lang="en-US" b="1" dirty="0"/>
-              <a:t>Login Module</a:t>
-            </a:r>
-          </a:p>
-          <a:p>
-            <a:r>
-              <a:rPr lang="en-US" b="1" dirty="0"/>
-              <a:t>Customer Module</a:t>
-            </a:r>
-          </a:p>
-          <a:p>
-            <a:r>
-              <a:rPr lang="en-US" b="1" dirty="0" smtClean="0"/>
-              <a:t>Booking </a:t>
-            </a:r>
-            <a:r>
-              <a:rPr lang="en-US" b="1" dirty="0" smtClean="0"/>
-              <a:t>Module</a:t>
-            </a:r>
-          </a:p>
-          <a:p>
-            <a:r>
-              <a:rPr lang="en-US" b="1" dirty="0"/>
-              <a:t>Logout</a:t>
-            </a:r>
-          </a:p>
-          <a:p>
-            <a:endParaRPr lang="en-US" dirty="0"/>
-          </a:p>
-        </p:txBody>
-      </p:sp>
-    </p:spTree>
-    <p:extLst>
-      <p:ext uri="{BB962C8B-B14F-4D97-AF65-F5344CB8AC3E}">
-        <p14:creationId xmlns:p14="http://schemas.microsoft.com/office/powerpoint/2010/main" val="3343134290"/>
-      </p:ext>
-    </p:extLst>
-  </p:cSld>
-  <p:clrMapOvr>
-    <a:masterClrMapping/>
-  </p:clrMapOvr>
-  <p:timing>
-    <p:tnLst>
-      <p:par>
-        <p:cTn id="1" dur="indefinite" restart="never" nodeType="tmRoot"/>
-      </p:par>
-    </p:tnLst>
-  </p:timing>
-</p:sld>
-</file>
-
-<file path=ppt/slides/slide5.xml><?xml version="1.0" encoding="utf-8"?>
-<p:sld xmlns:a="http://schemas.openxmlformats.org/drawingml/2006/main" xmlns:r="http://schemas.openxmlformats.org/officeDocument/2006/relationships" xmlns:p="http://schemas.openxmlformats.org/presentationml/2006/main">
-  <p:cSld>
-    <p:spTree>
-      <p:nvGrpSpPr>
-        <p:cNvPr id="1" name=""/>
-        <p:cNvGrpSpPr/>
-        <p:nvPr/>
-      </p:nvGrpSpPr>
-      <p:grpSpPr>
-        <a:xfrm>
-          <a:off x="0" y="0"/>
-          <a:ext cx="0" cy="0"/>
-          <a:chOff x="0" y="0"/>
-          <a:chExt cx="0" cy="0"/>
-        </a:xfrm>
-      </p:grpSpPr>
-      <p:sp>
-        <p:nvSpPr>
-          <p:cNvPr id="2" name="Title 1"/>
-          <p:cNvSpPr>
-            <a:spLocks noGrp="1"/>
-          </p:cNvSpPr>
-          <p:nvPr>
-            <p:ph type="title"/>
-          </p:nvPr>
-        </p:nvSpPr>
-        <p:spPr/>
-        <p:txBody>
-          <a:bodyPr/>
-          <a:lstStyle/>
-          <a:p>
-            <a:r>
-              <a:rPr lang="en-US" b="1" dirty="0"/>
-              <a:t>Non functional Requirements</a:t>
-            </a:r>
-            <a:br>
-              <a:rPr lang="en-US" b="1" dirty="0"/>
-            </a:br>
-            <a:endParaRPr lang="en-US" dirty="0"/>
-          </a:p>
-        </p:txBody>
-      </p:sp>
-      <p:sp>
-        <p:nvSpPr>
-          <p:cNvPr id="3" name="Content Placeholder 2"/>
-          <p:cNvSpPr>
-            <a:spLocks noGrp="1"/>
-          </p:cNvSpPr>
-          <p:nvPr>
-            <p:ph sz="quarter" idx="13"/>
-          </p:nvPr>
-        </p:nvSpPr>
-        <p:spPr>
-          <a:xfrm>
-            <a:off x="1997991" y="2184212"/>
-            <a:ext cx="10363826" cy="3424107"/>
-          </a:xfrm>
-        </p:spPr>
-        <p:txBody>
-          <a:bodyPr/>
-          <a:lstStyle/>
-          <a:p>
-            <a:r>
-              <a:rPr lang="en-US" b="1" dirty="0"/>
-              <a:t>UI </a:t>
-            </a:r>
-            <a:r>
-              <a:rPr lang="en-US" b="1" dirty="0" smtClean="0"/>
-              <a:t>Requirements</a:t>
-            </a:r>
-            <a:endParaRPr lang="en-US" b="1" dirty="0"/>
-          </a:p>
-          <a:p>
-            <a:pPr lvl="1"/>
-            <a:r>
-              <a:rPr lang="en-US" dirty="0"/>
-              <a:t>The front end should be user-friendly and pleasant</a:t>
-            </a:r>
-            <a:endParaRPr lang="en-US" sz="1400" dirty="0"/>
-          </a:p>
-          <a:p>
-            <a:pPr lvl="1"/>
-            <a:r>
-              <a:rPr lang="en-US" dirty="0"/>
-              <a:t>All entered values should be </a:t>
-            </a:r>
-            <a:r>
-              <a:rPr lang="en-US" dirty="0" smtClean="0"/>
-              <a:t>validated</a:t>
-            </a:r>
-          </a:p>
-          <a:p>
-            <a:r>
-              <a:rPr lang="en-US" b="1" dirty="0"/>
-              <a:t>Installation, Deployment &amp; Operational </a:t>
-            </a:r>
-            <a:r>
-              <a:rPr lang="en-US" b="1" dirty="0" smtClean="0"/>
-              <a:t>Requirements</a:t>
-            </a:r>
-            <a:endParaRPr lang="en-US" b="1" dirty="0"/>
-          </a:p>
-          <a:p>
-            <a:pPr lvl="1"/>
-            <a:r>
-              <a:rPr lang="en-US" dirty="0" smtClean="0"/>
-              <a:t>Needs Apache </a:t>
-            </a:r>
-            <a:r>
-              <a:rPr lang="en-US" dirty="0"/>
-              <a:t>Tomcat server for deployment with MySQL 5.5 database for </a:t>
-            </a:r>
-            <a:r>
-              <a:rPr lang="en-US" dirty="0" smtClean="0"/>
-              <a:t>persistence</a:t>
-            </a:r>
-            <a:endParaRPr lang="en-US" dirty="0"/>
-          </a:p>
-          <a:p>
-            <a:pPr lvl="1"/>
-            <a:r>
-              <a:rPr lang="en-US" dirty="0" smtClean="0"/>
-              <a:t>Should run </a:t>
-            </a:r>
-            <a:r>
-              <a:rPr lang="en-US" dirty="0"/>
-              <a:t>on Windows or Linux </a:t>
-            </a:r>
-            <a:r>
-              <a:rPr lang="en-US" dirty="0" smtClean="0"/>
-              <a:t>platform.</a:t>
-            </a:r>
-          </a:p>
-        </p:txBody>
-      </p:sp>
-    </p:spTree>
-    <p:extLst>
-      <p:ext uri="{BB962C8B-B14F-4D97-AF65-F5344CB8AC3E}">
-        <p14:creationId xmlns:p14="http://schemas.microsoft.com/office/powerpoint/2010/main" val="4079320871"/>
-      </p:ext>
-    </p:extLst>
-  </p:cSld>
-  <p:clrMapOvr>
-    <a:masterClrMapping/>
-  </p:clrMapOvr>
-  <p:timing>
-    <p:tnLst>
-      <p:par>
-        <p:cTn id="1" dur="indefinite" restart="never" nodeType="tmRoot"/>
-      </p:par>
-    </p:tnLst>
-  </p:timing>
-</p:sld>
-</file>
-
-<file path=ppt/slides/slide6.xml><?xml version="1.0" encoding="utf-8"?>
-<p:sld xmlns:a="http://schemas.openxmlformats.org/drawingml/2006/main" xmlns:r="http://schemas.openxmlformats.org/officeDocument/2006/relationships" xmlns:p="http://schemas.openxmlformats.org/presentationml/2006/main">
-  <p:cSld>
-    <p:spTree>
-      <p:nvGrpSpPr>
-        <p:cNvPr id="1" name=""/>
-        <p:cNvGrpSpPr/>
-        <p:nvPr/>
-      </p:nvGrpSpPr>
-      <p:grpSpPr>
-        <a:xfrm>
-          <a:off x="0" y="0"/>
-          <a:ext cx="0" cy="0"/>
-          <a:chOff x="0" y="0"/>
-          <a:chExt cx="0" cy="0"/>
-        </a:xfrm>
-      </p:grpSpPr>
-      <p:sp>
-        <p:nvSpPr>
-          <p:cNvPr id="2" name="Title 1"/>
-          <p:cNvSpPr>
-            <a:spLocks noGrp="1"/>
-          </p:cNvSpPr>
-          <p:nvPr>
-            <p:ph type="title"/>
-          </p:nvPr>
-        </p:nvSpPr>
-        <p:spPr/>
-        <p:txBody>
-          <a:bodyPr>
-            <a:normAutofit/>
-          </a:bodyPr>
-          <a:lstStyle/>
-          <a:p>
-            <a:r>
-              <a:rPr lang="en-US" sz="4400" dirty="0" smtClean="0"/>
-              <a:t>Software System Requirements</a:t>
-            </a:r>
-            <a:endParaRPr lang="en-US" sz="4400" dirty="0"/>
-          </a:p>
-        </p:txBody>
-      </p:sp>
-      <p:sp>
-        <p:nvSpPr>
-          <p:cNvPr id="3" name="Content Placeholder 2"/>
-          <p:cNvSpPr>
-            <a:spLocks noGrp="1"/>
-          </p:cNvSpPr>
-          <p:nvPr>
-            <p:ph sz="quarter" idx="13"/>
-          </p:nvPr>
-        </p:nvSpPr>
-        <p:spPr>
-          <a:xfrm>
-            <a:off x="1828174" y="2438399"/>
-            <a:ext cx="10363826" cy="3424107"/>
-          </a:xfrm>
-        </p:spPr>
-        <p:txBody>
-          <a:bodyPr/>
-          <a:lstStyle/>
-          <a:p>
-            <a:r>
-              <a:rPr lang="en-US" dirty="0" smtClean="0"/>
-              <a:t>an </a:t>
-            </a:r>
-            <a:r>
-              <a:rPr lang="en-US" dirty="0"/>
-              <a:t>independent system </a:t>
-            </a:r>
-            <a:r>
-              <a:rPr lang="en-US" dirty="0" smtClean="0"/>
-              <a:t>,implemented </a:t>
-            </a:r>
-            <a:r>
-              <a:rPr lang="en-US" dirty="0"/>
-              <a:t>using </a:t>
-            </a:r>
-            <a:r>
-              <a:rPr lang="en-US" b="1" dirty="0"/>
-              <a:t>J2EE technologies</a:t>
-            </a:r>
-            <a:r>
-              <a:rPr lang="en-US" dirty="0"/>
-              <a:t>.</a:t>
-            </a:r>
-          </a:p>
-          <a:p>
-            <a:r>
-              <a:rPr lang="en-US" dirty="0"/>
-              <a:t>When a user  connects to </a:t>
-            </a:r>
-            <a:r>
-              <a:rPr lang="en-US" dirty="0" smtClean="0"/>
-              <a:t>the Web </a:t>
-            </a:r>
-            <a:r>
-              <a:rPr lang="en-US" dirty="0"/>
-              <a:t>Server, </a:t>
-            </a:r>
-            <a:r>
-              <a:rPr lang="en-US" dirty="0" smtClean="0"/>
-              <a:t>the Web </a:t>
-            </a:r>
-            <a:r>
-              <a:rPr lang="en-US" dirty="0"/>
-              <a:t>Server will interact with the Database after processing the business logic to transfer data to and from a database.</a:t>
-            </a:r>
-          </a:p>
-          <a:p>
-            <a:pPr lvl="1"/>
-            <a:r>
-              <a:rPr lang="en-US" b="1" dirty="0"/>
-              <a:t>Apache Tomcat 7.0 Web Server.</a:t>
-            </a:r>
-          </a:p>
-          <a:p>
-            <a:pPr lvl="1"/>
-            <a:r>
-              <a:rPr lang="en-US" b="1" dirty="0"/>
-              <a:t>MySQL database for data storage </a:t>
-            </a:r>
-          </a:p>
-          <a:p>
-            <a:endParaRPr lang="en-US" dirty="0"/>
-          </a:p>
-        </p:txBody>
-      </p:sp>
-    </p:spTree>
-    <p:extLst>
-      <p:ext uri="{BB962C8B-B14F-4D97-AF65-F5344CB8AC3E}">
-        <p14:creationId xmlns:p14="http://schemas.microsoft.com/office/powerpoint/2010/main" val="2700076377"/>
-      </p:ext>
-    </p:extLst>
-  </p:cSld>
-  <p:clrMapOvr>
-    <a:masterClrMapping/>
-  </p:clrMapOvr>
-  <p:timing>
-    <p:tnLst>
-      <p:par>
-        <p:cTn id="1" dur="indefinite" restart="never" nodeType="tmRoot"/>
-      </p:par>
-    </p:tnLst>
-  </p:timing>
-</p:sld>
-</file>
-
-<file path=ppt/slides/slide7.xml><?xml version="1.0" encoding="utf-8"?>
-<p:sld xmlns:a="http://schemas.openxmlformats.org/drawingml/2006/main" xmlns:r="http://schemas.openxmlformats.org/officeDocument/2006/relationships" xmlns:p="http://schemas.openxmlformats.org/presentationml/2006/main">
-  <p:cSld>
-    <p:spTree>
-      <p:nvGrpSpPr>
-        <p:cNvPr id="1" name=""/>
-        <p:cNvGrpSpPr/>
-        <p:nvPr/>
-      </p:nvGrpSpPr>
-      <p:grpSpPr>
-        <a:xfrm>
-          <a:off x="0" y="0"/>
-          <a:ext cx="0" cy="0"/>
-          <a:chOff x="0" y="0"/>
-          <a:chExt cx="0" cy="0"/>
-        </a:xfrm>
-      </p:grpSpPr>
-      <p:sp>
-        <p:nvSpPr>
-          <p:cNvPr id="2" name="Title 1"/>
-          <p:cNvSpPr>
-            <a:spLocks noGrp="1"/>
-          </p:cNvSpPr>
-          <p:nvPr>
-            <p:ph type="title"/>
-          </p:nvPr>
-        </p:nvSpPr>
         <p:spPr>
           <a:xfrm>
             <a:off x="837575" y="281193"/>
@@ -7808,8 +7033,8 @@
         </p:blipFill>
         <p:spPr>
           <a:xfrm>
-            <a:off x="1761638" y="3051175"/>
-            <a:ext cx="3410923" cy="2740025"/>
+            <a:off x="1761638" y="2357015"/>
+            <a:ext cx="8806213" cy="3756402"/>
           </a:xfrm>
         </p:spPr>
       </p:pic>
@@ -7833,43 +7058,29 @@
           <a:bodyPr/>
           <a:lstStyle/>
           <a:p>
-            <a:r>
-              <a:rPr lang="en-US" dirty="0" smtClean="0"/>
-              <a:t>REGISTRATION</a:t>
-            </a:r>
-            <a:endParaRPr lang="en-US" dirty="0"/>
-          </a:p>
-        </p:txBody>
-      </p:sp>
-      <p:pic>
-        <p:nvPicPr>
-          <p:cNvPr id="10" name="Content Placeholder 9"/>
-          <p:cNvPicPr>
-            <a:picLocks noGrp="1" noChangeAspect="1"/>
-          </p:cNvPicPr>
+            <a:endParaRPr lang="en-US" dirty="0"/>
+          </a:p>
+        </p:txBody>
+      </p:sp>
+      <p:sp>
+        <p:nvSpPr>
+          <p:cNvPr id="6" name="Content Placeholder 5"/>
+          <p:cNvSpPr>
+            <a:spLocks noGrp="1"/>
+          </p:cNvSpPr>
           <p:nvPr>
             <p:ph sz="quarter" idx="14"/>
           </p:nvPr>
-        </p:nvPicPr>
-        <p:blipFill>
-          <a:blip r:embed="rId3">
-            <a:extLst>
-              <a:ext uri="{28A0092B-C50C-407E-A947-70E740481C1C}">
-                <a14:useLocalDpi xmlns:a14="http://schemas.microsoft.com/office/drawing/2010/main" val="0"/>
-              </a:ext>
-            </a:extLst>
-          </a:blip>
-          <a:stretch>
-            <a:fillRect/>
-          </a:stretch>
-        </p:blipFill>
-        <p:spPr>
-          <a:xfrm>
-            <a:off x="7034668" y="3051175"/>
-            <a:ext cx="3380464" cy="2740025"/>
-          </a:xfrm>
-        </p:spPr>
-      </p:pic>
+        </p:nvSpPr>
+        <p:spPr/>
+        <p:txBody>
+          <a:bodyPr/>
+          <a:lstStyle/>
+          <a:p>
+            <a:endParaRPr lang="en-US"/>
+          </a:p>
+        </p:txBody>
+      </p:sp>
     </p:spTree>
     <p:extLst>
       <p:ext uri="{BB962C8B-B14F-4D97-AF65-F5344CB8AC3E}">
@@ -7890,7 +7101,82 @@
 </p:sld>
 </file>
 
-<file path=ppt/slides/slide8.xml><?xml version="1.0" encoding="utf-8"?>
+<file path=ppt/slides/slide11.xml><?xml version="1.0" encoding="utf-8"?>
+<p:sld xmlns:a="http://schemas.openxmlformats.org/drawingml/2006/main" xmlns:r="http://schemas.openxmlformats.org/officeDocument/2006/relationships" xmlns:p="http://schemas.openxmlformats.org/presentationml/2006/main">
+  <p:cSld>
+    <p:spTree>
+      <p:nvGrpSpPr>
+        <p:cNvPr id="1" name=""/>
+        <p:cNvGrpSpPr/>
+        <p:nvPr/>
+      </p:nvGrpSpPr>
+      <p:grpSpPr>
+        <a:xfrm>
+          <a:off x="0" y="0"/>
+          <a:ext cx="0" cy="0"/>
+          <a:chOff x="0" y="0"/>
+          <a:chExt cx="0" cy="0"/>
+        </a:xfrm>
+      </p:grpSpPr>
+      <p:sp>
+        <p:nvSpPr>
+          <p:cNvPr id="2" name="Title 1"/>
+          <p:cNvSpPr>
+            <a:spLocks noGrp="1"/>
+          </p:cNvSpPr>
+          <p:nvPr>
+            <p:ph type="title"/>
+          </p:nvPr>
+        </p:nvSpPr>
+        <p:spPr/>
+        <p:txBody>
+          <a:bodyPr/>
+          <a:lstStyle/>
+          <a:p>
+            <a:endParaRPr lang="en-US"/>
+          </a:p>
+        </p:txBody>
+      </p:sp>
+      <p:pic>
+        <p:nvPicPr>
+          <p:cNvPr id="4" name="Content Placeholder 3"/>
+          <p:cNvPicPr>
+            <a:picLocks noGrp="1" noChangeAspect="1"/>
+          </p:cNvPicPr>
+          <p:nvPr>
+            <p:ph idx="1"/>
+          </p:nvPr>
+        </p:nvPicPr>
+        <p:blipFill>
+          <a:blip r:embed="rId2"/>
+          <a:stretch>
+            <a:fillRect/>
+          </a:stretch>
+        </p:blipFill>
+        <p:spPr>
+          <a:xfrm>
+            <a:off x="4801882" y="2860429"/>
+            <a:ext cx="3383573" cy="2737341"/>
+          </a:xfrm>
+          <a:prstGeom prst="rect">
+            <a:avLst/>
+          </a:prstGeom>
+        </p:spPr>
+      </p:pic>
+    </p:spTree>
+    <p:extLst>
+      <p:ext uri="{BB962C8B-B14F-4D97-AF65-F5344CB8AC3E}">
+        <p14:creationId xmlns:p14="http://schemas.microsoft.com/office/powerpoint/2010/main" val="2266600694"/>
+      </p:ext>
+    </p:extLst>
+  </p:cSld>
+  <p:clrMapOvr>
+    <a:masterClrMapping/>
+  </p:clrMapOvr>
+</p:sld>
+</file>
+
+<file path=ppt/slides/slide12.xml><?xml version="1.0" encoding="utf-8"?>
 <p:sld xmlns:a="http://schemas.openxmlformats.org/drawingml/2006/main" xmlns:r="http://schemas.openxmlformats.org/officeDocument/2006/relationships" xmlns:p="http://schemas.openxmlformats.org/presentationml/2006/main">
   <p:cSld>
     <p:spTree>
@@ -8060,6 +7346,1127 @@
 </p:sld>
 </file>
 
+<file path=ppt/slides/slide13.xml><?xml version="1.0" encoding="utf-8"?>
+<p:sld xmlns:a="http://schemas.openxmlformats.org/drawingml/2006/main" xmlns:r="http://schemas.openxmlformats.org/officeDocument/2006/relationships" xmlns:p="http://schemas.openxmlformats.org/presentationml/2006/main">
+  <p:cSld>
+    <p:spTree>
+      <p:nvGrpSpPr>
+        <p:cNvPr id="1" name=""/>
+        <p:cNvGrpSpPr/>
+        <p:nvPr/>
+      </p:nvGrpSpPr>
+      <p:grpSpPr>
+        <a:xfrm>
+          <a:off x="0" y="0"/>
+          <a:ext cx="0" cy="0"/>
+          <a:chOff x="0" y="0"/>
+          <a:chExt cx="0" cy="0"/>
+        </a:xfrm>
+      </p:grpSpPr>
+      <p:sp>
+        <p:nvSpPr>
+          <p:cNvPr id="2" name="TextBox 1"/>
+          <p:cNvSpPr txBox="1"/>
+          <p:nvPr/>
+        </p:nvSpPr>
+        <p:spPr>
+          <a:xfrm>
+            <a:off x="4402183" y="2312125"/>
+            <a:ext cx="4467497" cy="1200329"/>
+          </a:xfrm>
+          <a:prstGeom prst="rect">
+            <a:avLst/>
+          </a:prstGeom>
+          <a:noFill/>
+        </p:spPr>
+        <p:txBody>
+          <a:bodyPr wrap="square" rtlCol="0">
+            <a:spAutoFit/>
+          </a:bodyPr>
+          <a:lstStyle/>
+          <a:p>
+            <a:endParaRPr lang="en-US" sz="3600" dirty="0" smtClean="0"/>
+          </a:p>
+          <a:p>
+            <a:r>
+              <a:rPr lang="en-US" sz="3600" dirty="0" smtClean="0"/>
+              <a:t>THANK YOU</a:t>
+            </a:r>
+            <a:endParaRPr lang="en-US" sz="3600" dirty="0"/>
+          </a:p>
+        </p:txBody>
+      </p:sp>
+    </p:spTree>
+    <p:extLst>
+      <p:ext uri="{BB962C8B-B14F-4D97-AF65-F5344CB8AC3E}">
+        <p14:creationId xmlns:p14="http://schemas.microsoft.com/office/powerpoint/2010/main" val="255129878"/>
+      </p:ext>
+    </p:extLst>
+  </p:cSld>
+  <p:clrMapOvr>
+    <a:masterClrMapping/>
+  </p:clrMapOvr>
+</p:sld>
+</file>
+
+<file path=ppt/slides/slide2.xml><?xml version="1.0" encoding="utf-8"?>
+<p:sld xmlns:a="http://schemas.openxmlformats.org/drawingml/2006/main" xmlns:r="http://schemas.openxmlformats.org/officeDocument/2006/relationships" xmlns:p="http://schemas.openxmlformats.org/presentationml/2006/main">
+  <p:cSld>
+    <p:spTree>
+      <p:nvGrpSpPr>
+        <p:cNvPr id="1" name=""/>
+        <p:cNvGrpSpPr/>
+        <p:nvPr/>
+      </p:nvGrpSpPr>
+      <p:grpSpPr>
+        <a:xfrm>
+          <a:off x="0" y="0"/>
+          <a:ext cx="0" cy="0"/>
+          <a:chOff x="0" y="0"/>
+          <a:chExt cx="0" cy="0"/>
+        </a:xfrm>
+      </p:grpSpPr>
+      <p:sp>
+        <p:nvSpPr>
+          <p:cNvPr id="2" name="Title 1"/>
+          <p:cNvSpPr>
+            <a:spLocks noGrp="1"/>
+          </p:cNvSpPr>
+          <p:nvPr>
+            <p:ph type="title"/>
+          </p:nvPr>
+        </p:nvSpPr>
+        <p:spPr/>
+        <p:txBody>
+          <a:bodyPr/>
+          <a:lstStyle/>
+          <a:p>
+            <a:r>
+              <a:rPr lang="en-US" dirty="0" smtClean="0"/>
+              <a:t>PROJECT OVERVIEW</a:t>
+            </a:r>
+            <a:endParaRPr lang="en-US" dirty="0"/>
+          </a:p>
+        </p:txBody>
+      </p:sp>
+      <p:sp>
+        <p:nvSpPr>
+          <p:cNvPr id="3" name="Content Placeholder 2"/>
+          <p:cNvSpPr>
+            <a:spLocks noGrp="1"/>
+          </p:cNvSpPr>
+          <p:nvPr>
+            <p:ph idx="1"/>
+          </p:nvPr>
+        </p:nvSpPr>
+        <p:spPr>
+          <a:xfrm>
+            <a:off x="1654127" y="2438399"/>
+            <a:ext cx="10018713" cy="3124201"/>
+          </a:xfrm>
+        </p:spPr>
+        <p:txBody>
+          <a:bodyPr/>
+          <a:lstStyle/>
+          <a:p>
+            <a:r>
+              <a:rPr lang="en-US" dirty="0" smtClean="0"/>
+              <a:t>The main objective of this system is to design and develop an Air Ticket Reservation System</a:t>
+            </a:r>
+          </a:p>
+          <a:p>
+            <a:r>
+              <a:rPr lang="en-US" dirty="0" smtClean="0"/>
+              <a:t>Mainly intended for customers who need to check their invoices and cancel their tickets</a:t>
+            </a:r>
+          </a:p>
+          <a:p>
+            <a:r>
+              <a:rPr lang="en-US" dirty="0" smtClean="0"/>
+              <a:t>This system will be implemented using Java Servlet technology and Tomcat Server along with MySQL for database</a:t>
+            </a:r>
+            <a:endParaRPr lang="en-US" dirty="0"/>
+          </a:p>
+        </p:txBody>
+      </p:sp>
+    </p:spTree>
+    <p:extLst>
+      <p:ext uri="{BB962C8B-B14F-4D97-AF65-F5344CB8AC3E}">
+        <p14:creationId xmlns:p14="http://schemas.microsoft.com/office/powerpoint/2010/main" val="361469123"/>
+      </p:ext>
+    </p:extLst>
+  </p:cSld>
+  <p:clrMapOvr>
+    <a:masterClrMapping/>
+  </p:clrMapOvr>
+</p:sld>
+</file>
+
+<file path=ppt/slides/slide3.xml><?xml version="1.0" encoding="utf-8"?>
+<p:sld xmlns:a="http://schemas.openxmlformats.org/drawingml/2006/main" xmlns:r="http://schemas.openxmlformats.org/officeDocument/2006/relationships" xmlns:p="http://schemas.openxmlformats.org/presentationml/2006/main">
+  <p:cSld>
+    <p:spTree>
+      <p:nvGrpSpPr>
+        <p:cNvPr id="1" name=""/>
+        <p:cNvGrpSpPr/>
+        <p:nvPr/>
+      </p:nvGrpSpPr>
+      <p:grpSpPr>
+        <a:xfrm>
+          <a:off x="0" y="0"/>
+          <a:ext cx="0" cy="0"/>
+          <a:chOff x="0" y="0"/>
+          <a:chExt cx="0" cy="0"/>
+        </a:xfrm>
+      </p:grpSpPr>
+      <p:sp>
+        <p:nvSpPr>
+          <p:cNvPr id="2" name="Title 1"/>
+          <p:cNvSpPr>
+            <a:spLocks noGrp="1"/>
+          </p:cNvSpPr>
+          <p:nvPr>
+            <p:ph type="title"/>
+          </p:nvPr>
+        </p:nvSpPr>
+        <p:spPr/>
+        <p:txBody>
+          <a:bodyPr/>
+          <a:lstStyle/>
+          <a:p>
+            <a:r>
+              <a:rPr lang="en-US" dirty="0" smtClean="0"/>
+              <a:t>OBJECTIVES</a:t>
+            </a:r>
+            <a:endParaRPr lang="en-US" dirty="0"/>
+          </a:p>
+        </p:txBody>
+      </p:sp>
+      <p:sp>
+        <p:nvSpPr>
+          <p:cNvPr id="3" name="Content Placeholder 2"/>
+          <p:cNvSpPr>
+            <a:spLocks noGrp="1"/>
+          </p:cNvSpPr>
+          <p:nvPr>
+            <p:ph sz="quarter" idx="13"/>
+          </p:nvPr>
+        </p:nvSpPr>
+        <p:spPr>
+          <a:xfrm>
+            <a:off x="1736734" y="2319196"/>
+            <a:ext cx="10363826" cy="3576505"/>
+          </a:xfrm>
+        </p:spPr>
+        <p:txBody>
+          <a:bodyPr/>
+          <a:lstStyle/>
+          <a:p>
+            <a:r>
+              <a:rPr lang="en-US" dirty="0"/>
+              <a:t>The Main purpose of </a:t>
+            </a:r>
+            <a:r>
+              <a:rPr lang="en-US" b="1" dirty="0" smtClean="0"/>
+              <a:t>E-Air Ticket Reservation </a:t>
+            </a:r>
+            <a:r>
+              <a:rPr lang="en-US" dirty="0"/>
+              <a:t>is to </a:t>
+            </a:r>
+            <a:r>
+              <a:rPr lang="en-US" dirty="0" smtClean="0"/>
+              <a:t>make online the process of the air ticket reservation and cancelation system.</a:t>
+            </a:r>
+            <a:endParaRPr lang="en-US" dirty="0"/>
+          </a:p>
+          <a:p>
+            <a:r>
+              <a:rPr lang="en-US" dirty="0" smtClean="0"/>
+              <a:t>To create a distributed system that will be used by customers</a:t>
+            </a:r>
+          </a:p>
+          <a:p>
+            <a:r>
+              <a:rPr lang="en-US" dirty="0" smtClean="0"/>
+              <a:t>To ensure that ticket reservation is easy and user friendly for customers</a:t>
+            </a:r>
+          </a:p>
+          <a:p>
+            <a:r>
+              <a:rPr lang="en-US" dirty="0" smtClean="0"/>
+              <a:t>Reduce the work load of ticket officers</a:t>
+            </a:r>
+          </a:p>
+          <a:p>
+            <a:r>
+              <a:rPr lang="en-US" dirty="0" smtClean="0"/>
+              <a:t>Provide a large number of ticket reservation and cancellation service in a few time</a:t>
+            </a:r>
+            <a:endParaRPr lang="en-US" dirty="0"/>
+          </a:p>
+        </p:txBody>
+      </p:sp>
+    </p:spTree>
+    <p:extLst>
+      <p:ext uri="{BB962C8B-B14F-4D97-AF65-F5344CB8AC3E}">
+        <p14:creationId xmlns:p14="http://schemas.microsoft.com/office/powerpoint/2010/main" val="123762398"/>
+      </p:ext>
+    </p:extLst>
+  </p:cSld>
+  <p:clrMapOvr>
+    <a:masterClrMapping/>
+  </p:clrMapOvr>
+  <p:timing>
+    <p:tnLst>
+      <p:par>
+        <p:cTn id="1" dur="indefinite" restart="never" nodeType="tmRoot"/>
+      </p:par>
+    </p:tnLst>
+  </p:timing>
+</p:sld>
+</file>
+
+<file path=ppt/slides/slide4.xml><?xml version="1.0" encoding="utf-8"?>
+<p:sld xmlns:a="http://schemas.openxmlformats.org/drawingml/2006/main" xmlns:r="http://schemas.openxmlformats.org/officeDocument/2006/relationships" xmlns:p="http://schemas.openxmlformats.org/presentationml/2006/main">
+  <p:cSld>
+    <p:spTree>
+      <p:nvGrpSpPr>
+        <p:cNvPr id="1" name=""/>
+        <p:cNvGrpSpPr/>
+        <p:nvPr/>
+      </p:nvGrpSpPr>
+      <p:grpSpPr>
+        <a:xfrm>
+          <a:off x="0" y="0"/>
+          <a:ext cx="0" cy="0"/>
+          <a:chOff x="0" y="0"/>
+          <a:chExt cx="0" cy="0"/>
+        </a:xfrm>
+      </p:grpSpPr>
+      <p:sp>
+        <p:nvSpPr>
+          <p:cNvPr id="2" name="Title 1"/>
+          <p:cNvSpPr>
+            <a:spLocks noGrp="1"/>
+          </p:cNvSpPr>
+          <p:nvPr>
+            <p:ph type="title"/>
+          </p:nvPr>
+        </p:nvSpPr>
+        <p:spPr/>
+        <p:txBody>
+          <a:bodyPr/>
+          <a:lstStyle/>
+          <a:p>
+            <a:r>
+              <a:rPr lang="en-US" b="1" dirty="0"/>
+              <a:t>Scope of the system</a:t>
+            </a:r>
+            <a:br>
+              <a:rPr lang="en-US" b="1" dirty="0"/>
+            </a:br>
+            <a:endParaRPr lang="en-US" dirty="0"/>
+          </a:p>
+        </p:txBody>
+      </p:sp>
+      <p:sp>
+        <p:nvSpPr>
+          <p:cNvPr id="3" name="Content Placeholder 2"/>
+          <p:cNvSpPr>
+            <a:spLocks noGrp="1"/>
+          </p:cNvSpPr>
+          <p:nvPr>
+            <p:ph sz="quarter" idx="13"/>
+          </p:nvPr>
+        </p:nvSpPr>
+        <p:spPr>
+          <a:xfrm>
+            <a:off x="1997991" y="2168434"/>
+            <a:ext cx="10363826" cy="4062549"/>
+          </a:xfrm>
+        </p:spPr>
+        <p:txBody>
+          <a:bodyPr>
+            <a:normAutofit/>
+          </a:bodyPr>
+          <a:lstStyle/>
+          <a:p>
+            <a:pPr marL="0" indent="0">
+              <a:buNone/>
+            </a:pPr>
+            <a:r>
+              <a:rPr lang="en-US" sz="2000" dirty="0" smtClean="0">
+                <a:latin typeface="Times New Roman" panose="02020603050405020304" pitchFamily="18" charset="0"/>
+                <a:cs typeface="Times New Roman" panose="02020603050405020304" pitchFamily="18" charset="0"/>
+              </a:rPr>
+              <a:t>	The </a:t>
+            </a:r>
+            <a:r>
+              <a:rPr lang="en-US" sz="2000" dirty="0" smtClean="0">
+                <a:latin typeface="Times New Roman" panose="02020603050405020304" pitchFamily="18" charset="0"/>
+                <a:cs typeface="Times New Roman" panose="02020603050405020304" pitchFamily="18" charset="0"/>
+              </a:rPr>
+              <a:t>E-Air Ticket Reservation </a:t>
+            </a:r>
+            <a:r>
+              <a:rPr lang="en-US" sz="2000" dirty="0">
+                <a:latin typeface="Times New Roman" panose="02020603050405020304" pitchFamily="18" charset="0"/>
+                <a:cs typeface="Times New Roman" panose="02020603050405020304" pitchFamily="18" charset="0"/>
+              </a:rPr>
+              <a:t>application is used by the Admin and User to perform the following functions</a:t>
+            </a:r>
+            <a:r>
+              <a:rPr lang="en-US" sz="2000" dirty="0" smtClean="0">
+                <a:latin typeface="Times New Roman" panose="02020603050405020304" pitchFamily="18" charset="0"/>
+                <a:cs typeface="Times New Roman" panose="02020603050405020304" pitchFamily="18" charset="0"/>
+              </a:rPr>
+              <a:t>:</a:t>
+            </a:r>
+          </a:p>
+          <a:p>
+            <a:pPr lvl="1">
+              <a:buFont typeface="Wingdings" panose="05000000000000000000" pitchFamily="2" charset="2"/>
+              <a:buChar char="ü"/>
+            </a:pPr>
+            <a:r>
+              <a:rPr lang="en-US" b="1" dirty="0">
+                <a:latin typeface="Times New Roman" panose="02020603050405020304" pitchFamily="18" charset="0"/>
+                <a:cs typeface="Times New Roman" panose="02020603050405020304" pitchFamily="18" charset="0"/>
+              </a:rPr>
+              <a:t>LEVEL 0 USER- </a:t>
+            </a:r>
+            <a:r>
+              <a:rPr lang="en-US" b="1" dirty="0" smtClean="0">
+                <a:latin typeface="Times New Roman" panose="02020603050405020304" pitchFamily="18" charset="0"/>
+                <a:cs typeface="Times New Roman" panose="02020603050405020304" pitchFamily="18" charset="0"/>
+              </a:rPr>
+              <a:t>Administrator</a:t>
+            </a:r>
+          </a:p>
+          <a:p>
+            <a:pPr lvl="2"/>
+            <a:r>
+              <a:rPr lang="en-US" sz="2000" dirty="0">
+                <a:latin typeface="Times New Roman" panose="02020603050405020304" pitchFamily="18" charset="0"/>
+                <a:cs typeface="Times New Roman" panose="02020603050405020304" pitchFamily="18" charset="0"/>
+              </a:rPr>
+              <a:t>Can </a:t>
+            </a:r>
+            <a:r>
+              <a:rPr lang="en-US" sz="2000" dirty="0" smtClean="0">
+                <a:latin typeface="Times New Roman" panose="02020603050405020304" pitchFamily="18" charset="0"/>
+                <a:cs typeface="Times New Roman" panose="02020603050405020304" pitchFamily="18" charset="0"/>
+              </a:rPr>
+              <a:t>do Customer </a:t>
+            </a:r>
+            <a:r>
+              <a:rPr lang="en-US" sz="2000" dirty="0" smtClean="0">
+                <a:latin typeface="Times New Roman" panose="02020603050405020304" pitchFamily="18" charset="0"/>
+                <a:cs typeface="Times New Roman" panose="02020603050405020304" pitchFamily="18" charset="0"/>
+              </a:rPr>
+              <a:t>R</a:t>
+            </a:r>
+            <a:r>
+              <a:rPr lang="en-US" sz="2000" dirty="0" smtClean="0">
+                <a:latin typeface="Times New Roman" panose="02020603050405020304" pitchFamily="18" charset="0"/>
+                <a:cs typeface="Times New Roman" panose="02020603050405020304" pitchFamily="18" charset="0"/>
+              </a:rPr>
+              <a:t>egistration</a:t>
+            </a:r>
+            <a:endParaRPr lang="en-US" sz="2000" dirty="0">
+              <a:latin typeface="Times New Roman" panose="02020603050405020304" pitchFamily="18" charset="0"/>
+              <a:cs typeface="Times New Roman" panose="02020603050405020304" pitchFamily="18" charset="0"/>
+            </a:endParaRPr>
+          </a:p>
+          <a:p>
+            <a:pPr lvl="2"/>
+            <a:r>
+              <a:rPr lang="en-US" sz="2000" dirty="0" smtClean="0">
+                <a:latin typeface="Times New Roman" panose="02020603050405020304" pitchFamily="18" charset="0"/>
+                <a:cs typeface="Times New Roman" panose="02020603050405020304" pitchFamily="18" charset="0"/>
+              </a:rPr>
+              <a:t> </a:t>
+            </a:r>
+            <a:r>
+              <a:rPr lang="en-US" sz="2000" dirty="0">
+                <a:latin typeface="Times New Roman" panose="02020603050405020304" pitchFamily="18" charset="0"/>
+                <a:cs typeface="Times New Roman" panose="02020603050405020304" pitchFamily="18" charset="0"/>
+              </a:rPr>
+              <a:t>Searching and </a:t>
+            </a:r>
+            <a:r>
+              <a:rPr lang="en-US" sz="2000" dirty="0" smtClean="0">
+                <a:latin typeface="Times New Roman" panose="02020603050405020304" pitchFamily="18" charset="0"/>
+                <a:cs typeface="Times New Roman" panose="02020603050405020304" pitchFamily="18" charset="0"/>
+              </a:rPr>
+              <a:t>Booking </a:t>
+            </a:r>
+            <a:r>
+              <a:rPr lang="en-US" sz="2000" dirty="0">
+                <a:latin typeface="Times New Roman" panose="02020603050405020304" pitchFamily="18" charset="0"/>
+                <a:cs typeface="Times New Roman" panose="02020603050405020304" pitchFamily="18" charset="0"/>
+              </a:rPr>
+              <a:t>of flight ticket</a:t>
+            </a:r>
+            <a:r>
+              <a:rPr lang="en-US" sz="2000" dirty="0" smtClean="0">
+                <a:latin typeface="Times New Roman" panose="02020603050405020304" pitchFamily="18" charset="0"/>
+                <a:cs typeface="Times New Roman" panose="02020603050405020304" pitchFamily="18" charset="0"/>
+              </a:rPr>
+              <a:t>.</a:t>
+            </a:r>
+            <a:endParaRPr lang="en-US" sz="2000" dirty="0">
+              <a:latin typeface="Times New Roman" panose="02020603050405020304" pitchFamily="18" charset="0"/>
+              <a:cs typeface="Times New Roman" panose="02020603050405020304" pitchFamily="18" charset="0"/>
+            </a:endParaRPr>
+          </a:p>
+          <a:p>
+            <a:pPr lvl="1">
+              <a:buFont typeface="Wingdings" panose="05000000000000000000" pitchFamily="2" charset="2"/>
+              <a:buChar char="ü"/>
+            </a:pPr>
+            <a:r>
+              <a:rPr lang="en-US" b="1" dirty="0">
+                <a:latin typeface="Times New Roman" panose="02020603050405020304" pitchFamily="18" charset="0"/>
+                <a:cs typeface="Times New Roman" panose="02020603050405020304" pitchFamily="18" charset="0"/>
+              </a:rPr>
+              <a:t>LEVEL 1 USER – User</a:t>
+            </a:r>
+            <a:endParaRPr lang="en-US" dirty="0">
+              <a:latin typeface="Times New Roman" panose="02020603050405020304" pitchFamily="18" charset="0"/>
+              <a:cs typeface="Times New Roman" panose="02020603050405020304" pitchFamily="18" charset="0"/>
+            </a:endParaRPr>
+          </a:p>
+          <a:p>
+            <a:pPr lvl="2"/>
+            <a:r>
+              <a:rPr lang="en-US" sz="2000" dirty="0">
+                <a:latin typeface="Times New Roman" panose="02020603050405020304" pitchFamily="18" charset="0"/>
+                <a:cs typeface="Times New Roman" panose="02020603050405020304" pitchFamily="18" charset="0"/>
+              </a:rPr>
+              <a:t>Can </a:t>
+            </a:r>
+            <a:r>
+              <a:rPr lang="en-US" sz="2000" i="1" dirty="0">
+                <a:latin typeface="Times New Roman" panose="02020603050405020304" pitchFamily="18" charset="0"/>
+                <a:cs typeface="Times New Roman" panose="02020603050405020304" pitchFamily="18" charset="0"/>
+              </a:rPr>
+              <a:t>edit</a:t>
+            </a:r>
+            <a:r>
+              <a:rPr lang="en-US" sz="2000" dirty="0">
+                <a:latin typeface="Times New Roman" panose="02020603050405020304" pitchFamily="18" charset="0"/>
+                <a:cs typeface="Times New Roman" panose="02020603050405020304" pitchFamily="18" charset="0"/>
+              </a:rPr>
+              <a:t> the customer profile and </a:t>
+            </a:r>
+            <a:r>
+              <a:rPr lang="en-US" sz="2000" i="1" dirty="0">
+                <a:latin typeface="Times New Roman" panose="02020603050405020304" pitchFamily="18" charset="0"/>
+                <a:cs typeface="Times New Roman" panose="02020603050405020304" pitchFamily="18" charset="0"/>
+              </a:rPr>
+              <a:t>cancel </a:t>
+            </a:r>
+            <a:r>
+              <a:rPr lang="en-US" sz="2000" dirty="0">
+                <a:latin typeface="Times New Roman" panose="02020603050405020304" pitchFamily="18" charset="0"/>
+                <a:cs typeface="Times New Roman" panose="02020603050405020304" pitchFamily="18" charset="0"/>
+              </a:rPr>
+              <a:t>the flight ticket. </a:t>
+            </a:r>
+            <a:endParaRPr lang="en-US" sz="2000" dirty="0" smtClean="0">
+              <a:latin typeface="Times New Roman" panose="02020603050405020304" pitchFamily="18" charset="0"/>
+              <a:cs typeface="Times New Roman" panose="02020603050405020304" pitchFamily="18" charset="0"/>
+            </a:endParaRPr>
+          </a:p>
+          <a:p>
+            <a:pPr lvl="2"/>
+            <a:r>
+              <a:rPr lang="en-US" sz="2000" dirty="0" smtClean="0">
+                <a:latin typeface="Times New Roman" panose="02020603050405020304" pitchFamily="18" charset="0"/>
+                <a:cs typeface="Times New Roman" panose="02020603050405020304" pitchFamily="18" charset="0"/>
+              </a:rPr>
+              <a:t>User </a:t>
+            </a:r>
+            <a:r>
+              <a:rPr lang="en-US" sz="2000" dirty="0">
+                <a:latin typeface="Times New Roman" panose="02020603050405020304" pitchFamily="18" charset="0"/>
+                <a:cs typeface="Times New Roman" panose="02020603050405020304" pitchFamily="18" charset="0"/>
+              </a:rPr>
+              <a:t>can </a:t>
+            </a:r>
+            <a:r>
+              <a:rPr lang="en-US" sz="2000" i="1" dirty="0">
+                <a:latin typeface="Times New Roman" panose="02020603050405020304" pitchFamily="18" charset="0"/>
+                <a:cs typeface="Times New Roman" panose="02020603050405020304" pitchFamily="18" charset="0"/>
+              </a:rPr>
+              <a:t>see </a:t>
+            </a:r>
+            <a:r>
+              <a:rPr lang="en-US" sz="2000" dirty="0">
+                <a:latin typeface="Times New Roman" panose="02020603050405020304" pitchFamily="18" charset="0"/>
+                <a:cs typeface="Times New Roman" panose="02020603050405020304" pitchFamily="18" charset="0"/>
+              </a:rPr>
+              <a:t>the booking invoice</a:t>
+            </a:r>
+            <a:r>
+              <a:rPr lang="en-US" sz="2000" dirty="0" smtClean="0">
+                <a:latin typeface="Times New Roman" panose="02020603050405020304" pitchFamily="18" charset="0"/>
+                <a:cs typeface="Times New Roman" panose="02020603050405020304" pitchFamily="18" charset="0"/>
+              </a:rPr>
+              <a:t>.</a:t>
+            </a:r>
+            <a:endParaRPr lang="en-US" sz="2000" dirty="0">
+              <a:latin typeface="Times New Roman" panose="02020603050405020304" pitchFamily="18" charset="0"/>
+              <a:cs typeface="Times New Roman" panose="02020603050405020304" pitchFamily="18" charset="0"/>
+            </a:endParaRPr>
+          </a:p>
+        </p:txBody>
+      </p:sp>
+    </p:spTree>
+    <p:extLst>
+      <p:ext uri="{BB962C8B-B14F-4D97-AF65-F5344CB8AC3E}">
+        <p14:creationId xmlns:p14="http://schemas.microsoft.com/office/powerpoint/2010/main" val="3689168137"/>
+      </p:ext>
+    </p:extLst>
+  </p:cSld>
+  <p:clrMapOvr>
+    <a:masterClrMapping/>
+  </p:clrMapOvr>
+  <p:timing>
+    <p:tnLst>
+      <p:par>
+        <p:cTn id="1" dur="indefinite" restart="never" nodeType="tmRoot"/>
+      </p:par>
+    </p:tnLst>
+  </p:timing>
+</p:sld>
+</file>
+
+<file path=ppt/slides/slide5.xml><?xml version="1.0" encoding="utf-8"?>
+<p:sld xmlns:a="http://schemas.openxmlformats.org/drawingml/2006/main" xmlns:r="http://schemas.openxmlformats.org/officeDocument/2006/relationships" xmlns:p="http://schemas.openxmlformats.org/presentationml/2006/main">
+  <p:cSld>
+    <p:spTree>
+      <p:nvGrpSpPr>
+        <p:cNvPr id="1" name=""/>
+        <p:cNvGrpSpPr/>
+        <p:nvPr/>
+      </p:nvGrpSpPr>
+      <p:grpSpPr>
+        <a:xfrm>
+          <a:off x="0" y="0"/>
+          <a:ext cx="0" cy="0"/>
+          <a:chOff x="0" y="0"/>
+          <a:chExt cx="0" cy="0"/>
+        </a:xfrm>
+      </p:grpSpPr>
+      <p:sp>
+        <p:nvSpPr>
+          <p:cNvPr id="2" name="Title 1"/>
+          <p:cNvSpPr>
+            <a:spLocks noGrp="1"/>
+          </p:cNvSpPr>
+          <p:nvPr>
+            <p:ph type="title"/>
+          </p:nvPr>
+        </p:nvSpPr>
+        <p:spPr/>
+        <p:txBody>
+          <a:bodyPr/>
+          <a:lstStyle/>
+          <a:p>
+            <a:r>
+              <a:rPr lang="en-US" dirty="0" smtClean="0"/>
+              <a:t>MVC ARCHITECTURE</a:t>
+            </a:r>
+            <a:endParaRPr lang="en-US" dirty="0"/>
+          </a:p>
+        </p:txBody>
+      </p:sp>
+      <p:pic>
+        <p:nvPicPr>
+          <p:cNvPr id="4" name="Content Placeholder 3"/>
+          <p:cNvPicPr>
+            <a:picLocks noGrp="1" noChangeAspect="1"/>
+          </p:cNvPicPr>
+          <p:nvPr>
+            <p:ph sz="quarter" idx="13"/>
+          </p:nvPr>
+        </p:nvPicPr>
+        <p:blipFill>
+          <a:blip r:embed="rId2">
+            <a:extLst>
+              <a:ext uri="{28A0092B-C50C-407E-A947-70E740481C1C}">
+                <a14:useLocalDpi xmlns:a14="http://schemas.microsoft.com/office/drawing/2010/main" val="0"/>
+              </a:ext>
+            </a:extLst>
+          </a:blip>
+          <a:stretch>
+            <a:fillRect/>
+          </a:stretch>
+        </p:blipFill>
+        <p:spPr>
+          <a:xfrm>
+            <a:off x="2842122" y="2366963"/>
+            <a:ext cx="7555911" cy="3837894"/>
+          </a:xfrm>
+        </p:spPr>
+      </p:pic>
+    </p:spTree>
+    <p:extLst>
+      <p:ext uri="{BB962C8B-B14F-4D97-AF65-F5344CB8AC3E}">
+        <p14:creationId xmlns:p14="http://schemas.microsoft.com/office/powerpoint/2010/main" val="1162393194"/>
+      </p:ext>
+    </p:extLst>
+  </p:cSld>
+  <p:clrMapOvr>
+    <a:masterClrMapping/>
+  </p:clrMapOvr>
+</p:sld>
+</file>
+
+<file path=ppt/slides/slide6.xml><?xml version="1.0" encoding="utf-8"?>
+<p:sld xmlns:a="http://schemas.openxmlformats.org/drawingml/2006/main" xmlns:r="http://schemas.openxmlformats.org/officeDocument/2006/relationships" xmlns:p="http://schemas.openxmlformats.org/presentationml/2006/main">
+  <p:cSld>
+    <p:spTree>
+      <p:nvGrpSpPr>
+        <p:cNvPr id="1" name=""/>
+        <p:cNvGrpSpPr/>
+        <p:nvPr/>
+      </p:nvGrpSpPr>
+      <p:grpSpPr>
+        <a:xfrm>
+          <a:off x="0" y="0"/>
+          <a:ext cx="0" cy="0"/>
+          <a:chOff x="0" y="0"/>
+          <a:chExt cx="0" cy="0"/>
+        </a:xfrm>
+      </p:grpSpPr>
+      <p:sp>
+        <p:nvSpPr>
+          <p:cNvPr id="2" name="Title 1"/>
+          <p:cNvSpPr>
+            <a:spLocks noGrp="1"/>
+          </p:cNvSpPr>
+          <p:nvPr>
+            <p:ph type="title"/>
+          </p:nvPr>
+        </p:nvSpPr>
+        <p:spPr/>
+        <p:txBody>
+          <a:bodyPr/>
+          <a:lstStyle/>
+          <a:p>
+            <a:r>
+              <a:rPr lang="en-US" b="1" dirty="0" smtClean="0"/>
+              <a:t>MODULES</a:t>
+            </a:r>
+            <a:endParaRPr lang="en-US" dirty="0"/>
+          </a:p>
+        </p:txBody>
+      </p:sp>
+      <p:sp>
+        <p:nvSpPr>
+          <p:cNvPr id="3" name="Content Placeholder 2"/>
+          <p:cNvSpPr>
+            <a:spLocks noGrp="1"/>
+          </p:cNvSpPr>
+          <p:nvPr>
+            <p:ph sz="quarter" idx="13"/>
+          </p:nvPr>
+        </p:nvSpPr>
+        <p:spPr>
+          <a:xfrm>
+            <a:off x="2938516" y="2420981"/>
+            <a:ext cx="10363826" cy="3424107"/>
+          </a:xfrm>
+        </p:spPr>
+        <p:txBody>
+          <a:bodyPr/>
+          <a:lstStyle/>
+          <a:p>
+            <a:r>
+              <a:rPr lang="en-US" dirty="0">
+                <a:latin typeface="Times New Roman" panose="02020603050405020304" pitchFamily="18" charset="0"/>
+                <a:cs typeface="Times New Roman" panose="02020603050405020304" pitchFamily="18" charset="0"/>
+              </a:rPr>
+              <a:t>Login Module</a:t>
+            </a:r>
+          </a:p>
+          <a:p>
+            <a:r>
+              <a:rPr lang="en-US" dirty="0" smtClean="0">
+                <a:latin typeface="Times New Roman" panose="02020603050405020304" pitchFamily="18" charset="0"/>
+                <a:cs typeface="Times New Roman" panose="02020603050405020304" pitchFamily="18" charset="0"/>
+              </a:rPr>
+              <a:t>Customer Registration </a:t>
+            </a:r>
+            <a:r>
+              <a:rPr lang="en-US" dirty="0">
+                <a:latin typeface="Times New Roman" panose="02020603050405020304" pitchFamily="18" charset="0"/>
+                <a:cs typeface="Times New Roman" panose="02020603050405020304" pitchFamily="18" charset="0"/>
+              </a:rPr>
+              <a:t>Module</a:t>
+            </a:r>
+          </a:p>
+          <a:p>
+            <a:r>
+              <a:rPr lang="en-US" dirty="0" smtClean="0">
+                <a:latin typeface="Times New Roman" panose="02020603050405020304" pitchFamily="18" charset="0"/>
+                <a:cs typeface="Times New Roman" panose="02020603050405020304" pitchFamily="18" charset="0"/>
+              </a:rPr>
+              <a:t>Search flight Module</a:t>
+            </a:r>
+          </a:p>
+          <a:p>
+            <a:r>
+              <a:rPr lang="en-US" dirty="0" smtClean="0">
+                <a:latin typeface="Times New Roman" panose="02020603050405020304" pitchFamily="18" charset="0"/>
+                <a:cs typeface="Times New Roman" panose="02020603050405020304" pitchFamily="18" charset="0"/>
+              </a:rPr>
+              <a:t>Booking Module</a:t>
+            </a:r>
+          </a:p>
+          <a:p>
+            <a:r>
+              <a:rPr lang="en-US" dirty="0" smtClean="0">
+                <a:latin typeface="Times New Roman" panose="02020603050405020304" pitchFamily="18" charset="0"/>
+                <a:cs typeface="Times New Roman" panose="02020603050405020304" pitchFamily="18" charset="0"/>
+              </a:rPr>
+              <a:t>View Booking Invoices Module</a:t>
+            </a:r>
+            <a:endParaRPr lang="en-US" dirty="0">
+              <a:latin typeface="Times New Roman" panose="02020603050405020304" pitchFamily="18" charset="0"/>
+              <a:cs typeface="Times New Roman" panose="02020603050405020304" pitchFamily="18" charset="0"/>
+            </a:endParaRPr>
+          </a:p>
+          <a:p>
+            <a:r>
+              <a:rPr lang="en-US" dirty="0" smtClean="0">
+                <a:latin typeface="Times New Roman" panose="02020603050405020304" pitchFamily="18" charset="0"/>
+                <a:cs typeface="Times New Roman" panose="02020603050405020304" pitchFamily="18" charset="0"/>
+              </a:rPr>
+              <a:t>Cancel Ticket Module</a:t>
+            </a:r>
+            <a:endParaRPr lang="en-US" dirty="0">
+              <a:latin typeface="Times New Roman" panose="02020603050405020304" pitchFamily="18" charset="0"/>
+              <a:cs typeface="Times New Roman" panose="02020603050405020304" pitchFamily="18" charset="0"/>
+            </a:endParaRPr>
+          </a:p>
+        </p:txBody>
+      </p:sp>
+    </p:spTree>
+    <p:extLst>
+      <p:ext uri="{BB962C8B-B14F-4D97-AF65-F5344CB8AC3E}">
+        <p14:creationId xmlns:p14="http://schemas.microsoft.com/office/powerpoint/2010/main" val="3343134290"/>
+      </p:ext>
+    </p:extLst>
+  </p:cSld>
+  <p:clrMapOvr>
+    <a:masterClrMapping/>
+  </p:clrMapOvr>
+  <p:timing>
+    <p:tnLst>
+      <p:par>
+        <p:cTn id="1" dur="indefinite" restart="never" nodeType="tmRoot"/>
+      </p:par>
+    </p:tnLst>
+  </p:timing>
+</p:sld>
+</file>
+
+<file path=ppt/slides/slide7.xml><?xml version="1.0" encoding="utf-8"?>
+<p:sld xmlns:a="http://schemas.openxmlformats.org/drawingml/2006/main" xmlns:r="http://schemas.openxmlformats.org/officeDocument/2006/relationships" xmlns:p="http://schemas.openxmlformats.org/presentationml/2006/main">
+  <p:cSld>
+    <p:spTree>
+      <p:nvGrpSpPr>
+        <p:cNvPr id="1" name=""/>
+        <p:cNvGrpSpPr/>
+        <p:nvPr/>
+      </p:nvGrpSpPr>
+      <p:grpSpPr>
+        <a:xfrm>
+          <a:off x="0" y="0"/>
+          <a:ext cx="0" cy="0"/>
+          <a:chOff x="0" y="0"/>
+          <a:chExt cx="0" cy="0"/>
+        </a:xfrm>
+      </p:grpSpPr>
+      <p:sp>
+        <p:nvSpPr>
+          <p:cNvPr id="2" name="Title 1"/>
+          <p:cNvSpPr>
+            <a:spLocks noGrp="1"/>
+          </p:cNvSpPr>
+          <p:nvPr>
+            <p:ph type="title"/>
+          </p:nvPr>
+        </p:nvSpPr>
+        <p:spPr>
+          <a:xfrm>
+            <a:off x="1471248" y="476794"/>
+            <a:ext cx="10018713" cy="1752599"/>
+          </a:xfrm>
+        </p:spPr>
+        <p:txBody>
+          <a:bodyPr/>
+          <a:lstStyle/>
+          <a:p>
+            <a:r>
+              <a:rPr lang="en-US" dirty="0" smtClean="0"/>
+              <a:t>FUNCTIONAL REQUIREMENTS</a:t>
+            </a:r>
+            <a:endParaRPr lang="en-US" dirty="0"/>
+          </a:p>
+        </p:txBody>
+      </p:sp>
+      <p:sp>
+        <p:nvSpPr>
+          <p:cNvPr id="3" name="Content Placeholder 2"/>
+          <p:cNvSpPr>
+            <a:spLocks noGrp="1"/>
+          </p:cNvSpPr>
+          <p:nvPr>
+            <p:ph sz="quarter" idx="13"/>
+          </p:nvPr>
+        </p:nvSpPr>
+        <p:spPr>
+          <a:xfrm>
+            <a:off x="2716448" y="3264076"/>
+            <a:ext cx="10363826" cy="3424107"/>
+          </a:xfrm>
+        </p:spPr>
+        <p:txBody>
+          <a:bodyPr>
+            <a:normAutofit lnSpcReduction="10000"/>
+          </a:bodyPr>
+          <a:lstStyle/>
+          <a:p>
+            <a:r>
+              <a:rPr lang="en-US" dirty="0" smtClean="0"/>
+              <a:t>Authentication  for users</a:t>
+            </a:r>
+          </a:p>
+          <a:p>
+            <a:r>
+              <a:rPr lang="en-US" dirty="0" smtClean="0"/>
+              <a:t>Displaying customers booking invoices</a:t>
+            </a:r>
+          </a:p>
+          <a:p>
+            <a:r>
+              <a:rPr lang="en-US" dirty="0" smtClean="0"/>
+              <a:t>Registering new customer</a:t>
+            </a:r>
+          </a:p>
+          <a:p>
+            <a:r>
+              <a:rPr lang="en-US" dirty="0" smtClean="0"/>
+              <a:t>Editing profile facility for existing customer</a:t>
+            </a:r>
+          </a:p>
+          <a:p>
+            <a:r>
+              <a:rPr lang="en-US" dirty="0" smtClean="0"/>
+              <a:t>Searching flight depending upon their need</a:t>
+            </a:r>
+          </a:p>
+          <a:p>
+            <a:r>
+              <a:rPr lang="en-US" dirty="0" smtClean="0"/>
+              <a:t>Booking seats based on availability </a:t>
+            </a:r>
+          </a:p>
+          <a:p>
+            <a:r>
+              <a:rPr lang="en-US" dirty="0" smtClean="0"/>
+              <a:t>Displaying refundable amount in case of ticket cancellation </a:t>
+            </a:r>
+          </a:p>
+          <a:p>
+            <a:pPr marL="0" indent="0">
+              <a:buNone/>
+            </a:pPr>
+            <a:endParaRPr lang="en-US" dirty="0" smtClean="0"/>
+          </a:p>
+          <a:p>
+            <a:endParaRPr lang="en-US" dirty="0" smtClean="0"/>
+          </a:p>
+          <a:p>
+            <a:endParaRPr lang="en-US" dirty="0"/>
+          </a:p>
+        </p:txBody>
+      </p:sp>
+    </p:spTree>
+    <p:extLst>
+      <p:ext uri="{BB962C8B-B14F-4D97-AF65-F5344CB8AC3E}">
+        <p14:creationId xmlns:p14="http://schemas.microsoft.com/office/powerpoint/2010/main" val="1913820236"/>
+      </p:ext>
+    </p:extLst>
+  </p:cSld>
+  <p:clrMapOvr>
+    <a:masterClrMapping/>
+  </p:clrMapOvr>
+</p:sld>
+</file>
+
+<file path=ppt/slides/slide8.xml><?xml version="1.0" encoding="utf-8"?>
+<p:sld xmlns:a="http://schemas.openxmlformats.org/drawingml/2006/main" xmlns:r="http://schemas.openxmlformats.org/officeDocument/2006/relationships" xmlns:p="http://schemas.openxmlformats.org/presentationml/2006/main">
+  <p:cSld>
+    <p:spTree>
+      <p:nvGrpSpPr>
+        <p:cNvPr id="1" name=""/>
+        <p:cNvGrpSpPr/>
+        <p:nvPr/>
+      </p:nvGrpSpPr>
+      <p:grpSpPr>
+        <a:xfrm>
+          <a:off x="0" y="0"/>
+          <a:ext cx="0" cy="0"/>
+          <a:chOff x="0" y="0"/>
+          <a:chExt cx="0" cy="0"/>
+        </a:xfrm>
+      </p:grpSpPr>
+      <p:sp>
+        <p:nvSpPr>
+          <p:cNvPr id="2" name="Title 1"/>
+          <p:cNvSpPr>
+            <a:spLocks noGrp="1"/>
+          </p:cNvSpPr>
+          <p:nvPr>
+            <p:ph type="title"/>
+          </p:nvPr>
+        </p:nvSpPr>
+        <p:spPr/>
+        <p:txBody>
+          <a:bodyPr/>
+          <a:lstStyle/>
+          <a:p>
+            <a:r>
+              <a:rPr lang="en-US" b="1" dirty="0"/>
+              <a:t>Non functional Requirements</a:t>
+            </a:r>
+            <a:br>
+              <a:rPr lang="en-US" b="1" dirty="0"/>
+            </a:br>
+            <a:endParaRPr lang="en-US" dirty="0"/>
+          </a:p>
+        </p:txBody>
+      </p:sp>
+      <p:sp>
+        <p:nvSpPr>
+          <p:cNvPr id="3" name="Content Placeholder 2"/>
+          <p:cNvSpPr>
+            <a:spLocks noGrp="1"/>
+          </p:cNvSpPr>
+          <p:nvPr>
+            <p:ph sz="quarter" idx="13"/>
+          </p:nvPr>
+        </p:nvSpPr>
+        <p:spPr>
+          <a:xfrm>
+            <a:off x="1997991" y="2184212"/>
+            <a:ext cx="10363826" cy="3424107"/>
+          </a:xfrm>
+        </p:spPr>
+        <p:txBody>
+          <a:bodyPr/>
+          <a:lstStyle/>
+          <a:p>
+            <a:r>
+              <a:rPr lang="en-US" b="1" dirty="0"/>
+              <a:t>UI </a:t>
+            </a:r>
+            <a:r>
+              <a:rPr lang="en-US" b="1" dirty="0" smtClean="0"/>
+              <a:t>Requirements</a:t>
+            </a:r>
+            <a:endParaRPr lang="en-US" b="1" dirty="0"/>
+          </a:p>
+          <a:p>
+            <a:pPr lvl="1"/>
+            <a:r>
+              <a:rPr lang="en-US" dirty="0"/>
+              <a:t>The front end should be user-friendly and pleasant</a:t>
+            </a:r>
+            <a:endParaRPr lang="en-US" sz="1400" dirty="0"/>
+          </a:p>
+          <a:p>
+            <a:pPr lvl="1"/>
+            <a:r>
+              <a:rPr lang="en-US" dirty="0"/>
+              <a:t>All entered values should be </a:t>
+            </a:r>
+            <a:r>
+              <a:rPr lang="en-US" dirty="0" smtClean="0"/>
+              <a:t>validated</a:t>
+            </a:r>
+          </a:p>
+          <a:p>
+            <a:r>
+              <a:rPr lang="en-US" b="1" dirty="0"/>
+              <a:t>Installation, Deployment &amp; Operational </a:t>
+            </a:r>
+            <a:r>
+              <a:rPr lang="en-US" b="1" dirty="0" smtClean="0"/>
+              <a:t>Requirements</a:t>
+            </a:r>
+            <a:endParaRPr lang="en-US" b="1" dirty="0"/>
+          </a:p>
+          <a:p>
+            <a:pPr lvl="1"/>
+            <a:r>
+              <a:rPr lang="en-US" dirty="0" smtClean="0"/>
+              <a:t>Needs Apache </a:t>
+            </a:r>
+            <a:r>
+              <a:rPr lang="en-US" dirty="0"/>
+              <a:t>Tomcat server for deployment with MySQL 5.5 database for </a:t>
+            </a:r>
+            <a:r>
+              <a:rPr lang="en-US" dirty="0" smtClean="0"/>
+              <a:t>persistence</a:t>
+            </a:r>
+            <a:endParaRPr lang="en-US" dirty="0"/>
+          </a:p>
+          <a:p>
+            <a:pPr lvl="1"/>
+            <a:r>
+              <a:rPr lang="en-US" dirty="0" smtClean="0"/>
+              <a:t>Should run </a:t>
+            </a:r>
+            <a:r>
+              <a:rPr lang="en-US" dirty="0"/>
+              <a:t>on Windows or Linux </a:t>
+            </a:r>
+            <a:r>
+              <a:rPr lang="en-US" dirty="0" smtClean="0"/>
+              <a:t>platform.</a:t>
+            </a:r>
+          </a:p>
+        </p:txBody>
+      </p:sp>
+    </p:spTree>
+    <p:extLst>
+      <p:ext uri="{BB962C8B-B14F-4D97-AF65-F5344CB8AC3E}">
+        <p14:creationId xmlns:p14="http://schemas.microsoft.com/office/powerpoint/2010/main" val="4079320871"/>
+      </p:ext>
+    </p:extLst>
+  </p:cSld>
+  <p:clrMapOvr>
+    <a:masterClrMapping/>
+  </p:clrMapOvr>
+  <p:timing>
+    <p:tnLst>
+      <p:par>
+        <p:cTn id="1" dur="indefinite" restart="never" nodeType="tmRoot"/>
+      </p:par>
+    </p:tnLst>
+  </p:timing>
+</p:sld>
+</file>
+
 <file path=ppt/slides/slide9.xml><?xml version="1.0" encoding="utf-8"?>
 <p:sld xmlns:a="http://schemas.openxmlformats.org/drawingml/2006/main" xmlns:r="http://schemas.openxmlformats.org/officeDocument/2006/relationships" xmlns:p="http://schemas.openxmlformats.org/presentationml/2006/main">
   <p:cSld>
@@ -8079,47 +8486,132 @@
       </p:grpSpPr>
       <p:sp>
         <p:nvSpPr>
-          <p:cNvPr id="2" name="TextBox 1"/>
-          <p:cNvSpPr txBox="1"/>
-          <p:nvPr/>
+          <p:cNvPr id="2" name="Title 1"/>
+          <p:cNvSpPr>
+            <a:spLocks noGrp="1"/>
+          </p:cNvSpPr>
+          <p:nvPr>
+            <p:ph type="title"/>
+          </p:nvPr>
+        </p:nvSpPr>
+        <p:spPr/>
+        <p:txBody>
+          <a:bodyPr>
+            <a:normAutofit/>
+          </a:bodyPr>
+          <a:lstStyle/>
+          <a:p>
+            <a:r>
+              <a:rPr lang="en-US" sz="4400" dirty="0" smtClean="0"/>
+              <a:t>Software System Requirements</a:t>
+            </a:r>
+            <a:endParaRPr lang="en-US" sz="4400" dirty="0"/>
+          </a:p>
+        </p:txBody>
+      </p:sp>
+      <p:sp>
+        <p:nvSpPr>
+          <p:cNvPr id="3" name="Content Placeholder 2"/>
+          <p:cNvSpPr>
+            <a:spLocks noGrp="1"/>
+          </p:cNvSpPr>
+          <p:nvPr>
+            <p:ph sz="quarter" idx="13"/>
+          </p:nvPr>
         </p:nvSpPr>
         <p:spPr>
           <a:xfrm>
-            <a:off x="4402183" y="2312125"/>
-            <a:ext cx="4467497" cy="1200329"/>
+            <a:off x="1828174" y="2438399"/>
+            <a:ext cx="10363826" cy="3424107"/>
           </a:xfrm>
-          <a:prstGeom prst="rect">
-            <a:avLst/>
-          </a:prstGeom>
-          <a:noFill/>
         </p:spPr>
         <p:txBody>
-          <a:bodyPr wrap="square" rtlCol="0">
-            <a:spAutoFit/>
-          </a:bodyPr>
-          <a:lstStyle/>
-          <a:p>
-            <a:endParaRPr lang="en-US" sz="3600" dirty="0" smtClean="0"/>
-          </a:p>
-          <a:p>
-            <a:r>
-              <a:rPr lang="en-US" sz="3600" dirty="0" smtClean="0"/>
-              <a:t>THANK YOU</a:t>
-            </a:r>
-            <a:endParaRPr lang="en-US" sz="3600" dirty="0"/>
+          <a:bodyPr/>
+          <a:lstStyle/>
+          <a:p>
+            <a:r>
+              <a:rPr lang="en-US" dirty="0" smtClean="0"/>
+              <a:t>an </a:t>
+            </a:r>
+            <a:r>
+              <a:rPr lang="en-US" dirty="0"/>
+              <a:t>independent system </a:t>
+            </a:r>
+            <a:r>
+              <a:rPr lang="en-US" dirty="0" smtClean="0"/>
+              <a:t>,implemented </a:t>
+            </a:r>
+            <a:r>
+              <a:rPr lang="en-US" dirty="0"/>
+              <a:t>using </a:t>
+            </a:r>
+            <a:r>
+              <a:rPr lang="en-US" b="1" dirty="0"/>
+              <a:t>J2EE technologies</a:t>
+            </a:r>
+            <a:r>
+              <a:rPr lang="en-US" dirty="0"/>
+              <a:t>.</a:t>
+            </a:r>
+          </a:p>
+          <a:p>
+            <a:r>
+              <a:rPr lang="en-US" dirty="0"/>
+              <a:t>When a user  connects to </a:t>
+            </a:r>
+            <a:r>
+              <a:rPr lang="en-US" dirty="0" smtClean="0"/>
+              <a:t>the Web </a:t>
+            </a:r>
+            <a:r>
+              <a:rPr lang="en-US" dirty="0"/>
+              <a:t>Server, </a:t>
+            </a:r>
+            <a:r>
+              <a:rPr lang="en-US" dirty="0" smtClean="0"/>
+              <a:t>the Web </a:t>
+            </a:r>
+            <a:r>
+              <a:rPr lang="en-US" dirty="0"/>
+              <a:t>Server will interact with the Database after processing the business logic to transfer data to and from a database.</a:t>
+            </a:r>
+          </a:p>
+          <a:p>
+            <a:pPr lvl="1"/>
+            <a:r>
+              <a:rPr lang="en-US" b="1" dirty="0"/>
+              <a:t>Apache Tomcat 7.0 Web Server.</a:t>
+            </a:r>
+          </a:p>
+          <a:p>
+            <a:pPr lvl="1"/>
+            <a:r>
+              <a:rPr lang="en-US" b="1" dirty="0"/>
+              <a:t>MySQL database for data storage </a:t>
+            </a:r>
+          </a:p>
+          <a:p>
+            <a:endParaRPr lang="en-US" dirty="0"/>
           </a:p>
         </p:txBody>
       </p:sp>
     </p:spTree>
     <p:extLst>
       <p:ext uri="{BB962C8B-B14F-4D97-AF65-F5344CB8AC3E}">
-        <p14:creationId xmlns:p14="http://schemas.microsoft.com/office/powerpoint/2010/main" val="255129878"/>
+        <p14:creationId xmlns:p14="http://schemas.microsoft.com/office/powerpoint/2010/main" val="2700076377"/>
       </p:ext>
     </p:extLst>
   </p:cSld>
   <p:clrMapOvr>
     <a:masterClrMapping/>
   </p:clrMapOvr>
+  <p:timing>
+    <p:tnLst>
+      <p:par>
+        <p:cTn id="1" dur="indefinite" restart="never" nodeType="tmRoot"/>
+      </p:par>
+    </p:tnLst>
+  </p:timing>
 </p:sld>
 </file>
 
